--- a/Plan/Report.pptx
+++ b/Plan/Report.pptx
@@ -5,20 +5,21 @@
     <p:sldMasterId id="2147483648" r:id="rId2"/>
     <p:sldMasterId id="2147483661" r:id="rId3"/>
     <p:sldMasterId id="2147483674" r:id="rId4"/>
-    <p:sldMasterId id="2147483687" r:id="rId5"/>
   </p:sldMasterIdLst>
   <p:sldIdLst>
-    <p:sldId id="256" r:id="rId6"/>
-    <p:sldId id="257" r:id="rId7"/>
-    <p:sldId id="258" r:id="rId8"/>
-    <p:sldId id="259" r:id="rId9"/>
-    <p:sldId id="260" r:id="rId10"/>
-    <p:sldId id="261" r:id="rId11"/>
-    <p:sldId id="262" r:id="rId12"/>
-    <p:sldId id="263" r:id="rId13"/>
-    <p:sldId id="264" r:id="rId14"/>
-    <p:sldId id="265" r:id="rId15"/>
-    <p:sldId id="266" r:id="rId16"/>
+    <p:sldId id="256" r:id="rId5"/>
+    <p:sldId id="257" r:id="rId6"/>
+    <p:sldId id="258" r:id="rId7"/>
+    <p:sldId id="259" r:id="rId8"/>
+    <p:sldId id="260" r:id="rId9"/>
+    <p:sldId id="261" r:id="rId10"/>
+    <p:sldId id="262" r:id="rId11"/>
+    <p:sldId id="263" r:id="rId12"/>
+    <p:sldId id="264" r:id="rId13"/>
+    <p:sldId id="265" r:id="rId14"/>
+    <p:sldId id="266" r:id="rId15"/>
+    <p:sldId id="267" r:id="rId16"/>
+    <p:sldId id="268" r:id="rId17"/>
   </p:sldIdLst>
   <p:sldSz cx="10080625" cy="5670550"/>
   <p:notesSz cx="7772400" cy="10058400"/>
@@ -76,8 +77,8 @@
         </p:nvSpPr>
         <p:spPr>
           <a:xfrm>
-            <a:off x="504000" y="2376360"/>
-            <a:ext cx="9072360" cy="946800"/>
+            <a:off x="504000" y="226080"/>
+            <a:ext cx="9072000" cy="946440"/>
           </a:xfrm>
           <a:prstGeom prst="rect">
             <a:avLst/>
@@ -85,15 +86,12 @@
         </p:spPr>
         <p:txBody>
           <a:bodyPr lIns="0" rIns="0" tIns="0" bIns="0" anchor="ctr">
-            <a:normAutofit/>
+            <a:spAutoFit/>
           </a:bodyPr>
           <a:p>
             <a:pPr algn="ctr"/>
-            <a:endParaRPr b="0" lang="en-US" sz="3110" spc="-1" strike="noStrike">
-              <a:solidFill>
-                <a:srgbClr val="000000"/>
-              </a:solidFill>
-              <a:latin typeface="Times New Roman"/>
+            <a:endParaRPr b="0" lang="en-US" sz="4400" spc="-1" strike="noStrike">
+              <a:latin typeface="Arial"/>
             </a:endParaRPr>
           </a:p>
         </p:txBody>
@@ -110,8 +108,8 @@
         </p:nvSpPr>
         <p:spPr>
           <a:xfrm>
-            <a:off x="504000" y="3564360"/>
-            <a:ext cx="8870760" cy="1375200"/>
+            <a:off x="504000" y="1326600"/>
+            <a:ext cx="9072000" cy="1568520"/>
           </a:xfrm>
           <a:prstGeom prst="rect">
             <a:avLst/>
@@ -122,16 +120,8 @@
             <a:normAutofit/>
           </a:bodyPr>
           <a:p>
-            <a:pPr algn="ctr">
-              <a:spcAft>
-                <a:spcPts val="1057"/>
-              </a:spcAft>
-            </a:pPr>
-            <a:endParaRPr b="0" lang="en-US" sz="2400" spc="-1" strike="noStrike">
-              <a:solidFill>
-                <a:srgbClr val="000000"/>
-              </a:solidFill>
-              <a:latin typeface="Times New Roman"/>
+            <a:endParaRPr b="0" lang="en-US" sz="3200" spc="-1" strike="noStrike">
+              <a:latin typeface="Arial"/>
             </a:endParaRPr>
           </a:p>
         </p:txBody>
@@ -148,8 +138,8 @@
         </p:nvSpPr>
         <p:spPr>
           <a:xfrm>
-            <a:off x="504000" y="5070600"/>
-            <a:ext cx="8870760" cy="1375200"/>
+            <a:off x="504000" y="3044520"/>
+            <a:ext cx="9072000" cy="1568520"/>
           </a:xfrm>
           <a:prstGeom prst="rect">
             <a:avLst/>
@@ -160,16 +150,8 @@
             <a:normAutofit/>
           </a:bodyPr>
           <a:p>
-            <a:pPr algn="ctr">
-              <a:spcAft>
-                <a:spcPts val="1057"/>
-              </a:spcAft>
-            </a:pPr>
-            <a:endParaRPr b="0" lang="en-US" sz="2400" spc="-1" strike="noStrike">
-              <a:solidFill>
-                <a:srgbClr val="000000"/>
-              </a:solidFill>
-              <a:latin typeface="Times New Roman"/>
+            <a:endParaRPr b="0" lang="en-US" sz="3200" spc="-1" strike="noStrike">
+              <a:latin typeface="Arial"/>
             </a:endParaRPr>
           </a:p>
         </p:txBody>
@@ -208,8 +190,8 @@
         </p:nvSpPr>
         <p:spPr>
           <a:xfrm>
-            <a:off x="504000" y="2376360"/>
-            <a:ext cx="9072360" cy="946800"/>
+            <a:off x="504000" y="226080"/>
+            <a:ext cx="9072000" cy="946440"/>
           </a:xfrm>
           <a:prstGeom prst="rect">
             <a:avLst/>
@@ -217,15 +199,12 @@
         </p:spPr>
         <p:txBody>
           <a:bodyPr lIns="0" rIns="0" tIns="0" bIns="0" anchor="ctr">
-            <a:normAutofit/>
+            <a:spAutoFit/>
           </a:bodyPr>
           <a:p>
             <a:pPr algn="ctr"/>
-            <a:endParaRPr b="0" lang="en-US" sz="3110" spc="-1" strike="noStrike">
-              <a:solidFill>
-                <a:srgbClr val="000000"/>
-              </a:solidFill>
-              <a:latin typeface="Times New Roman"/>
+            <a:endParaRPr b="0" lang="en-US" sz="4400" spc="-1" strike="noStrike">
+              <a:latin typeface="Arial"/>
             </a:endParaRPr>
           </a:p>
         </p:txBody>
@@ -242,8 +221,8 @@
         </p:nvSpPr>
         <p:spPr>
           <a:xfrm>
-            <a:off x="504000" y="3564360"/>
-            <a:ext cx="4328640" cy="1375200"/>
+            <a:off x="504000" y="1326600"/>
+            <a:ext cx="4426920" cy="1568520"/>
           </a:xfrm>
           <a:prstGeom prst="rect">
             <a:avLst/>
@@ -254,16 +233,8 @@
             <a:normAutofit/>
           </a:bodyPr>
           <a:p>
-            <a:pPr algn="ctr">
-              <a:spcAft>
-                <a:spcPts val="1057"/>
-              </a:spcAft>
-            </a:pPr>
-            <a:endParaRPr b="0" lang="en-US" sz="2400" spc="-1" strike="noStrike">
-              <a:solidFill>
-                <a:srgbClr val="000000"/>
-              </a:solidFill>
-              <a:latin typeface="Times New Roman"/>
+            <a:endParaRPr b="0" lang="en-US" sz="3200" spc="-1" strike="noStrike">
+              <a:latin typeface="Arial"/>
             </a:endParaRPr>
           </a:p>
         </p:txBody>
@@ -280,8 +251,8 @@
         </p:nvSpPr>
         <p:spPr>
           <a:xfrm>
-            <a:off x="5049360" y="3564360"/>
-            <a:ext cx="4328640" cy="1375200"/>
+            <a:off x="5152680" y="1326600"/>
+            <a:ext cx="4426920" cy="1568520"/>
           </a:xfrm>
           <a:prstGeom prst="rect">
             <a:avLst/>
@@ -292,16 +263,8 @@
             <a:normAutofit/>
           </a:bodyPr>
           <a:p>
-            <a:pPr algn="ctr">
-              <a:spcAft>
-                <a:spcPts val="1057"/>
-              </a:spcAft>
-            </a:pPr>
-            <a:endParaRPr b="0" lang="en-US" sz="2400" spc="-1" strike="noStrike">
-              <a:solidFill>
-                <a:srgbClr val="000000"/>
-              </a:solidFill>
-              <a:latin typeface="Times New Roman"/>
+            <a:endParaRPr b="0" lang="en-US" sz="3200" spc="-1" strike="noStrike">
+              <a:latin typeface="Arial"/>
             </a:endParaRPr>
           </a:p>
         </p:txBody>
@@ -318,8 +281,8 @@
         </p:nvSpPr>
         <p:spPr>
           <a:xfrm>
-            <a:off x="504000" y="5070600"/>
-            <a:ext cx="4328640" cy="1375200"/>
+            <a:off x="504000" y="3044520"/>
+            <a:ext cx="4426920" cy="1568520"/>
           </a:xfrm>
           <a:prstGeom prst="rect">
             <a:avLst/>
@@ -330,16 +293,8 @@
             <a:normAutofit/>
           </a:bodyPr>
           <a:p>
-            <a:pPr algn="ctr">
-              <a:spcAft>
-                <a:spcPts val="1057"/>
-              </a:spcAft>
-            </a:pPr>
-            <a:endParaRPr b="0" lang="en-US" sz="2400" spc="-1" strike="noStrike">
-              <a:solidFill>
-                <a:srgbClr val="000000"/>
-              </a:solidFill>
-              <a:latin typeface="Times New Roman"/>
+            <a:endParaRPr b="0" lang="en-US" sz="3200" spc="-1" strike="noStrike">
+              <a:latin typeface="Arial"/>
             </a:endParaRPr>
           </a:p>
         </p:txBody>
@@ -356,8 +311,8 @@
         </p:nvSpPr>
         <p:spPr>
           <a:xfrm>
-            <a:off x="5049360" y="5070600"/>
-            <a:ext cx="4328640" cy="1375200"/>
+            <a:off x="5152680" y="3044520"/>
+            <a:ext cx="4426920" cy="1568520"/>
           </a:xfrm>
           <a:prstGeom prst="rect">
             <a:avLst/>
@@ -368,16 +323,8 @@
             <a:normAutofit/>
           </a:bodyPr>
           <a:p>
-            <a:pPr algn="ctr">
-              <a:spcAft>
-                <a:spcPts val="1057"/>
-              </a:spcAft>
-            </a:pPr>
-            <a:endParaRPr b="0" lang="en-US" sz="2400" spc="-1" strike="noStrike">
-              <a:solidFill>
-                <a:srgbClr val="000000"/>
-              </a:solidFill>
-              <a:latin typeface="Times New Roman"/>
+            <a:endParaRPr b="0" lang="en-US" sz="3200" spc="-1" strike="noStrike">
+              <a:latin typeface="Arial"/>
             </a:endParaRPr>
           </a:p>
         </p:txBody>
@@ -416,8 +363,8 @@
         </p:nvSpPr>
         <p:spPr>
           <a:xfrm>
-            <a:off x="504000" y="2376360"/>
-            <a:ext cx="9072360" cy="946800"/>
+            <a:off x="504000" y="226080"/>
+            <a:ext cx="9072000" cy="946440"/>
           </a:xfrm>
           <a:prstGeom prst="rect">
             <a:avLst/>
@@ -425,15 +372,12 @@
         </p:spPr>
         <p:txBody>
           <a:bodyPr lIns="0" rIns="0" tIns="0" bIns="0" anchor="ctr">
-            <a:normAutofit/>
+            <a:spAutoFit/>
           </a:bodyPr>
           <a:p>
             <a:pPr algn="ctr"/>
-            <a:endParaRPr b="0" lang="en-US" sz="3110" spc="-1" strike="noStrike">
-              <a:solidFill>
-                <a:srgbClr val="000000"/>
-              </a:solidFill>
-              <a:latin typeface="Times New Roman"/>
+            <a:endParaRPr b="0" lang="en-US" sz="4400" spc="-1" strike="noStrike">
+              <a:latin typeface="Arial"/>
             </a:endParaRPr>
           </a:p>
         </p:txBody>
@@ -450,8 +394,8 @@
         </p:nvSpPr>
         <p:spPr>
           <a:xfrm>
-            <a:off x="504000" y="3564360"/>
-            <a:ext cx="2856240" cy="1375200"/>
+            <a:off x="504000" y="1326600"/>
+            <a:ext cx="2921040" cy="1568520"/>
           </a:xfrm>
           <a:prstGeom prst="rect">
             <a:avLst/>
@@ -462,16 +406,8 @@
             <a:normAutofit/>
           </a:bodyPr>
           <a:p>
-            <a:pPr algn="ctr">
-              <a:spcAft>
-                <a:spcPts val="1057"/>
-              </a:spcAft>
-            </a:pPr>
-            <a:endParaRPr b="0" lang="en-US" sz="2400" spc="-1" strike="noStrike">
-              <a:solidFill>
-                <a:srgbClr val="000000"/>
-              </a:solidFill>
-              <a:latin typeface="Times New Roman"/>
+            <a:endParaRPr b="0" lang="en-US" sz="3200" spc="-1" strike="noStrike">
+              <a:latin typeface="Arial"/>
             </a:endParaRPr>
           </a:p>
         </p:txBody>
@@ -488,8 +424,8 @@
         </p:nvSpPr>
         <p:spPr>
           <a:xfrm>
-            <a:off x="3503520" y="3564360"/>
-            <a:ext cx="2856240" cy="1375200"/>
+            <a:off x="3571560" y="1326600"/>
+            <a:ext cx="2921040" cy="1568520"/>
           </a:xfrm>
           <a:prstGeom prst="rect">
             <a:avLst/>
@@ -500,16 +436,8 @@
             <a:normAutofit/>
           </a:bodyPr>
           <a:p>
-            <a:pPr algn="ctr">
-              <a:spcAft>
-                <a:spcPts val="1057"/>
-              </a:spcAft>
-            </a:pPr>
-            <a:endParaRPr b="0" lang="en-US" sz="2400" spc="-1" strike="noStrike">
-              <a:solidFill>
-                <a:srgbClr val="000000"/>
-              </a:solidFill>
-              <a:latin typeface="Times New Roman"/>
+            <a:endParaRPr b="0" lang="en-US" sz="3200" spc="-1" strike="noStrike">
+              <a:latin typeface="Arial"/>
             </a:endParaRPr>
           </a:p>
         </p:txBody>
@@ -526,8 +454,8 @@
         </p:nvSpPr>
         <p:spPr>
           <a:xfrm>
-            <a:off x="6503040" y="3564360"/>
-            <a:ext cx="2856240" cy="1375200"/>
+            <a:off x="6639120" y="1326600"/>
+            <a:ext cx="2921040" cy="1568520"/>
           </a:xfrm>
           <a:prstGeom prst="rect">
             <a:avLst/>
@@ -538,16 +466,8 @@
             <a:normAutofit/>
           </a:bodyPr>
           <a:p>
-            <a:pPr algn="ctr">
-              <a:spcAft>
-                <a:spcPts val="1057"/>
-              </a:spcAft>
-            </a:pPr>
-            <a:endParaRPr b="0" lang="en-US" sz="2400" spc="-1" strike="noStrike">
-              <a:solidFill>
-                <a:srgbClr val="000000"/>
-              </a:solidFill>
-              <a:latin typeface="Times New Roman"/>
+            <a:endParaRPr b="0" lang="en-US" sz="3200" spc="-1" strike="noStrike">
+              <a:latin typeface="Arial"/>
             </a:endParaRPr>
           </a:p>
         </p:txBody>
@@ -564,8 +484,8 @@
         </p:nvSpPr>
         <p:spPr>
           <a:xfrm>
-            <a:off x="504000" y="5070600"/>
-            <a:ext cx="2856240" cy="1375200"/>
+            <a:off x="504000" y="3044520"/>
+            <a:ext cx="2921040" cy="1568520"/>
           </a:xfrm>
           <a:prstGeom prst="rect">
             <a:avLst/>
@@ -576,16 +496,8 @@
             <a:normAutofit/>
           </a:bodyPr>
           <a:p>
-            <a:pPr algn="ctr">
-              <a:spcAft>
-                <a:spcPts val="1057"/>
-              </a:spcAft>
-            </a:pPr>
-            <a:endParaRPr b="0" lang="en-US" sz="2400" spc="-1" strike="noStrike">
-              <a:solidFill>
-                <a:srgbClr val="000000"/>
-              </a:solidFill>
-              <a:latin typeface="Times New Roman"/>
+            <a:endParaRPr b="0" lang="en-US" sz="3200" spc="-1" strike="noStrike">
+              <a:latin typeface="Arial"/>
             </a:endParaRPr>
           </a:p>
         </p:txBody>
@@ -602,8 +514,8 @@
         </p:nvSpPr>
         <p:spPr>
           <a:xfrm>
-            <a:off x="3503520" y="5070600"/>
-            <a:ext cx="2856240" cy="1375200"/>
+            <a:off x="3571560" y="3044520"/>
+            <a:ext cx="2921040" cy="1568520"/>
           </a:xfrm>
           <a:prstGeom prst="rect">
             <a:avLst/>
@@ -614,16 +526,8 @@
             <a:normAutofit/>
           </a:bodyPr>
           <a:p>
-            <a:pPr algn="ctr">
-              <a:spcAft>
-                <a:spcPts val="1057"/>
-              </a:spcAft>
-            </a:pPr>
-            <a:endParaRPr b="0" lang="en-US" sz="2400" spc="-1" strike="noStrike">
-              <a:solidFill>
-                <a:srgbClr val="000000"/>
-              </a:solidFill>
-              <a:latin typeface="Times New Roman"/>
+            <a:endParaRPr b="0" lang="en-US" sz="3200" spc="-1" strike="noStrike">
+              <a:latin typeface="Arial"/>
             </a:endParaRPr>
           </a:p>
         </p:txBody>
@@ -640,8 +544,8 @@
         </p:nvSpPr>
         <p:spPr>
           <a:xfrm>
-            <a:off x="6503040" y="5070600"/>
-            <a:ext cx="2856240" cy="1375200"/>
+            <a:off x="6639120" y="3044520"/>
+            <a:ext cx="2921040" cy="1568520"/>
           </a:xfrm>
           <a:prstGeom prst="rect">
             <a:avLst/>
@@ -652,16 +556,8 @@
             <a:normAutofit/>
           </a:bodyPr>
           <a:p>
-            <a:pPr algn="ctr">
-              <a:spcAft>
-                <a:spcPts val="1057"/>
-              </a:spcAft>
-            </a:pPr>
-            <a:endParaRPr b="0" lang="en-US" sz="2400" spc="-1" strike="noStrike">
-              <a:solidFill>
-                <a:srgbClr val="000000"/>
-              </a:solidFill>
-              <a:latin typeface="Times New Roman"/>
+            <a:endParaRPr b="0" lang="en-US" sz="3200" spc="-1" strike="noStrike">
+              <a:latin typeface="Arial"/>
             </a:endParaRPr>
           </a:p>
         </p:txBody>
@@ -722,8 +618,8 @@
         </p:nvSpPr>
         <p:spPr>
           <a:xfrm>
-            <a:off x="504000" y="2376360"/>
-            <a:ext cx="9072360" cy="946800"/>
+            <a:off x="504000" y="226080"/>
+            <a:ext cx="9072000" cy="946440"/>
           </a:xfrm>
           <a:prstGeom prst="rect">
             <a:avLst/>
@@ -731,15 +627,12 @@
         </p:spPr>
         <p:txBody>
           <a:bodyPr lIns="0" rIns="0" tIns="0" bIns="0" anchor="ctr">
-            <a:normAutofit/>
+            <a:spAutoFit/>
           </a:bodyPr>
           <a:p>
             <a:pPr algn="ctr"/>
-            <a:endParaRPr b="0" lang="en-US" sz="3110" spc="-1" strike="noStrike">
-              <a:solidFill>
-                <a:srgbClr val="000000"/>
-              </a:solidFill>
-              <a:latin typeface="Times New Roman"/>
+            <a:endParaRPr b="0" lang="en-US" sz="4400" spc="-1" strike="noStrike">
+              <a:latin typeface="Arial"/>
             </a:endParaRPr>
           </a:p>
         </p:txBody>
@@ -756,8 +649,8 @@
         </p:nvSpPr>
         <p:spPr>
           <a:xfrm>
-            <a:off x="504000" y="3564360"/>
-            <a:ext cx="8870760" cy="2883240"/>
+            <a:off x="504000" y="1326600"/>
+            <a:ext cx="9072000" cy="3288600"/>
           </a:xfrm>
           <a:prstGeom prst="rect">
             <a:avLst/>
@@ -809,8 +702,8 @@
         </p:nvSpPr>
         <p:spPr>
           <a:xfrm>
-            <a:off x="504000" y="2376360"/>
-            <a:ext cx="9072360" cy="946800"/>
+            <a:off x="504000" y="226080"/>
+            <a:ext cx="9072000" cy="946440"/>
           </a:xfrm>
           <a:prstGeom prst="rect">
             <a:avLst/>
@@ -818,15 +711,12 @@
         </p:spPr>
         <p:txBody>
           <a:bodyPr lIns="0" rIns="0" tIns="0" bIns="0" anchor="ctr">
-            <a:normAutofit/>
+            <a:spAutoFit/>
           </a:bodyPr>
           <a:p>
             <a:pPr algn="ctr"/>
-            <a:endParaRPr b="0" lang="en-US" sz="3110" spc="-1" strike="noStrike">
-              <a:solidFill>
-                <a:srgbClr val="000000"/>
-              </a:solidFill>
-              <a:latin typeface="Times New Roman"/>
+            <a:endParaRPr b="0" lang="en-US" sz="4400" spc="-1" strike="noStrike">
+              <a:latin typeface="Arial"/>
             </a:endParaRPr>
           </a:p>
         </p:txBody>
@@ -843,8 +733,8 @@
         </p:nvSpPr>
         <p:spPr>
           <a:xfrm>
-            <a:off x="504000" y="3564360"/>
-            <a:ext cx="8870760" cy="2883240"/>
+            <a:off x="504000" y="1326600"/>
+            <a:ext cx="9072000" cy="3288600"/>
           </a:xfrm>
           <a:prstGeom prst="rect">
             <a:avLst/>
@@ -855,16 +745,8 @@
             <a:normAutofit/>
           </a:bodyPr>
           <a:p>
-            <a:pPr algn="ctr">
-              <a:spcAft>
-                <a:spcPts val="1057"/>
-              </a:spcAft>
-            </a:pPr>
-            <a:endParaRPr b="0" lang="en-US" sz="2400" spc="-1" strike="noStrike">
-              <a:solidFill>
-                <a:srgbClr val="000000"/>
-              </a:solidFill>
-              <a:latin typeface="Times New Roman"/>
+            <a:endParaRPr b="0" lang="en-US" sz="3200" spc="-1" strike="noStrike">
+              <a:latin typeface="Arial"/>
             </a:endParaRPr>
           </a:p>
         </p:txBody>
@@ -903,8 +785,8 @@
         </p:nvSpPr>
         <p:spPr>
           <a:xfrm>
-            <a:off x="504000" y="2376360"/>
-            <a:ext cx="9072360" cy="946800"/>
+            <a:off x="504000" y="226080"/>
+            <a:ext cx="9072000" cy="946440"/>
           </a:xfrm>
           <a:prstGeom prst="rect">
             <a:avLst/>
@@ -912,15 +794,12 @@
         </p:spPr>
         <p:txBody>
           <a:bodyPr lIns="0" rIns="0" tIns="0" bIns="0" anchor="ctr">
-            <a:normAutofit/>
+            <a:spAutoFit/>
           </a:bodyPr>
           <a:p>
             <a:pPr algn="ctr"/>
-            <a:endParaRPr b="0" lang="en-US" sz="3110" spc="-1" strike="noStrike">
-              <a:solidFill>
-                <a:srgbClr val="000000"/>
-              </a:solidFill>
-              <a:latin typeface="Times New Roman"/>
+            <a:endParaRPr b="0" lang="en-US" sz="4400" spc="-1" strike="noStrike">
+              <a:latin typeface="Arial"/>
             </a:endParaRPr>
           </a:p>
         </p:txBody>
@@ -937,8 +816,8 @@
         </p:nvSpPr>
         <p:spPr>
           <a:xfrm>
-            <a:off x="504000" y="3564360"/>
-            <a:ext cx="4328640" cy="2883240"/>
+            <a:off x="504000" y="1326600"/>
+            <a:ext cx="4426920" cy="3288600"/>
           </a:xfrm>
           <a:prstGeom prst="rect">
             <a:avLst/>
@@ -949,16 +828,8 @@
             <a:normAutofit/>
           </a:bodyPr>
           <a:p>
-            <a:pPr algn="ctr">
-              <a:spcAft>
-                <a:spcPts val="1057"/>
-              </a:spcAft>
-            </a:pPr>
-            <a:endParaRPr b="0" lang="en-US" sz="2400" spc="-1" strike="noStrike">
-              <a:solidFill>
-                <a:srgbClr val="000000"/>
-              </a:solidFill>
-              <a:latin typeface="Times New Roman"/>
+            <a:endParaRPr b="0" lang="en-US" sz="3200" spc="-1" strike="noStrike">
+              <a:latin typeface="Arial"/>
             </a:endParaRPr>
           </a:p>
         </p:txBody>
@@ -975,8 +846,8 @@
         </p:nvSpPr>
         <p:spPr>
           <a:xfrm>
-            <a:off x="5049360" y="3564360"/>
-            <a:ext cx="4328640" cy="2883240"/>
+            <a:off x="5152680" y="1326600"/>
+            <a:ext cx="4426920" cy="3288600"/>
           </a:xfrm>
           <a:prstGeom prst="rect">
             <a:avLst/>
@@ -987,16 +858,8 @@
             <a:normAutofit/>
           </a:bodyPr>
           <a:p>
-            <a:pPr algn="ctr">
-              <a:spcAft>
-                <a:spcPts val="1057"/>
-              </a:spcAft>
-            </a:pPr>
-            <a:endParaRPr b="0" lang="en-US" sz="2400" spc="-1" strike="noStrike">
-              <a:solidFill>
-                <a:srgbClr val="000000"/>
-              </a:solidFill>
-              <a:latin typeface="Times New Roman"/>
+            <a:endParaRPr b="0" lang="en-US" sz="3200" spc="-1" strike="noStrike">
+              <a:latin typeface="Arial"/>
             </a:endParaRPr>
           </a:p>
         </p:txBody>
@@ -1035,8 +898,8 @@
         </p:nvSpPr>
         <p:spPr>
           <a:xfrm>
-            <a:off x="504000" y="2376360"/>
-            <a:ext cx="9072360" cy="946800"/>
+            <a:off x="504000" y="226080"/>
+            <a:ext cx="9072000" cy="946440"/>
           </a:xfrm>
           <a:prstGeom prst="rect">
             <a:avLst/>
@@ -1044,15 +907,12 @@
         </p:spPr>
         <p:txBody>
           <a:bodyPr lIns="0" rIns="0" tIns="0" bIns="0" anchor="ctr">
-            <a:normAutofit/>
+            <a:spAutoFit/>
           </a:bodyPr>
           <a:p>
             <a:pPr algn="ctr"/>
-            <a:endParaRPr b="0" lang="en-US" sz="3110" spc="-1" strike="noStrike">
-              <a:solidFill>
-                <a:srgbClr val="000000"/>
-              </a:solidFill>
-              <a:latin typeface="Times New Roman"/>
+            <a:endParaRPr b="0" lang="en-US" sz="4400" spc="-1" strike="noStrike">
+              <a:latin typeface="Arial"/>
             </a:endParaRPr>
           </a:p>
         </p:txBody>
@@ -1091,8 +951,8 @@
         </p:nvSpPr>
         <p:spPr>
           <a:xfrm>
-            <a:off x="504000" y="2376360"/>
-            <a:ext cx="9072360" cy="4390200"/>
+            <a:off x="504000" y="226080"/>
+            <a:ext cx="9072000" cy="4388400"/>
           </a:xfrm>
           <a:prstGeom prst="rect">
             <a:avLst/>
@@ -1144,8 +1004,8 @@
         </p:nvSpPr>
         <p:spPr>
           <a:xfrm>
-            <a:off x="504000" y="2376360"/>
-            <a:ext cx="9072360" cy="946800"/>
+            <a:off x="504000" y="226080"/>
+            <a:ext cx="9072000" cy="946440"/>
           </a:xfrm>
           <a:prstGeom prst="rect">
             <a:avLst/>
@@ -1153,15 +1013,12 @@
         </p:spPr>
         <p:txBody>
           <a:bodyPr lIns="0" rIns="0" tIns="0" bIns="0" anchor="ctr">
-            <a:normAutofit/>
+            <a:spAutoFit/>
           </a:bodyPr>
           <a:p>
             <a:pPr algn="ctr"/>
-            <a:endParaRPr b="0" lang="en-US" sz="3110" spc="-1" strike="noStrike">
-              <a:solidFill>
-                <a:srgbClr val="000000"/>
-              </a:solidFill>
-              <a:latin typeface="Times New Roman"/>
+            <a:endParaRPr b="0" lang="en-US" sz="4400" spc="-1" strike="noStrike">
+              <a:latin typeface="Arial"/>
             </a:endParaRPr>
           </a:p>
         </p:txBody>
@@ -1178,8 +1035,8 @@
         </p:nvSpPr>
         <p:spPr>
           <a:xfrm>
-            <a:off x="504000" y="3564360"/>
-            <a:ext cx="4328640" cy="1375200"/>
+            <a:off x="504000" y="1326600"/>
+            <a:ext cx="4426920" cy="1568520"/>
           </a:xfrm>
           <a:prstGeom prst="rect">
             <a:avLst/>
@@ -1190,16 +1047,8 @@
             <a:normAutofit/>
           </a:bodyPr>
           <a:p>
-            <a:pPr algn="ctr">
-              <a:spcAft>
-                <a:spcPts val="1057"/>
-              </a:spcAft>
-            </a:pPr>
-            <a:endParaRPr b="0" lang="en-US" sz="2400" spc="-1" strike="noStrike">
-              <a:solidFill>
-                <a:srgbClr val="000000"/>
-              </a:solidFill>
-              <a:latin typeface="Times New Roman"/>
+            <a:endParaRPr b="0" lang="en-US" sz="3200" spc="-1" strike="noStrike">
+              <a:latin typeface="Arial"/>
             </a:endParaRPr>
           </a:p>
         </p:txBody>
@@ -1216,8 +1065,8 @@
         </p:nvSpPr>
         <p:spPr>
           <a:xfrm>
-            <a:off x="5049360" y="3564360"/>
-            <a:ext cx="4328640" cy="2883240"/>
+            <a:off x="5152680" y="1326600"/>
+            <a:ext cx="4426920" cy="3288600"/>
           </a:xfrm>
           <a:prstGeom prst="rect">
             <a:avLst/>
@@ -1228,16 +1077,8 @@
             <a:normAutofit/>
           </a:bodyPr>
           <a:p>
-            <a:pPr algn="ctr">
-              <a:spcAft>
-                <a:spcPts val="1057"/>
-              </a:spcAft>
-            </a:pPr>
-            <a:endParaRPr b="0" lang="en-US" sz="2400" spc="-1" strike="noStrike">
-              <a:solidFill>
-                <a:srgbClr val="000000"/>
-              </a:solidFill>
-              <a:latin typeface="Times New Roman"/>
+            <a:endParaRPr b="0" lang="en-US" sz="3200" spc="-1" strike="noStrike">
+              <a:latin typeface="Arial"/>
             </a:endParaRPr>
           </a:p>
         </p:txBody>
@@ -1254,8 +1095,8 @@
         </p:nvSpPr>
         <p:spPr>
           <a:xfrm>
-            <a:off x="504000" y="5070600"/>
-            <a:ext cx="4328640" cy="1375200"/>
+            <a:off x="504000" y="3044520"/>
+            <a:ext cx="4426920" cy="1568520"/>
           </a:xfrm>
           <a:prstGeom prst="rect">
             <a:avLst/>
@@ -1266,16 +1107,8 @@
             <a:normAutofit/>
           </a:bodyPr>
           <a:p>
-            <a:pPr algn="ctr">
-              <a:spcAft>
-                <a:spcPts val="1057"/>
-              </a:spcAft>
-            </a:pPr>
-            <a:endParaRPr b="0" lang="en-US" sz="2400" spc="-1" strike="noStrike">
-              <a:solidFill>
-                <a:srgbClr val="000000"/>
-              </a:solidFill>
-              <a:latin typeface="Times New Roman"/>
+            <a:endParaRPr b="0" lang="en-US" sz="3200" spc="-1" strike="noStrike">
+              <a:latin typeface="Arial"/>
             </a:endParaRPr>
           </a:p>
         </p:txBody>
@@ -1314,8 +1147,8 @@
         </p:nvSpPr>
         <p:spPr>
           <a:xfrm>
-            <a:off x="504000" y="2376360"/>
-            <a:ext cx="9072360" cy="946800"/>
+            <a:off x="504000" y="226080"/>
+            <a:ext cx="9072000" cy="946440"/>
           </a:xfrm>
           <a:prstGeom prst="rect">
             <a:avLst/>
@@ -1323,15 +1156,12 @@
         </p:spPr>
         <p:txBody>
           <a:bodyPr lIns="0" rIns="0" tIns="0" bIns="0" anchor="ctr">
-            <a:normAutofit/>
+            <a:spAutoFit/>
           </a:bodyPr>
           <a:p>
             <a:pPr algn="ctr"/>
-            <a:endParaRPr b="0" lang="en-US" sz="3110" spc="-1" strike="noStrike">
-              <a:solidFill>
-                <a:srgbClr val="000000"/>
-              </a:solidFill>
-              <a:latin typeface="Times New Roman"/>
+            <a:endParaRPr b="0" lang="en-US" sz="4400" spc="-1" strike="noStrike">
+              <a:latin typeface="Arial"/>
             </a:endParaRPr>
           </a:p>
         </p:txBody>
@@ -1348,8 +1178,8 @@
         </p:nvSpPr>
         <p:spPr>
           <a:xfrm>
-            <a:off x="504000" y="3564360"/>
-            <a:ext cx="8870760" cy="2883240"/>
+            <a:off x="504000" y="1326600"/>
+            <a:ext cx="9072000" cy="3288600"/>
           </a:xfrm>
           <a:prstGeom prst="rect">
             <a:avLst/>
@@ -1401,8 +1231,8 @@
         </p:nvSpPr>
         <p:spPr>
           <a:xfrm>
-            <a:off x="504000" y="2376360"/>
-            <a:ext cx="9072360" cy="946800"/>
+            <a:off x="504000" y="226080"/>
+            <a:ext cx="9072000" cy="946440"/>
           </a:xfrm>
           <a:prstGeom prst="rect">
             <a:avLst/>
@@ -1410,15 +1240,12 @@
         </p:spPr>
         <p:txBody>
           <a:bodyPr lIns="0" rIns="0" tIns="0" bIns="0" anchor="ctr">
-            <a:normAutofit/>
+            <a:spAutoFit/>
           </a:bodyPr>
           <a:p>
             <a:pPr algn="ctr"/>
-            <a:endParaRPr b="0" lang="en-US" sz="3110" spc="-1" strike="noStrike">
-              <a:solidFill>
-                <a:srgbClr val="000000"/>
-              </a:solidFill>
-              <a:latin typeface="Times New Roman"/>
+            <a:endParaRPr b="0" lang="en-US" sz="4400" spc="-1" strike="noStrike">
+              <a:latin typeface="Arial"/>
             </a:endParaRPr>
           </a:p>
         </p:txBody>
@@ -1435,8 +1262,8 @@
         </p:nvSpPr>
         <p:spPr>
           <a:xfrm>
-            <a:off x="504000" y="3564360"/>
-            <a:ext cx="4328640" cy="2883240"/>
+            <a:off x="504000" y="1326600"/>
+            <a:ext cx="4426920" cy="3288600"/>
           </a:xfrm>
           <a:prstGeom prst="rect">
             <a:avLst/>
@@ -1447,16 +1274,8 @@
             <a:normAutofit/>
           </a:bodyPr>
           <a:p>
-            <a:pPr algn="ctr">
-              <a:spcAft>
-                <a:spcPts val="1057"/>
-              </a:spcAft>
-            </a:pPr>
-            <a:endParaRPr b="0" lang="en-US" sz="2400" spc="-1" strike="noStrike">
-              <a:solidFill>
-                <a:srgbClr val="000000"/>
-              </a:solidFill>
-              <a:latin typeface="Times New Roman"/>
+            <a:endParaRPr b="0" lang="en-US" sz="3200" spc="-1" strike="noStrike">
+              <a:latin typeface="Arial"/>
             </a:endParaRPr>
           </a:p>
         </p:txBody>
@@ -1473,8 +1292,8 @@
         </p:nvSpPr>
         <p:spPr>
           <a:xfrm>
-            <a:off x="5049360" y="3564360"/>
-            <a:ext cx="4328640" cy="1375200"/>
+            <a:off x="5152680" y="1326600"/>
+            <a:ext cx="4426920" cy="1568520"/>
           </a:xfrm>
           <a:prstGeom prst="rect">
             <a:avLst/>
@@ -1485,16 +1304,8 @@
             <a:normAutofit/>
           </a:bodyPr>
           <a:p>
-            <a:pPr algn="ctr">
-              <a:spcAft>
-                <a:spcPts val="1057"/>
-              </a:spcAft>
-            </a:pPr>
-            <a:endParaRPr b="0" lang="en-US" sz="2400" spc="-1" strike="noStrike">
-              <a:solidFill>
-                <a:srgbClr val="000000"/>
-              </a:solidFill>
-              <a:latin typeface="Times New Roman"/>
+            <a:endParaRPr b="0" lang="en-US" sz="3200" spc="-1" strike="noStrike">
+              <a:latin typeface="Arial"/>
             </a:endParaRPr>
           </a:p>
         </p:txBody>
@@ -1511,8 +1322,8 @@
         </p:nvSpPr>
         <p:spPr>
           <a:xfrm>
-            <a:off x="5049360" y="5070600"/>
-            <a:ext cx="4328640" cy="1375200"/>
+            <a:off x="5152680" y="3044520"/>
+            <a:ext cx="4426920" cy="1568520"/>
           </a:xfrm>
           <a:prstGeom prst="rect">
             <a:avLst/>
@@ -1523,16 +1334,8 @@
             <a:normAutofit/>
           </a:bodyPr>
           <a:p>
-            <a:pPr algn="ctr">
-              <a:spcAft>
-                <a:spcPts val="1057"/>
-              </a:spcAft>
-            </a:pPr>
-            <a:endParaRPr b="0" lang="en-US" sz="2400" spc="-1" strike="noStrike">
-              <a:solidFill>
-                <a:srgbClr val="000000"/>
-              </a:solidFill>
-              <a:latin typeface="Times New Roman"/>
+            <a:endParaRPr b="0" lang="en-US" sz="3200" spc="-1" strike="noStrike">
+              <a:latin typeface="Arial"/>
             </a:endParaRPr>
           </a:p>
         </p:txBody>
@@ -1571,8 +1374,8 @@
         </p:nvSpPr>
         <p:spPr>
           <a:xfrm>
-            <a:off x="504000" y="2376360"/>
-            <a:ext cx="9072360" cy="946800"/>
+            <a:off x="504000" y="226080"/>
+            <a:ext cx="9072000" cy="946440"/>
           </a:xfrm>
           <a:prstGeom prst="rect">
             <a:avLst/>
@@ -1580,15 +1383,12 @@
         </p:spPr>
         <p:txBody>
           <a:bodyPr lIns="0" rIns="0" tIns="0" bIns="0" anchor="ctr">
-            <a:normAutofit/>
+            <a:spAutoFit/>
           </a:bodyPr>
           <a:p>
             <a:pPr algn="ctr"/>
-            <a:endParaRPr b="0" lang="en-US" sz="3110" spc="-1" strike="noStrike">
-              <a:solidFill>
-                <a:srgbClr val="000000"/>
-              </a:solidFill>
-              <a:latin typeface="Times New Roman"/>
+            <a:endParaRPr b="0" lang="en-US" sz="4400" spc="-1" strike="noStrike">
+              <a:latin typeface="Arial"/>
             </a:endParaRPr>
           </a:p>
         </p:txBody>
@@ -1605,8 +1405,8 @@
         </p:nvSpPr>
         <p:spPr>
           <a:xfrm>
-            <a:off x="504000" y="3564360"/>
-            <a:ext cx="4328640" cy="1375200"/>
+            <a:off x="504000" y="1326600"/>
+            <a:ext cx="4426920" cy="1568520"/>
           </a:xfrm>
           <a:prstGeom prst="rect">
             <a:avLst/>
@@ -1617,16 +1417,8 @@
             <a:normAutofit/>
           </a:bodyPr>
           <a:p>
-            <a:pPr algn="ctr">
-              <a:spcAft>
-                <a:spcPts val="1057"/>
-              </a:spcAft>
-            </a:pPr>
-            <a:endParaRPr b="0" lang="en-US" sz="2400" spc="-1" strike="noStrike">
-              <a:solidFill>
-                <a:srgbClr val="000000"/>
-              </a:solidFill>
-              <a:latin typeface="Times New Roman"/>
+            <a:endParaRPr b="0" lang="en-US" sz="3200" spc="-1" strike="noStrike">
+              <a:latin typeface="Arial"/>
             </a:endParaRPr>
           </a:p>
         </p:txBody>
@@ -1643,8 +1435,8 @@
         </p:nvSpPr>
         <p:spPr>
           <a:xfrm>
-            <a:off x="5049360" y="3564360"/>
-            <a:ext cx="4328640" cy="1375200"/>
+            <a:off x="5152680" y="1326600"/>
+            <a:ext cx="4426920" cy="1568520"/>
           </a:xfrm>
           <a:prstGeom prst="rect">
             <a:avLst/>
@@ -1655,16 +1447,8 @@
             <a:normAutofit/>
           </a:bodyPr>
           <a:p>
-            <a:pPr algn="ctr">
-              <a:spcAft>
-                <a:spcPts val="1057"/>
-              </a:spcAft>
-            </a:pPr>
-            <a:endParaRPr b="0" lang="en-US" sz="2400" spc="-1" strike="noStrike">
-              <a:solidFill>
-                <a:srgbClr val="000000"/>
-              </a:solidFill>
-              <a:latin typeface="Times New Roman"/>
+            <a:endParaRPr b="0" lang="en-US" sz="3200" spc="-1" strike="noStrike">
+              <a:latin typeface="Arial"/>
             </a:endParaRPr>
           </a:p>
         </p:txBody>
@@ -1681,8 +1465,8 @@
         </p:nvSpPr>
         <p:spPr>
           <a:xfrm>
-            <a:off x="504000" y="5070600"/>
-            <a:ext cx="8870760" cy="1375200"/>
+            <a:off x="504000" y="3044520"/>
+            <a:ext cx="9072000" cy="1568520"/>
           </a:xfrm>
           <a:prstGeom prst="rect">
             <a:avLst/>
@@ -1693,16 +1477,8 @@
             <a:normAutofit/>
           </a:bodyPr>
           <a:p>
-            <a:pPr algn="ctr">
-              <a:spcAft>
-                <a:spcPts val="1057"/>
-              </a:spcAft>
-            </a:pPr>
-            <a:endParaRPr b="0" lang="en-US" sz="2400" spc="-1" strike="noStrike">
-              <a:solidFill>
-                <a:srgbClr val="000000"/>
-              </a:solidFill>
-              <a:latin typeface="Times New Roman"/>
+            <a:endParaRPr b="0" lang="en-US" sz="3200" spc="-1" strike="noStrike">
+              <a:latin typeface="Arial"/>
             </a:endParaRPr>
           </a:p>
         </p:txBody>
@@ -1741,8 +1517,8 @@
         </p:nvSpPr>
         <p:spPr>
           <a:xfrm>
-            <a:off x="504000" y="2376360"/>
-            <a:ext cx="9072360" cy="946800"/>
+            <a:off x="504000" y="226080"/>
+            <a:ext cx="9072000" cy="946440"/>
           </a:xfrm>
           <a:prstGeom prst="rect">
             <a:avLst/>
@@ -1750,15 +1526,12 @@
         </p:spPr>
         <p:txBody>
           <a:bodyPr lIns="0" rIns="0" tIns="0" bIns="0" anchor="ctr">
-            <a:normAutofit/>
+            <a:spAutoFit/>
           </a:bodyPr>
           <a:p>
             <a:pPr algn="ctr"/>
-            <a:endParaRPr b="0" lang="en-US" sz="3110" spc="-1" strike="noStrike">
-              <a:solidFill>
-                <a:srgbClr val="000000"/>
-              </a:solidFill>
-              <a:latin typeface="Times New Roman"/>
+            <a:endParaRPr b="0" lang="en-US" sz="4400" spc="-1" strike="noStrike">
+              <a:latin typeface="Arial"/>
             </a:endParaRPr>
           </a:p>
         </p:txBody>
@@ -1775,8 +1548,8 @@
         </p:nvSpPr>
         <p:spPr>
           <a:xfrm>
-            <a:off x="504000" y="3564360"/>
-            <a:ext cx="8870760" cy="1375200"/>
+            <a:off x="504000" y="1326600"/>
+            <a:ext cx="9072000" cy="1568520"/>
           </a:xfrm>
           <a:prstGeom prst="rect">
             <a:avLst/>
@@ -1787,16 +1560,8 @@
             <a:normAutofit/>
           </a:bodyPr>
           <a:p>
-            <a:pPr algn="ctr">
-              <a:spcAft>
-                <a:spcPts val="1057"/>
-              </a:spcAft>
-            </a:pPr>
-            <a:endParaRPr b="0" lang="en-US" sz="2400" spc="-1" strike="noStrike">
-              <a:solidFill>
-                <a:srgbClr val="000000"/>
-              </a:solidFill>
-              <a:latin typeface="Times New Roman"/>
+            <a:endParaRPr b="0" lang="en-US" sz="3200" spc="-1" strike="noStrike">
+              <a:latin typeface="Arial"/>
             </a:endParaRPr>
           </a:p>
         </p:txBody>
@@ -1813,8 +1578,8 @@
         </p:nvSpPr>
         <p:spPr>
           <a:xfrm>
-            <a:off x="504000" y="5070600"/>
-            <a:ext cx="8870760" cy="1375200"/>
+            <a:off x="504000" y="3044520"/>
+            <a:ext cx="9072000" cy="1568520"/>
           </a:xfrm>
           <a:prstGeom prst="rect">
             <a:avLst/>
@@ -1825,16 +1590,8 @@
             <a:normAutofit/>
           </a:bodyPr>
           <a:p>
-            <a:pPr algn="ctr">
-              <a:spcAft>
-                <a:spcPts val="1057"/>
-              </a:spcAft>
-            </a:pPr>
-            <a:endParaRPr b="0" lang="en-US" sz="2400" spc="-1" strike="noStrike">
-              <a:solidFill>
-                <a:srgbClr val="000000"/>
-              </a:solidFill>
-              <a:latin typeface="Times New Roman"/>
+            <a:endParaRPr b="0" lang="en-US" sz="3200" spc="-1" strike="noStrike">
+              <a:latin typeface="Arial"/>
             </a:endParaRPr>
           </a:p>
         </p:txBody>
@@ -1873,8 +1630,8 @@
         </p:nvSpPr>
         <p:spPr>
           <a:xfrm>
-            <a:off x="504000" y="2376360"/>
-            <a:ext cx="9072360" cy="946800"/>
+            <a:off x="504000" y="226080"/>
+            <a:ext cx="9072000" cy="946440"/>
           </a:xfrm>
           <a:prstGeom prst="rect">
             <a:avLst/>
@@ -1882,15 +1639,12 @@
         </p:spPr>
         <p:txBody>
           <a:bodyPr lIns="0" rIns="0" tIns="0" bIns="0" anchor="ctr">
-            <a:normAutofit/>
+            <a:spAutoFit/>
           </a:bodyPr>
           <a:p>
             <a:pPr algn="ctr"/>
-            <a:endParaRPr b="0" lang="en-US" sz="3110" spc="-1" strike="noStrike">
-              <a:solidFill>
-                <a:srgbClr val="000000"/>
-              </a:solidFill>
-              <a:latin typeface="Times New Roman"/>
+            <a:endParaRPr b="0" lang="en-US" sz="4400" spc="-1" strike="noStrike">
+              <a:latin typeface="Arial"/>
             </a:endParaRPr>
           </a:p>
         </p:txBody>
@@ -1907,8 +1661,8 @@
         </p:nvSpPr>
         <p:spPr>
           <a:xfrm>
-            <a:off x="504000" y="3564360"/>
-            <a:ext cx="4328640" cy="1375200"/>
+            <a:off x="504000" y="1326600"/>
+            <a:ext cx="4426920" cy="1568520"/>
           </a:xfrm>
           <a:prstGeom prst="rect">
             <a:avLst/>
@@ -1919,16 +1673,8 @@
             <a:normAutofit/>
           </a:bodyPr>
           <a:p>
-            <a:pPr algn="ctr">
-              <a:spcAft>
-                <a:spcPts val="1057"/>
-              </a:spcAft>
-            </a:pPr>
-            <a:endParaRPr b="0" lang="en-US" sz="2400" spc="-1" strike="noStrike">
-              <a:solidFill>
-                <a:srgbClr val="000000"/>
-              </a:solidFill>
-              <a:latin typeface="Times New Roman"/>
+            <a:endParaRPr b="0" lang="en-US" sz="3200" spc="-1" strike="noStrike">
+              <a:latin typeface="Arial"/>
             </a:endParaRPr>
           </a:p>
         </p:txBody>
@@ -1945,8 +1691,8 @@
         </p:nvSpPr>
         <p:spPr>
           <a:xfrm>
-            <a:off x="5049360" y="3564360"/>
-            <a:ext cx="4328640" cy="1375200"/>
+            <a:off x="5152680" y="1326600"/>
+            <a:ext cx="4426920" cy="1568520"/>
           </a:xfrm>
           <a:prstGeom prst="rect">
             <a:avLst/>
@@ -1957,16 +1703,8 @@
             <a:normAutofit/>
           </a:bodyPr>
           <a:p>
-            <a:pPr algn="ctr">
-              <a:spcAft>
-                <a:spcPts val="1057"/>
-              </a:spcAft>
-            </a:pPr>
-            <a:endParaRPr b="0" lang="en-US" sz="2400" spc="-1" strike="noStrike">
-              <a:solidFill>
-                <a:srgbClr val="000000"/>
-              </a:solidFill>
-              <a:latin typeface="Times New Roman"/>
+            <a:endParaRPr b="0" lang="en-US" sz="3200" spc="-1" strike="noStrike">
+              <a:latin typeface="Arial"/>
             </a:endParaRPr>
           </a:p>
         </p:txBody>
@@ -1983,8 +1721,8 @@
         </p:nvSpPr>
         <p:spPr>
           <a:xfrm>
-            <a:off x="504000" y="5070600"/>
-            <a:ext cx="4328640" cy="1375200"/>
+            <a:off x="504000" y="3044520"/>
+            <a:ext cx="4426920" cy="1568520"/>
           </a:xfrm>
           <a:prstGeom prst="rect">
             <a:avLst/>
@@ -1995,16 +1733,8 @@
             <a:normAutofit/>
           </a:bodyPr>
           <a:p>
-            <a:pPr algn="ctr">
-              <a:spcAft>
-                <a:spcPts val="1057"/>
-              </a:spcAft>
-            </a:pPr>
-            <a:endParaRPr b="0" lang="en-US" sz="2400" spc="-1" strike="noStrike">
-              <a:solidFill>
-                <a:srgbClr val="000000"/>
-              </a:solidFill>
-              <a:latin typeface="Times New Roman"/>
+            <a:endParaRPr b="0" lang="en-US" sz="3200" spc="-1" strike="noStrike">
+              <a:latin typeface="Arial"/>
             </a:endParaRPr>
           </a:p>
         </p:txBody>
@@ -2021,8 +1751,8 @@
         </p:nvSpPr>
         <p:spPr>
           <a:xfrm>
-            <a:off x="5049360" y="5070600"/>
-            <a:ext cx="4328640" cy="1375200"/>
+            <a:off x="5152680" y="3044520"/>
+            <a:ext cx="4426920" cy="1568520"/>
           </a:xfrm>
           <a:prstGeom prst="rect">
             <a:avLst/>
@@ -2033,16 +1763,8 @@
             <a:normAutofit/>
           </a:bodyPr>
           <a:p>
-            <a:pPr algn="ctr">
-              <a:spcAft>
-                <a:spcPts val="1057"/>
-              </a:spcAft>
-            </a:pPr>
-            <a:endParaRPr b="0" lang="en-US" sz="2400" spc="-1" strike="noStrike">
-              <a:solidFill>
-                <a:srgbClr val="000000"/>
-              </a:solidFill>
-              <a:latin typeface="Times New Roman"/>
+            <a:endParaRPr b="0" lang="en-US" sz="3200" spc="-1" strike="noStrike">
+              <a:latin typeface="Arial"/>
             </a:endParaRPr>
           </a:p>
         </p:txBody>
@@ -2081,8 +1803,8 @@
         </p:nvSpPr>
         <p:spPr>
           <a:xfrm>
-            <a:off x="504000" y="2376360"/>
-            <a:ext cx="9072360" cy="946800"/>
+            <a:off x="504000" y="226080"/>
+            <a:ext cx="9072000" cy="946440"/>
           </a:xfrm>
           <a:prstGeom prst="rect">
             <a:avLst/>
@@ -2090,15 +1812,12 @@
         </p:spPr>
         <p:txBody>
           <a:bodyPr lIns="0" rIns="0" tIns="0" bIns="0" anchor="ctr">
-            <a:normAutofit/>
+            <a:spAutoFit/>
           </a:bodyPr>
           <a:p>
             <a:pPr algn="ctr"/>
-            <a:endParaRPr b="0" lang="en-US" sz="3110" spc="-1" strike="noStrike">
-              <a:solidFill>
-                <a:srgbClr val="000000"/>
-              </a:solidFill>
-              <a:latin typeface="Times New Roman"/>
+            <a:endParaRPr b="0" lang="en-US" sz="4400" spc="-1" strike="noStrike">
+              <a:latin typeface="Arial"/>
             </a:endParaRPr>
           </a:p>
         </p:txBody>
@@ -2115,8 +1834,8 @@
         </p:nvSpPr>
         <p:spPr>
           <a:xfrm>
-            <a:off x="504000" y="3564360"/>
-            <a:ext cx="2856240" cy="1375200"/>
+            <a:off x="504000" y="1326600"/>
+            <a:ext cx="2921040" cy="1568520"/>
           </a:xfrm>
           <a:prstGeom prst="rect">
             <a:avLst/>
@@ -2127,16 +1846,8 @@
             <a:normAutofit/>
           </a:bodyPr>
           <a:p>
-            <a:pPr algn="ctr">
-              <a:spcAft>
-                <a:spcPts val="1057"/>
-              </a:spcAft>
-            </a:pPr>
-            <a:endParaRPr b="0" lang="en-US" sz="2400" spc="-1" strike="noStrike">
-              <a:solidFill>
-                <a:srgbClr val="000000"/>
-              </a:solidFill>
-              <a:latin typeface="Times New Roman"/>
+            <a:endParaRPr b="0" lang="en-US" sz="3200" spc="-1" strike="noStrike">
+              <a:latin typeface="Arial"/>
             </a:endParaRPr>
           </a:p>
         </p:txBody>
@@ -2153,8 +1864,8 @@
         </p:nvSpPr>
         <p:spPr>
           <a:xfrm>
-            <a:off x="3503520" y="3564360"/>
-            <a:ext cx="2856240" cy="1375200"/>
+            <a:off x="3571560" y="1326600"/>
+            <a:ext cx="2921040" cy="1568520"/>
           </a:xfrm>
           <a:prstGeom prst="rect">
             <a:avLst/>
@@ -2165,16 +1876,8 @@
             <a:normAutofit/>
           </a:bodyPr>
           <a:p>
-            <a:pPr algn="ctr">
-              <a:spcAft>
-                <a:spcPts val="1057"/>
-              </a:spcAft>
-            </a:pPr>
-            <a:endParaRPr b="0" lang="en-US" sz="2400" spc="-1" strike="noStrike">
-              <a:solidFill>
-                <a:srgbClr val="000000"/>
-              </a:solidFill>
-              <a:latin typeface="Times New Roman"/>
+            <a:endParaRPr b="0" lang="en-US" sz="3200" spc="-1" strike="noStrike">
+              <a:latin typeface="Arial"/>
             </a:endParaRPr>
           </a:p>
         </p:txBody>
@@ -2191,8 +1894,8 @@
         </p:nvSpPr>
         <p:spPr>
           <a:xfrm>
-            <a:off x="6503040" y="3564360"/>
-            <a:ext cx="2856240" cy="1375200"/>
+            <a:off x="6639120" y="1326600"/>
+            <a:ext cx="2921040" cy="1568520"/>
           </a:xfrm>
           <a:prstGeom prst="rect">
             <a:avLst/>
@@ -2203,16 +1906,8 @@
             <a:normAutofit/>
           </a:bodyPr>
           <a:p>
-            <a:pPr algn="ctr">
-              <a:spcAft>
-                <a:spcPts val="1057"/>
-              </a:spcAft>
-            </a:pPr>
-            <a:endParaRPr b="0" lang="en-US" sz="2400" spc="-1" strike="noStrike">
-              <a:solidFill>
-                <a:srgbClr val="000000"/>
-              </a:solidFill>
-              <a:latin typeface="Times New Roman"/>
+            <a:endParaRPr b="0" lang="en-US" sz="3200" spc="-1" strike="noStrike">
+              <a:latin typeface="Arial"/>
             </a:endParaRPr>
           </a:p>
         </p:txBody>
@@ -2229,8 +1924,8 @@
         </p:nvSpPr>
         <p:spPr>
           <a:xfrm>
-            <a:off x="504000" y="5070600"/>
-            <a:ext cx="2856240" cy="1375200"/>
+            <a:off x="504000" y="3044520"/>
+            <a:ext cx="2921040" cy="1568520"/>
           </a:xfrm>
           <a:prstGeom prst="rect">
             <a:avLst/>
@@ -2241,16 +1936,8 @@
             <a:normAutofit/>
           </a:bodyPr>
           <a:p>
-            <a:pPr algn="ctr">
-              <a:spcAft>
-                <a:spcPts val="1057"/>
-              </a:spcAft>
-            </a:pPr>
-            <a:endParaRPr b="0" lang="en-US" sz="2400" spc="-1" strike="noStrike">
-              <a:solidFill>
-                <a:srgbClr val="000000"/>
-              </a:solidFill>
-              <a:latin typeface="Times New Roman"/>
+            <a:endParaRPr b="0" lang="en-US" sz="3200" spc="-1" strike="noStrike">
+              <a:latin typeface="Arial"/>
             </a:endParaRPr>
           </a:p>
         </p:txBody>
@@ -2267,8 +1954,8 @@
         </p:nvSpPr>
         <p:spPr>
           <a:xfrm>
-            <a:off x="3503520" y="5070600"/>
-            <a:ext cx="2856240" cy="1375200"/>
+            <a:off x="3571560" y="3044520"/>
+            <a:ext cx="2921040" cy="1568520"/>
           </a:xfrm>
           <a:prstGeom prst="rect">
             <a:avLst/>
@@ -2279,16 +1966,8 @@
             <a:normAutofit/>
           </a:bodyPr>
           <a:p>
-            <a:pPr algn="ctr">
-              <a:spcAft>
-                <a:spcPts val="1057"/>
-              </a:spcAft>
-            </a:pPr>
-            <a:endParaRPr b="0" lang="en-US" sz="2400" spc="-1" strike="noStrike">
-              <a:solidFill>
-                <a:srgbClr val="000000"/>
-              </a:solidFill>
-              <a:latin typeface="Times New Roman"/>
+            <a:endParaRPr b="0" lang="en-US" sz="3200" spc="-1" strike="noStrike">
+              <a:latin typeface="Arial"/>
             </a:endParaRPr>
           </a:p>
         </p:txBody>
@@ -2305,8 +1984,8 @@
         </p:nvSpPr>
         <p:spPr>
           <a:xfrm>
-            <a:off x="6503040" y="5070600"/>
-            <a:ext cx="2856240" cy="1375200"/>
+            <a:off x="6639120" y="3044520"/>
+            <a:ext cx="2921040" cy="1568520"/>
           </a:xfrm>
           <a:prstGeom prst="rect">
             <a:avLst/>
@@ -2317,16 +1996,8 @@
             <a:normAutofit/>
           </a:bodyPr>
           <a:p>
-            <a:pPr algn="ctr">
-              <a:spcAft>
-                <a:spcPts val="1057"/>
-              </a:spcAft>
-            </a:pPr>
-            <a:endParaRPr b="0" lang="en-US" sz="2400" spc="-1" strike="noStrike">
-              <a:solidFill>
-                <a:srgbClr val="000000"/>
-              </a:solidFill>
-              <a:latin typeface="Times New Roman"/>
+            <a:endParaRPr b="0" lang="en-US" sz="3200" spc="-1" strike="noStrike">
+              <a:latin typeface="Arial"/>
             </a:endParaRPr>
           </a:p>
         </p:txBody>
@@ -2377,7 +2048,7 @@
       </p:grpSpPr>
       <p:sp>
         <p:nvSpPr>
-          <p:cNvPr id="88" name="PlaceHolder 1"/>
+          <p:cNvPr id="86" name="PlaceHolder 1"/>
           <p:cNvSpPr>
             <a:spLocks noGrp="1"/>
           </p:cNvSpPr>
@@ -2387,8 +2058,8 @@
         </p:nvSpPr>
         <p:spPr>
           <a:xfrm>
-            <a:off x="504000" y="2376360"/>
-            <a:ext cx="9072360" cy="946800"/>
+            <a:off x="504000" y="226080"/>
+            <a:ext cx="9072000" cy="946440"/>
           </a:xfrm>
           <a:prstGeom prst="rect">
             <a:avLst/>
@@ -2396,22 +2067,19 @@
         </p:spPr>
         <p:txBody>
           <a:bodyPr lIns="0" rIns="0" tIns="0" bIns="0" anchor="ctr">
-            <a:normAutofit/>
+            <a:spAutoFit/>
           </a:bodyPr>
           <a:p>
             <a:pPr algn="ctr"/>
-            <a:endParaRPr b="0" lang="en-US" sz="3110" spc="-1" strike="noStrike">
-              <a:solidFill>
-                <a:srgbClr val="000000"/>
-              </a:solidFill>
-              <a:latin typeface="Times New Roman"/>
-            </a:endParaRPr>
-          </a:p>
-        </p:txBody>
-      </p:sp>
-      <p:sp>
-        <p:nvSpPr>
-          <p:cNvPr id="89" name="PlaceHolder 2"/>
+            <a:endParaRPr b="0" lang="en-US" sz="4400" spc="-1" strike="noStrike">
+              <a:latin typeface="Arial"/>
+            </a:endParaRPr>
+          </a:p>
+        </p:txBody>
+      </p:sp>
+      <p:sp>
+        <p:nvSpPr>
+          <p:cNvPr id="87" name="PlaceHolder 2"/>
           <p:cNvSpPr>
             <a:spLocks noGrp="1"/>
           </p:cNvSpPr>
@@ -2421,8 +2089,8 @@
         </p:nvSpPr>
         <p:spPr>
           <a:xfrm>
-            <a:off x="504000" y="3564360"/>
-            <a:ext cx="8870760" cy="2883240"/>
+            <a:off x="504000" y="1326600"/>
+            <a:ext cx="9072000" cy="3288600"/>
           </a:xfrm>
           <a:prstGeom prst="rect">
             <a:avLst/>
@@ -2464,7 +2132,7 @@
       </p:grpSpPr>
       <p:sp>
         <p:nvSpPr>
-          <p:cNvPr id="90" name="PlaceHolder 1"/>
+          <p:cNvPr id="88" name="PlaceHolder 1"/>
           <p:cNvSpPr>
             <a:spLocks noGrp="1"/>
           </p:cNvSpPr>
@@ -2474,8 +2142,8 @@
         </p:nvSpPr>
         <p:spPr>
           <a:xfrm>
-            <a:off x="504000" y="2376360"/>
-            <a:ext cx="9072360" cy="946800"/>
+            <a:off x="504000" y="226080"/>
+            <a:ext cx="9072000" cy="946440"/>
           </a:xfrm>
           <a:prstGeom prst="rect">
             <a:avLst/>
@@ -2483,22 +2151,19 @@
         </p:spPr>
         <p:txBody>
           <a:bodyPr lIns="0" rIns="0" tIns="0" bIns="0" anchor="ctr">
-            <a:normAutofit/>
+            <a:spAutoFit/>
           </a:bodyPr>
           <a:p>
             <a:pPr algn="ctr"/>
-            <a:endParaRPr b="0" lang="en-US" sz="3110" spc="-1" strike="noStrike">
-              <a:solidFill>
-                <a:srgbClr val="000000"/>
-              </a:solidFill>
-              <a:latin typeface="Times New Roman"/>
-            </a:endParaRPr>
-          </a:p>
-        </p:txBody>
-      </p:sp>
-      <p:sp>
-        <p:nvSpPr>
-          <p:cNvPr id="91" name="PlaceHolder 2"/>
+            <a:endParaRPr b="0" lang="en-US" sz="4400" spc="-1" strike="noStrike">
+              <a:latin typeface="Arial"/>
+            </a:endParaRPr>
+          </a:p>
+        </p:txBody>
+      </p:sp>
+      <p:sp>
+        <p:nvSpPr>
+          <p:cNvPr id="89" name="PlaceHolder 2"/>
           <p:cNvSpPr>
             <a:spLocks noGrp="1"/>
           </p:cNvSpPr>
@@ -2508,8 +2173,8 @@
         </p:nvSpPr>
         <p:spPr>
           <a:xfrm>
-            <a:off x="504000" y="3564360"/>
-            <a:ext cx="8870760" cy="2883240"/>
+            <a:off x="504000" y="1326600"/>
+            <a:ext cx="9072000" cy="3288600"/>
           </a:xfrm>
           <a:prstGeom prst="rect">
             <a:avLst/>
@@ -2520,16 +2185,8 @@
             <a:normAutofit/>
           </a:bodyPr>
           <a:p>
-            <a:pPr algn="ctr">
-              <a:spcAft>
-                <a:spcPts val="1057"/>
-              </a:spcAft>
-            </a:pPr>
-            <a:endParaRPr b="0" lang="en-US" sz="2400" spc="-1" strike="noStrike">
-              <a:solidFill>
-                <a:srgbClr val="000000"/>
-              </a:solidFill>
-              <a:latin typeface="Times New Roman"/>
+            <a:endParaRPr b="0" lang="en-US" sz="3200" spc="-1" strike="noStrike">
+              <a:latin typeface="Arial"/>
             </a:endParaRPr>
           </a:p>
         </p:txBody>
@@ -2558,7 +2215,7 @@
       </p:grpSpPr>
       <p:sp>
         <p:nvSpPr>
-          <p:cNvPr id="92" name="PlaceHolder 1"/>
+          <p:cNvPr id="90" name="PlaceHolder 1"/>
           <p:cNvSpPr>
             <a:spLocks noGrp="1"/>
           </p:cNvSpPr>
@@ -2568,8 +2225,8 @@
         </p:nvSpPr>
         <p:spPr>
           <a:xfrm>
-            <a:off x="504000" y="2376360"/>
-            <a:ext cx="9072360" cy="946800"/>
+            <a:off x="504000" y="226080"/>
+            <a:ext cx="9072000" cy="946440"/>
           </a:xfrm>
           <a:prstGeom prst="rect">
             <a:avLst/>
@@ -2577,22 +2234,19 @@
         </p:spPr>
         <p:txBody>
           <a:bodyPr lIns="0" rIns="0" tIns="0" bIns="0" anchor="ctr">
-            <a:normAutofit/>
+            <a:spAutoFit/>
           </a:bodyPr>
           <a:p>
             <a:pPr algn="ctr"/>
-            <a:endParaRPr b="0" lang="en-US" sz="3110" spc="-1" strike="noStrike">
-              <a:solidFill>
-                <a:srgbClr val="000000"/>
-              </a:solidFill>
-              <a:latin typeface="Times New Roman"/>
-            </a:endParaRPr>
-          </a:p>
-        </p:txBody>
-      </p:sp>
-      <p:sp>
-        <p:nvSpPr>
-          <p:cNvPr id="93" name="PlaceHolder 2"/>
+            <a:endParaRPr b="0" lang="en-US" sz="4400" spc="-1" strike="noStrike">
+              <a:latin typeface="Arial"/>
+            </a:endParaRPr>
+          </a:p>
+        </p:txBody>
+      </p:sp>
+      <p:sp>
+        <p:nvSpPr>
+          <p:cNvPr id="91" name="PlaceHolder 2"/>
           <p:cNvSpPr>
             <a:spLocks noGrp="1"/>
           </p:cNvSpPr>
@@ -2602,8 +2256,8 @@
         </p:nvSpPr>
         <p:spPr>
           <a:xfrm>
-            <a:off x="504000" y="3564360"/>
-            <a:ext cx="4328640" cy="2883240"/>
+            <a:off x="504000" y="1326600"/>
+            <a:ext cx="4426920" cy="3288600"/>
           </a:xfrm>
           <a:prstGeom prst="rect">
             <a:avLst/>
@@ -2614,23 +2268,15 @@
             <a:normAutofit/>
           </a:bodyPr>
           <a:p>
-            <a:pPr algn="ctr">
-              <a:spcAft>
-                <a:spcPts val="1057"/>
-              </a:spcAft>
-            </a:pPr>
-            <a:endParaRPr b="0" lang="en-US" sz="2400" spc="-1" strike="noStrike">
-              <a:solidFill>
-                <a:srgbClr val="000000"/>
-              </a:solidFill>
-              <a:latin typeface="Times New Roman"/>
-            </a:endParaRPr>
-          </a:p>
-        </p:txBody>
-      </p:sp>
-      <p:sp>
-        <p:nvSpPr>
-          <p:cNvPr id="94" name="PlaceHolder 3"/>
+            <a:endParaRPr b="0" lang="en-US" sz="3200" spc="-1" strike="noStrike">
+              <a:latin typeface="Arial"/>
+            </a:endParaRPr>
+          </a:p>
+        </p:txBody>
+      </p:sp>
+      <p:sp>
+        <p:nvSpPr>
+          <p:cNvPr id="92" name="PlaceHolder 3"/>
           <p:cNvSpPr>
             <a:spLocks noGrp="1"/>
           </p:cNvSpPr>
@@ -2640,8 +2286,8 @@
         </p:nvSpPr>
         <p:spPr>
           <a:xfrm>
-            <a:off x="5049360" y="3564360"/>
-            <a:ext cx="4328640" cy="2883240"/>
+            <a:off x="5152680" y="1326600"/>
+            <a:ext cx="4426920" cy="3288600"/>
           </a:xfrm>
           <a:prstGeom prst="rect">
             <a:avLst/>
@@ -2652,16 +2298,8 @@
             <a:normAutofit/>
           </a:bodyPr>
           <a:p>
-            <a:pPr algn="ctr">
-              <a:spcAft>
-                <a:spcPts val="1057"/>
-              </a:spcAft>
-            </a:pPr>
-            <a:endParaRPr b="0" lang="en-US" sz="2400" spc="-1" strike="noStrike">
-              <a:solidFill>
-                <a:srgbClr val="000000"/>
-              </a:solidFill>
-              <a:latin typeface="Times New Roman"/>
+            <a:endParaRPr b="0" lang="en-US" sz="3200" spc="-1" strike="noStrike">
+              <a:latin typeface="Arial"/>
             </a:endParaRPr>
           </a:p>
         </p:txBody>
@@ -2690,7 +2328,7 @@
       </p:grpSpPr>
       <p:sp>
         <p:nvSpPr>
-          <p:cNvPr id="95" name="PlaceHolder 1"/>
+          <p:cNvPr id="93" name="PlaceHolder 1"/>
           <p:cNvSpPr>
             <a:spLocks noGrp="1"/>
           </p:cNvSpPr>
@@ -2700,8 +2338,8 @@
         </p:nvSpPr>
         <p:spPr>
           <a:xfrm>
-            <a:off x="504000" y="2376360"/>
-            <a:ext cx="9072360" cy="946800"/>
+            <a:off x="504000" y="226080"/>
+            <a:ext cx="9072000" cy="946440"/>
           </a:xfrm>
           <a:prstGeom prst="rect">
             <a:avLst/>
@@ -2709,15 +2347,12 @@
         </p:spPr>
         <p:txBody>
           <a:bodyPr lIns="0" rIns="0" tIns="0" bIns="0" anchor="ctr">
-            <a:normAutofit/>
+            <a:spAutoFit/>
           </a:bodyPr>
           <a:p>
             <a:pPr algn="ctr"/>
-            <a:endParaRPr b="0" lang="en-US" sz="3110" spc="-1" strike="noStrike">
-              <a:solidFill>
-                <a:srgbClr val="000000"/>
-              </a:solidFill>
-              <a:latin typeface="Times New Roman"/>
+            <a:endParaRPr b="0" lang="en-US" sz="4400" spc="-1" strike="noStrike">
+              <a:latin typeface="Arial"/>
             </a:endParaRPr>
           </a:p>
         </p:txBody>
@@ -2756,8 +2391,8 @@
         </p:nvSpPr>
         <p:spPr>
           <a:xfrm>
-            <a:off x="504000" y="2376360"/>
-            <a:ext cx="9072360" cy="946800"/>
+            <a:off x="504000" y="226080"/>
+            <a:ext cx="9072000" cy="946440"/>
           </a:xfrm>
           <a:prstGeom prst="rect">
             <a:avLst/>
@@ -2765,15 +2400,12 @@
         </p:spPr>
         <p:txBody>
           <a:bodyPr lIns="0" rIns="0" tIns="0" bIns="0" anchor="ctr">
-            <a:normAutofit/>
+            <a:spAutoFit/>
           </a:bodyPr>
           <a:p>
             <a:pPr algn="ctr"/>
-            <a:endParaRPr b="0" lang="en-US" sz="3110" spc="-1" strike="noStrike">
-              <a:solidFill>
-                <a:srgbClr val="000000"/>
-              </a:solidFill>
-              <a:latin typeface="Times New Roman"/>
+            <a:endParaRPr b="0" lang="en-US" sz="4400" spc="-1" strike="noStrike">
+              <a:latin typeface="Arial"/>
             </a:endParaRPr>
           </a:p>
         </p:txBody>
@@ -2790,8 +2422,8 @@
         </p:nvSpPr>
         <p:spPr>
           <a:xfrm>
-            <a:off x="504000" y="3564360"/>
-            <a:ext cx="8870760" cy="2883240"/>
+            <a:off x="504000" y="1326600"/>
+            <a:ext cx="9072000" cy="3288600"/>
           </a:xfrm>
           <a:prstGeom prst="rect">
             <a:avLst/>
@@ -2802,16 +2434,8 @@
             <a:normAutofit/>
           </a:bodyPr>
           <a:p>
-            <a:pPr algn="ctr">
-              <a:spcAft>
-                <a:spcPts val="1057"/>
-              </a:spcAft>
-            </a:pPr>
-            <a:endParaRPr b="0" lang="en-US" sz="2400" spc="-1" strike="noStrike">
-              <a:solidFill>
-                <a:srgbClr val="000000"/>
-              </a:solidFill>
-              <a:latin typeface="Times New Roman"/>
+            <a:endParaRPr b="0" lang="en-US" sz="3200" spc="-1" strike="noStrike">
+              <a:latin typeface="Arial"/>
             </a:endParaRPr>
           </a:p>
         </p:txBody>
@@ -2840,7 +2464,7 @@
       </p:grpSpPr>
       <p:sp>
         <p:nvSpPr>
-          <p:cNvPr id="96" name="PlaceHolder 1"/>
+          <p:cNvPr id="94" name="PlaceHolder 1"/>
           <p:cNvSpPr>
             <a:spLocks noGrp="1"/>
           </p:cNvSpPr>
@@ -2850,8 +2474,8 @@
         </p:nvSpPr>
         <p:spPr>
           <a:xfrm>
-            <a:off x="504000" y="2376360"/>
-            <a:ext cx="9072360" cy="4390200"/>
+            <a:off x="504000" y="226080"/>
+            <a:ext cx="9072000" cy="4388400"/>
           </a:xfrm>
           <a:prstGeom prst="rect">
             <a:avLst/>
@@ -2893,7 +2517,7 @@
       </p:grpSpPr>
       <p:sp>
         <p:nvSpPr>
-          <p:cNvPr id="97" name="PlaceHolder 1"/>
+          <p:cNvPr id="95" name="PlaceHolder 1"/>
           <p:cNvSpPr>
             <a:spLocks noGrp="1"/>
           </p:cNvSpPr>
@@ -2903,8 +2527,8 @@
         </p:nvSpPr>
         <p:spPr>
           <a:xfrm>
-            <a:off x="504000" y="2376360"/>
-            <a:ext cx="9072360" cy="946800"/>
+            <a:off x="504000" y="226080"/>
+            <a:ext cx="9072000" cy="946440"/>
           </a:xfrm>
           <a:prstGeom prst="rect">
             <a:avLst/>
@@ -2912,22 +2536,19 @@
         </p:spPr>
         <p:txBody>
           <a:bodyPr lIns="0" rIns="0" tIns="0" bIns="0" anchor="ctr">
-            <a:normAutofit/>
+            <a:spAutoFit/>
           </a:bodyPr>
           <a:p>
             <a:pPr algn="ctr"/>
-            <a:endParaRPr b="0" lang="en-US" sz="3110" spc="-1" strike="noStrike">
-              <a:solidFill>
-                <a:srgbClr val="000000"/>
-              </a:solidFill>
-              <a:latin typeface="Times New Roman"/>
-            </a:endParaRPr>
-          </a:p>
-        </p:txBody>
-      </p:sp>
-      <p:sp>
-        <p:nvSpPr>
-          <p:cNvPr id="98" name="PlaceHolder 2"/>
+            <a:endParaRPr b="0" lang="en-US" sz="4400" spc="-1" strike="noStrike">
+              <a:latin typeface="Arial"/>
+            </a:endParaRPr>
+          </a:p>
+        </p:txBody>
+      </p:sp>
+      <p:sp>
+        <p:nvSpPr>
+          <p:cNvPr id="96" name="PlaceHolder 2"/>
           <p:cNvSpPr>
             <a:spLocks noGrp="1"/>
           </p:cNvSpPr>
@@ -2937,8 +2558,8 @@
         </p:nvSpPr>
         <p:spPr>
           <a:xfrm>
-            <a:off x="504000" y="3564360"/>
-            <a:ext cx="4328640" cy="1375200"/>
+            <a:off x="504000" y="1326600"/>
+            <a:ext cx="4426920" cy="1568520"/>
           </a:xfrm>
           <a:prstGeom prst="rect">
             <a:avLst/>
@@ -2949,23 +2570,15 @@
             <a:normAutofit/>
           </a:bodyPr>
           <a:p>
-            <a:pPr algn="ctr">
-              <a:spcAft>
-                <a:spcPts val="1057"/>
-              </a:spcAft>
-            </a:pPr>
-            <a:endParaRPr b="0" lang="en-US" sz="2400" spc="-1" strike="noStrike">
-              <a:solidFill>
-                <a:srgbClr val="000000"/>
-              </a:solidFill>
-              <a:latin typeface="Times New Roman"/>
-            </a:endParaRPr>
-          </a:p>
-        </p:txBody>
-      </p:sp>
-      <p:sp>
-        <p:nvSpPr>
-          <p:cNvPr id="99" name="PlaceHolder 3"/>
+            <a:endParaRPr b="0" lang="en-US" sz="3200" spc="-1" strike="noStrike">
+              <a:latin typeface="Arial"/>
+            </a:endParaRPr>
+          </a:p>
+        </p:txBody>
+      </p:sp>
+      <p:sp>
+        <p:nvSpPr>
+          <p:cNvPr id="97" name="PlaceHolder 3"/>
           <p:cNvSpPr>
             <a:spLocks noGrp="1"/>
           </p:cNvSpPr>
@@ -2975,8 +2588,8 @@
         </p:nvSpPr>
         <p:spPr>
           <a:xfrm>
-            <a:off x="5049360" y="3564360"/>
-            <a:ext cx="4328640" cy="2883240"/>
+            <a:off x="5152680" y="1326600"/>
+            <a:ext cx="4426920" cy="3288600"/>
           </a:xfrm>
           <a:prstGeom prst="rect">
             <a:avLst/>
@@ -2987,23 +2600,15 @@
             <a:normAutofit/>
           </a:bodyPr>
           <a:p>
-            <a:pPr algn="ctr">
-              <a:spcAft>
-                <a:spcPts val="1057"/>
-              </a:spcAft>
-            </a:pPr>
-            <a:endParaRPr b="0" lang="en-US" sz="2400" spc="-1" strike="noStrike">
-              <a:solidFill>
-                <a:srgbClr val="000000"/>
-              </a:solidFill>
-              <a:latin typeface="Times New Roman"/>
-            </a:endParaRPr>
-          </a:p>
-        </p:txBody>
-      </p:sp>
-      <p:sp>
-        <p:nvSpPr>
-          <p:cNvPr id="100" name="PlaceHolder 4"/>
+            <a:endParaRPr b="0" lang="en-US" sz="3200" spc="-1" strike="noStrike">
+              <a:latin typeface="Arial"/>
+            </a:endParaRPr>
+          </a:p>
+        </p:txBody>
+      </p:sp>
+      <p:sp>
+        <p:nvSpPr>
+          <p:cNvPr id="98" name="PlaceHolder 4"/>
           <p:cNvSpPr>
             <a:spLocks noGrp="1"/>
           </p:cNvSpPr>
@@ -3013,8 +2618,8 @@
         </p:nvSpPr>
         <p:spPr>
           <a:xfrm>
-            <a:off x="504000" y="5070600"/>
-            <a:ext cx="4328640" cy="1375200"/>
+            <a:off x="504000" y="3044520"/>
+            <a:ext cx="4426920" cy="1568520"/>
           </a:xfrm>
           <a:prstGeom prst="rect">
             <a:avLst/>
@@ -3025,16 +2630,8 @@
             <a:normAutofit/>
           </a:bodyPr>
           <a:p>
-            <a:pPr algn="ctr">
-              <a:spcAft>
-                <a:spcPts val="1057"/>
-              </a:spcAft>
-            </a:pPr>
-            <a:endParaRPr b="0" lang="en-US" sz="2400" spc="-1" strike="noStrike">
-              <a:solidFill>
-                <a:srgbClr val="000000"/>
-              </a:solidFill>
-              <a:latin typeface="Times New Roman"/>
+            <a:endParaRPr b="0" lang="en-US" sz="3200" spc="-1" strike="noStrike">
+              <a:latin typeface="Arial"/>
             </a:endParaRPr>
           </a:p>
         </p:txBody>
@@ -3063,7 +2660,7 @@
       </p:grpSpPr>
       <p:sp>
         <p:nvSpPr>
-          <p:cNvPr id="101" name="PlaceHolder 1"/>
+          <p:cNvPr id="99" name="PlaceHolder 1"/>
           <p:cNvSpPr>
             <a:spLocks noGrp="1"/>
           </p:cNvSpPr>
@@ -3073,8 +2670,8 @@
         </p:nvSpPr>
         <p:spPr>
           <a:xfrm>
-            <a:off x="504000" y="2376360"/>
-            <a:ext cx="9072360" cy="946800"/>
+            <a:off x="504000" y="226080"/>
+            <a:ext cx="9072000" cy="946440"/>
           </a:xfrm>
           <a:prstGeom prst="rect">
             <a:avLst/>
@@ -3082,22 +2679,19 @@
         </p:spPr>
         <p:txBody>
           <a:bodyPr lIns="0" rIns="0" tIns="0" bIns="0" anchor="ctr">
-            <a:normAutofit/>
+            <a:spAutoFit/>
           </a:bodyPr>
           <a:p>
             <a:pPr algn="ctr"/>
-            <a:endParaRPr b="0" lang="en-US" sz="3110" spc="-1" strike="noStrike">
-              <a:solidFill>
-                <a:srgbClr val="000000"/>
-              </a:solidFill>
-              <a:latin typeface="Times New Roman"/>
-            </a:endParaRPr>
-          </a:p>
-        </p:txBody>
-      </p:sp>
-      <p:sp>
-        <p:nvSpPr>
-          <p:cNvPr id="102" name="PlaceHolder 2"/>
+            <a:endParaRPr b="0" lang="en-US" sz="4400" spc="-1" strike="noStrike">
+              <a:latin typeface="Arial"/>
+            </a:endParaRPr>
+          </a:p>
+        </p:txBody>
+      </p:sp>
+      <p:sp>
+        <p:nvSpPr>
+          <p:cNvPr id="100" name="PlaceHolder 2"/>
           <p:cNvSpPr>
             <a:spLocks noGrp="1"/>
           </p:cNvSpPr>
@@ -3107,8 +2701,8 @@
         </p:nvSpPr>
         <p:spPr>
           <a:xfrm>
-            <a:off x="504000" y="3564360"/>
-            <a:ext cx="4328640" cy="2883240"/>
+            <a:off x="504000" y="1326600"/>
+            <a:ext cx="4426920" cy="3288600"/>
           </a:xfrm>
           <a:prstGeom prst="rect">
             <a:avLst/>
@@ -3119,23 +2713,15 @@
             <a:normAutofit/>
           </a:bodyPr>
           <a:p>
-            <a:pPr algn="ctr">
-              <a:spcAft>
-                <a:spcPts val="1057"/>
-              </a:spcAft>
-            </a:pPr>
-            <a:endParaRPr b="0" lang="en-US" sz="2400" spc="-1" strike="noStrike">
-              <a:solidFill>
-                <a:srgbClr val="000000"/>
-              </a:solidFill>
-              <a:latin typeface="Times New Roman"/>
-            </a:endParaRPr>
-          </a:p>
-        </p:txBody>
-      </p:sp>
-      <p:sp>
-        <p:nvSpPr>
-          <p:cNvPr id="103" name="PlaceHolder 3"/>
+            <a:endParaRPr b="0" lang="en-US" sz="3200" spc="-1" strike="noStrike">
+              <a:latin typeface="Arial"/>
+            </a:endParaRPr>
+          </a:p>
+        </p:txBody>
+      </p:sp>
+      <p:sp>
+        <p:nvSpPr>
+          <p:cNvPr id="101" name="PlaceHolder 3"/>
           <p:cNvSpPr>
             <a:spLocks noGrp="1"/>
           </p:cNvSpPr>
@@ -3145,8 +2731,8 @@
         </p:nvSpPr>
         <p:spPr>
           <a:xfrm>
-            <a:off x="5049360" y="3564360"/>
-            <a:ext cx="4328640" cy="1375200"/>
+            <a:off x="5152680" y="1326600"/>
+            <a:ext cx="4426920" cy="1568520"/>
           </a:xfrm>
           <a:prstGeom prst="rect">
             <a:avLst/>
@@ -3157,23 +2743,15 @@
             <a:normAutofit/>
           </a:bodyPr>
           <a:p>
-            <a:pPr algn="ctr">
-              <a:spcAft>
-                <a:spcPts val="1057"/>
-              </a:spcAft>
-            </a:pPr>
-            <a:endParaRPr b="0" lang="en-US" sz="2400" spc="-1" strike="noStrike">
-              <a:solidFill>
-                <a:srgbClr val="000000"/>
-              </a:solidFill>
-              <a:latin typeface="Times New Roman"/>
-            </a:endParaRPr>
-          </a:p>
-        </p:txBody>
-      </p:sp>
-      <p:sp>
-        <p:nvSpPr>
-          <p:cNvPr id="104" name="PlaceHolder 4"/>
+            <a:endParaRPr b="0" lang="en-US" sz="3200" spc="-1" strike="noStrike">
+              <a:latin typeface="Arial"/>
+            </a:endParaRPr>
+          </a:p>
+        </p:txBody>
+      </p:sp>
+      <p:sp>
+        <p:nvSpPr>
+          <p:cNvPr id="102" name="PlaceHolder 4"/>
           <p:cNvSpPr>
             <a:spLocks noGrp="1"/>
           </p:cNvSpPr>
@@ -3183,8 +2761,8 @@
         </p:nvSpPr>
         <p:spPr>
           <a:xfrm>
-            <a:off x="5049360" y="5070600"/>
-            <a:ext cx="4328640" cy="1375200"/>
+            <a:off x="5152680" y="3044520"/>
+            <a:ext cx="4426920" cy="1568520"/>
           </a:xfrm>
           <a:prstGeom prst="rect">
             <a:avLst/>
@@ -3195,16 +2773,8 @@
             <a:normAutofit/>
           </a:bodyPr>
           <a:p>
-            <a:pPr algn="ctr">
-              <a:spcAft>
-                <a:spcPts val="1057"/>
-              </a:spcAft>
-            </a:pPr>
-            <a:endParaRPr b="0" lang="en-US" sz="2400" spc="-1" strike="noStrike">
-              <a:solidFill>
-                <a:srgbClr val="000000"/>
-              </a:solidFill>
-              <a:latin typeface="Times New Roman"/>
+            <a:endParaRPr b="0" lang="en-US" sz="3200" spc="-1" strike="noStrike">
+              <a:latin typeface="Arial"/>
             </a:endParaRPr>
           </a:p>
         </p:txBody>
@@ -3233,7 +2803,7 @@
       </p:grpSpPr>
       <p:sp>
         <p:nvSpPr>
-          <p:cNvPr id="105" name="PlaceHolder 1"/>
+          <p:cNvPr id="103" name="PlaceHolder 1"/>
           <p:cNvSpPr>
             <a:spLocks noGrp="1"/>
           </p:cNvSpPr>
@@ -3243,8 +2813,8 @@
         </p:nvSpPr>
         <p:spPr>
           <a:xfrm>
-            <a:off x="504000" y="2376360"/>
-            <a:ext cx="9072360" cy="946800"/>
+            <a:off x="504000" y="226080"/>
+            <a:ext cx="9072000" cy="946440"/>
           </a:xfrm>
           <a:prstGeom prst="rect">
             <a:avLst/>
@@ -3252,22 +2822,19 @@
         </p:spPr>
         <p:txBody>
           <a:bodyPr lIns="0" rIns="0" tIns="0" bIns="0" anchor="ctr">
-            <a:normAutofit/>
+            <a:spAutoFit/>
           </a:bodyPr>
           <a:p>
             <a:pPr algn="ctr"/>
-            <a:endParaRPr b="0" lang="en-US" sz="3110" spc="-1" strike="noStrike">
-              <a:solidFill>
-                <a:srgbClr val="000000"/>
-              </a:solidFill>
-              <a:latin typeface="Times New Roman"/>
-            </a:endParaRPr>
-          </a:p>
-        </p:txBody>
-      </p:sp>
-      <p:sp>
-        <p:nvSpPr>
-          <p:cNvPr id="106" name="PlaceHolder 2"/>
+            <a:endParaRPr b="0" lang="en-US" sz="4400" spc="-1" strike="noStrike">
+              <a:latin typeface="Arial"/>
+            </a:endParaRPr>
+          </a:p>
+        </p:txBody>
+      </p:sp>
+      <p:sp>
+        <p:nvSpPr>
+          <p:cNvPr id="104" name="PlaceHolder 2"/>
           <p:cNvSpPr>
             <a:spLocks noGrp="1"/>
           </p:cNvSpPr>
@@ -3277,8 +2844,8 @@
         </p:nvSpPr>
         <p:spPr>
           <a:xfrm>
-            <a:off x="504000" y="3564360"/>
-            <a:ext cx="4328640" cy="1375200"/>
+            <a:off x="504000" y="1326600"/>
+            <a:ext cx="4426920" cy="1568520"/>
           </a:xfrm>
           <a:prstGeom prst="rect">
             <a:avLst/>
@@ -3289,23 +2856,15 @@
             <a:normAutofit/>
           </a:bodyPr>
           <a:p>
-            <a:pPr algn="ctr">
-              <a:spcAft>
-                <a:spcPts val="1057"/>
-              </a:spcAft>
-            </a:pPr>
-            <a:endParaRPr b="0" lang="en-US" sz="2400" spc="-1" strike="noStrike">
-              <a:solidFill>
-                <a:srgbClr val="000000"/>
-              </a:solidFill>
-              <a:latin typeface="Times New Roman"/>
-            </a:endParaRPr>
-          </a:p>
-        </p:txBody>
-      </p:sp>
-      <p:sp>
-        <p:nvSpPr>
-          <p:cNvPr id="107" name="PlaceHolder 3"/>
+            <a:endParaRPr b="0" lang="en-US" sz="3200" spc="-1" strike="noStrike">
+              <a:latin typeface="Arial"/>
+            </a:endParaRPr>
+          </a:p>
+        </p:txBody>
+      </p:sp>
+      <p:sp>
+        <p:nvSpPr>
+          <p:cNvPr id="105" name="PlaceHolder 3"/>
           <p:cNvSpPr>
             <a:spLocks noGrp="1"/>
           </p:cNvSpPr>
@@ -3315,8 +2874,8 @@
         </p:nvSpPr>
         <p:spPr>
           <a:xfrm>
-            <a:off x="5049360" y="3564360"/>
-            <a:ext cx="4328640" cy="1375200"/>
+            <a:off x="5152680" y="1326600"/>
+            <a:ext cx="4426920" cy="1568520"/>
           </a:xfrm>
           <a:prstGeom prst="rect">
             <a:avLst/>
@@ -3327,23 +2886,15 @@
             <a:normAutofit/>
           </a:bodyPr>
           <a:p>
-            <a:pPr algn="ctr">
-              <a:spcAft>
-                <a:spcPts val="1057"/>
-              </a:spcAft>
-            </a:pPr>
-            <a:endParaRPr b="0" lang="en-US" sz="2400" spc="-1" strike="noStrike">
-              <a:solidFill>
-                <a:srgbClr val="000000"/>
-              </a:solidFill>
-              <a:latin typeface="Times New Roman"/>
-            </a:endParaRPr>
-          </a:p>
-        </p:txBody>
-      </p:sp>
-      <p:sp>
-        <p:nvSpPr>
-          <p:cNvPr id="108" name="PlaceHolder 4"/>
+            <a:endParaRPr b="0" lang="en-US" sz="3200" spc="-1" strike="noStrike">
+              <a:latin typeface="Arial"/>
+            </a:endParaRPr>
+          </a:p>
+        </p:txBody>
+      </p:sp>
+      <p:sp>
+        <p:nvSpPr>
+          <p:cNvPr id="106" name="PlaceHolder 4"/>
           <p:cNvSpPr>
             <a:spLocks noGrp="1"/>
           </p:cNvSpPr>
@@ -3353,8 +2904,8 @@
         </p:nvSpPr>
         <p:spPr>
           <a:xfrm>
-            <a:off x="504000" y="5070600"/>
-            <a:ext cx="8870760" cy="1375200"/>
+            <a:off x="504000" y="3044520"/>
+            <a:ext cx="9072000" cy="1568520"/>
           </a:xfrm>
           <a:prstGeom prst="rect">
             <a:avLst/>
@@ -3365,16 +2916,8 @@
             <a:normAutofit/>
           </a:bodyPr>
           <a:p>
-            <a:pPr algn="ctr">
-              <a:spcAft>
-                <a:spcPts val="1057"/>
-              </a:spcAft>
-            </a:pPr>
-            <a:endParaRPr b="0" lang="en-US" sz="2400" spc="-1" strike="noStrike">
-              <a:solidFill>
-                <a:srgbClr val="000000"/>
-              </a:solidFill>
-              <a:latin typeface="Times New Roman"/>
+            <a:endParaRPr b="0" lang="en-US" sz="3200" spc="-1" strike="noStrike">
+              <a:latin typeface="Arial"/>
             </a:endParaRPr>
           </a:p>
         </p:txBody>
@@ -3403,7 +2946,7 @@
       </p:grpSpPr>
       <p:sp>
         <p:nvSpPr>
-          <p:cNvPr id="109" name="PlaceHolder 1"/>
+          <p:cNvPr id="107" name="PlaceHolder 1"/>
           <p:cNvSpPr>
             <a:spLocks noGrp="1"/>
           </p:cNvSpPr>
@@ -3413,8 +2956,8 @@
         </p:nvSpPr>
         <p:spPr>
           <a:xfrm>
-            <a:off x="504000" y="2376360"/>
-            <a:ext cx="9072360" cy="946800"/>
+            <a:off x="504000" y="226080"/>
+            <a:ext cx="9072000" cy="946440"/>
           </a:xfrm>
           <a:prstGeom prst="rect">
             <a:avLst/>
@@ -3422,22 +2965,19 @@
         </p:spPr>
         <p:txBody>
           <a:bodyPr lIns="0" rIns="0" tIns="0" bIns="0" anchor="ctr">
-            <a:normAutofit/>
+            <a:spAutoFit/>
           </a:bodyPr>
           <a:p>
             <a:pPr algn="ctr"/>
-            <a:endParaRPr b="0" lang="en-US" sz="3110" spc="-1" strike="noStrike">
-              <a:solidFill>
-                <a:srgbClr val="000000"/>
-              </a:solidFill>
-              <a:latin typeface="Times New Roman"/>
-            </a:endParaRPr>
-          </a:p>
-        </p:txBody>
-      </p:sp>
-      <p:sp>
-        <p:nvSpPr>
-          <p:cNvPr id="110" name="PlaceHolder 2"/>
+            <a:endParaRPr b="0" lang="en-US" sz="4400" spc="-1" strike="noStrike">
+              <a:latin typeface="Arial"/>
+            </a:endParaRPr>
+          </a:p>
+        </p:txBody>
+      </p:sp>
+      <p:sp>
+        <p:nvSpPr>
+          <p:cNvPr id="108" name="PlaceHolder 2"/>
           <p:cNvSpPr>
             <a:spLocks noGrp="1"/>
           </p:cNvSpPr>
@@ -3447,8 +2987,8 @@
         </p:nvSpPr>
         <p:spPr>
           <a:xfrm>
-            <a:off x="504000" y="3564360"/>
-            <a:ext cx="8870760" cy="1375200"/>
+            <a:off x="504000" y="1326600"/>
+            <a:ext cx="9072000" cy="1568520"/>
           </a:xfrm>
           <a:prstGeom prst="rect">
             <a:avLst/>
@@ -3459,23 +2999,15 @@
             <a:normAutofit/>
           </a:bodyPr>
           <a:p>
-            <a:pPr algn="ctr">
-              <a:spcAft>
-                <a:spcPts val="1057"/>
-              </a:spcAft>
-            </a:pPr>
-            <a:endParaRPr b="0" lang="en-US" sz="2400" spc="-1" strike="noStrike">
-              <a:solidFill>
-                <a:srgbClr val="000000"/>
-              </a:solidFill>
-              <a:latin typeface="Times New Roman"/>
-            </a:endParaRPr>
-          </a:p>
-        </p:txBody>
-      </p:sp>
-      <p:sp>
-        <p:nvSpPr>
-          <p:cNvPr id="111" name="PlaceHolder 3"/>
+            <a:endParaRPr b="0" lang="en-US" sz="3200" spc="-1" strike="noStrike">
+              <a:latin typeface="Arial"/>
+            </a:endParaRPr>
+          </a:p>
+        </p:txBody>
+      </p:sp>
+      <p:sp>
+        <p:nvSpPr>
+          <p:cNvPr id="109" name="PlaceHolder 3"/>
           <p:cNvSpPr>
             <a:spLocks noGrp="1"/>
           </p:cNvSpPr>
@@ -3485,8 +3017,8 @@
         </p:nvSpPr>
         <p:spPr>
           <a:xfrm>
-            <a:off x="504000" y="5070600"/>
-            <a:ext cx="8870760" cy="1375200"/>
+            <a:off x="504000" y="3044520"/>
+            <a:ext cx="9072000" cy="1568520"/>
           </a:xfrm>
           <a:prstGeom prst="rect">
             <a:avLst/>
@@ -3497,16 +3029,8 @@
             <a:normAutofit/>
           </a:bodyPr>
           <a:p>
-            <a:pPr algn="ctr">
-              <a:spcAft>
-                <a:spcPts val="1057"/>
-              </a:spcAft>
-            </a:pPr>
-            <a:endParaRPr b="0" lang="en-US" sz="2400" spc="-1" strike="noStrike">
-              <a:solidFill>
-                <a:srgbClr val="000000"/>
-              </a:solidFill>
-              <a:latin typeface="Times New Roman"/>
+            <a:endParaRPr b="0" lang="en-US" sz="3200" spc="-1" strike="noStrike">
+              <a:latin typeface="Arial"/>
             </a:endParaRPr>
           </a:p>
         </p:txBody>
@@ -3535,7 +3059,7 @@
       </p:grpSpPr>
       <p:sp>
         <p:nvSpPr>
-          <p:cNvPr id="112" name="PlaceHolder 1"/>
+          <p:cNvPr id="110" name="PlaceHolder 1"/>
           <p:cNvSpPr>
             <a:spLocks noGrp="1"/>
           </p:cNvSpPr>
@@ -3545,8 +3069,8 @@
         </p:nvSpPr>
         <p:spPr>
           <a:xfrm>
-            <a:off x="504000" y="2376360"/>
-            <a:ext cx="9072360" cy="946800"/>
+            <a:off x="504000" y="226080"/>
+            <a:ext cx="9072000" cy="946440"/>
           </a:xfrm>
           <a:prstGeom prst="rect">
             <a:avLst/>
@@ -3554,22 +3078,19 @@
         </p:spPr>
         <p:txBody>
           <a:bodyPr lIns="0" rIns="0" tIns="0" bIns="0" anchor="ctr">
-            <a:normAutofit/>
+            <a:spAutoFit/>
           </a:bodyPr>
           <a:p>
             <a:pPr algn="ctr"/>
-            <a:endParaRPr b="0" lang="en-US" sz="3110" spc="-1" strike="noStrike">
-              <a:solidFill>
-                <a:srgbClr val="000000"/>
-              </a:solidFill>
-              <a:latin typeface="Times New Roman"/>
-            </a:endParaRPr>
-          </a:p>
-        </p:txBody>
-      </p:sp>
-      <p:sp>
-        <p:nvSpPr>
-          <p:cNvPr id="113" name="PlaceHolder 2"/>
+            <a:endParaRPr b="0" lang="en-US" sz="4400" spc="-1" strike="noStrike">
+              <a:latin typeface="Arial"/>
+            </a:endParaRPr>
+          </a:p>
+        </p:txBody>
+      </p:sp>
+      <p:sp>
+        <p:nvSpPr>
+          <p:cNvPr id="111" name="PlaceHolder 2"/>
           <p:cNvSpPr>
             <a:spLocks noGrp="1"/>
           </p:cNvSpPr>
@@ -3579,8 +3100,8 @@
         </p:nvSpPr>
         <p:spPr>
           <a:xfrm>
-            <a:off x="504000" y="3564360"/>
-            <a:ext cx="4328640" cy="1375200"/>
+            <a:off x="504000" y="1326600"/>
+            <a:ext cx="4426920" cy="1568520"/>
           </a:xfrm>
           <a:prstGeom prst="rect">
             <a:avLst/>
@@ -3591,23 +3112,15 @@
             <a:normAutofit/>
           </a:bodyPr>
           <a:p>
-            <a:pPr algn="ctr">
-              <a:spcAft>
-                <a:spcPts val="1057"/>
-              </a:spcAft>
-            </a:pPr>
-            <a:endParaRPr b="0" lang="en-US" sz="2400" spc="-1" strike="noStrike">
-              <a:solidFill>
-                <a:srgbClr val="000000"/>
-              </a:solidFill>
-              <a:latin typeface="Times New Roman"/>
-            </a:endParaRPr>
-          </a:p>
-        </p:txBody>
-      </p:sp>
-      <p:sp>
-        <p:nvSpPr>
-          <p:cNvPr id="114" name="PlaceHolder 3"/>
+            <a:endParaRPr b="0" lang="en-US" sz="3200" spc="-1" strike="noStrike">
+              <a:latin typeface="Arial"/>
+            </a:endParaRPr>
+          </a:p>
+        </p:txBody>
+      </p:sp>
+      <p:sp>
+        <p:nvSpPr>
+          <p:cNvPr id="112" name="PlaceHolder 3"/>
           <p:cNvSpPr>
             <a:spLocks noGrp="1"/>
           </p:cNvSpPr>
@@ -3617,8 +3130,8 @@
         </p:nvSpPr>
         <p:spPr>
           <a:xfrm>
-            <a:off x="5049360" y="3564360"/>
-            <a:ext cx="4328640" cy="1375200"/>
+            <a:off x="5152680" y="1326600"/>
+            <a:ext cx="4426920" cy="1568520"/>
           </a:xfrm>
           <a:prstGeom prst="rect">
             <a:avLst/>
@@ -3629,23 +3142,15 @@
             <a:normAutofit/>
           </a:bodyPr>
           <a:p>
-            <a:pPr algn="ctr">
-              <a:spcAft>
-                <a:spcPts val="1057"/>
-              </a:spcAft>
-            </a:pPr>
-            <a:endParaRPr b="0" lang="en-US" sz="2400" spc="-1" strike="noStrike">
-              <a:solidFill>
-                <a:srgbClr val="000000"/>
-              </a:solidFill>
-              <a:latin typeface="Times New Roman"/>
-            </a:endParaRPr>
-          </a:p>
-        </p:txBody>
-      </p:sp>
-      <p:sp>
-        <p:nvSpPr>
-          <p:cNvPr id="115" name="PlaceHolder 4"/>
+            <a:endParaRPr b="0" lang="en-US" sz="3200" spc="-1" strike="noStrike">
+              <a:latin typeface="Arial"/>
+            </a:endParaRPr>
+          </a:p>
+        </p:txBody>
+      </p:sp>
+      <p:sp>
+        <p:nvSpPr>
+          <p:cNvPr id="113" name="PlaceHolder 4"/>
           <p:cNvSpPr>
             <a:spLocks noGrp="1"/>
           </p:cNvSpPr>
@@ -3655,8 +3160,8 @@
         </p:nvSpPr>
         <p:spPr>
           <a:xfrm>
-            <a:off x="504000" y="5070600"/>
-            <a:ext cx="4328640" cy="1375200"/>
+            <a:off x="504000" y="3044520"/>
+            <a:ext cx="4426920" cy="1568520"/>
           </a:xfrm>
           <a:prstGeom prst="rect">
             <a:avLst/>
@@ -3667,23 +3172,15 @@
             <a:normAutofit/>
           </a:bodyPr>
           <a:p>
-            <a:pPr algn="ctr">
-              <a:spcAft>
-                <a:spcPts val="1057"/>
-              </a:spcAft>
-            </a:pPr>
-            <a:endParaRPr b="0" lang="en-US" sz="2400" spc="-1" strike="noStrike">
-              <a:solidFill>
-                <a:srgbClr val="000000"/>
-              </a:solidFill>
-              <a:latin typeface="Times New Roman"/>
-            </a:endParaRPr>
-          </a:p>
-        </p:txBody>
-      </p:sp>
-      <p:sp>
-        <p:nvSpPr>
-          <p:cNvPr id="116" name="PlaceHolder 5"/>
+            <a:endParaRPr b="0" lang="en-US" sz="3200" spc="-1" strike="noStrike">
+              <a:latin typeface="Arial"/>
+            </a:endParaRPr>
+          </a:p>
+        </p:txBody>
+      </p:sp>
+      <p:sp>
+        <p:nvSpPr>
+          <p:cNvPr id="114" name="PlaceHolder 5"/>
           <p:cNvSpPr>
             <a:spLocks noGrp="1"/>
           </p:cNvSpPr>
@@ -3693,8 +3190,8 @@
         </p:nvSpPr>
         <p:spPr>
           <a:xfrm>
-            <a:off x="5049360" y="5070600"/>
-            <a:ext cx="4328640" cy="1375200"/>
+            <a:off x="5152680" y="3044520"/>
+            <a:ext cx="4426920" cy="1568520"/>
           </a:xfrm>
           <a:prstGeom prst="rect">
             <a:avLst/>
@@ -3705,16 +3202,8 @@
             <a:normAutofit/>
           </a:bodyPr>
           <a:p>
-            <a:pPr algn="ctr">
-              <a:spcAft>
-                <a:spcPts val="1057"/>
-              </a:spcAft>
-            </a:pPr>
-            <a:endParaRPr b="0" lang="en-US" sz="2400" spc="-1" strike="noStrike">
-              <a:solidFill>
-                <a:srgbClr val="000000"/>
-              </a:solidFill>
-              <a:latin typeface="Times New Roman"/>
+            <a:endParaRPr b="0" lang="en-US" sz="3200" spc="-1" strike="noStrike">
+              <a:latin typeface="Arial"/>
             </a:endParaRPr>
           </a:p>
         </p:txBody>
@@ -3743,7 +3232,7 @@
       </p:grpSpPr>
       <p:sp>
         <p:nvSpPr>
-          <p:cNvPr id="117" name="PlaceHolder 1"/>
+          <p:cNvPr id="115" name="PlaceHolder 1"/>
           <p:cNvSpPr>
             <a:spLocks noGrp="1"/>
           </p:cNvSpPr>
@@ -3753,8 +3242,8 @@
         </p:nvSpPr>
         <p:spPr>
           <a:xfrm>
-            <a:off x="504000" y="2376360"/>
-            <a:ext cx="9072360" cy="946800"/>
+            <a:off x="504000" y="226080"/>
+            <a:ext cx="9072000" cy="946440"/>
           </a:xfrm>
           <a:prstGeom prst="rect">
             <a:avLst/>
@@ -3762,22 +3251,19 @@
         </p:spPr>
         <p:txBody>
           <a:bodyPr lIns="0" rIns="0" tIns="0" bIns="0" anchor="ctr">
-            <a:normAutofit/>
+            <a:spAutoFit/>
           </a:bodyPr>
           <a:p>
             <a:pPr algn="ctr"/>
-            <a:endParaRPr b="0" lang="en-US" sz="3110" spc="-1" strike="noStrike">
-              <a:solidFill>
-                <a:srgbClr val="000000"/>
-              </a:solidFill>
-              <a:latin typeface="Times New Roman"/>
-            </a:endParaRPr>
-          </a:p>
-        </p:txBody>
-      </p:sp>
-      <p:sp>
-        <p:nvSpPr>
-          <p:cNvPr id="118" name="PlaceHolder 2"/>
+            <a:endParaRPr b="0" lang="en-US" sz="4400" spc="-1" strike="noStrike">
+              <a:latin typeface="Arial"/>
+            </a:endParaRPr>
+          </a:p>
+        </p:txBody>
+      </p:sp>
+      <p:sp>
+        <p:nvSpPr>
+          <p:cNvPr id="116" name="PlaceHolder 2"/>
           <p:cNvSpPr>
             <a:spLocks noGrp="1"/>
           </p:cNvSpPr>
@@ -3787,8 +3273,8 @@
         </p:nvSpPr>
         <p:spPr>
           <a:xfrm>
-            <a:off x="504000" y="3564360"/>
-            <a:ext cx="2856240" cy="1375200"/>
+            <a:off x="504000" y="1326600"/>
+            <a:ext cx="2921040" cy="1568520"/>
           </a:xfrm>
           <a:prstGeom prst="rect">
             <a:avLst/>
@@ -3799,23 +3285,15 @@
             <a:normAutofit/>
           </a:bodyPr>
           <a:p>
-            <a:pPr algn="ctr">
-              <a:spcAft>
-                <a:spcPts val="1057"/>
-              </a:spcAft>
-            </a:pPr>
-            <a:endParaRPr b="0" lang="en-US" sz="2400" spc="-1" strike="noStrike">
-              <a:solidFill>
-                <a:srgbClr val="000000"/>
-              </a:solidFill>
-              <a:latin typeface="Times New Roman"/>
-            </a:endParaRPr>
-          </a:p>
-        </p:txBody>
-      </p:sp>
-      <p:sp>
-        <p:nvSpPr>
-          <p:cNvPr id="119" name="PlaceHolder 3"/>
+            <a:endParaRPr b="0" lang="en-US" sz="3200" spc="-1" strike="noStrike">
+              <a:latin typeface="Arial"/>
+            </a:endParaRPr>
+          </a:p>
+        </p:txBody>
+      </p:sp>
+      <p:sp>
+        <p:nvSpPr>
+          <p:cNvPr id="117" name="PlaceHolder 3"/>
           <p:cNvSpPr>
             <a:spLocks noGrp="1"/>
           </p:cNvSpPr>
@@ -3825,8 +3303,8 @@
         </p:nvSpPr>
         <p:spPr>
           <a:xfrm>
-            <a:off x="3503520" y="3564360"/>
-            <a:ext cx="2856240" cy="1375200"/>
+            <a:off x="3571560" y="1326600"/>
+            <a:ext cx="2921040" cy="1568520"/>
           </a:xfrm>
           <a:prstGeom prst="rect">
             <a:avLst/>
@@ -3837,23 +3315,15 @@
             <a:normAutofit/>
           </a:bodyPr>
           <a:p>
-            <a:pPr algn="ctr">
-              <a:spcAft>
-                <a:spcPts val="1057"/>
-              </a:spcAft>
-            </a:pPr>
-            <a:endParaRPr b="0" lang="en-US" sz="2400" spc="-1" strike="noStrike">
-              <a:solidFill>
-                <a:srgbClr val="000000"/>
-              </a:solidFill>
-              <a:latin typeface="Times New Roman"/>
-            </a:endParaRPr>
-          </a:p>
-        </p:txBody>
-      </p:sp>
-      <p:sp>
-        <p:nvSpPr>
-          <p:cNvPr id="120" name="PlaceHolder 4"/>
+            <a:endParaRPr b="0" lang="en-US" sz="3200" spc="-1" strike="noStrike">
+              <a:latin typeface="Arial"/>
+            </a:endParaRPr>
+          </a:p>
+        </p:txBody>
+      </p:sp>
+      <p:sp>
+        <p:nvSpPr>
+          <p:cNvPr id="118" name="PlaceHolder 4"/>
           <p:cNvSpPr>
             <a:spLocks noGrp="1"/>
           </p:cNvSpPr>
@@ -3863,8 +3333,8 @@
         </p:nvSpPr>
         <p:spPr>
           <a:xfrm>
-            <a:off x="6503040" y="3564360"/>
-            <a:ext cx="2856240" cy="1375200"/>
+            <a:off x="6639120" y="1326600"/>
+            <a:ext cx="2921040" cy="1568520"/>
           </a:xfrm>
           <a:prstGeom prst="rect">
             <a:avLst/>
@@ -3875,23 +3345,15 @@
             <a:normAutofit/>
           </a:bodyPr>
           <a:p>
-            <a:pPr algn="ctr">
-              <a:spcAft>
-                <a:spcPts val="1057"/>
-              </a:spcAft>
-            </a:pPr>
-            <a:endParaRPr b="0" lang="en-US" sz="2400" spc="-1" strike="noStrike">
-              <a:solidFill>
-                <a:srgbClr val="000000"/>
-              </a:solidFill>
-              <a:latin typeface="Times New Roman"/>
-            </a:endParaRPr>
-          </a:p>
-        </p:txBody>
-      </p:sp>
-      <p:sp>
-        <p:nvSpPr>
-          <p:cNvPr id="121" name="PlaceHolder 5"/>
+            <a:endParaRPr b="0" lang="en-US" sz="3200" spc="-1" strike="noStrike">
+              <a:latin typeface="Arial"/>
+            </a:endParaRPr>
+          </a:p>
+        </p:txBody>
+      </p:sp>
+      <p:sp>
+        <p:nvSpPr>
+          <p:cNvPr id="119" name="PlaceHolder 5"/>
           <p:cNvSpPr>
             <a:spLocks noGrp="1"/>
           </p:cNvSpPr>
@@ -3901,8 +3363,8 @@
         </p:nvSpPr>
         <p:spPr>
           <a:xfrm>
-            <a:off x="504000" y="5070600"/>
-            <a:ext cx="2856240" cy="1375200"/>
+            <a:off x="504000" y="3044520"/>
+            <a:ext cx="2921040" cy="1568520"/>
           </a:xfrm>
           <a:prstGeom prst="rect">
             <a:avLst/>
@@ -3913,23 +3375,15 @@
             <a:normAutofit/>
           </a:bodyPr>
           <a:p>
-            <a:pPr algn="ctr">
-              <a:spcAft>
-                <a:spcPts val="1057"/>
-              </a:spcAft>
-            </a:pPr>
-            <a:endParaRPr b="0" lang="en-US" sz="2400" spc="-1" strike="noStrike">
-              <a:solidFill>
-                <a:srgbClr val="000000"/>
-              </a:solidFill>
-              <a:latin typeface="Times New Roman"/>
-            </a:endParaRPr>
-          </a:p>
-        </p:txBody>
-      </p:sp>
-      <p:sp>
-        <p:nvSpPr>
-          <p:cNvPr id="122" name="PlaceHolder 6"/>
+            <a:endParaRPr b="0" lang="en-US" sz="3200" spc="-1" strike="noStrike">
+              <a:latin typeface="Arial"/>
+            </a:endParaRPr>
+          </a:p>
+        </p:txBody>
+      </p:sp>
+      <p:sp>
+        <p:nvSpPr>
+          <p:cNvPr id="120" name="PlaceHolder 6"/>
           <p:cNvSpPr>
             <a:spLocks noGrp="1"/>
           </p:cNvSpPr>
@@ -3939,8 +3393,8 @@
         </p:nvSpPr>
         <p:spPr>
           <a:xfrm>
-            <a:off x="3503520" y="5070600"/>
-            <a:ext cx="2856240" cy="1375200"/>
+            <a:off x="3571560" y="3044520"/>
+            <a:ext cx="2921040" cy="1568520"/>
           </a:xfrm>
           <a:prstGeom prst="rect">
             <a:avLst/>
@@ -3951,23 +3405,15 @@
             <a:normAutofit/>
           </a:bodyPr>
           <a:p>
-            <a:pPr algn="ctr">
-              <a:spcAft>
-                <a:spcPts val="1057"/>
-              </a:spcAft>
-            </a:pPr>
-            <a:endParaRPr b="0" lang="en-US" sz="2400" spc="-1" strike="noStrike">
-              <a:solidFill>
-                <a:srgbClr val="000000"/>
-              </a:solidFill>
-              <a:latin typeface="Times New Roman"/>
-            </a:endParaRPr>
-          </a:p>
-        </p:txBody>
-      </p:sp>
-      <p:sp>
-        <p:nvSpPr>
-          <p:cNvPr id="123" name="PlaceHolder 7"/>
+            <a:endParaRPr b="0" lang="en-US" sz="3200" spc="-1" strike="noStrike">
+              <a:latin typeface="Arial"/>
+            </a:endParaRPr>
+          </a:p>
+        </p:txBody>
+      </p:sp>
+      <p:sp>
+        <p:nvSpPr>
+          <p:cNvPr id="121" name="PlaceHolder 7"/>
           <p:cNvSpPr>
             <a:spLocks noGrp="1"/>
           </p:cNvSpPr>
@@ -3977,8 +3423,8 @@
         </p:nvSpPr>
         <p:spPr>
           <a:xfrm>
-            <a:off x="6503040" y="5070600"/>
-            <a:ext cx="2856240" cy="1375200"/>
+            <a:off x="6639120" y="3044520"/>
+            <a:ext cx="2921040" cy="1568520"/>
           </a:xfrm>
           <a:prstGeom prst="rect">
             <a:avLst/>
@@ -3989,219 +3435,8 @@
             <a:normAutofit/>
           </a:bodyPr>
           <a:p>
-            <a:pPr algn="ctr">
-              <a:spcAft>
-                <a:spcPts val="1057"/>
-              </a:spcAft>
-            </a:pPr>
-            <a:endParaRPr b="0" lang="en-US" sz="2400" spc="-1" strike="noStrike">
-              <a:solidFill>
-                <a:srgbClr val="000000"/>
-              </a:solidFill>
-              <a:latin typeface="Times New Roman"/>
-            </a:endParaRPr>
-          </a:p>
-        </p:txBody>
-      </p:sp>
-    </p:spTree>
-  </p:cSld>
-</p:sldLayout>
-</file>
-
-<file path=ppt/slideLayouts/slideLayout37.xml><?xml version="1.0" encoding="utf-8"?>
-<p:sldLayout xmlns:a="http://schemas.openxmlformats.org/drawingml/2006/main" xmlns:p="http://schemas.openxmlformats.org/presentationml/2006/main" xmlns:r="http://schemas.openxmlformats.org/officeDocument/2006/relationships" xmlns:p14="http://schemas.microsoft.com/office/powerpoint/2010/main" xmlns:p15="http://schemas.microsoft.com/office/powerpoint/2012/main" xmlns:mc="http://schemas.openxmlformats.org/markup-compatibility/2006" type="blank" preserve="1">
-  <p:cSld name="Blank Slide">
-    <p:spTree>
-      <p:nvGrpSpPr>
-        <p:cNvPr id="1" name=""/>
-        <p:cNvGrpSpPr/>
-        <p:nvPr/>
-      </p:nvGrpSpPr>
-      <p:grpSpPr>
-        <a:xfrm>
-          <a:off x="0" y="0"/>
-          <a:ext cx="0" cy="0"/>
-          <a:chOff x="0" y="0"/>
-          <a:chExt cx="0" cy="0"/>
-        </a:xfrm>
-      </p:grpSpPr>
-    </p:spTree>
-  </p:cSld>
-</p:sldLayout>
-</file>
-
-<file path=ppt/slideLayouts/slideLayout38.xml><?xml version="1.0" encoding="utf-8"?>
-<p:sldLayout xmlns:a="http://schemas.openxmlformats.org/drawingml/2006/main" xmlns:p="http://schemas.openxmlformats.org/presentationml/2006/main" xmlns:r="http://schemas.openxmlformats.org/officeDocument/2006/relationships" xmlns:p14="http://schemas.microsoft.com/office/powerpoint/2010/main" xmlns:p15="http://schemas.microsoft.com/office/powerpoint/2012/main" xmlns:mc="http://schemas.openxmlformats.org/markup-compatibility/2006" type="tx" preserve="1">
-  <p:cSld name="Title Slide">
-    <p:spTree>
-      <p:nvGrpSpPr>
-        <p:cNvPr id="1" name=""/>
-        <p:cNvGrpSpPr/>
-        <p:nvPr/>
-      </p:nvGrpSpPr>
-      <p:grpSpPr>
-        <a:xfrm>
-          <a:off x="0" y="0"/>
-          <a:ext cx="0" cy="0"/>
-          <a:chOff x="0" y="0"/>
-          <a:chExt cx="0" cy="0"/>
-        </a:xfrm>
-      </p:grpSpPr>
-      <p:sp>
-        <p:nvSpPr>
-          <p:cNvPr id="130" name="PlaceHolder 1"/>
-          <p:cNvSpPr>
-            <a:spLocks noGrp="1"/>
-          </p:cNvSpPr>
-          <p:nvPr>
-            <p:ph type="title"/>
-          </p:nvPr>
-        </p:nvSpPr>
-        <p:spPr>
-          <a:xfrm>
-            <a:off x="504000" y="2376360"/>
-            <a:ext cx="9072360" cy="946800"/>
-          </a:xfrm>
-          <a:prstGeom prst="rect">
-            <a:avLst/>
-          </a:prstGeom>
-        </p:spPr>
-        <p:txBody>
-          <a:bodyPr lIns="0" rIns="0" tIns="0" bIns="0" anchor="ctr">
-            <a:normAutofit/>
-          </a:bodyPr>
-          <a:p>
-            <a:pPr algn="ctr"/>
-            <a:endParaRPr b="0" lang="en-US" sz="3110" spc="-1" strike="noStrike">
-              <a:solidFill>
-                <a:srgbClr val="000000"/>
-              </a:solidFill>
-              <a:latin typeface="Times New Roman"/>
-            </a:endParaRPr>
-          </a:p>
-        </p:txBody>
-      </p:sp>
-      <p:sp>
-        <p:nvSpPr>
-          <p:cNvPr id="131" name="PlaceHolder 2"/>
-          <p:cNvSpPr>
-            <a:spLocks noGrp="1"/>
-          </p:cNvSpPr>
-          <p:nvPr>
-            <p:ph type="subTitle"/>
-          </p:nvPr>
-        </p:nvSpPr>
-        <p:spPr>
-          <a:xfrm>
-            <a:off x="504000" y="3564360"/>
-            <a:ext cx="8870760" cy="2883240"/>
-          </a:xfrm>
-          <a:prstGeom prst="rect">
-            <a:avLst/>
-          </a:prstGeom>
-        </p:spPr>
-        <p:txBody>
-          <a:bodyPr lIns="0" rIns="0" tIns="0" bIns="0" anchor="ctr">
-            <a:spAutoFit/>
-          </a:bodyPr>
-          <a:p>
-            <a:pPr algn="ctr"/>
             <a:endParaRPr b="0" lang="en-US" sz="3200" spc="-1" strike="noStrike">
               <a:latin typeface="Arial"/>
-            </a:endParaRPr>
-          </a:p>
-        </p:txBody>
-      </p:sp>
-    </p:spTree>
-  </p:cSld>
-</p:sldLayout>
-</file>
-
-<file path=ppt/slideLayouts/slideLayout39.xml><?xml version="1.0" encoding="utf-8"?>
-<p:sldLayout xmlns:a="http://schemas.openxmlformats.org/drawingml/2006/main" xmlns:p="http://schemas.openxmlformats.org/presentationml/2006/main" xmlns:r="http://schemas.openxmlformats.org/officeDocument/2006/relationships" xmlns:p14="http://schemas.microsoft.com/office/powerpoint/2010/main" xmlns:p15="http://schemas.microsoft.com/office/powerpoint/2012/main" xmlns:mc="http://schemas.openxmlformats.org/markup-compatibility/2006" type="obj" preserve="1">
-  <p:cSld name="Title, Content">
-    <p:spTree>
-      <p:nvGrpSpPr>
-        <p:cNvPr id="1" name=""/>
-        <p:cNvGrpSpPr/>
-        <p:nvPr/>
-      </p:nvGrpSpPr>
-      <p:grpSpPr>
-        <a:xfrm>
-          <a:off x="0" y="0"/>
-          <a:ext cx="0" cy="0"/>
-          <a:chOff x="0" y="0"/>
-          <a:chExt cx="0" cy="0"/>
-        </a:xfrm>
-      </p:grpSpPr>
-      <p:sp>
-        <p:nvSpPr>
-          <p:cNvPr id="132" name="PlaceHolder 1"/>
-          <p:cNvSpPr>
-            <a:spLocks noGrp="1"/>
-          </p:cNvSpPr>
-          <p:nvPr>
-            <p:ph type="title"/>
-          </p:nvPr>
-        </p:nvSpPr>
-        <p:spPr>
-          <a:xfrm>
-            <a:off x="504000" y="2376360"/>
-            <a:ext cx="9072360" cy="946800"/>
-          </a:xfrm>
-          <a:prstGeom prst="rect">
-            <a:avLst/>
-          </a:prstGeom>
-        </p:spPr>
-        <p:txBody>
-          <a:bodyPr lIns="0" rIns="0" tIns="0" bIns="0" anchor="ctr">
-            <a:normAutofit/>
-          </a:bodyPr>
-          <a:p>
-            <a:pPr algn="ctr"/>
-            <a:endParaRPr b="0" lang="en-US" sz="3110" spc="-1" strike="noStrike">
-              <a:solidFill>
-                <a:srgbClr val="000000"/>
-              </a:solidFill>
-              <a:latin typeface="Times New Roman"/>
-            </a:endParaRPr>
-          </a:p>
-        </p:txBody>
-      </p:sp>
-      <p:sp>
-        <p:nvSpPr>
-          <p:cNvPr id="133" name="PlaceHolder 2"/>
-          <p:cNvSpPr>
-            <a:spLocks noGrp="1"/>
-          </p:cNvSpPr>
-          <p:nvPr>
-            <p:ph type="body"/>
-          </p:nvPr>
-        </p:nvSpPr>
-        <p:spPr>
-          <a:xfrm>
-            <a:off x="504000" y="3564360"/>
-            <a:ext cx="8870760" cy="2883240"/>
-          </a:xfrm>
-          <a:prstGeom prst="rect">
-            <a:avLst/>
-          </a:prstGeom>
-        </p:spPr>
-        <p:txBody>
-          <a:bodyPr lIns="0" rIns="0" tIns="0" bIns="0">
-            <a:normAutofit/>
-          </a:bodyPr>
-          <a:p>
-            <a:pPr algn="ctr">
-              <a:spcAft>
-                <a:spcPts val="1057"/>
-              </a:spcAft>
-            </a:pPr>
-            <a:endParaRPr b="0" lang="en-US" sz="2400" spc="-1" strike="noStrike">
-              <a:solidFill>
-                <a:srgbClr val="000000"/>
-              </a:solidFill>
-              <a:latin typeface="Times New Roman"/>
             </a:endParaRPr>
           </a:p>
         </p:txBody>
@@ -4240,8 +3475,8 @@
         </p:nvSpPr>
         <p:spPr>
           <a:xfrm>
-            <a:off x="504000" y="2376360"/>
-            <a:ext cx="9072360" cy="946800"/>
+            <a:off x="504000" y="226080"/>
+            <a:ext cx="9072000" cy="946440"/>
           </a:xfrm>
           <a:prstGeom prst="rect">
             <a:avLst/>
@@ -4249,15 +3484,12 @@
         </p:spPr>
         <p:txBody>
           <a:bodyPr lIns="0" rIns="0" tIns="0" bIns="0" anchor="ctr">
-            <a:normAutofit/>
+            <a:spAutoFit/>
           </a:bodyPr>
           <a:p>
             <a:pPr algn="ctr"/>
-            <a:endParaRPr b="0" lang="en-US" sz="3110" spc="-1" strike="noStrike">
-              <a:solidFill>
-                <a:srgbClr val="000000"/>
-              </a:solidFill>
-              <a:latin typeface="Times New Roman"/>
+            <a:endParaRPr b="0" lang="en-US" sz="4400" spc="-1" strike="noStrike">
+              <a:latin typeface="Arial"/>
             </a:endParaRPr>
           </a:p>
         </p:txBody>
@@ -4274,8 +3506,8 @@
         </p:nvSpPr>
         <p:spPr>
           <a:xfrm>
-            <a:off x="504000" y="3564360"/>
-            <a:ext cx="4328640" cy="2883240"/>
+            <a:off x="504000" y="1326600"/>
+            <a:ext cx="4426920" cy="3288600"/>
           </a:xfrm>
           <a:prstGeom prst="rect">
             <a:avLst/>
@@ -4286,16 +3518,8 @@
             <a:normAutofit/>
           </a:bodyPr>
           <a:p>
-            <a:pPr algn="ctr">
-              <a:spcAft>
-                <a:spcPts val="1057"/>
-              </a:spcAft>
-            </a:pPr>
-            <a:endParaRPr b="0" lang="en-US" sz="2400" spc="-1" strike="noStrike">
-              <a:solidFill>
-                <a:srgbClr val="000000"/>
-              </a:solidFill>
-              <a:latin typeface="Times New Roman"/>
+            <a:endParaRPr b="0" lang="en-US" sz="3200" spc="-1" strike="noStrike">
+              <a:latin typeface="Arial"/>
             </a:endParaRPr>
           </a:p>
         </p:txBody>
@@ -4312,8 +3536,8 @@
         </p:nvSpPr>
         <p:spPr>
           <a:xfrm>
-            <a:off x="5049360" y="3564360"/>
-            <a:ext cx="4328640" cy="2883240"/>
+            <a:off x="5152680" y="1326600"/>
+            <a:ext cx="4426920" cy="3288600"/>
           </a:xfrm>
           <a:prstGeom prst="rect">
             <a:avLst/>
@@ -4324,1391 +3548,8 @@
             <a:normAutofit/>
           </a:bodyPr>
           <a:p>
-            <a:pPr algn="ctr">
-              <a:spcAft>
-                <a:spcPts val="1057"/>
-              </a:spcAft>
-            </a:pPr>
-            <a:endParaRPr b="0" lang="en-US" sz="2400" spc="-1" strike="noStrike">
-              <a:solidFill>
-                <a:srgbClr val="000000"/>
-              </a:solidFill>
-              <a:latin typeface="Times New Roman"/>
-            </a:endParaRPr>
-          </a:p>
-        </p:txBody>
-      </p:sp>
-    </p:spTree>
-  </p:cSld>
-</p:sldLayout>
-</file>
-
-<file path=ppt/slideLayouts/slideLayout40.xml><?xml version="1.0" encoding="utf-8"?>
-<p:sldLayout xmlns:a="http://schemas.openxmlformats.org/drawingml/2006/main" xmlns:p="http://schemas.openxmlformats.org/presentationml/2006/main" xmlns:r="http://schemas.openxmlformats.org/officeDocument/2006/relationships" xmlns:p14="http://schemas.microsoft.com/office/powerpoint/2010/main" xmlns:p15="http://schemas.microsoft.com/office/powerpoint/2012/main" xmlns:mc="http://schemas.openxmlformats.org/markup-compatibility/2006" type="twoObj" preserve="1">
-  <p:cSld name="Title, 2 Content">
-    <p:spTree>
-      <p:nvGrpSpPr>
-        <p:cNvPr id="1" name=""/>
-        <p:cNvGrpSpPr/>
-        <p:nvPr/>
-      </p:nvGrpSpPr>
-      <p:grpSpPr>
-        <a:xfrm>
-          <a:off x="0" y="0"/>
-          <a:ext cx="0" cy="0"/>
-          <a:chOff x="0" y="0"/>
-          <a:chExt cx="0" cy="0"/>
-        </a:xfrm>
-      </p:grpSpPr>
-      <p:sp>
-        <p:nvSpPr>
-          <p:cNvPr id="134" name="PlaceHolder 1"/>
-          <p:cNvSpPr>
-            <a:spLocks noGrp="1"/>
-          </p:cNvSpPr>
-          <p:nvPr>
-            <p:ph type="title"/>
-          </p:nvPr>
-        </p:nvSpPr>
-        <p:spPr>
-          <a:xfrm>
-            <a:off x="504000" y="2376360"/>
-            <a:ext cx="9072360" cy="946800"/>
-          </a:xfrm>
-          <a:prstGeom prst="rect">
-            <a:avLst/>
-          </a:prstGeom>
-        </p:spPr>
-        <p:txBody>
-          <a:bodyPr lIns="0" rIns="0" tIns="0" bIns="0" anchor="ctr">
-            <a:normAutofit/>
-          </a:bodyPr>
-          <a:p>
-            <a:pPr algn="ctr"/>
-            <a:endParaRPr b="0" lang="en-US" sz="3110" spc="-1" strike="noStrike">
-              <a:solidFill>
-                <a:srgbClr val="000000"/>
-              </a:solidFill>
-              <a:latin typeface="Times New Roman"/>
-            </a:endParaRPr>
-          </a:p>
-        </p:txBody>
-      </p:sp>
-      <p:sp>
-        <p:nvSpPr>
-          <p:cNvPr id="135" name="PlaceHolder 2"/>
-          <p:cNvSpPr>
-            <a:spLocks noGrp="1"/>
-          </p:cNvSpPr>
-          <p:nvPr>
-            <p:ph type="body"/>
-          </p:nvPr>
-        </p:nvSpPr>
-        <p:spPr>
-          <a:xfrm>
-            <a:off x="504000" y="3564360"/>
-            <a:ext cx="4328640" cy="2883240"/>
-          </a:xfrm>
-          <a:prstGeom prst="rect">
-            <a:avLst/>
-          </a:prstGeom>
-        </p:spPr>
-        <p:txBody>
-          <a:bodyPr lIns="0" rIns="0" tIns="0" bIns="0">
-            <a:normAutofit/>
-          </a:bodyPr>
-          <a:p>
-            <a:pPr algn="ctr">
-              <a:spcAft>
-                <a:spcPts val="1057"/>
-              </a:spcAft>
-            </a:pPr>
-            <a:endParaRPr b="0" lang="en-US" sz="2400" spc="-1" strike="noStrike">
-              <a:solidFill>
-                <a:srgbClr val="000000"/>
-              </a:solidFill>
-              <a:latin typeface="Times New Roman"/>
-            </a:endParaRPr>
-          </a:p>
-        </p:txBody>
-      </p:sp>
-      <p:sp>
-        <p:nvSpPr>
-          <p:cNvPr id="136" name="PlaceHolder 3"/>
-          <p:cNvSpPr>
-            <a:spLocks noGrp="1"/>
-          </p:cNvSpPr>
-          <p:nvPr>
-            <p:ph type="body"/>
-          </p:nvPr>
-        </p:nvSpPr>
-        <p:spPr>
-          <a:xfrm>
-            <a:off x="5049360" y="3564360"/>
-            <a:ext cx="4328640" cy="2883240"/>
-          </a:xfrm>
-          <a:prstGeom prst="rect">
-            <a:avLst/>
-          </a:prstGeom>
-        </p:spPr>
-        <p:txBody>
-          <a:bodyPr lIns="0" rIns="0" tIns="0" bIns="0">
-            <a:normAutofit/>
-          </a:bodyPr>
-          <a:p>
-            <a:pPr algn="ctr">
-              <a:spcAft>
-                <a:spcPts val="1057"/>
-              </a:spcAft>
-            </a:pPr>
-            <a:endParaRPr b="0" lang="en-US" sz="2400" spc="-1" strike="noStrike">
-              <a:solidFill>
-                <a:srgbClr val="000000"/>
-              </a:solidFill>
-              <a:latin typeface="Times New Roman"/>
-            </a:endParaRPr>
-          </a:p>
-        </p:txBody>
-      </p:sp>
-    </p:spTree>
-  </p:cSld>
-</p:sldLayout>
-</file>
-
-<file path=ppt/slideLayouts/slideLayout41.xml><?xml version="1.0" encoding="utf-8"?>
-<p:sldLayout xmlns:a="http://schemas.openxmlformats.org/drawingml/2006/main" xmlns:p="http://schemas.openxmlformats.org/presentationml/2006/main" xmlns:r="http://schemas.openxmlformats.org/officeDocument/2006/relationships" xmlns:p14="http://schemas.microsoft.com/office/powerpoint/2010/main" xmlns:p15="http://schemas.microsoft.com/office/powerpoint/2012/main" xmlns:mc="http://schemas.openxmlformats.org/markup-compatibility/2006" type="titleOnly" preserve="1">
-  <p:cSld name="Title Only">
-    <p:spTree>
-      <p:nvGrpSpPr>
-        <p:cNvPr id="1" name=""/>
-        <p:cNvGrpSpPr/>
-        <p:nvPr/>
-      </p:nvGrpSpPr>
-      <p:grpSpPr>
-        <a:xfrm>
-          <a:off x="0" y="0"/>
-          <a:ext cx="0" cy="0"/>
-          <a:chOff x="0" y="0"/>
-          <a:chExt cx="0" cy="0"/>
-        </a:xfrm>
-      </p:grpSpPr>
-      <p:sp>
-        <p:nvSpPr>
-          <p:cNvPr id="137" name="PlaceHolder 1"/>
-          <p:cNvSpPr>
-            <a:spLocks noGrp="1"/>
-          </p:cNvSpPr>
-          <p:nvPr>
-            <p:ph type="title"/>
-          </p:nvPr>
-        </p:nvSpPr>
-        <p:spPr>
-          <a:xfrm>
-            <a:off x="504000" y="2376360"/>
-            <a:ext cx="9072360" cy="946800"/>
-          </a:xfrm>
-          <a:prstGeom prst="rect">
-            <a:avLst/>
-          </a:prstGeom>
-        </p:spPr>
-        <p:txBody>
-          <a:bodyPr lIns="0" rIns="0" tIns="0" bIns="0" anchor="ctr">
-            <a:normAutofit/>
-          </a:bodyPr>
-          <a:p>
-            <a:pPr algn="ctr"/>
-            <a:endParaRPr b="0" lang="en-US" sz="3110" spc="-1" strike="noStrike">
-              <a:solidFill>
-                <a:srgbClr val="000000"/>
-              </a:solidFill>
-              <a:latin typeface="Times New Roman"/>
-            </a:endParaRPr>
-          </a:p>
-        </p:txBody>
-      </p:sp>
-    </p:spTree>
-  </p:cSld>
-</p:sldLayout>
-</file>
-
-<file path=ppt/slideLayouts/slideLayout42.xml><?xml version="1.0" encoding="utf-8"?>
-<p:sldLayout xmlns:a="http://schemas.openxmlformats.org/drawingml/2006/main" xmlns:p="http://schemas.openxmlformats.org/presentationml/2006/main" xmlns:r="http://schemas.openxmlformats.org/officeDocument/2006/relationships" xmlns:p14="http://schemas.microsoft.com/office/powerpoint/2010/main" xmlns:p15="http://schemas.microsoft.com/office/powerpoint/2012/main" xmlns:mc="http://schemas.openxmlformats.org/markup-compatibility/2006" type="objOnly" preserve="1">
-  <p:cSld name="Centered Text">
-    <p:spTree>
-      <p:nvGrpSpPr>
-        <p:cNvPr id="1" name=""/>
-        <p:cNvGrpSpPr/>
-        <p:nvPr/>
-      </p:nvGrpSpPr>
-      <p:grpSpPr>
-        <a:xfrm>
-          <a:off x="0" y="0"/>
-          <a:ext cx="0" cy="0"/>
-          <a:chOff x="0" y="0"/>
-          <a:chExt cx="0" cy="0"/>
-        </a:xfrm>
-      </p:grpSpPr>
-      <p:sp>
-        <p:nvSpPr>
-          <p:cNvPr id="138" name="PlaceHolder 1"/>
-          <p:cNvSpPr>
-            <a:spLocks noGrp="1"/>
-          </p:cNvSpPr>
-          <p:nvPr>
-            <p:ph type="subTitle"/>
-          </p:nvPr>
-        </p:nvSpPr>
-        <p:spPr>
-          <a:xfrm>
-            <a:off x="504000" y="2376360"/>
-            <a:ext cx="9072360" cy="4390200"/>
-          </a:xfrm>
-          <a:prstGeom prst="rect">
-            <a:avLst/>
-          </a:prstGeom>
-        </p:spPr>
-        <p:txBody>
-          <a:bodyPr lIns="0" rIns="0" tIns="0" bIns="0" anchor="ctr">
-            <a:spAutoFit/>
-          </a:bodyPr>
-          <a:p>
-            <a:pPr algn="ctr"/>
             <a:endParaRPr b="0" lang="en-US" sz="3200" spc="-1" strike="noStrike">
               <a:latin typeface="Arial"/>
-            </a:endParaRPr>
-          </a:p>
-        </p:txBody>
-      </p:sp>
-    </p:spTree>
-  </p:cSld>
-</p:sldLayout>
-</file>
-
-<file path=ppt/slideLayouts/slideLayout43.xml><?xml version="1.0" encoding="utf-8"?>
-<p:sldLayout xmlns:a="http://schemas.openxmlformats.org/drawingml/2006/main" xmlns:p="http://schemas.openxmlformats.org/presentationml/2006/main" xmlns:r="http://schemas.openxmlformats.org/officeDocument/2006/relationships" xmlns:p14="http://schemas.microsoft.com/office/powerpoint/2010/main" xmlns:p15="http://schemas.microsoft.com/office/powerpoint/2012/main" xmlns:mc="http://schemas.openxmlformats.org/markup-compatibility/2006" type="twoObjAndObj" preserve="1">
-  <p:cSld name="Title, 2 Content and Content">
-    <p:spTree>
-      <p:nvGrpSpPr>
-        <p:cNvPr id="1" name=""/>
-        <p:cNvGrpSpPr/>
-        <p:nvPr/>
-      </p:nvGrpSpPr>
-      <p:grpSpPr>
-        <a:xfrm>
-          <a:off x="0" y="0"/>
-          <a:ext cx="0" cy="0"/>
-          <a:chOff x="0" y="0"/>
-          <a:chExt cx="0" cy="0"/>
-        </a:xfrm>
-      </p:grpSpPr>
-      <p:sp>
-        <p:nvSpPr>
-          <p:cNvPr id="139" name="PlaceHolder 1"/>
-          <p:cNvSpPr>
-            <a:spLocks noGrp="1"/>
-          </p:cNvSpPr>
-          <p:nvPr>
-            <p:ph type="title"/>
-          </p:nvPr>
-        </p:nvSpPr>
-        <p:spPr>
-          <a:xfrm>
-            <a:off x="504000" y="2376360"/>
-            <a:ext cx="9072360" cy="946800"/>
-          </a:xfrm>
-          <a:prstGeom prst="rect">
-            <a:avLst/>
-          </a:prstGeom>
-        </p:spPr>
-        <p:txBody>
-          <a:bodyPr lIns="0" rIns="0" tIns="0" bIns="0" anchor="ctr">
-            <a:normAutofit/>
-          </a:bodyPr>
-          <a:p>
-            <a:pPr algn="ctr"/>
-            <a:endParaRPr b="0" lang="en-US" sz="3110" spc="-1" strike="noStrike">
-              <a:solidFill>
-                <a:srgbClr val="000000"/>
-              </a:solidFill>
-              <a:latin typeface="Times New Roman"/>
-            </a:endParaRPr>
-          </a:p>
-        </p:txBody>
-      </p:sp>
-      <p:sp>
-        <p:nvSpPr>
-          <p:cNvPr id="140" name="PlaceHolder 2"/>
-          <p:cNvSpPr>
-            <a:spLocks noGrp="1"/>
-          </p:cNvSpPr>
-          <p:nvPr>
-            <p:ph type="body"/>
-          </p:nvPr>
-        </p:nvSpPr>
-        <p:spPr>
-          <a:xfrm>
-            <a:off x="504000" y="3564360"/>
-            <a:ext cx="4328640" cy="1375200"/>
-          </a:xfrm>
-          <a:prstGeom prst="rect">
-            <a:avLst/>
-          </a:prstGeom>
-        </p:spPr>
-        <p:txBody>
-          <a:bodyPr lIns="0" rIns="0" tIns="0" bIns="0">
-            <a:normAutofit/>
-          </a:bodyPr>
-          <a:p>
-            <a:pPr algn="ctr">
-              <a:spcAft>
-                <a:spcPts val="1057"/>
-              </a:spcAft>
-            </a:pPr>
-            <a:endParaRPr b="0" lang="en-US" sz="2400" spc="-1" strike="noStrike">
-              <a:solidFill>
-                <a:srgbClr val="000000"/>
-              </a:solidFill>
-              <a:latin typeface="Times New Roman"/>
-            </a:endParaRPr>
-          </a:p>
-        </p:txBody>
-      </p:sp>
-      <p:sp>
-        <p:nvSpPr>
-          <p:cNvPr id="141" name="PlaceHolder 3"/>
-          <p:cNvSpPr>
-            <a:spLocks noGrp="1"/>
-          </p:cNvSpPr>
-          <p:nvPr>
-            <p:ph type="body"/>
-          </p:nvPr>
-        </p:nvSpPr>
-        <p:spPr>
-          <a:xfrm>
-            <a:off x="5049360" y="3564360"/>
-            <a:ext cx="4328640" cy="2883240"/>
-          </a:xfrm>
-          <a:prstGeom prst="rect">
-            <a:avLst/>
-          </a:prstGeom>
-        </p:spPr>
-        <p:txBody>
-          <a:bodyPr lIns="0" rIns="0" tIns="0" bIns="0">
-            <a:normAutofit/>
-          </a:bodyPr>
-          <a:p>
-            <a:pPr algn="ctr">
-              <a:spcAft>
-                <a:spcPts val="1057"/>
-              </a:spcAft>
-            </a:pPr>
-            <a:endParaRPr b="0" lang="en-US" sz="2400" spc="-1" strike="noStrike">
-              <a:solidFill>
-                <a:srgbClr val="000000"/>
-              </a:solidFill>
-              <a:latin typeface="Times New Roman"/>
-            </a:endParaRPr>
-          </a:p>
-        </p:txBody>
-      </p:sp>
-      <p:sp>
-        <p:nvSpPr>
-          <p:cNvPr id="142" name="PlaceHolder 4"/>
-          <p:cNvSpPr>
-            <a:spLocks noGrp="1"/>
-          </p:cNvSpPr>
-          <p:nvPr>
-            <p:ph type="body"/>
-          </p:nvPr>
-        </p:nvSpPr>
-        <p:spPr>
-          <a:xfrm>
-            <a:off x="504000" y="5070600"/>
-            <a:ext cx="4328640" cy="1375200"/>
-          </a:xfrm>
-          <a:prstGeom prst="rect">
-            <a:avLst/>
-          </a:prstGeom>
-        </p:spPr>
-        <p:txBody>
-          <a:bodyPr lIns="0" rIns="0" tIns="0" bIns="0">
-            <a:normAutofit/>
-          </a:bodyPr>
-          <a:p>
-            <a:pPr algn="ctr">
-              <a:spcAft>
-                <a:spcPts val="1057"/>
-              </a:spcAft>
-            </a:pPr>
-            <a:endParaRPr b="0" lang="en-US" sz="2400" spc="-1" strike="noStrike">
-              <a:solidFill>
-                <a:srgbClr val="000000"/>
-              </a:solidFill>
-              <a:latin typeface="Times New Roman"/>
-            </a:endParaRPr>
-          </a:p>
-        </p:txBody>
-      </p:sp>
-    </p:spTree>
-  </p:cSld>
-</p:sldLayout>
-</file>
-
-<file path=ppt/slideLayouts/slideLayout44.xml><?xml version="1.0" encoding="utf-8"?>
-<p:sldLayout xmlns:a="http://schemas.openxmlformats.org/drawingml/2006/main" xmlns:p="http://schemas.openxmlformats.org/presentationml/2006/main" xmlns:r="http://schemas.openxmlformats.org/officeDocument/2006/relationships" xmlns:p14="http://schemas.microsoft.com/office/powerpoint/2010/main" xmlns:p15="http://schemas.microsoft.com/office/powerpoint/2012/main" xmlns:mc="http://schemas.openxmlformats.org/markup-compatibility/2006" type="objAndTwoObj" preserve="1">
-  <p:cSld name="Title Content and 2 Content">
-    <p:spTree>
-      <p:nvGrpSpPr>
-        <p:cNvPr id="1" name=""/>
-        <p:cNvGrpSpPr/>
-        <p:nvPr/>
-      </p:nvGrpSpPr>
-      <p:grpSpPr>
-        <a:xfrm>
-          <a:off x="0" y="0"/>
-          <a:ext cx="0" cy="0"/>
-          <a:chOff x="0" y="0"/>
-          <a:chExt cx="0" cy="0"/>
-        </a:xfrm>
-      </p:grpSpPr>
-      <p:sp>
-        <p:nvSpPr>
-          <p:cNvPr id="143" name="PlaceHolder 1"/>
-          <p:cNvSpPr>
-            <a:spLocks noGrp="1"/>
-          </p:cNvSpPr>
-          <p:nvPr>
-            <p:ph type="title"/>
-          </p:nvPr>
-        </p:nvSpPr>
-        <p:spPr>
-          <a:xfrm>
-            <a:off x="504000" y="2376360"/>
-            <a:ext cx="9072360" cy="946800"/>
-          </a:xfrm>
-          <a:prstGeom prst="rect">
-            <a:avLst/>
-          </a:prstGeom>
-        </p:spPr>
-        <p:txBody>
-          <a:bodyPr lIns="0" rIns="0" tIns="0" bIns="0" anchor="ctr">
-            <a:normAutofit/>
-          </a:bodyPr>
-          <a:p>
-            <a:pPr algn="ctr"/>
-            <a:endParaRPr b="0" lang="en-US" sz="3110" spc="-1" strike="noStrike">
-              <a:solidFill>
-                <a:srgbClr val="000000"/>
-              </a:solidFill>
-              <a:latin typeface="Times New Roman"/>
-            </a:endParaRPr>
-          </a:p>
-        </p:txBody>
-      </p:sp>
-      <p:sp>
-        <p:nvSpPr>
-          <p:cNvPr id="144" name="PlaceHolder 2"/>
-          <p:cNvSpPr>
-            <a:spLocks noGrp="1"/>
-          </p:cNvSpPr>
-          <p:nvPr>
-            <p:ph type="body"/>
-          </p:nvPr>
-        </p:nvSpPr>
-        <p:spPr>
-          <a:xfrm>
-            <a:off x="504000" y="3564360"/>
-            <a:ext cx="4328640" cy="2883240"/>
-          </a:xfrm>
-          <a:prstGeom prst="rect">
-            <a:avLst/>
-          </a:prstGeom>
-        </p:spPr>
-        <p:txBody>
-          <a:bodyPr lIns="0" rIns="0" tIns="0" bIns="0">
-            <a:normAutofit/>
-          </a:bodyPr>
-          <a:p>
-            <a:pPr algn="ctr">
-              <a:spcAft>
-                <a:spcPts val="1057"/>
-              </a:spcAft>
-            </a:pPr>
-            <a:endParaRPr b="0" lang="en-US" sz="2400" spc="-1" strike="noStrike">
-              <a:solidFill>
-                <a:srgbClr val="000000"/>
-              </a:solidFill>
-              <a:latin typeface="Times New Roman"/>
-            </a:endParaRPr>
-          </a:p>
-        </p:txBody>
-      </p:sp>
-      <p:sp>
-        <p:nvSpPr>
-          <p:cNvPr id="145" name="PlaceHolder 3"/>
-          <p:cNvSpPr>
-            <a:spLocks noGrp="1"/>
-          </p:cNvSpPr>
-          <p:nvPr>
-            <p:ph type="body"/>
-          </p:nvPr>
-        </p:nvSpPr>
-        <p:spPr>
-          <a:xfrm>
-            <a:off x="5049360" y="3564360"/>
-            <a:ext cx="4328640" cy="1375200"/>
-          </a:xfrm>
-          <a:prstGeom prst="rect">
-            <a:avLst/>
-          </a:prstGeom>
-        </p:spPr>
-        <p:txBody>
-          <a:bodyPr lIns="0" rIns="0" tIns="0" bIns="0">
-            <a:normAutofit/>
-          </a:bodyPr>
-          <a:p>
-            <a:pPr algn="ctr">
-              <a:spcAft>
-                <a:spcPts val="1057"/>
-              </a:spcAft>
-            </a:pPr>
-            <a:endParaRPr b="0" lang="en-US" sz="2400" spc="-1" strike="noStrike">
-              <a:solidFill>
-                <a:srgbClr val="000000"/>
-              </a:solidFill>
-              <a:latin typeface="Times New Roman"/>
-            </a:endParaRPr>
-          </a:p>
-        </p:txBody>
-      </p:sp>
-      <p:sp>
-        <p:nvSpPr>
-          <p:cNvPr id="146" name="PlaceHolder 4"/>
-          <p:cNvSpPr>
-            <a:spLocks noGrp="1"/>
-          </p:cNvSpPr>
-          <p:nvPr>
-            <p:ph type="body"/>
-          </p:nvPr>
-        </p:nvSpPr>
-        <p:spPr>
-          <a:xfrm>
-            <a:off x="5049360" y="5070600"/>
-            <a:ext cx="4328640" cy="1375200"/>
-          </a:xfrm>
-          <a:prstGeom prst="rect">
-            <a:avLst/>
-          </a:prstGeom>
-        </p:spPr>
-        <p:txBody>
-          <a:bodyPr lIns="0" rIns="0" tIns="0" bIns="0">
-            <a:normAutofit/>
-          </a:bodyPr>
-          <a:p>
-            <a:pPr algn="ctr">
-              <a:spcAft>
-                <a:spcPts val="1057"/>
-              </a:spcAft>
-            </a:pPr>
-            <a:endParaRPr b="0" lang="en-US" sz="2400" spc="-1" strike="noStrike">
-              <a:solidFill>
-                <a:srgbClr val="000000"/>
-              </a:solidFill>
-              <a:latin typeface="Times New Roman"/>
-            </a:endParaRPr>
-          </a:p>
-        </p:txBody>
-      </p:sp>
-    </p:spTree>
-  </p:cSld>
-</p:sldLayout>
-</file>
-
-<file path=ppt/slideLayouts/slideLayout45.xml><?xml version="1.0" encoding="utf-8"?>
-<p:sldLayout xmlns:a="http://schemas.openxmlformats.org/drawingml/2006/main" xmlns:p="http://schemas.openxmlformats.org/presentationml/2006/main" xmlns:r="http://schemas.openxmlformats.org/officeDocument/2006/relationships" xmlns:p14="http://schemas.microsoft.com/office/powerpoint/2010/main" xmlns:p15="http://schemas.microsoft.com/office/powerpoint/2012/main" xmlns:mc="http://schemas.openxmlformats.org/markup-compatibility/2006" type="twoObjOverTx" preserve="1">
-  <p:cSld name="Title, 2 Content over Content">
-    <p:spTree>
-      <p:nvGrpSpPr>
-        <p:cNvPr id="1" name=""/>
-        <p:cNvGrpSpPr/>
-        <p:nvPr/>
-      </p:nvGrpSpPr>
-      <p:grpSpPr>
-        <a:xfrm>
-          <a:off x="0" y="0"/>
-          <a:ext cx="0" cy="0"/>
-          <a:chOff x="0" y="0"/>
-          <a:chExt cx="0" cy="0"/>
-        </a:xfrm>
-      </p:grpSpPr>
-      <p:sp>
-        <p:nvSpPr>
-          <p:cNvPr id="147" name="PlaceHolder 1"/>
-          <p:cNvSpPr>
-            <a:spLocks noGrp="1"/>
-          </p:cNvSpPr>
-          <p:nvPr>
-            <p:ph type="title"/>
-          </p:nvPr>
-        </p:nvSpPr>
-        <p:spPr>
-          <a:xfrm>
-            <a:off x="504000" y="2376360"/>
-            <a:ext cx="9072360" cy="946800"/>
-          </a:xfrm>
-          <a:prstGeom prst="rect">
-            <a:avLst/>
-          </a:prstGeom>
-        </p:spPr>
-        <p:txBody>
-          <a:bodyPr lIns="0" rIns="0" tIns="0" bIns="0" anchor="ctr">
-            <a:normAutofit/>
-          </a:bodyPr>
-          <a:p>
-            <a:pPr algn="ctr"/>
-            <a:endParaRPr b="0" lang="en-US" sz="3110" spc="-1" strike="noStrike">
-              <a:solidFill>
-                <a:srgbClr val="000000"/>
-              </a:solidFill>
-              <a:latin typeface="Times New Roman"/>
-            </a:endParaRPr>
-          </a:p>
-        </p:txBody>
-      </p:sp>
-      <p:sp>
-        <p:nvSpPr>
-          <p:cNvPr id="148" name="PlaceHolder 2"/>
-          <p:cNvSpPr>
-            <a:spLocks noGrp="1"/>
-          </p:cNvSpPr>
-          <p:nvPr>
-            <p:ph type="body"/>
-          </p:nvPr>
-        </p:nvSpPr>
-        <p:spPr>
-          <a:xfrm>
-            <a:off x="504000" y="3564360"/>
-            <a:ext cx="4328640" cy="1375200"/>
-          </a:xfrm>
-          <a:prstGeom prst="rect">
-            <a:avLst/>
-          </a:prstGeom>
-        </p:spPr>
-        <p:txBody>
-          <a:bodyPr lIns="0" rIns="0" tIns="0" bIns="0">
-            <a:normAutofit/>
-          </a:bodyPr>
-          <a:p>
-            <a:pPr algn="ctr">
-              <a:spcAft>
-                <a:spcPts val="1057"/>
-              </a:spcAft>
-            </a:pPr>
-            <a:endParaRPr b="0" lang="en-US" sz="2400" spc="-1" strike="noStrike">
-              <a:solidFill>
-                <a:srgbClr val="000000"/>
-              </a:solidFill>
-              <a:latin typeface="Times New Roman"/>
-            </a:endParaRPr>
-          </a:p>
-        </p:txBody>
-      </p:sp>
-      <p:sp>
-        <p:nvSpPr>
-          <p:cNvPr id="149" name="PlaceHolder 3"/>
-          <p:cNvSpPr>
-            <a:spLocks noGrp="1"/>
-          </p:cNvSpPr>
-          <p:nvPr>
-            <p:ph type="body"/>
-          </p:nvPr>
-        </p:nvSpPr>
-        <p:spPr>
-          <a:xfrm>
-            <a:off x="5049360" y="3564360"/>
-            <a:ext cx="4328640" cy="1375200"/>
-          </a:xfrm>
-          <a:prstGeom prst="rect">
-            <a:avLst/>
-          </a:prstGeom>
-        </p:spPr>
-        <p:txBody>
-          <a:bodyPr lIns="0" rIns="0" tIns="0" bIns="0">
-            <a:normAutofit/>
-          </a:bodyPr>
-          <a:p>
-            <a:pPr algn="ctr">
-              <a:spcAft>
-                <a:spcPts val="1057"/>
-              </a:spcAft>
-            </a:pPr>
-            <a:endParaRPr b="0" lang="en-US" sz="2400" spc="-1" strike="noStrike">
-              <a:solidFill>
-                <a:srgbClr val="000000"/>
-              </a:solidFill>
-              <a:latin typeface="Times New Roman"/>
-            </a:endParaRPr>
-          </a:p>
-        </p:txBody>
-      </p:sp>
-      <p:sp>
-        <p:nvSpPr>
-          <p:cNvPr id="150" name="PlaceHolder 4"/>
-          <p:cNvSpPr>
-            <a:spLocks noGrp="1"/>
-          </p:cNvSpPr>
-          <p:nvPr>
-            <p:ph type="body"/>
-          </p:nvPr>
-        </p:nvSpPr>
-        <p:spPr>
-          <a:xfrm>
-            <a:off x="504000" y="5070600"/>
-            <a:ext cx="8870760" cy="1375200"/>
-          </a:xfrm>
-          <a:prstGeom prst="rect">
-            <a:avLst/>
-          </a:prstGeom>
-        </p:spPr>
-        <p:txBody>
-          <a:bodyPr lIns="0" rIns="0" tIns="0" bIns="0">
-            <a:normAutofit/>
-          </a:bodyPr>
-          <a:p>
-            <a:pPr algn="ctr">
-              <a:spcAft>
-                <a:spcPts val="1057"/>
-              </a:spcAft>
-            </a:pPr>
-            <a:endParaRPr b="0" lang="en-US" sz="2400" spc="-1" strike="noStrike">
-              <a:solidFill>
-                <a:srgbClr val="000000"/>
-              </a:solidFill>
-              <a:latin typeface="Times New Roman"/>
-            </a:endParaRPr>
-          </a:p>
-        </p:txBody>
-      </p:sp>
-    </p:spTree>
-  </p:cSld>
-</p:sldLayout>
-</file>
-
-<file path=ppt/slideLayouts/slideLayout46.xml><?xml version="1.0" encoding="utf-8"?>
-<p:sldLayout xmlns:a="http://schemas.openxmlformats.org/drawingml/2006/main" xmlns:p="http://schemas.openxmlformats.org/presentationml/2006/main" xmlns:r="http://schemas.openxmlformats.org/officeDocument/2006/relationships" xmlns:p14="http://schemas.microsoft.com/office/powerpoint/2010/main" xmlns:p15="http://schemas.microsoft.com/office/powerpoint/2012/main" xmlns:mc="http://schemas.openxmlformats.org/markup-compatibility/2006" type="objOverTx" preserve="1">
-  <p:cSld name="Title, Content over Content">
-    <p:spTree>
-      <p:nvGrpSpPr>
-        <p:cNvPr id="1" name=""/>
-        <p:cNvGrpSpPr/>
-        <p:nvPr/>
-      </p:nvGrpSpPr>
-      <p:grpSpPr>
-        <a:xfrm>
-          <a:off x="0" y="0"/>
-          <a:ext cx="0" cy="0"/>
-          <a:chOff x="0" y="0"/>
-          <a:chExt cx="0" cy="0"/>
-        </a:xfrm>
-      </p:grpSpPr>
-      <p:sp>
-        <p:nvSpPr>
-          <p:cNvPr id="151" name="PlaceHolder 1"/>
-          <p:cNvSpPr>
-            <a:spLocks noGrp="1"/>
-          </p:cNvSpPr>
-          <p:nvPr>
-            <p:ph type="title"/>
-          </p:nvPr>
-        </p:nvSpPr>
-        <p:spPr>
-          <a:xfrm>
-            <a:off x="504000" y="2376360"/>
-            <a:ext cx="9072360" cy="946800"/>
-          </a:xfrm>
-          <a:prstGeom prst="rect">
-            <a:avLst/>
-          </a:prstGeom>
-        </p:spPr>
-        <p:txBody>
-          <a:bodyPr lIns="0" rIns="0" tIns="0" bIns="0" anchor="ctr">
-            <a:normAutofit/>
-          </a:bodyPr>
-          <a:p>
-            <a:pPr algn="ctr"/>
-            <a:endParaRPr b="0" lang="en-US" sz="3110" spc="-1" strike="noStrike">
-              <a:solidFill>
-                <a:srgbClr val="000000"/>
-              </a:solidFill>
-              <a:latin typeface="Times New Roman"/>
-            </a:endParaRPr>
-          </a:p>
-        </p:txBody>
-      </p:sp>
-      <p:sp>
-        <p:nvSpPr>
-          <p:cNvPr id="152" name="PlaceHolder 2"/>
-          <p:cNvSpPr>
-            <a:spLocks noGrp="1"/>
-          </p:cNvSpPr>
-          <p:nvPr>
-            <p:ph type="body"/>
-          </p:nvPr>
-        </p:nvSpPr>
-        <p:spPr>
-          <a:xfrm>
-            <a:off x="504000" y="3564360"/>
-            <a:ext cx="8870760" cy="1375200"/>
-          </a:xfrm>
-          <a:prstGeom prst="rect">
-            <a:avLst/>
-          </a:prstGeom>
-        </p:spPr>
-        <p:txBody>
-          <a:bodyPr lIns="0" rIns="0" tIns="0" bIns="0">
-            <a:normAutofit/>
-          </a:bodyPr>
-          <a:p>
-            <a:pPr algn="ctr">
-              <a:spcAft>
-                <a:spcPts val="1057"/>
-              </a:spcAft>
-            </a:pPr>
-            <a:endParaRPr b="0" lang="en-US" sz="2400" spc="-1" strike="noStrike">
-              <a:solidFill>
-                <a:srgbClr val="000000"/>
-              </a:solidFill>
-              <a:latin typeface="Times New Roman"/>
-            </a:endParaRPr>
-          </a:p>
-        </p:txBody>
-      </p:sp>
-      <p:sp>
-        <p:nvSpPr>
-          <p:cNvPr id="153" name="PlaceHolder 3"/>
-          <p:cNvSpPr>
-            <a:spLocks noGrp="1"/>
-          </p:cNvSpPr>
-          <p:nvPr>
-            <p:ph type="body"/>
-          </p:nvPr>
-        </p:nvSpPr>
-        <p:spPr>
-          <a:xfrm>
-            <a:off x="504000" y="5070600"/>
-            <a:ext cx="8870760" cy="1375200"/>
-          </a:xfrm>
-          <a:prstGeom prst="rect">
-            <a:avLst/>
-          </a:prstGeom>
-        </p:spPr>
-        <p:txBody>
-          <a:bodyPr lIns="0" rIns="0" tIns="0" bIns="0">
-            <a:normAutofit/>
-          </a:bodyPr>
-          <a:p>
-            <a:pPr algn="ctr">
-              <a:spcAft>
-                <a:spcPts val="1057"/>
-              </a:spcAft>
-            </a:pPr>
-            <a:endParaRPr b="0" lang="en-US" sz="2400" spc="-1" strike="noStrike">
-              <a:solidFill>
-                <a:srgbClr val="000000"/>
-              </a:solidFill>
-              <a:latin typeface="Times New Roman"/>
-            </a:endParaRPr>
-          </a:p>
-        </p:txBody>
-      </p:sp>
-    </p:spTree>
-  </p:cSld>
-</p:sldLayout>
-</file>
-
-<file path=ppt/slideLayouts/slideLayout47.xml><?xml version="1.0" encoding="utf-8"?>
-<p:sldLayout xmlns:a="http://schemas.openxmlformats.org/drawingml/2006/main" xmlns:p="http://schemas.openxmlformats.org/presentationml/2006/main" xmlns:r="http://schemas.openxmlformats.org/officeDocument/2006/relationships" xmlns:p14="http://schemas.microsoft.com/office/powerpoint/2010/main" xmlns:p15="http://schemas.microsoft.com/office/powerpoint/2012/main" xmlns:mc="http://schemas.openxmlformats.org/markup-compatibility/2006" type="fourObj" preserve="1">
-  <p:cSld name="Title, 4 Content">
-    <p:spTree>
-      <p:nvGrpSpPr>
-        <p:cNvPr id="1" name=""/>
-        <p:cNvGrpSpPr/>
-        <p:nvPr/>
-      </p:nvGrpSpPr>
-      <p:grpSpPr>
-        <a:xfrm>
-          <a:off x="0" y="0"/>
-          <a:ext cx="0" cy="0"/>
-          <a:chOff x="0" y="0"/>
-          <a:chExt cx="0" cy="0"/>
-        </a:xfrm>
-      </p:grpSpPr>
-      <p:sp>
-        <p:nvSpPr>
-          <p:cNvPr id="154" name="PlaceHolder 1"/>
-          <p:cNvSpPr>
-            <a:spLocks noGrp="1"/>
-          </p:cNvSpPr>
-          <p:nvPr>
-            <p:ph type="title"/>
-          </p:nvPr>
-        </p:nvSpPr>
-        <p:spPr>
-          <a:xfrm>
-            <a:off x="504000" y="2376360"/>
-            <a:ext cx="9072360" cy="946800"/>
-          </a:xfrm>
-          <a:prstGeom prst="rect">
-            <a:avLst/>
-          </a:prstGeom>
-        </p:spPr>
-        <p:txBody>
-          <a:bodyPr lIns="0" rIns="0" tIns="0" bIns="0" anchor="ctr">
-            <a:normAutofit/>
-          </a:bodyPr>
-          <a:p>
-            <a:pPr algn="ctr"/>
-            <a:endParaRPr b="0" lang="en-US" sz="3110" spc="-1" strike="noStrike">
-              <a:solidFill>
-                <a:srgbClr val="000000"/>
-              </a:solidFill>
-              <a:latin typeface="Times New Roman"/>
-            </a:endParaRPr>
-          </a:p>
-        </p:txBody>
-      </p:sp>
-      <p:sp>
-        <p:nvSpPr>
-          <p:cNvPr id="155" name="PlaceHolder 2"/>
-          <p:cNvSpPr>
-            <a:spLocks noGrp="1"/>
-          </p:cNvSpPr>
-          <p:nvPr>
-            <p:ph type="body"/>
-          </p:nvPr>
-        </p:nvSpPr>
-        <p:spPr>
-          <a:xfrm>
-            <a:off x="504000" y="3564360"/>
-            <a:ext cx="4328640" cy="1375200"/>
-          </a:xfrm>
-          <a:prstGeom prst="rect">
-            <a:avLst/>
-          </a:prstGeom>
-        </p:spPr>
-        <p:txBody>
-          <a:bodyPr lIns="0" rIns="0" tIns="0" bIns="0">
-            <a:normAutofit/>
-          </a:bodyPr>
-          <a:p>
-            <a:pPr algn="ctr">
-              <a:spcAft>
-                <a:spcPts val="1057"/>
-              </a:spcAft>
-            </a:pPr>
-            <a:endParaRPr b="0" lang="en-US" sz="2400" spc="-1" strike="noStrike">
-              <a:solidFill>
-                <a:srgbClr val="000000"/>
-              </a:solidFill>
-              <a:latin typeface="Times New Roman"/>
-            </a:endParaRPr>
-          </a:p>
-        </p:txBody>
-      </p:sp>
-      <p:sp>
-        <p:nvSpPr>
-          <p:cNvPr id="156" name="PlaceHolder 3"/>
-          <p:cNvSpPr>
-            <a:spLocks noGrp="1"/>
-          </p:cNvSpPr>
-          <p:nvPr>
-            <p:ph type="body"/>
-          </p:nvPr>
-        </p:nvSpPr>
-        <p:spPr>
-          <a:xfrm>
-            <a:off x="5049360" y="3564360"/>
-            <a:ext cx="4328640" cy="1375200"/>
-          </a:xfrm>
-          <a:prstGeom prst="rect">
-            <a:avLst/>
-          </a:prstGeom>
-        </p:spPr>
-        <p:txBody>
-          <a:bodyPr lIns="0" rIns="0" tIns="0" bIns="0">
-            <a:normAutofit/>
-          </a:bodyPr>
-          <a:p>
-            <a:pPr algn="ctr">
-              <a:spcAft>
-                <a:spcPts val="1057"/>
-              </a:spcAft>
-            </a:pPr>
-            <a:endParaRPr b="0" lang="en-US" sz="2400" spc="-1" strike="noStrike">
-              <a:solidFill>
-                <a:srgbClr val="000000"/>
-              </a:solidFill>
-              <a:latin typeface="Times New Roman"/>
-            </a:endParaRPr>
-          </a:p>
-        </p:txBody>
-      </p:sp>
-      <p:sp>
-        <p:nvSpPr>
-          <p:cNvPr id="157" name="PlaceHolder 4"/>
-          <p:cNvSpPr>
-            <a:spLocks noGrp="1"/>
-          </p:cNvSpPr>
-          <p:nvPr>
-            <p:ph type="body"/>
-          </p:nvPr>
-        </p:nvSpPr>
-        <p:spPr>
-          <a:xfrm>
-            <a:off x="504000" y="5070600"/>
-            <a:ext cx="4328640" cy="1375200"/>
-          </a:xfrm>
-          <a:prstGeom prst="rect">
-            <a:avLst/>
-          </a:prstGeom>
-        </p:spPr>
-        <p:txBody>
-          <a:bodyPr lIns="0" rIns="0" tIns="0" bIns="0">
-            <a:normAutofit/>
-          </a:bodyPr>
-          <a:p>
-            <a:pPr algn="ctr">
-              <a:spcAft>
-                <a:spcPts val="1057"/>
-              </a:spcAft>
-            </a:pPr>
-            <a:endParaRPr b="0" lang="en-US" sz="2400" spc="-1" strike="noStrike">
-              <a:solidFill>
-                <a:srgbClr val="000000"/>
-              </a:solidFill>
-              <a:latin typeface="Times New Roman"/>
-            </a:endParaRPr>
-          </a:p>
-        </p:txBody>
-      </p:sp>
-      <p:sp>
-        <p:nvSpPr>
-          <p:cNvPr id="158" name="PlaceHolder 5"/>
-          <p:cNvSpPr>
-            <a:spLocks noGrp="1"/>
-          </p:cNvSpPr>
-          <p:nvPr>
-            <p:ph type="body"/>
-          </p:nvPr>
-        </p:nvSpPr>
-        <p:spPr>
-          <a:xfrm>
-            <a:off x="5049360" y="5070600"/>
-            <a:ext cx="4328640" cy="1375200"/>
-          </a:xfrm>
-          <a:prstGeom prst="rect">
-            <a:avLst/>
-          </a:prstGeom>
-        </p:spPr>
-        <p:txBody>
-          <a:bodyPr lIns="0" rIns="0" tIns="0" bIns="0">
-            <a:normAutofit/>
-          </a:bodyPr>
-          <a:p>
-            <a:pPr algn="ctr">
-              <a:spcAft>
-                <a:spcPts val="1057"/>
-              </a:spcAft>
-            </a:pPr>
-            <a:endParaRPr b="0" lang="en-US" sz="2400" spc="-1" strike="noStrike">
-              <a:solidFill>
-                <a:srgbClr val="000000"/>
-              </a:solidFill>
-              <a:latin typeface="Times New Roman"/>
-            </a:endParaRPr>
-          </a:p>
-        </p:txBody>
-      </p:sp>
-    </p:spTree>
-  </p:cSld>
-</p:sldLayout>
-</file>
-
-<file path=ppt/slideLayouts/slideLayout48.xml><?xml version="1.0" encoding="utf-8"?>
-<p:sldLayout xmlns:a="http://schemas.openxmlformats.org/drawingml/2006/main" xmlns:p="http://schemas.openxmlformats.org/presentationml/2006/main" xmlns:r="http://schemas.openxmlformats.org/officeDocument/2006/relationships" xmlns:p14="http://schemas.microsoft.com/office/powerpoint/2010/main" xmlns:p15="http://schemas.microsoft.com/office/powerpoint/2012/main" xmlns:mc="http://schemas.openxmlformats.org/markup-compatibility/2006" type="blank" preserve="1">
-  <p:cSld name="Title, 6 Content">
-    <p:spTree>
-      <p:nvGrpSpPr>
-        <p:cNvPr id="1" name=""/>
-        <p:cNvGrpSpPr/>
-        <p:nvPr/>
-      </p:nvGrpSpPr>
-      <p:grpSpPr>
-        <a:xfrm>
-          <a:off x="0" y="0"/>
-          <a:ext cx="0" cy="0"/>
-          <a:chOff x="0" y="0"/>
-          <a:chExt cx="0" cy="0"/>
-        </a:xfrm>
-      </p:grpSpPr>
-      <p:sp>
-        <p:nvSpPr>
-          <p:cNvPr id="159" name="PlaceHolder 1"/>
-          <p:cNvSpPr>
-            <a:spLocks noGrp="1"/>
-          </p:cNvSpPr>
-          <p:nvPr>
-            <p:ph type="title"/>
-          </p:nvPr>
-        </p:nvSpPr>
-        <p:spPr>
-          <a:xfrm>
-            <a:off x="504000" y="2376360"/>
-            <a:ext cx="9072360" cy="946800"/>
-          </a:xfrm>
-          <a:prstGeom prst="rect">
-            <a:avLst/>
-          </a:prstGeom>
-        </p:spPr>
-        <p:txBody>
-          <a:bodyPr lIns="0" rIns="0" tIns="0" bIns="0" anchor="ctr">
-            <a:normAutofit/>
-          </a:bodyPr>
-          <a:p>
-            <a:pPr algn="ctr"/>
-            <a:endParaRPr b="0" lang="en-US" sz="3110" spc="-1" strike="noStrike">
-              <a:solidFill>
-                <a:srgbClr val="000000"/>
-              </a:solidFill>
-              <a:latin typeface="Times New Roman"/>
-            </a:endParaRPr>
-          </a:p>
-        </p:txBody>
-      </p:sp>
-      <p:sp>
-        <p:nvSpPr>
-          <p:cNvPr id="160" name="PlaceHolder 2"/>
-          <p:cNvSpPr>
-            <a:spLocks noGrp="1"/>
-          </p:cNvSpPr>
-          <p:nvPr>
-            <p:ph type="body"/>
-          </p:nvPr>
-        </p:nvSpPr>
-        <p:spPr>
-          <a:xfrm>
-            <a:off x="504000" y="3564360"/>
-            <a:ext cx="2856240" cy="1375200"/>
-          </a:xfrm>
-          <a:prstGeom prst="rect">
-            <a:avLst/>
-          </a:prstGeom>
-        </p:spPr>
-        <p:txBody>
-          <a:bodyPr lIns="0" rIns="0" tIns="0" bIns="0">
-            <a:normAutofit/>
-          </a:bodyPr>
-          <a:p>
-            <a:pPr algn="ctr">
-              <a:spcAft>
-                <a:spcPts val="1057"/>
-              </a:spcAft>
-            </a:pPr>
-            <a:endParaRPr b="0" lang="en-US" sz="2400" spc="-1" strike="noStrike">
-              <a:solidFill>
-                <a:srgbClr val="000000"/>
-              </a:solidFill>
-              <a:latin typeface="Times New Roman"/>
-            </a:endParaRPr>
-          </a:p>
-        </p:txBody>
-      </p:sp>
-      <p:sp>
-        <p:nvSpPr>
-          <p:cNvPr id="161" name="PlaceHolder 3"/>
-          <p:cNvSpPr>
-            <a:spLocks noGrp="1"/>
-          </p:cNvSpPr>
-          <p:nvPr>
-            <p:ph type="body"/>
-          </p:nvPr>
-        </p:nvSpPr>
-        <p:spPr>
-          <a:xfrm>
-            <a:off x="3503520" y="3564360"/>
-            <a:ext cx="2856240" cy="1375200"/>
-          </a:xfrm>
-          <a:prstGeom prst="rect">
-            <a:avLst/>
-          </a:prstGeom>
-        </p:spPr>
-        <p:txBody>
-          <a:bodyPr lIns="0" rIns="0" tIns="0" bIns="0">
-            <a:normAutofit/>
-          </a:bodyPr>
-          <a:p>
-            <a:pPr algn="ctr">
-              <a:spcAft>
-                <a:spcPts val="1057"/>
-              </a:spcAft>
-            </a:pPr>
-            <a:endParaRPr b="0" lang="en-US" sz="2400" spc="-1" strike="noStrike">
-              <a:solidFill>
-                <a:srgbClr val="000000"/>
-              </a:solidFill>
-              <a:latin typeface="Times New Roman"/>
-            </a:endParaRPr>
-          </a:p>
-        </p:txBody>
-      </p:sp>
-      <p:sp>
-        <p:nvSpPr>
-          <p:cNvPr id="162" name="PlaceHolder 4"/>
-          <p:cNvSpPr>
-            <a:spLocks noGrp="1"/>
-          </p:cNvSpPr>
-          <p:nvPr>
-            <p:ph type="body"/>
-          </p:nvPr>
-        </p:nvSpPr>
-        <p:spPr>
-          <a:xfrm>
-            <a:off x="6503040" y="3564360"/>
-            <a:ext cx="2856240" cy="1375200"/>
-          </a:xfrm>
-          <a:prstGeom prst="rect">
-            <a:avLst/>
-          </a:prstGeom>
-        </p:spPr>
-        <p:txBody>
-          <a:bodyPr lIns="0" rIns="0" tIns="0" bIns="0">
-            <a:normAutofit/>
-          </a:bodyPr>
-          <a:p>
-            <a:pPr algn="ctr">
-              <a:spcAft>
-                <a:spcPts val="1057"/>
-              </a:spcAft>
-            </a:pPr>
-            <a:endParaRPr b="0" lang="en-US" sz="2400" spc="-1" strike="noStrike">
-              <a:solidFill>
-                <a:srgbClr val="000000"/>
-              </a:solidFill>
-              <a:latin typeface="Times New Roman"/>
-            </a:endParaRPr>
-          </a:p>
-        </p:txBody>
-      </p:sp>
-      <p:sp>
-        <p:nvSpPr>
-          <p:cNvPr id="163" name="PlaceHolder 5"/>
-          <p:cNvSpPr>
-            <a:spLocks noGrp="1"/>
-          </p:cNvSpPr>
-          <p:nvPr>
-            <p:ph type="body"/>
-          </p:nvPr>
-        </p:nvSpPr>
-        <p:spPr>
-          <a:xfrm>
-            <a:off x="504000" y="5070600"/>
-            <a:ext cx="2856240" cy="1375200"/>
-          </a:xfrm>
-          <a:prstGeom prst="rect">
-            <a:avLst/>
-          </a:prstGeom>
-        </p:spPr>
-        <p:txBody>
-          <a:bodyPr lIns="0" rIns="0" tIns="0" bIns="0">
-            <a:normAutofit/>
-          </a:bodyPr>
-          <a:p>
-            <a:pPr algn="ctr">
-              <a:spcAft>
-                <a:spcPts val="1057"/>
-              </a:spcAft>
-            </a:pPr>
-            <a:endParaRPr b="0" lang="en-US" sz="2400" spc="-1" strike="noStrike">
-              <a:solidFill>
-                <a:srgbClr val="000000"/>
-              </a:solidFill>
-              <a:latin typeface="Times New Roman"/>
-            </a:endParaRPr>
-          </a:p>
-        </p:txBody>
-      </p:sp>
-      <p:sp>
-        <p:nvSpPr>
-          <p:cNvPr id="164" name="PlaceHolder 6"/>
-          <p:cNvSpPr>
-            <a:spLocks noGrp="1"/>
-          </p:cNvSpPr>
-          <p:nvPr>
-            <p:ph type="body"/>
-          </p:nvPr>
-        </p:nvSpPr>
-        <p:spPr>
-          <a:xfrm>
-            <a:off x="3503520" y="5070600"/>
-            <a:ext cx="2856240" cy="1375200"/>
-          </a:xfrm>
-          <a:prstGeom prst="rect">
-            <a:avLst/>
-          </a:prstGeom>
-        </p:spPr>
-        <p:txBody>
-          <a:bodyPr lIns="0" rIns="0" tIns="0" bIns="0">
-            <a:normAutofit/>
-          </a:bodyPr>
-          <a:p>
-            <a:pPr algn="ctr">
-              <a:spcAft>
-                <a:spcPts val="1057"/>
-              </a:spcAft>
-            </a:pPr>
-            <a:endParaRPr b="0" lang="en-US" sz="2400" spc="-1" strike="noStrike">
-              <a:solidFill>
-                <a:srgbClr val="000000"/>
-              </a:solidFill>
-              <a:latin typeface="Times New Roman"/>
-            </a:endParaRPr>
-          </a:p>
-        </p:txBody>
-      </p:sp>
-      <p:sp>
-        <p:nvSpPr>
-          <p:cNvPr id="165" name="PlaceHolder 7"/>
-          <p:cNvSpPr>
-            <a:spLocks noGrp="1"/>
-          </p:cNvSpPr>
-          <p:nvPr>
-            <p:ph type="body"/>
-          </p:nvPr>
-        </p:nvSpPr>
-        <p:spPr>
-          <a:xfrm>
-            <a:off x="6503040" y="5070600"/>
-            <a:ext cx="2856240" cy="1375200"/>
-          </a:xfrm>
-          <a:prstGeom prst="rect">
-            <a:avLst/>
-          </a:prstGeom>
-        </p:spPr>
-        <p:txBody>
-          <a:bodyPr lIns="0" rIns="0" tIns="0" bIns="0">
-            <a:normAutofit/>
-          </a:bodyPr>
-          <a:p>
-            <a:pPr algn="ctr">
-              <a:spcAft>
-                <a:spcPts val="1057"/>
-              </a:spcAft>
-            </a:pPr>
-            <a:endParaRPr b="0" lang="en-US" sz="2400" spc="-1" strike="noStrike">
-              <a:solidFill>
-                <a:srgbClr val="000000"/>
-              </a:solidFill>
-              <a:latin typeface="Times New Roman"/>
             </a:endParaRPr>
           </a:p>
         </p:txBody>
@@ -5747,8 +3588,8 @@
         </p:nvSpPr>
         <p:spPr>
           <a:xfrm>
-            <a:off x="504000" y="2376360"/>
-            <a:ext cx="9072360" cy="946800"/>
+            <a:off x="504000" y="226080"/>
+            <a:ext cx="9072000" cy="946440"/>
           </a:xfrm>
           <a:prstGeom prst="rect">
             <a:avLst/>
@@ -5756,15 +3597,12 @@
         </p:spPr>
         <p:txBody>
           <a:bodyPr lIns="0" rIns="0" tIns="0" bIns="0" anchor="ctr">
-            <a:normAutofit/>
+            <a:spAutoFit/>
           </a:bodyPr>
           <a:p>
             <a:pPr algn="ctr"/>
-            <a:endParaRPr b="0" lang="en-US" sz="3110" spc="-1" strike="noStrike">
-              <a:solidFill>
-                <a:srgbClr val="000000"/>
-              </a:solidFill>
-              <a:latin typeface="Times New Roman"/>
+            <a:endParaRPr b="0" lang="en-US" sz="4400" spc="-1" strike="noStrike">
+              <a:latin typeface="Arial"/>
             </a:endParaRPr>
           </a:p>
         </p:txBody>
@@ -5803,8 +3641,8 @@
         </p:nvSpPr>
         <p:spPr>
           <a:xfrm>
-            <a:off x="504000" y="2376360"/>
-            <a:ext cx="9072360" cy="4390200"/>
+            <a:off x="504000" y="226080"/>
+            <a:ext cx="9072000" cy="4388400"/>
           </a:xfrm>
           <a:prstGeom prst="rect">
             <a:avLst/>
@@ -5856,8 +3694,8 @@
         </p:nvSpPr>
         <p:spPr>
           <a:xfrm>
-            <a:off x="504000" y="2376360"/>
-            <a:ext cx="9072360" cy="946800"/>
+            <a:off x="504000" y="226080"/>
+            <a:ext cx="9072000" cy="946440"/>
           </a:xfrm>
           <a:prstGeom prst="rect">
             <a:avLst/>
@@ -5865,15 +3703,12 @@
         </p:spPr>
         <p:txBody>
           <a:bodyPr lIns="0" rIns="0" tIns="0" bIns="0" anchor="ctr">
-            <a:normAutofit/>
+            <a:spAutoFit/>
           </a:bodyPr>
           <a:p>
             <a:pPr algn="ctr"/>
-            <a:endParaRPr b="0" lang="en-US" sz="3110" spc="-1" strike="noStrike">
-              <a:solidFill>
-                <a:srgbClr val="000000"/>
-              </a:solidFill>
-              <a:latin typeface="Times New Roman"/>
+            <a:endParaRPr b="0" lang="en-US" sz="4400" spc="-1" strike="noStrike">
+              <a:latin typeface="Arial"/>
             </a:endParaRPr>
           </a:p>
         </p:txBody>
@@ -5890,8 +3725,8 @@
         </p:nvSpPr>
         <p:spPr>
           <a:xfrm>
-            <a:off x="504000" y="3564360"/>
-            <a:ext cx="4328640" cy="1375200"/>
+            <a:off x="504000" y="1326600"/>
+            <a:ext cx="4426920" cy="1568520"/>
           </a:xfrm>
           <a:prstGeom prst="rect">
             <a:avLst/>
@@ -5902,16 +3737,8 @@
             <a:normAutofit/>
           </a:bodyPr>
           <a:p>
-            <a:pPr algn="ctr">
-              <a:spcAft>
-                <a:spcPts val="1057"/>
-              </a:spcAft>
-            </a:pPr>
-            <a:endParaRPr b="0" lang="en-US" sz="2400" spc="-1" strike="noStrike">
-              <a:solidFill>
-                <a:srgbClr val="000000"/>
-              </a:solidFill>
-              <a:latin typeface="Times New Roman"/>
+            <a:endParaRPr b="0" lang="en-US" sz="3200" spc="-1" strike="noStrike">
+              <a:latin typeface="Arial"/>
             </a:endParaRPr>
           </a:p>
         </p:txBody>
@@ -5928,8 +3755,8 @@
         </p:nvSpPr>
         <p:spPr>
           <a:xfrm>
-            <a:off x="5049360" y="3564360"/>
-            <a:ext cx="4328640" cy="2883240"/>
+            <a:off x="5152680" y="1326600"/>
+            <a:ext cx="4426920" cy="3288600"/>
           </a:xfrm>
           <a:prstGeom prst="rect">
             <a:avLst/>
@@ -5940,16 +3767,8 @@
             <a:normAutofit/>
           </a:bodyPr>
           <a:p>
-            <a:pPr algn="ctr">
-              <a:spcAft>
-                <a:spcPts val="1057"/>
-              </a:spcAft>
-            </a:pPr>
-            <a:endParaRPr b="0" lang="en-US" sz="2400" spc="-1" strike="noStrike">
-              <a:solidFill>
-                <a:srgbClr val="000000"/>
-              </a:solidFill>
-              <a:latin typeface="Times New Roman"/>
+            <a:endParaRPr b="0" lang="en-US" sz="3200" spc="-1" strike="noStrike">
+              <a:latin typeface="Arial"/>
             </a:endParaRPr>
           </a:p>
         </p:txBody>
@@ -5966,8 +3785,8 @@
         </p:nvSpPr>
         <p:spPr>
           <a:xfrm>
-            <a:off x="504000" y="5070600"/>
-            <a:ext cx="4328640" cy="1375200"/>
+            <a:off x="504000" y="3044520"/>
+            <a:ext cx="4426920" cy="1568520"/>
           </a:xfrm>
           <a:prstGeom prst="rect">
             <a:avLst/>
@@ -5978,16 +3797,8 @@
             <a:normAutofit/>
           </a:bodyPr>
           <a:p>
-            <a:pPr algn="ctr">
-              <a:spcAft>
-                <a:spcPts val="1057"/>
-              </a:spcAft>
-            </a:pPr>
-            <a:endParaRPr b="0" lang="en-US" sz="2400" spc="-1" strike="noStrike">
-              <a:solidFill>
-                <a:srgbClr val="000000"/>
-              </a:solidFill>
-              <a:latin typeface="Times New Roman"/>
+            <a:endParaRPr b="0" lang="en-US" sz="3200" spc="-1" strike="noStrike">
+              <a:latin typeface="Arial"/>
             </a:endParaRPr>
           </a:p>
         </p:txBody>
@@ -6026,8 +3837,8 @@
         </p:nvSpPr>
         <p:spPr>
           <a:xfrm>
-            <a:off x="504000" y="2376360"/>
-            <a:ext cx="9072360" cy="946800"/>
+            <a:off x="504000" y="226080"/>
+            <a:ext cx="9072000" cy="946440"/>
           </a:xfrm>
           <a:prstGeom prst="rect">
             <a:avLst/>
@@ -6035,15 +3846,12 @@
         </p:spPr>
         <p:txBody>
           <a:bodyPr lIns="0" rIns="0" tIns="0" bIns="0" anchor="ctr">
-            <a:normAutofit/>
+            <a:spAutoFit/>
           </a:bodyPr>
           <a:p>
             <a:pPr algn="ctr"/>
-            <a:endParaRPr b="0" lang="en-US" sz="3110" spc="-1" strike="noStrike">
-              <a:solidFill>
-                <a:srgbClr val="000000"/>
-              </a:solidFill>
-              <a:latin typeface="Times New Roman"/>
+            <a:endParaRPr b="0" lang="en-US" sz="4400" spc="-1" strike="noStrike">
+              <a:latin typeface="Arial"/>
             </a:endParaRPr>
           </a:p>
         </p:txBody>
@@ -6060,8 +3868,8 @@
         </p:nvSpPr>
         <p:spPr>
           <a:xfrm>
-            <a:off x="504000" y="3564360"/>
-            <a:ext cx="4328640" cy="2883240"/>
+            <a:off x="504000" y="1326600"/>
+            <a:ext cx="4426920" cy="3288600"/>
           </a:xfrm>
           <a:prstGeom prst="rect">
             <a:avLst/>
@@ -6072,16 +3880,8 @@
             <a:normAutofit/>
           </a:bodyPr>
           <a:p>
-            <a:pPr algn="ctr">
-              <a:spcAft>
-                <a:spcPts val="1057"/>
-              </a:spcAft>
-            </a:pPr>
-            <a:endParaRPr b="0" lang="en-US" sz="2400" spc="-1" strike="noStrike">
-              <a:solidFill>
-                <a:srgbClr val="000000"/>
-              </a:solidFill>
-              <a:latin typeface="Times New Roman"/>
+            <a:endParaRPr b="0" lang="en-US" sz="3200" spc="-1" strike="noStrike">
+              <a:latin typeface="Arial"/>
             </a:endParaRPr>
           </a:p>
         </p:txBody>
@@ -6098,8 +3898,8 @@
         </p:nvSpPr>
         <p:spPr>
           <a:xfrm>
-            <a:off x="5049360" y="3564360"/>
-            <a:ext cx="4328640" cy="1375200"/>
+            <a:off x="5152680" y="1326600"/>
+            <a:ext cx="4426920" cy="1568520"/>
           </a:xfrm>
           <a:prstGeom prst="rect">
             <a:avLst/>
@@ -6110,16 +3910,8 @@
             <a:normAutofit/>
           </a:bodyPr>
           <a:p>
-            <a:pPr algn="ctr">
-              <a:spcAft>
-                <a:spcPts val="1057"/>
-              </a:spcAft>
-            </a:pPr>
-            <a:endParaRPr b="0" lang="en-US" sz="2400" spc="-1" strike="noStrike">
-              <a:solidFill>
-                <a:srgbClr val="000000"/>
-              </a:solidFill>
-              <a:latin typeface="Times New Roman"/>
+            <a:endParaRPr b="0" lang="en-US" sz="3200" spc="-1" strike="noStrike">
+              <a:latin typeface="Arial"/>
             </a:endParaRPr>
           </a:p>
         </p:txBody>
@@ -6136,8 +3928,8 @@
         </p:nvSpPr>
         <p:spPr>
           <a:xfrm>
-            <a:off x="5049360" y="5070600"/>
-            <a:ext cx="4328640" cy="1375200"/>
+            <a:off x="5152680" y="3044520"/>
+            <a:ext cx="4426920" cy="1568520"/>
           </a:xfrm>
           <a:prstGeom prst="rect">
             <a:avLst/>
@@ -6148,16 +3940,8 @@
             <a:normAutofit/>
           </a:bodyPr>
           <a:p>
-            <a:pPr algn="ctr">
-              <a:spcAft>
-                <a:spcPts val="1057"/>
-              </a:spcAft>
-            </a:pPr>
-            <a:endParaRPr b="0" lang="en-US" sz="2400" spc="-1" strike="noStrike">
-              <a:solidFill>
-                <a:srgbClr val="000000"/>
-              </a:solidFill>
-              <a:latin typeface="Times New Roman"/>
+            <a:endParaRPr b="0" lang="en-US" sz="3200" spc="-1" strike="noStrike">
+              <a:latin typeface="Arial"/>
             </a:endParaRPr>
           </a:p>
         </p:txBody>
@@ -6196,8 +3980,8 @@
         </p:nvSpPr>
         <p:spPr>
           <a:xfrm>
-            <a:off x="504000" y="2376360"/>
-            <a:ext cx="9072360" cy="946800"/>
+            <a:off x="504000" y="226080"/>
+            <a:ext cx="9072000" cy="946440"/>
           </a:xfrm>
           <a:prstGeom prst="rect">
             <a:avLst/>
@@ -6205,15 +3989,12 @@
         </p:spPr>
         <p:txBody>
           <a:bodyPr lIns="0" rIns="0" tIns="0" bIns="0" anchor="ctr">
-            <a:normAutofit/>
+            <a:spAutoFit/>
           </a:bodyPr>
           <a:p>
             <a:pPr algn="ctr"/>
-            <a:endParaRPr b="0" lang="en-US" sz="3110" spc="-1" strike="noStrike">
-              <a:solidFill>
-                <a:srgbClr val="000000"/>
-              </a:solidFill>
-              <a:latin typeface="Times New Roman"/>
+            <a:endParaRPr b="0" lang="en-US" sz="4400" spc="-1" strike="noStrike">
+              <a:latin typeface="Arial"/>
             </a:endParaRPr>
           </a:p>
         </p:txBody>
@@ -6230,8 +4011,8 @@
         </p:nvSpPr>
         <p:spPr>
           <a:xfrm>
-            <a:off x="504000" y="3564360"/>
-            <a:ext cx="4328640" cy="1375200"/>
+            <a:off x="504000" y="1326600"/>
+            <a:ext cx="4426920" cy="1568520"/>
           </a:xfrm>
           <a:prstGeom prst="rect">
             <a:avLst/>
@@ -6242,16 +4023,8 @@
             <a:normAutofit/>
           </a:bodyPr>
           <a:p>
-            <a:pPr algn="ctr">
-              <a:spcAft>
-                <a:spcPts val="1057"/>
-              </a:spcAft>
-            </a:pPr>
-            <a:endParaRPr b="0" lang="en-US" sz="2400" spc="-1" strike="noStrike">
-              <a:solidFill>
-                <a:srgbClr val="000000"/>
-              </a:solidFill>
-              <a:latin typeface="Times New Roman"/>
+            <a:endParaRPr b="0" lang="en-US" sz="3200" spc="-1" strike="noStrike">
+              <a:latin typeface="Arial"/>
             </a:endParaRPr>
           </a:p>
         </p:txBody>
@@ -6268,8 +4041,8 @@
         </p:nvSpPr>
         <p:spPr>
           <a:xfrm>
-            <a:off x="5049360" y="3564360"/>
-            <a:ext cx="4328640" cy="1375200"/>
+            <a:off x="5152680" y="1326600"/>
+            <a:ext cx="4426920" cy="1568520"/>
           </a:xfrm>
           <a:prstGeom prst="rect">
             <a:avLst/>
@@ -6280,16 +4053,8 @@
             <a:normAutofit/>
           </a:bodyPr>
           <a:p>
-            <a:pPr algn="ctr">
-              <a:spcAft>
-                <a:spcPts val="1057"/>
-              </a:spcAft>
-            </a:pPr>
-            <a:endParaRPr b="0" lang="en-US" sz="2400" spc="-1" strike="noStrike">
-              <a:solidFill>
-                <a:srgbClr val="000000"/>
-              </a:solidFill>
-              <a:latin typeface="Times New Roman"/>
+            <a:endParaRPr b="0" lang="en-US" sz="3200" spc="-1" strike="noStrike">
+              <a:latin typeface="Arial"/>
             </a:endParaRPr>
           </a:p>
         </p:txBody>
@@ -6306,8 +4071,8 @@
         </p:nvSpPr>
         <p:spPr>
           <a:xfrm>
-            <a:off x="504000" y="5070600"/>
-            <a:ext cx="8870760" cy="1375200"/>
+            <a:off x="504000" y="3044520"/>
+            <a:ext cx="9072000" cy="1568520"/>
           </a:xfrm>
           <a:prstGeom prst="rect">
             <a:avLst/>
@@ -6318,16 +4083,8 @@
             <a:normAutofit/>
           </a:bodyPr>
           <a:p>
-            <a:pPr algn="ctr">
-              <a:spcAft>
-                <a:spcPts val="1057"/>
-              </a:spcAft>
-            </a:pPr>
-            <a:endParaRPr b="0" lang="en-US" sz="2400" spc="-1" strike="noStrike">
-              <a:solidFill>
-                <a:srgbClr val="000000"/>
-              </a:solidFill>
-              <a:latin typeface="Times New Roman"/>
+            <a:endParaRPr b="0" lang="en-US" sz="3200" spc="-1" strike="noStrike">
+              <a:latin typeface="Arial"/>
             </a:endParaRPr>
           </a:p>
         </p:txBody>
@@ -6367,7 +4124,7 @@
         <p:spPr>
           <a:xfrm>
             <a:off x="0" y="5104800"/>
-            <a:ext cx="10079640" cy="580680"/>
+            <a:ext cx="10079280" cy="580320"/>
           </a:xfrm>
           <a:prstGeom prst="rect">
             <a:avLst/>
@@ -6390,7 +4147,7 @@
         <p:spPr>
           <a:xfrm>
             <a:off x="0" y="0"/>
-            <a:ext cx="10079640" cy="323640"/>
+            <a:ext cx="10079280" cy="323280"/>
           </a:xfrm>
           <a:prstGeom prst="rect">
             <a:avLst/>
@@ -6412,8 +4169,8 @@
         </p:nvSpPr>
         <p:spPr>
           <a:xfrm>
-            <a:off x="504000" y="565200"/>
-            <a:ext cx="9071280" cy="946800"/>
+            <a:off x="504000" y="2376360"/>
+            <a:ext cx="9072000" cy="946440"/>
           </a:xfrm>
           <a:prstGeom prst="rect">
             <a:avLst/>
@@ -6421,7 +4178,7 @@
         </p:spPr>
         <p:txBody>
           <a:bodyPr lIns="0" rIns="0" tIns="0" bIns="0" anchor="ctr">
-            <a:spAutoFit/>
+            <a:normAutofit/>
           </a:bodyPr>
           <a:p>
             <a:r>
@@ -6448,8 +4205,8 @@
         </p:nvSpPr>
         <p:spPr>
           <a:xfrm>
-            <a:off x="504000" y="1326600"/>
-            <a:ext cx="9072000" cy="3288600"/>
+            <a:off x="504000" y="3564360"/>
+            <a:ext cx="8870400" cy="2882880"/>
           </a:xfrm>
           <a:prstGeom prst="rect">
             <a:avLst/>
@@ -6472,12 +4229,12 @@
               <a:buChar char=""/>
             </a:pPr>
             <a:r>
-              <a:rPr b="0" lang="en-US" sz="3200" spc="-1" strike="noStrike">
+              <a:rPr b="0" lang="en-US" sz="1800" spc="-1" strike="noStrike">
                 <a:latin typeface="Arial"/>
               </a:rPr>
               <a:t>Click to edit the outline text format</a:t>
             </a:r>
-            <a:endParaRPr b="0" lang="en-US" sz="3200" spc="-1" strike="noStrike">
+            <a:endParaRPr b="0" lang="en-US" sz="1800" spc="-1" strike="noStrike">
               <a:latin typeface="Arial"/>
             </a:endParaRPr>
           </a:p>
@@ -6494,12 +4251,12 @@
               <a:buChar char=""/>
             </a:pPr>
             <a:r>
-              <a:rPr b="0" lang="en-US" sz="2800" spc="-1" strike="noStrike">
+              <a:rPr b="0" lang="en-US" sz="1800" spc="-1" strike="noStrike">
                 <a:latin typeface="Arial"/>
               </a:rPr>
               <a:t>Second Outline Level</a:t>
             </a:r>
-            <a:endParaRPr b="0" lang="en-US" sz="2800" spc="-1" strike="noStrike">
+            <a:endParaRPr b="0" lang="en-US" sz="1800" spc="-1" strike="noStrike">
               <a:latin typeface="Arial"/>
             </a:endParaRPr>
           </a:p>
@@ -6516,12 +4273,12 @@
               <a:buChar char=""/>
             </a:pPr>
             <a:r>
-              <a:rPr b="0" lang="en-US" sz="2400" spc="-1" strike="noStrike">
+              <a:rPr b="0" lang="en-US" sz="1800" spc="-1" strike="noStrike">
                 <a:latin typeface="Arial"/>
               </a:rPr>
               <a:t>Third Outline Level</a:t>
             </a:r>
-            <a:endParaRPr b="0" lang="en-US" sz="2400" spc="-1" strike="noStrike">
+            <a:endParaRPr b="0" lang="en-US" sz="1800" spc="-1" strike="noStrike">
               <a:latin typeface="Arial"/>
             </a:endParaRPr>
           </a:p>
@@ -6538,12 +4295,12 @@
               <a:buChar char=""/>
             </a:pPr>
             <a:r>
-              <a:rPr b="0" lang="en-US" sz="2000" spc="-1" strike="noStrike">
+              <a:rPr b="0" lang="en-US" sz="1800" spc="-1" strike="noStrike">
                 <a:latin typeface="Arial"/>
               </a:rPr>
               <a:t>Fourth Outline Level</a:t>
             </a:r>
-            <a:endParaRPr b="0" lang="en-US" sz="2000" spc="-1" strike="noStrike">
+            <a:endParaRPr b="0" lang="en-US" sz="1800" spc="-1" strike="noStrike">
               <a:latin typeface="Arial"/>
             </a:endParaRPr>
           </a:p>
@@ -6560,12 +4317,12 @@
               <a:buChar char=""/>
             </a:pPr>
             <a:r>
-              <a:rPr b="0" lang="en-US" sz="2000" spc="-1" strike="noStrike">
+              <a:rPr b="0" lang="en-US" sz="1800" spc="-1" strike="noStrike">
                 <a:latin typeface="Arial"/>
               </a:rPr>
               <a:t>Fifth Outline Level</a:t>
             </a:r>
-            <a:endParaRPr b="0" lang="en-US" sz="2000" spc="-1" strike="noStrike">
+            <a:endParaRPr b="0" lang="en-US" sz="1800" spc="-1" strike="noStrike">
               <a:latin typeface="Arial"/>
             </a:endParaRPr>
           </a:p>
@@ -6582,12 +4339,12 @@
               <a:buChar char=""/>
             </a:pPr>
             <a:r>
-              <a:rPr b="0" lang="en-US" sz="2000" spc="-1" strike="noStrike">
+              <a:rPr b="0" lang="en-US" sz="1800" spc="-1" strike="noStrike">
                 <a:latin typeface="Arial"/>
               </a:rPr>
               <a:t>Sixth Outline Level</a:t>
             </a:r>
-            <a:endParaRPr b="0" lang="en-US" sz="2000" spc="-1" strike="noStrike">
+            <a:endParaRPr b="0" lang="en-US" sz="1800" spc="-1" strike="noStrike">
               <a:latin typeface="Arial"/>
             </a:endParaRPr>
           </a:p>
@@ -6604,12 +4361,12 @@
               <a:buChar char=""/>
             </a:pPr>
             <a:r>
-              <a:rPr b="0" lang="en-US" sz="2000" spc="-1" strike="noStrike">
+              <a:rPr b="0" lang="en-US" sz="1800" spc="-1" strike="noStrike">
                 <a:latin typeface="Arial"/>
               </a:rPr>
               <a:t>Seventh Outline Level</a:t>
             </a:r>
-            <a:endParaRPr b="0" lang="en-US" sz="2000" spc="-1" strike="noStrike">
+            <a:endParaRPr b="0" lang="en-US" sz="1800" spc="-1" strike="noStrike">
               <a:latin typeface="Arial"/>
             </a:endParaRPr>
           </a:p>
@@ -6665,7 +4422,7 @@
         <p:spPr>
           <a:xfrm>
             <a:off x="6120" y="0"/>
-            <a:ext cx="10079640" cy="323640"/>
+            <a:ext cx="10079280" cy="323280"/>
           </a:xfrm>
           <a:prstGeom prst="rect">
             <a:avLst/>
@@ -6688,7 +4445,7 @@
         <p:spPr>
           <a:xfrm>
             <a:off x="6120" y="5357160"/>
-            <a:ext cx="10079640" cy="323640"/>
+            <a:ext cx="10079280" cy="323280"/>
           </a:xfrm>
           <a:prstGeom prst="rect">
             <a:avLst/>
@@ -6707,7 +4464,7 @@
         <p:spPr>
           <a:xfrm>
             <a:off x="1728360" y="5400360"/>
-            <a:ext cx="2347920" cy="390600"/>
+            <a:ext cx="2347560" cy="390240"/>
           </a:xfrm>
           <a:prstGeom prst="rect">
             <a:avLst/>
@@ -6739,6 +4496,7 @@
                   <a:srgbClr val="ffffff"/>
                 </a:solidFill>
                 <a:latin typeface="Times New Roman"/>
+                <a:ea typeface="DejaVu Sans"/>
               </a:rPr>
               <a:t>&lt;date/time&gt;</a:t>
             </a:r>
@@ -6757,7 +4515,7 @@
         <p:spPr>
           <a:xfrm>
             <a:off x="4221360" y="5400360"/>
-            <a:ext cx="3194640" cy="390600"/>
+            <a:ext cx="3194280" cy="390240"/>
           </a:xfrm>
           <a:prstGeom prst="rect">
             <a:avLst/>
@@ -6789,6 +4547,7 @@
                   <a:srgbClr val="ffffff"/>
                 </a:solidFill>
                 <a:latin typeface="Times New Roman"/>
+                <a:ea typeface="DejaVu Sans"/>
               </a:rPr>
               <a:t>&lt;footer&gt;</a:t>
             </a:r>
@@ -6807,7 +4566,7 @@
         <p:spPr>
           <a:xfrm>
             <a:off x="7659720" y="5400360"/>
-            <a:ext cx="2347920" cy="390600"/>
+            <a:ext cx="2347560" cy="390240"/>
           </a:xfrm>
           <a:prstGeom prst="rect">
             <a:avLst/>
@@ -6833,14 +4592,15 @@
                 <a:spcPct val="100000"/>
               </a:lnSpc>
             </a:pPr>
-            <a:fld id="{53E5018A-CF01-4983-8B80-332FAAEC5081}" type="slidenum">
+            <a:fld id="{B8854521-CF23-40BC-B920-E9ACECA30FCD}" type="slidenum">
               <a:rPr b="0" lang="en-US" sz="1400" spc="-1" strike="noStrike">
                 <a:solidFill>
                   <a:srgbClr val="ffffff"/>
                 </a:solidFill>
                 <a:latin typeface="Times New Roman"/>
+                <a:ea typeface="DejaVu Sans"/>
               </a:rPr>
-              <a:t>1</a:t>
+              <a:t>&lt;number&gt;</a:t>
             </a:fld>
             <a:endParaRPr b="0" lang="en-US" sz="1400" spc="-1" strike="noStrike">
               <a:latin typeface="Arial"/>
@@ -6860,8 +4620,8 @@
         </p:nvSpPr>
         <p:spPr>
           <a:xfrm>
-            <a:off x="504000" y="565200"/>
-            <a:ext cx="9071280" cy="946800"/>
+            <a:off x="504000" y="226080"/>
+            <a:ext cx="9072000" cy="946440"/>
           </a:xfrm>
           <a:prstGeom prst="rect">
             <a:avLst/>
@@ -6869,16 +4629,17 @@
         </p:spPr>
         <p:txBody>
           <a:bodyPr lIns="0" rIns="0" tIns="0" bIns="0" anchor="ctr">
-            <a:spAutoFit/>
-          </a:bodyPr>
-          <a:p>
+            <a:noAutofit/>
+          </a:bodyPr>
+          <a:p>
+            <a:pPr algn="ctr"/>
             <a:r>
-              <a:rPr b="0" lang="en-US" sz="1800" spc="-1" strike="noStrike">
+              <a:rPr b="0" lang="en-US" sz="4400" spc="-1" strike="noStrike">
                 <a:latin typeface="Arial"/>
               </a:rPr>
               <a:t>Click to edit the title text format</a:t>
             </a:r>
-            <a:endParaRPr b="0" lang="en-US" sz="1800" spc="-1" strike="noStrike">
+            <a:endParaRPr b="0" lang="en-US" sz="4400" spc="-1" strike="noStrike">
               <a:latin typeface="Arial"/>
             </a:endParaRPr>
           </a:p>
@@ -6896,8 +4657,8 @@
         </p:nvSpPr>
         <p:spPr>
           <a:xfrm>
-            <a:off x="504000" y="1656000"/>
-            <a:ext cx="9071280" cy="2958480"/>
+            <a:off x="504000" y="1326600"/>
+            <a:ext cx="9072000" cy="3288600"/>
           </a:xfrm>
           <a:prstGeom prst="rect">
             <a:avLst/>
@@ -6920,12 +4681,12 @@
               <a:buChar char=""/>
             </a:pPr>
             <a:r>
-              <a:rPr b="0" lang="en-US" sz="1800" spc="-1" strike="noStrike">
+              <a:rPr b="0" lang="en-US" sz="3200" spc="-1" strike="noStrike">
                 <a:latin typeface="Arial"/>
               </a:rPr>
               <a:t>Click to edit the outline text format</a:t>
             </a:r>
-            <a:endParaRPr b="0" lang="en-US" sz="1800" spc="-1" strike="noStrike">
+            <a:endParaRPr b="0" lang="en-US" sz="3200" spc="-1" strike="noStrike">
               <a:latin typeface="Arial"/>
             </a:endParaRPr>
           </a:p>
@@ -6942,12 +4703,12 @@
               <a:buChar char=""/>
             </a:pPr>
             <a:r>
-              <a:rPr b="0" lang="en-US" sz="1800" spc="-1" strike="noStrike">
+              <a:rPr b="0" lang="en-US" sz="2800" spc="-1" strike="noStrike">
                 <a:latin typeface="Arial"/>
               </a:rPr>
               <a:t>Second Outline Level</a:t>
             </a:r>
-            <a:endParaRPr b="0" lang="en-US" sz="1800" spc="-1" strike="noStrike">
+            <a:endParaRPr b="0" lang="en-US" sz="2800" spc="-1" strike="noStrike">
               <a:latin typeface="Arial"/>
             </a:endParaRPr>
           </a:p>
@@ -6964,12 +4725,12 @@
               <a:buChar char=""/>
             </a:pPr>
             <a:r>
-              <a:rPr b="0" lang="en-US" sz="1800" spc="-1" strike="noStrike">
+              <a:rPr b="0" lang="en-US" sz="2400" spc="-1" strike="noStrike">
                 <a:latin typeface="Arial"/>
               </a:rPr>
               <a:t>Third Outline Level</a:t>
             </a:r>
-            <a:endParaRPr b="0" lang="en-US" sz="1800" spc="-1" strike="noStrike">
+            <a:endParaRPr b="0" lang="en-US" sz="2400" spc="-1" strike="noStrike">
               <a:latin typeface="Arial"/>
             </a:endParaRPr>
           </a:p>
@@ -6986,12 +4747,12 @@
               <a:buChar char=""/>
             </a:pPr>
             <a:r>
-              <a:rPr b="0" lang="en-US" sz="1800" spc="-1" strike="noStrike">
+              <a:rPr b="0" lang="en-US" sz="2000" spc="-1" strike="noStrike">
                 <a:latin typeface="Arial"/>
               </a:rPr>
               <a:t>Fourth Outline Level</a:t>
             </a:r>
-            <a:endParaRPr b="0" lang="en-US" sz="1800" spc="-1" strike="noStrike">
+            <a:endParaRPr b="0" lang="en-US" sz="2000" spc="-1" strike="noStrike">
               <a:latin typeface="Arial"/>
             </a:endParaRPr>
           </a:p>
@@ -7008,12 +4769,12 @@
               <a:buChar char=""/>
             </a:pPr>
             <a:r>
-              <a:rPr b="0" lang="en-US" sz="1800" spc="-1" strike="noStrike">
+              <a:rPr b="0" lang="en-US" sz="2000" spc="-1" strike="noStrike">
                 <a:latin typeface="Arial"/>
               </a:rPr>
               <a:t>Fifth Outline Level</a:t>
             </a:r>
-            <a:endParaRPr b="0" lang="en-US" sz="1800" spc="-1" strike="noStrike">
+            <a:endParaRPr b="0" lang="en-US" sz="2000" spc="-1" strike="noStrike">
               <a:latin typeface="Arial"/>
             </a:endParaRPr>
           </a:p>
@@ -7030,12 +4791,12 @@
               <a:buChar char=""/>
             </a:pPr>
             <a:r>
-              <a:rPr b="0" lang="en-US" sz="1800" spc="-1" strike="noStrike">
+              <a:rPr b="0" lang="en-US" sz="2000" spc="-1" strike="noStrike">
                 <a:latin typeface="Arial"/>
               </a:rPr>
               <a:t>Sixth Outline Level</a:t>
             </a:r>
-            <a:endParaRPr b="0" lang="en-US" sz="1800" spc="-1" strike="noStrike">
+            <a:endParaRPr b="0" lang="en-US" sz="2000" spc="-1" strike="noStrike">
               <a:latin typeface="Arial"/>
             </a:endParaRPr>
           </a:p>
@@ -7052,12 +4813,12 @@
               <a:buChar char=""/>
             </a:pPr>
             <a:r>
-              <a:rPr b="0" lang="en-US" sz="1800" spc="-1" strike="noStrike">
+              <a:rPr b="0" lang="en-US" sz="2000" spc="-1" strike="noStrike">
                 <a:latin typeface="Arial"/>
               </a:rPr>
               <a:t>Seventh Outline Level</a:t>
             </a:r>
-            <a:endParaRPr b="0" lang="en-US" sz="1800" spc="-1" strike="noStrike">
+            <a:endParaRPr b="0" lang="en-US" sz="2000" spc="-1" strike="noStrike">
               <a:latin typeface="Arial"/>
             </a:endParaRPr>
           </a:p>
@@ -7100,9 +4861,32 @@
           <a:chExt cx="0" cy="0"/>
         </a:xfrm>
       </p:grpSpPr>
-      <p:sp>
-        <p:nvSpPr>
-          <p:cNvPr id="83" name="PlaceHolder 1"/>
+      <p:pic>
+        <p:nvPicPr>
+          <p:cNvPr id="83" name="" descr=""/>
+          <p:cNvPicPr/>
+          <p:nvPr/>
+        </p:nvPicPr>
+        <p:blipFill>
+          <a:blip r:embed="rId2"/>
+          <a:stretch/>
+        </p:blipFill>
+        <p:spPr>
+          <a:xfrm>
+            <a:off x="0" y="0"/>
+            <a:ext cx="10080360" cy="5670360"/>
+          </a:xfrm>
+          <a:prstGeom prst="rect">
+            <a:avLst/>
+          </a:prstGeom>
+          <a:ln>
+            <a:noFill/>
+          </a:ln>
+        </p:spPr>
+      </p:pic>
+      <p:sp>
+        <p:nvSpPr>
+          <p:cNvPr id="84" name="PlaceHolder 1"/>
           <p:cNvSpPr>
             <a:spLocks noGrp="1"/>
           </p:cNvSpPr>
@@ -7113,7 +4897,7 @@
         <p:spPr>
           <a:xfrm>
             <a:off x="504000" y="226080"/>
-            <a:ext cx="9072360" cy="946440"/>
+            <a:ext cx="9072000" cy="946440"/>
           </a:xfrm>
           <a:prstGeom prst="rect">
             <a:avLst/>
@@ -7139,7 +4923,7 @@
       </p:sp>
       <p:sp>
         <p:nvSpPr>
-          <p:cNvPr id="84" name="PlaceHolder 2"/>
+          <p:cNvPr id="85" name="PlaceHolder 2"/>
           <p:cNvSpPr>
             <a:spLocks noGrp="1"/>
           </p:cNvSpPr>
@@ -7150,7 +4934,7 @@
         <p:spPr>
           <a:xfrm>
             <a:off x="504000" y="1326600"/>
-            <a:ext cx="9072360" cy="3288600"/>
+            <a:ext cx="9072000" cy="3288600"/>
           </a:xfrm>
           <a:prstGeom prst="rect">
             <a:avLst/>
@@ -7158,12 +4942,12 @@
         </p:spPr>
         <p:txBody>
           <a:bodyPr lIns="0" rIns="0" tIns="0" bIns="0">
-            <a:spAutoFit/>
+            <a:normAutofit/>
           </a:bodyPr>
           <a:p>
             <a:pPr marL="432000" indent="-324000">
               <a:spcBef>
-                <a:spcPts val="1414"/>
+                <a:spcPts val="1417"/>
               </a:spcBef>
               <a:buClr>
                 <a:srgbClr val="000000"/>
@@ -7316,524 +5100,22 @@
           </a:p>
         </p:txBody>
       </p:sp>
-      <p:sp>
-        <p:nvSpPr>
-          <p:cNvPr id="85" name="PlaceHolder 3"/>
-          <p:cNvSpPr>
-            <a:spLocks noGrp="1"/>
-          </p:cNvSpPr>
-          <p:nvPr>
-            <p:ph type="dt"/>
-          </p:nvPr>
-        </p:nvSpPr>
-        <p:spPr>
-          <a:xfrm>
-            <a:off x="504000" y="5165640"/>
-            <a:ext cx="2348280" cy="390600"/>
-          </a:xfrm>
-          <a:prstGeom prst="rect">
-            <a:avLst/>
-          </a:prstGeom>
-        </p:spPr>
-        <p:txBody>
-          <a:bodyPr lIns="0" rIns="0" tIns="0" bIns="0">
-            <a:noAutofit/>
-          </a:bodyPr>
-          <a:p>
-            <a:r>
-              <a:rPr b="0" lang="vi-VN" sz="1400" spc="-1" strike="noStrike">
-                <a:latin typeface="Times New Roman"/>
-              </a:rPr>
-              <a:t> </a:t>
-            </a:r>
-            <a:endParaRPr b="0" lang="en-US" sz="1400" spc="-1" strike="noStrike">
-              <a:latin typeface="Times New Roman"/>
-            </a:endParaRPr>
-          </a:p>
-        </p:txBody>
-      </p:sp>
-      <p:sp>
-        <p:nvSpPr>
-          <p:cNvPr id="86" name="PlaceHolder 4"/>
-          <p:cNvSpPr>
-            <a:spLocks noGrp="1"/>
-          </p:cNvSpPr>
-          <p:nvPr>
-            <p:ph type="ftr"/>
-          </p:nvPr>
-        </p:nvSpPr>
-        <p:spPr>
-          <a:xfrm>
-            <a:off x="3447360" y="5165640"/>
-            <a:ext cx="3195360" cy="390600"/>
-          </a:xfrm>
-          <a:prstGeom prst="rect">
-            <a:avLst/>
-          </a:prstGeom>
-        </p:spPr>
-        <p:txBody>
-          <a:bodyPr lIns="0" rIns="0" tIns="0" bIns="0">
-            <a:noAutofit/>
-          </a:bodyPr>
-          <a:p>
-            <a:pPr algn="ctr"/>
-            <a:r>
-              <a:rPr b="0" lang="en-US" sz="1400" spc="-1" strike="noStrike">
-                <a:latin typeface="Times New Roman"/>
-              </a:rPr>
-              <a:t> </a:t>
-            </a:r>
-            <a:endParaRPr b="0" lang="en-US" sz="1400" spc="-1" strike="noStrike">
-              <a:latin typeface="Times New Roman"/>
-            </a:endParaRPr>
-          </a:p>
-        </p:txBody>
-      </p:sp>
-      <p:sp>
-        <p:nvSpPr>
-          <p:cNvPr id="87" name="PlaceHolder 5"/>
-          <p:cNvSpPr>
-            <a:spLocks noGrp="1"/>
-          </p:cNvSpPr>
-          <p:nvPr>
-            <p:ph type="sldNum"/>
-          </p:nvPr>
-        </p:nvSpPr>
-        <p:spPr>
-          <a:xfrm>
-            <a:off x="7227720" y="5165640"/>
-            <a:ext cx="2348280" cy="390600"/>
-          </a:xfrm>
-          <a:prstGeom prst="rect">
-            <a:avLst/>
-          </a:prstGeom>
-        </p:spPr>
-        <p:txBody>
-          <a:bodyPr lIns="0" rIns="0" tIns="0" bIns="0">
-            <a:noAutofit/>
-          </a:bodyPr>
-          <a:p>
-            <a:pPr algn="r"/>
-            <a:fld id="{91BFF7EA-2214-4A28-8678-86E4B7A540FD}" type="slidenum">
-              <a:rPr b="0" lang="en-US" sz="1400" spc="-1" strike="noStrike">
-                <a:latin typeface="Times New Roman"/>
-              </a:rPr>
-              <a:t>1</a:t>
-            </a:fld>
-            <a:endParaRPr b="0" lang="en-US" sz="1400" spc="-1" strike="noStrike">
-              <a:latin typeface="Times New Roman"/>
-            </a:endParaRPr>
-          </a:p>
-        </p:txBody>
-      </p:sp>
     </p:spTree>
   </p:cSld>
   <p:clrMap bg1="lt1" bg2="lt2" tx1="dk1" tx2="dk2" accent1="accent1" accent2="accent2" accent3="accent3" accent4="accent4" accent5="accent5" accent6="accent6" hlink="hlink" folHlink="folHlink"/>
   <p:sldLayoutIdLst>
-    <p:sldLayoutId id="2147483675" r:id="rId2"/>
-    <p:sldLayoutId id="2147483676" r:id="rId3"/>
-    <p:sldLayoutId id="2147483677" r:id="rId4"/>
-    <p:sldLayoutId id="2147483678" r:id="rId5"/>
-    <p:sldLayoutId id="2147483679" r:id="rId6"/>
-    <p:sldLayoutId id="2147483680" r:id="rId7"/>
-    <p:sldLayoutId id="2147483681" r:id="rId8"/>
-    <p:sldLayoutId id="2147483682" r:id="rId9"/>
-    <p:sldLayoutId id="2147483683" r:id="rId10"/>
-    <p:sldLayoutId id="2147483684" r:id="rId11"/>
-    <p:sldLayoutId id="2147483685" r:id="rId12"/>
-    <p:sldLayoutId id="2147483686" r:id="rId13"/>
-  </p:sldLayoutIdLst>
-</p:sldMaster>
-</file>
-
-<file path=ppt/slideMasters/slideMaster4.xml><?xml version="1.0" encoding="utf-8"?>
-<p:sldMaster xmlns:a="http://schemas.openxmlformats.org/drawingml/2006/main" xmlns:p="http://schemas.openxmlformats.org/presentationml/2006/main" xmlns:r="http://schemas.openxmlformats.org/officeDocument/2006/relationships" xmlns:p14="http://schemas.microsoft.com/office/powerpoint/2010/main" xmlns:p15="http://schemas.microsoft.com/office/powerpoint/2012/main" xmlns:mc="http://schemas.openxmlformats.org/markup-compatibility/2006">
-  <p:cSld>
-    <p:spTree>
-      <p:nvGrpSpPr>
-        <p:cNvPr id="1" name=""/>
-        <p:cNvGrpSpPr/>
-        <p:nvPr/>
-      </p:nvGrpSpPr>
-      <p:grpSpPr>
-        <a:xfrm>
-          <a:off x="0" y="0"/>
-          <a:ext cx="0" cy="0"/>
-          <a:chOff x="0" y="0"/>
-          <a:chExt cx="0" cy="0"/>
-        </a:xfrm>
-      </p:grpSpPr>
-      <p:pic>
-        <p:nvPicPr>
-          <p:cNvPr id="124" name="" descr=""/>
-          <p:cNvPicPr/>
-          <p:nvPr/>
-        </p:nvPicPr>
-        <p:blipFill>
-          <a:blip r:embed="rId2"/>
-          <a:stretch/>
-        </p:blipFill>
-        <p:spPr>
-          <a:xfrm>
-            <a:off x="0" y="0"/>
-            <a:ext cx="10080720" cy="5670720"/>
-          </a:xfrm>
-          <a:prstGeom prst="rect">
-            <a:avLst/>
-          </a:prstGeom>
-          <a:ln>
-            <a:noFill/>
-          </a:ln>
-        </p:spPr>
-      </p:pic>
-      <p:sp>
-        <p:nvSpPr>
-          <p:cNvPr id="125" name="PlaceHolder 1"/>
-          <p:cNvSpPr>
-            <a:spLocks noGrp="1"/>
-          </p:cNvSpPr>
-          <p:nvPr>
-            <p:ph type="title"/>
-          </p:nvPr>
-        </p:nvSpPr>
-        <p:spPr>
-          <a:xfrm>
-            <a:off x="504000" y="2376360"/>
-            <a:ext cx="9072360" cy="946800"/>
-          </a:xfrm>
-          <a:prstGeom prst="rect">
-            <a:avLst/>
-          </a:prstGeom>
-        </p:spPr>
-        <p:txBody>
-          <a:bodyPr lIns="0" rIns="0" tIns="0" bIns="0" anchor="ctr">
-            <a:normAutofit/>
-          </a:bodyPr>
-          <a:p>
-            <a:pPr algn="ctr"/>
-            <a:r>
-              <a:rPr b="0" lang="en-US" sz="3110" spc="-1" strike="noStrike">
-                <a:solidFill>
-                  <a:srgbClr val="000000"/>
-                </a:solidFill>
-                <a:latin typeface="Times New Roman"/>
-              </a:rPr>
-              <a:t>Click to edit the title text format</a:t>
-            </a:r>
-            <a:endParaRPr b="0" lang="en-US" sz="3110" spc="-1" strike="noStrike">
-              <a:solidFill>
-                <a:srgbClr val="000000"/>
-              </a:solidFill>
-              <a:latin typeface="Times New Roman"/>
-            </a:endParaRPr>
-          </a:p>
-        </p:txBody>
-      </p:sp>
-      <p:sp>
-        <p:nvSpPr>
-          <p:cNvPr id="126" name="PlaceHolder 2"/>
-          <p:cNvSpPr>
-            <a:spLocks noGrp="1"/>
-          </p:cNvSpPr>
-          <p:nvPr>
-            <p:ph type="body"/>
-          </p:nvPr>
-        </p:nvSpPr>
-        <p:spPr>
-          <a:xfrm>
-            <a:off x="504000" y="3564360"/>
-            <a:ext cx="8870760" cy="2883240"/>
-          </a:xfrm>
-          <a:prstGeom prst="rect">
-            <a:avLst/>
-          </a:prstGeom>
-        </p:spPr>
-        <p:txBody>
-          <a:bodyPr lIns="0" rIns="0" tIns="0" bIns="0">
-            <a:spAutoFit/>
-          </a:bodyPr>
-          <a:p>
-            <a:pPr marL="432000" indent="-324000" algn="ctr">
-              <a:spcAft>
-                <a:spcPts val="1057"/>
-              </a:spcAft>
-            </a:pPr>
-            <a:r>
-              <a:rPr b="0" lang="en-US" sz="2400" spc="-1" strike="noStrike">
-                <a:solidFill>
-                  <a:srgbClr val="000000"/>
-                </a:solidFill>
-                <a:latin typeface="Times New Roman"/>
-              </a:rPr>
-              <a:t>Click to edit the outline text format</a:t>
-            </a:r>
-            <a:endParaRPr b="0" lang="en-US" sz="2400" spc="-1" strike="noStrike">
-              <a:solidFill>
-                <a:srgbClr val="000000"/>
-              </a:solidFill>
-              <a:latin typeface="Times New Roman"/>
-            </a:endParaRPr>
-          </a:p>
-          <a:p>
-            <a:pPr lvl="1" marL="864000" indent="-324000" algn="ctr">
-              <a:spcAft>
-                <a:spcPts val="848"/>
-              </a:spcAft>
-            </a:pPr>
-            <a:r>
-              <a:rPr b="0" lang="en-US" sz="2100" spc="-1" strike="noStrike">
-                <a:solidFill>
-                  <a:srgbClr val="000000"/>
-                </a:solidFill>
-                <a:latin typeface="Times New Roman"/>
-              </a:rPr>
-              <a:t>Second Outline Level</a:t>
-            </a:r>
-            <a:endParaRPr b="0" lang="en-US" sz="2100" spc="-1" strike="noStrike">
-              <a:solidFill>
-                <a:srgbClr val="000000"/>
-              </a:solidFill>
-              <a:latin typeface="Times New Roman"/>
-            </a:endParaRPr>
-          </a:p>
-          <a:p>
-            <a:pPr lvl="2" marL="1296000" indent="-288000" algn="ctr">
-              <a:spcAft>
-                <a:spcPts val="635"/>
-              </a:spcAft>
-            </a:pPr>
-            <a:r>
-              <a:rPr b="0" lang="en-US" sz="1800" spc="-1" strike="noStrike">
-                <a:solidFill>
-                  <a:srgbClr val="000000"/>
-                </a:solidFill>
-                <a:latin typeface="Times New Roman"/>
-              </a:rPr>
-              <a:t>Third Outline Level</a:t>
-            </a:r>
-            <a:endParaRPr b="0" lang="en-US" sz="1800" spc="-1" strike="noStrike">
-              <a:solidFill>
-                <a:srgbClr val="000000"/>
-              </a:solidFill>
-              <a:latin typeface="Times New Roman"/>
-            </a:endParaRPr>
-          </a:p>
-          <a:p>
-            <a:pPr lvl="3" marL="1728000" indent="-216000" algn="ctr">
-              <a:spcAft>
-                <a:spcPts val="420"/>
-              </a:spcAft>
-            </a:pPr>
-            <a:r>
-              <a:rPr b="0" lang="en-US" sz="1500" spc="-1" strike="noStrike">
-                <a:solidFill>
-                  <a:srgbClr val="000000"/>
-                </a:solidFill>
-                <a:latin typeface="Times New Roman"/>
-              </a:rPr>
-              <a:t>Fourth Outline Level</a:t>
-            </a:r>
-            <a:endParaRPr b="0" lang="en-US" sz="1500" spc="-1" strike="noStrike">
-              <a:solidFill>
-                <a:srgbClr val="000000"/>
-              </a:solidFill>
-              <a:latin typeface="Times New Roman"/>
-            </a:endParaRPr>
-          </a:p>
-          <a:p>
-            <a:pPr lvl="4" marL="2160000" indent="-216000" algn="ctr">
-              <a:spcAft>
-                <a:spcPts val="210"/>
-              </a:spcAft>
-            </a:pPr>
-            <a:r>
-              <a:rPr b="0" lang="en-US" sz="1500" spc="-1" strike="noStrike">
-                <a:solidFill>
-                  <a:srgbClr val="000000"/>
-                </a:solidFill>
-                <a:latin typeface="Times New Roman"/>
-              </a:rPr>
-              <a:t>Fifth Outline Level</a:t>
-            </a:r>
-            <a:endParaRPr b="0" lang="en-US" sz="1500" spc="-1" strike="noStrike">
-              <a:solidFill>
-                <a:srgbClr val="000000"/>
-              </a:solidFill>
-              <a:latin typeface="Times New Roman"/>
-            </a:endParaRPr>
-          </a:p>
-          <a:p>
-            <a:pPr lvl="5" marL="2592000" indent="-216000" algn="ctr">
-              <a:spcAft>
-                <a:spcPts val="210"/>
-              </a:spcAft>
-            </a:pPr>
-            <a:r>
-              <a:rPr b="0" lang="en-US" sz="1500" spc="-1" strike="noStrike">
-                <a:solidFill>
-                  <a:srgbClr val="000000"/>
-                </a:solidFill>
-                <a:latin typeface="Times New Roman"/>
-              </a:rPr>
-              <a:t>Sixth Outline Level</a:t>
-            </a:r>
-            <a:endParaRPr b="0" lang="en-US" sz="1500" spc="-1" strike="noStrike">
-              <a:solidFill>
-                <a:srgbClr val="000000"/>
-              </a:solidFill>
-              <a:latin typeface="Times New Roman"/>
-            </a:endParaRPr>
-          </a:p>
-          <a:p>
-            <a:pPr lvl="6" marL="3024000" indent="-216000" algn="ctr">
-              <a:spcAft>
-                <a:spcPts val="210"/>
-              </a:spcAft>
-            </a:pPr>
-            <a:r>
-              <a:rPr b="0" lang="en-US" sz="1500" spc="-1" strike="noStrike">
-                <a:solidFill>
-                  <a:srgbClr val="000000"/>
-                </a:solidFill>
-                <a:latin typeface="Times New Roman"/>
-              </a:rPr>
-              <a:t>Seventh Outline Level</a:t>
-            </a:r>
-            <a:endParaRPr b="0" lang="en-US" sz="1500" spc="-1" strike="noStrike">
-              <a:solidFill>
-                <a:srgbClr val="000000"/>
-              </a:solidFill>
-              <a:latin typeface="Times New Roman"/>
-            </a:endParaRPr>
-          </a:p>
-        </p:txBody>
-      </p:sp>
-      <p:sp>
-        <p:nvSpPr>
-          <p:cNvPr id="127" name="PlaceHolder 3"/>
-          <p:cNvSpPr>
-            <a:spLocks noGrp="1"/>
-          </p:cNvSpPr>
-          <p:nvPr>
-            <p:ph type="dt"/>
-          </p:nvPr>
-        </p:nvSpPr>
-        <p:spPr>
-          <a:xfrm>
-            <a:off x="503640" y="5166000"/>
-            <a:ext cx="2348280" cy="390960"/>
-          </a:xfrm>
-          <a:prstGeom prst="rect">
-            <a:avLst/>
-          </a:prstGeom>
-        </p:spPr>
-        <p:txBody>
-          <a:bodyPr lIns="0" rIns="0" tIns="0" bIns="0">
-            <a:noAutofit/>
-          </a:bodyPr>
-          <a:p>
-            <a:r>
-              <a:rPr b="0" lang="vi-VN" sz="1400" spc="-1" strike="noStrike">
-                <a:latin typeface="Times New Roman"/>
-              </a:rPr>
-              <a:t>&lt;date/time&gt;</a:t>
-            </a:r>
-            <a:endParaRPr b="0" lang="en-US" sz="1400" spc="-1" strike="noStrike">
-              <a:latin typeface="Times New Roman"/>
-            </a:endParaRPr>
-          </a:p>
-        </p:txBody>
-      </p:sp>
-      <p:sp>
-        <p:nvSpPr>
-          <p:cNvPr id="128" name="PlaceHolder 4"/>
-          <p:cNvSpPr>
-            <a:spLocks noGrp="1"/>
-          </p:cNvSpPr>
-          <p:nvPr>
-            <p:ph type="ftr"/>
-          </p:nvPr>
-        </p:nvSpPr>
-        <p:spPr>
-          <a:xfrm>
-            <a:off x="3447000" y="5166000"/>
-            <a:ext cx="3195360" cy="390960"/>
-          </a:xfrm>
-          <a:prstGeom prst="rect">
-            <a:avLst/>
-          </a:prstGeom>
-        </p:spPr>
-        <p:txBody>
-          <a:bodyPr lIns="0" rIns="0" tIns="0" bIns="0">
-            <a:noAutofit/>
-          </a:bodyPr>
-          <a:p>
-            <a:pPr algn="ctr"/>
-            <a:r>
-              <a:rPr b="0" lang="en-US" sz="1400" spc="-1" strike="noStrike">
-                <a:latin typeface="Times New Roman"/>
-              </a:rPr>
-              <a:t>&lt;footer&gt;</a:t>
-            </a:r>
-            <a:endParaRPr b="0" lang="en-US" sz="1400" spc="-1" strike="noStrike">
-              <a:latin typeface="Times New Roman"/>
-            </a:endParaRPr>
-          </a:p>
-        </p:txBody>
-      </p:sp>
-      <p:sp>
-        <p:nvSpPr>
-          <p:cNvPr id="129" name="PlaceHolder 5"/>
-          <p:cNvSpPr>
-            <a:spLocks noGrp="1"/>
-          </p:cNvSpPr>
-          <p:nvPr>
-            <p:ph type="sldNum"/>
-          </p:nvPr>
-        </p:nvSpPr>
-        <p:spPr>
-          <a:xfrm>
-            <a:off x="7227000" y="5166000"/>
-            <a:ext cx="2348280" cy="390960"/>
-          </a:xfrm>
-          <a:prstGeom prst="rect">
-            <a:avLst/>
-          </a:prstGeom>
-        </p:spPr>
-        <p:txBody>
-          <a:bodyPr lIns="0" rIns="0" tIns="0" bIns="0">
-            <a:noAutofit/>
-          </a:bodyPr>
-          <a:p>
-            <a:pPr algn="r"/>
-            <a:fld id="{5729DF0A-4646-4B68-A6B5-65245B301812}" type="slidenum">
-              <a:rPr b="0" lang="en-US" sz="1400" spc="-1" strike="noStrike">
-                <a:latin typeface="Times New Roman"/>
-              </a:rPr>
-              <a:t>&lt;number&gt;</a:t>
-            </a:fld>
-            <a:endParaRPr b="0" lang="en-US" sz="1400" spc="-1" strike="noStrike">
-              <a:latin typeface="Times New Roman"/>
-            </a:endParaRPr>
-          </a:p>
-        </p:txBody>
-      </p:sp>
-    </p:spTree>
-  </p:cSld>
-  <p:clrMap bg1="lt1" bg2="lt2" tx1="dk1" tx2="dk2" accent1="accent1" accent2="accent2" accent3="accent3" accent4="accent4" accent5="accent5" accent6="accent6" hlink="hlink" folHlink="folHlink"/>
-  <p:sldLayoutIdLst>
-    <p:sldLayoutId id="2147483688" r:id="rId3"/>
-    <p:sldLayoutId id="2147483689" r:id="rId4"/>
-    <p:sldLayoutId id="2147483690" r:id="rId5"/>
-    <p:sldLayoutId id="2147483691" r:id="rId6"/>
-    <p:sldLayoutId id="2147483692" r:id="rId7"/>
-    <p:sldLayoutId id="2147483693" r:id="rId8"/>
-    <p:sldLayoutId id="2147483694" r:id="rId9"/>
-    <p:sldLayoutId id="2147483695" r:id="rId10"/>
-    <p:sldLayoutId id="2147483696" r:id="rId11"/>
-    <p:sldLayoutId id="2147483697" r:id="rId12"/>
-    <p:sldLayoutId id="2147483698" r:id="rId13"/>
-    <p:sldLayoutId id="2147483699" r:id="rId14"/>
+    <p:sldLayoutId id="2147483675" r:id="rId3"/>
+    <p:sldLayoutId id="2147483676" r:id="rId4"/>
+    <p:sldLayoutId id="2147483677" r:id="rId5"/>
+    <p:sldLayoutId id="2147483678" r:id="rId6"/>
+    <p:sldLayoutId id="2147483679" r:id="rId7"/>
+    <p:sldLayoutId id="2147483680" r:id="rId8"/>
+    <p:sldLayoutId id="2147483681" r:id="rId9"/>
+    <p:sldLayoutId id="2147483682" r:id="rId10"/>
+    <p:sldLayoutId id="2147483683" r:id="rId11"/>
+    <p:sldLayoutId id="2147483684" r:id="rId12"/>
+    <p:sldLayoutId id="2147483685" r:id="rId13"/>
+    <p:sldLayoutId id="2147483686" r:id="rId14"/>
   </p:sldLayoutIdLst>
 </p:sldMaster>
 </file>
@@ -7857,14 +5139,14 @@
       </p:grpSpPr>
       <p:sp>
         <p:nvSpPr>
-          <p:cNvPr id="166" name="CustomShape 1"/>
+          <p:cNvPr id="122" name="CustomShape 1"/>
           <p:cNvSpPr/>
           <p:nvPr/>
         </p:nvSpPr>
         <p:spPr>
           <a:xfrm>
             <a:off x="7920" y="1680120"/>
-            <a:ext cx="9071280" cy="671040"/>
+            <a:ext cx="9070920" cy="670680"/>
           </a:xfrm>
           <a:prstGeom prst="rect">
             <a:avLst/>
@@ -7898,6 +5180,7 @@
                   <a:srgbClr val="ffffff"/>
                 </a:solidFill>
                 <a:latin typeface="Arial"/>
+                <a:ea typeface="DejaVu Sans"/>
               </a:rPr>
               <a:t>TẠO WEBSITE SO SÁNH GIÁ</a:t>
             </a:r>
@@ -7909,14 +5192,14 @@
       </p:sp>
       <p:sp>
         <p:nvSpPr>
-          <p:cNvPr id="167" name="CustomShape 2"/>
+          <p:cNvPr id="123" name="CustomShape 2"/>
           <p:cNvSpPr/>
           <p:nvPr/>
         </p:nvSpPr>
         <p:spPr>
           <a:xfrm>
             <a:off x="3816000" y="3600000"/>
-            <a:ext cx="5255280" cy="594360"/>
+            <a:ext cx="5254920" cy="594000"/>
           </a:xfrm>
           <a:prstGeom prst="rect">
             <a:avLst/>
@@ -7944,7 +5227,11 @@
             </a:pPr>
             <a:r>
               <a:rPr b="0" lang="en-US" sz="2400" spc="-1" strike="noStrike">
+                <a:solidFill>
+                  <a:srgbClr val="000000"/>
+                </a:solidFill>
                 <a:latin typeface="Arial"/>
+                <a:ea typeface="DejaVu Sans"/>
               </a:rPr>
               <a:t>Thương mại điện tử – IS334.J21</a:t>
             </a:r>
@@ -7960,7 +5247,11 @@
             </a:pPr>
             <a:r>
               <a:rPr b="0" lang="en-US" sz="1500" spc="-1" strike="noStrike">
+                <a:solidFill>
+                  <a:srgbClr val="000000"/>
+                </a:solidFill>
                 <a:latin typeface="Arial"/>
+                <a:ea typeface="DejaVu Sans"/>
               </a:rPr>
               <a:t>Giáo viên hướng dẫn: Văn Đức Sơn Hà</a:t>
             </a:r>
@@ -8029,14 +5320,14 @@
       </p:grpSpPr>
       <p:sp>
         <p:nvSpPr>
-          <p:cNvPr id="204" name="CustomShape 1"/>
+          <p:cNvPr id="159" name="CustomShape 1"/>
           <p:cNvSpPr/>
           <p:nvPr/>
         </p:nvSpPr>
         <p:spPr>
           <a:xfrm>
             <a:off x="504000" y="703080"/>
-            <a:ext cx="9071280" cy="671040"/>
+            <a:ext cx="9070920" cy="670680"/>
           </a:xfrm>
           <a:prstGeom prst="rect">
             <a:avLst/>
@@ -8068,8 +5359,9 @@
                   <a:srgbClr val="c7243a"/>
                 </a:solidFill>
                 <a:latin typeface="Arial"/>
+                <a:ea typeface="DejaVu Sans"/>
               </a:rPr>
-              <a:t>KẾT LUÂN - HƯỚNG PHÁT TRIỂN</a:t>
+              <a:t>GIAO DIỆN CHÍNH</a:t>
             </a:r>
             <a:endParaRPr b="0" lang="en-US" sz="4400" spc="-1" strike="noStrike">
               <a:latin typeface="Arial"/>
@@ -8077,246 +5369,29 @@
           </a:p>
         </p:txBody>
       </p:sp>
-      <p:sp>
-        <p:nvSpPr>
-          <p:cNvPr id="205" name="CustomShape 2"/>
-          <p:cNvSpPr/>
+      <p:pic>
+        <p:nvPicPr>
+          <p:cNvPr id="160" name="" descr=""/>
+          <p:cNvPicPr/>
           <p:nvPr/>
-        </p:nvSpPr>
-        <p:spPr>
-          <a:xfrm>
-            <a:off x="1097280" y="2468880"/>
-            <a:ext cx="1920240" cy="2651760"/>
-          </a:xfrm>
-          <a:custGeom>
-            <a:avLst/>
-            <a:gdLst/>
-            <a:ahLst/>
-            <a:rect l="l" t="t" r="r" b="b"/>
-            <a:pathLst>
-              <a:path w="841" h="854">
-                <a:moveTo>
-                  <a:pt x="517" y="247"/>
-                </a:moveTo>
-                <a:lnTo>
-                  <a:pt x="517" y="415"/>
-                </a:lnTo>
-                <a:lnTo>
-                  <a:pt x="264" y="415"/>
-                </a:lnTo>
-                <a:lnTo>
-                  <a:pt x="264" y="0"/>
-                </a:lnTo>
-                <a:lnTo>
-                  <a:pt x="0" y="0"/>
-                </a:lnTo>
-                <a:lnTo>
-                  <a:pt x="0" y="680"/>
-                </a:lnTo>
-                <a:lnTo>
-                  <a:pt x="517" y="680"/>
-                </a:lnTo>
-                <a:lnTo>
-                  <a:pt x="517" y="854"/>
-                </a:lnTo>
-                <a:lnTo>
-                  <a:pt x="841" y="547"/>
-                </a:lnTo>
-                <a:lnTo>
-                  <a:pt x="517" y="247"/>
-                </a:lnTo>
-                <a:close/>
-              </a:path>
-            </a:pathLst>
-          </a:custGeom>
-          <a:solidFill>
-            <a:srgbClr val="729fcf"/>
-          </a:solidFill>
-          <a:ln>
-            <a:solidFill>
-              <a:srgbClr val="3465a4"/>
-            </a:solidFill>
-          </a:ln>
-        </p:spPr>
-        <p:style>
-          <a:lnRef idx="0"/>
-          <a:fillRef idx="0"/>
-          <a:effectRef idx="0"/>
-          <a:fontRef idx="minor"/>
-        </p:style>
-      </p:sp>
-      <p:sp>
-        <p:nvSpPr>
-          <p:cNvPr id="206" name="Line 3"/>
-          <p:cNvSpPr/>
-          <p:nvPr/>
-        </p:nvSpPr>
-        <p:spPr>
-          <a:xfrm>
-            <a:off x="1097280" y="2377440"/>
-            <a:ext cx="6766560" cy="0"/>
-          </a:xfrm>
-          <a:prstGeom prst="line">
-            <a:avLst/>
-          </a:prstGeom>
-          <a:ln>
-            <a:solidFill>
-              <a:srgbClr val="000000"/>
-            </a:solidFill>
-          </a:ln>
-        </p:spPr>
-        <p:style>
-          <a:lnRef idx="0"/>
-          <a:fillRef idx="0"/>
-          <a:effectRef idx="0"/>
-          <a:fontRef idx="minor"/>
-        </p:style>
-      </p:sp>
-      <p:sp>
-        <p:nvSpPr>
-          <p:cNvPr id="207" name="TextShape 4"/>
-          <p:cNvSpPr txBox="1"/>
-          <p:nvPr/>
-        </p:nvSpPr>
-        <p:spPr>
-          <a:xfrm>
-            <a:off x="1005840" y="1775160"/>
-            <a:ext cx="6675120" cy="602280"/>
-          </a:xfrm>
-          <a:prstGeom prst="rect">
-            <a:avLst/>
-          </a:prstGeom>
-          <a:noFill/>
+        </p:nvPicPr>
+        <p:blipFill>
+          <a:blip r:embed="rId1"/>
+          <a:stretch/>
+        </p:blipFill>
+        <p:spPr>
+          <a:xfrm>
+            <a:off x="1737360" y="1679040"/>
+            <a:ext cx="6162120" cy="3350160"/>
+          </a:xfrm>
+          <a:prstGeom prst="rect">
+            <a:avLst/>
+          </a:prstGeom>
           <a:ln>
             <a:noFill/>
           </a:ln>
         </p:spPr>
-        <p:txBody>
-          <a:bodyPr lIns="90000" rIns="90000" tIns="45000" bIns="45000">
-            <a:spAutoFit/>
-          </a:bodyPr>
-          <a:p>
-            <a:r>
-              <a:rPr b="0" lang="en-US" sz="1800" spc="-1" strike="noStrike">
-                <a:latin typeface="Arial"/>
-              </a:rPr>
-              <a:t>Thành công trong thực hiện một website so sánh giá cơ bản quy mô nhỏ</a:t>
-            </a:r>
-            <a:endParaRPr b="0" lang="en-US" sz="1800" spc="-1" strike="noStrike">
-              <a:latin typeface="Arial"/>
-            </a:endParaRPr>
-          </a:p>
-        </p:txBody>
-      </p:sp>
-      <p:sp>
-        <p:nvSpPr>
-          <p:cNvPr id="208" name="Line 5"/>
-          <p:cNvSpPr/>
-          <p:nvPr/>
-        </p:nvSpPr>
-        <p:spPr>
-          <a:xfrm>
-            <a:off x="3474720" y="2743200"/>
-            <a:ext cx="0" cy="2286000"/>
-          </a:xfrm>
-          <a:prstGeom prst="line">
-            <a:avLst/>
-          </a:prstGeom>
-          <a:ln>
-            <a:solidFill>
-              <a:srgbClr val="000000"/>
-            </a:solidFill>
-          </a:ln>
-        </p:spPr>
-        <p:style>
-          <a:lnRef idx="0"/>
-          <a:fillRef idx="0"/>
-          <a:effectRef idx="0"/>
-          <a:fontRef idx="minor"/>
-        </p:style>
-      </p:sp>
-      <p:sp>
-        <p:nvSpPr>
-          <p:cNvPr id="209" name="TextShape 6"/>
-          <p:cNvSpPr txBox="1"/>
-          <p:nvPr/>
-        </p:nvSpPr>
-        <p:spPr>
-          <a:xfrm>
-            <a:off x="3657600" y="2834640"/>
-            <a:ext cx="4572000" cy="2138040"/>
-          </a:xfrm>
-          <a:prstGeom prst="rect">
-            <a:avLst/>
-          </a:prstGeom>
-          <a:noFill/>
-          <a:ln>
-            <a:noFill/>
-          </a:ln>
-        </p:spPr>
-        <p:txBody>
-          <a:bodyPr lIns="90000" rIns="90000" tIns="45000" bIns="45000">
-            <a:spAutoFit/>
-          </a:bodyPr>
-          <a:p>
-            <a:pPr marL="216000" indent="-216000">
-              <a:buClr>
-                <a:srgbClr val="000000"/>
-              </a:buClr>
-              <a:buSzPct val="45000"/>
-              <a:buFont typeface="Wingdings" charset="2"/>
-              <a:buChar char=""/>
-            </a:pPr>
-            <a:r>
-              <a:rPr b="0" lang="en-US" sz="1800" spc="-1" strike="noStrike">
-                <a:latin typeface="Arial"/>
-              </a:rPr>
-              <a:t>Xây dựng quy mô nhóm mặt hàng rộng lớn</a:t>
-            </a:r>
-            <a:endParaRPr b="0" lang="en-US" sz="1800" spc="-1" strike="noStrike">
-              <a:latin typeface="Arial"/>
-            </a:endParaRPr>
-          </a:p>
-          <a:p>
-            <a:pPr marL="216000" indent="-216000">
-              <a:buClr>
-                <a:srgbClr val="000000"/>
-              </a:buClr>
-              <a:buSzPct val="45000"/>
-              <a:buFont typeface="Wingdings" charset="2"/>
-              <a:buChar char=""/>
-            </a:pPr>
-            <a:r>
-              <a:rPr b="0" lang="en-US" sz="1800" spc="-1" strike="noStrike">
-                <a:latin typeface="Arial"/>
-              </a:rPr>
-              <a:t>Đẩy mạnh liên kết nơi bán, xây dựng thương hiệu như một kênh giới thiệu chất lượng, uy tín</a:t>
-            </a:r>
-            <a:endParaRPr b="0" lang="en-US" sz="1800" spc="-1" strike="noStrike">
-              <a:latin typeface="Arial"/>
-            </a:endParaRPr>
-          </a:p>
-          <a:p>
-            <a:pPr marL="216000" indent="-216000">
-              <a:buClr>
-                <a:srgbClr val="000000"/>
-              </a:buClr>
-              <a:buSzPct val="45000"/>
-              <a:buFont typeface="Wingdings" charset="2"/>
-              <a:buChar char=""/>
-            </a:pPr>
-            <a:r>
-              <a:rPr b="0" lang="en-US" sz="1800" spc="-1" strike="noStrike">
-                <a:latin typeface="Arial"/>
-              </a:rPr>
-              <a:t>Tích hợp thu thập thông tin, thói quen mua hàng xây dựng tính năng gợi ý bằng ML, AI</a:t>
-            </a:r>
-            <a:endParaRPr b="0" lang="en-US" sz="1800" spc="-1" strike="noStrike">
-              <a:latin typeface="Arial"/>
-            </a:endParaRPr>
-          </a:p>
-        </p:txBody>
-      </p:sp>
+      </p:pic>
     </p:spTree>
   </p:cSld>
   <mc:AlternateContent>
@@ -8376,14 +5451,14 @@
       </p:grpSpPr>
       <p:sp>
         <p:nvSpPr>
-          <p:cNvPr id="210" name="CustomShape 1"/>
+          <p:cNvPr id="161" name="CustomShape 1"/>
           <p:cNvSpPr/>
           <p:nvPr/>
         </p:nvSpPr>
         <p:spPr>
           <a:xfrm>
-            <a:off x="504000" y="565560"/>
-            <a:ext cx="9071280" cy="946080"/>
+            <a:off x="504000" y="703080"/>
+            <a:ext cx="9070920" cy="670680"/>
           </a:xfrm>
           <a:prstGeom prst="rect">
             <a:avLst/>
@@ -8399,17 +5474,158 @@
           <a:effectRef idx="0"/>
           <a:fontRef idx="minor"/>
         </p:style>
-      </p:sp>
-      <p:sp>
-        <p:nvSpPr>
-          <p:cNvPr id="211" name="TextShape 2"/>
-          <p:cNvSpPr txBox="1"/>
+        <p:txBody>
+          <a:bodyPr lIns="0" rIns="0" tIns="0" bIns="0" anchor="ctr">
+            <a:spAutoFit/>
+          </a:bodyPr>
+          <a:p>
+            <a:pPr>
+              <a:lnSpc>
+                <a:spcPct val="100000"/>
+              </a:lnSpc>
+            </a:pPr>
+            <a:r>
+              <a:rPr b="0" lang="en-US" sz="4400" spc="-1" strike="noStrike">
+                <a:solidFill>
+                  <a:srgbClr val="c7243a"/>
+                </a:solidFill>
+                <a:latin typeface="Arial"/>
+                <a:ea typeface="DejaVu Sans"/>
+              </a:rPr>
+              <a:t>DEMO TÍNH NĂNG</a:t>
+            </a:r>
+            <a:endParaRPr b="0" lang="en-US" sz="4400" spc="-1" strike="noStrike">
+              <a:latin typeface="Arial"/>
+            </a:endParaRPr>
+          </a:p>
+        </p:txBody>
+      </p:sp>
+      <p:sp>
+        <p:nvSpPr>
+          <p:cNvPr id="162" name="CustomShape 2"/>
+          <p:cNvSpPr/>
           <p:nvPr/>
         </p:nvSpPr>
         <p:spPr>
           <a:xfrm>
-            <a:off x="1371600" y="2517480"/>
-            <a:ext cx="7498080" cy="774360"/>
+            <a:off x="1828800" y="2560320"/>
+            <a:ext cx="1462680" cy="548280"/>
+          </a:xfrm>
+          <a:custGeom>
+            <a:avLst/>
+            <a:gdLst/>
+            <a:ahLst/>
+            <a:rect l="l" t="t" r="r" b="b"/>
+            <a:pathLst>
+              <a:path w="4066" h="1525">
+                <a:moveTo>
+                  <a:pt x="0" y="381"/>
+                </a:moveTo>
+                <a:lnTo>
+                  <a:pt x="3048" y="381"/>
+                </a:lnTo>
+                <a:lnTo>
+                  <a:pt x="3048" y="0"/>
+                </a:lnTo>
+                <a:lnTo>
+                  <a:pt x="4065" y="762"/>
+                </a:lnTo>
+                <a:lnTo>
+                  <a:pt x="3048" y="1524"/>
+                </a:lnTo>
+                <a:lnTo>
+                  <a:pt x="3048" y="1143"/>
+                </a:lnTo>
+                <a:lnTo>
+                  <a:pt x="0" y="1143"/>
+                </a:lnTo>
+                <a:lnTo>
+                  <a:pt x="508" y="762"/>
+                </a:lnTo>
+                <a:lnTo>
+                  <a:pt x="0" y="381"/>
+                </a:lnTo>
+              </a:path>
+            </a:pathLst>
+          </a:custGeom>
+          <a:solidFill>
+            <a:srgbClr val="729fcf"/>
+          </a:solidFill>
+          <a:ln>
+            <a:solidFill>
+              <a:srgbClr val="3465a4"/>
+            </a:solidFill>
+          </a:ln>
+        </p:spPr>
+        <p:style>
+          <a:lnRef idx="0"/>
+          <a:fillRef idx="0"/>
+          <a:effectRef idx="0"/>
+          <a:fontRef idx="minor"/>
+        </p:style>
+        <p:txBody>
+          <a:bodyPr wrap="none" lIns="90000" rIns="90000" tIns="45000" bIns="45000" anchor="ctr">
+            <a:noAutofit/>
+          </a:bodyPr>
+          <a:p>
+            <a:pPr algn="ctr">
+              <a:lnSpc>
+                <a:spcPct val="100000"/>
+              </a:lnSpc>
+            </a:pPr>
+            <a:r>
+              <a:rPr b="0" lang="en-US" sz="1800" spc="-1" strike="noStrike">
+                <a:solidFill>
+                  <a:srgbClr val="000000"/>
+                </a:solidFill>
+                <a:latin typeface="Arial"/>
+                <a:ea typeface="DejaVu Sans"/>
+              </a:rPr>
+              <a:t>Link:</a:t>
+            </a:r>
+            <a:endParaRPr b="0" lang="en-US" sz="1800" spc="-1" strike="noStrike">
+              <a:latin typeface="Arial"/>
+            </a:endParaRPr>
+          </a:p>
+        </p:txBody>
+      </p:sp>
+      <p:sp>
+        <p:nvSpPr>
+          <p:cNvPr id="163" name="Line 3"/>
+          <p:cNvSpPr/>
+          <p:nvPr/>
+        </p:nvSpPr>
+        <p:spPr>
+          <a:xfrm>
+            <a:off x="3749040" y="3017520"/>
+            <a:ext cx="3657600" cy="360"/>
+          </a:xfrm>
+          <a:prstGeom prst="line">
+            <a:avLst/>
+          </a:prstGeom>
+          <a:ln>
+            <a:solidFill>
+              <a:srgbClr val="000000"/>
+            </a:solidFill>
+          </a:ln>
+        </p:spPr>
+        <p:style>
+          <a:lnRef idx="0"/>
+          <a:fillRef idx="0"/>
+          <a:effectRef idx="0"/>
+          <a:fontRef idx="minor"/>
+        </p:style>
+      </p:sp>
+      <p:sp>
+        <p:nvSpPr>
+          <p:cNvPr id="164" name="CustomShape 4"/>
+          <p:cNvSpPr/>
+          <p:nvPr/>
+        </p:nvSpPr>
+        <p:spPr>
+          <a:xfrm>
+            <a:off x="3749040" y="2530800"/>
+            <a:ext cx="5028840" cy="516240"/>
           </a:xfrm>
           <a:prstGeom prst="rect">
             <a:avLst/>
@@ -8419,55 +5635,30 @@
             <a:noFill/>
           </a:ln>
         </p:spPr>
+        <p:style>
+          <a:lnRef idx="0"/>
+          <a:fillRef idx="0"/>
+          <a:effectRef idx="0"/>
+          <a:fontRef idx="minor"/>
+        </p:style>
         <p:txBody>
           <a:bodyPr lIns="90000" rIns="90000" tIns="45000" bIns="45000">
             <a:spAutoFit/>
           </a:bodyPr>
           <a:p>
+            <a:pPr>
+              <a:lnSpc>
+                <a:spcPct val="100000"/>
+              </a:lnSpc>
+            </a:pPr>
             <a:r>
-              <a:rPr b="0" lang="en-US" sz="4800" spc="-1" strike="noStrike">
+              <a:rPr b="0" lang="en-US" sz="2800" spc="-1" strike="noStrike">
                 <a:latin typeface="Arial"/>
               </a:rPr>
-              <a:t>CHÂN THÀNH CẢM ƠN </a:t>
+              <a:t>sosanh.ga</a:t>
             </a:r>
-            <a:endParaRPr b="0" lang="en-US" sz="4800" spc="-1" strike="noStrike">
-              <a:latin typeface="Arial"/>
-            </a:endParaRPr>
-          </a:p>
-        </p:txBody>
-      </p:sp>
-      <p:sp>
-        <p:nvSpPr>
-          <p:cNvPr id="212" name="TextShape 3"/>
-          <p:cNvSpPr txBox="1"/>
-          <p:nvPr/>
-        </p:nvSpPr>
-        <p:spPr>
-          <a:xfrm>
-            <a:off x="3931920" y="3506400"/>
-            <a:ext cx="1645920" cy="699840"/>
-          </a:xfrm>
-          <a:prstGeom prst="rect">
-            <a:avLst/>
-          </a:prstGeom>
-          <a:noFill/>
-          <a:ln>
-            <a:noFill/>
-          </a:ln>
-        </p:spPr>
-        <p:txBody>
-          <a:bodyPr lIns="90000" rIns="90000" tIns="45000" bIns="45000">
-            <a:spAutoFit/>
-          </a:bodyPr>
-          <a:p>
-            <a:r>
-              <a:rPr b="0" lang="en-US" sz="4800" spc="-1" strike="noStrike">
-                <a:latin typeface="URW Bookman"/>
-              </a:rPr>
-              <a:t>Q&amp;A</a:t>
-            </a:r>
-            <a:endParaRPr b="0" lang="en-US" sz="4800" spc="-1" strike="noStrike">
-              <a:latin typeface="URW Bookman"/>
+            <a:endParaRPr b="0" lang="en-US" sz="2800" spc="-1" strike="noStrike">
+              <a:latin typeface="Arial"/>
             </a:endParaRPr>
           </a:p>
         </p:txBody>
@@ -8512,6 +5703,557 @@
 </p:sld>
 </file>
 
+<file path=ppt/slides/slide12.xml><?xml version="1.0" encoding="utf-8"?>
+<p:sld xmlns:a="http://schemas.openxmlformats.org/drawingml/2006/main" xmlns:p="http://schemas.openxmlformats.org/presentationml/2006/main" xmlns:r="http://schemas.openxmlformats.org/officeDocument/2006/relationships" xmlns:p14="http://schemas.microsoft.com/office/powerpoint/2010/main" xmlns:p15="http://schemas.microsoft.com/office/powerpoint/2012/main" xmlns:mc="http://schemas.openxmlformats.org/markup-compatibility/2006">
+  <p:cSld>
+    <p:spTree>
+      <p:nvGrpSpPr>
+        <p:cNvPr id="1" name=""/>
+        <p:cNvGrpSpPr/>
+        <p:nvPr/>
+      </p:nvGrpSpPr>
+      <p:grpSpPr>
+        <a:xfrm>
+          <a:off x="0" y="0"/>
+          <a:ext cx="0" cy="0"/>
+          <a:chOff x="0" y="0"/>
+          <a:chExt cx="0" cy="0"/>
+        </a:xfrm>
+      </p:grpSpPr>
+      <p:sp>
+        <p:nvSpPr>
+          <p:cNvPr id="165" name="CustomShape 1"/>
+          <p:cNvSpPr/>
+          <p:nvPr/>
+        </p:nvSpPr>
+        <p:spPr>
+          <a:xfrm>
+            <a:off x="504000" y="703080"/>
+            <a:ext cx="9070920" cy="670680"/>
+          </a:xfrm>
+          <a:prstGeom prst="rect">
+            <a:avLst/>
+          </a:prstGeom>
+          <a:noFill/>
+          <a:ln>
+            <a:noFill/>
+          </a:ln>
+        </p:spPr>
+        <p:style>
+          <a:lnRef idx="0"/>
+          <a:fillRef idx="0"/>
+          <a:effectRef idx="0"/>
+          <a:fontRef idx="minor"/>
+        </p:style>
+        <p:txBody>
+          <a:bodyPr lIns="0" rIns="0" tIns="0" bIns="0" anchor="ctr">
+            <a:spAutoFit/>
+          </a:bodyPr>
+          <a:p>
+            <a:pPr>
+              <a:lnSpc>
+                <a:spcPct val="100000"/>
+              </a:lnSpc>
+            </a:pPr>
+            <a:r>
+              <a:rPr b="0" lang="en-US" sz="4400" spc="-1" strike="noStrike">
+                <a:solidFill>
+                  <a:srgbClr val="c7243a"/>
+                </a:solidFill>
+                <a:latin typeface="Arial"/>
+                <a:ea typeface="DejaVu Sans"/>
+              </a:rPr>
+              <a:t>KẾT LUÂN - HƯỚNG PHÁT TRIỂN</a:t>
+            </a:r>
+            <a:endParaRPr b="0" lang="en-US" sz="4400" spc="-1" strike="noStrike">
+              <a:latin typeface="Arial"/>
+            </a:endParaRPr>
+          </a:p>
+        </p:txBody>
+      </p:sp>
+      <p:sp>
+        <p:nvSpPr>
+          <p:cNvPr id="166" name="CustomShape 2"/>
+          <p:cNvSpPr/>
+          <p:nvPr/>
+        </p:nvSpPr>
+        <p:spPr>
+          <a:xfrm>
+            <a:off x="1097280" y="2468880"/>
+            <a:ext cx="1919880" cy="2651400"/>
+          </a:xfrm>
+          <a:custGeom>
+            <a:avLst/>
+            <a:gdLst/>
+            <a:ahLst/>
+            <a:rect l="l" t="t" r="r" b="b"/>
+            <a:pathLst>
+              <a:path w="841" h="854">
+                <a:moveTo>
+                  <a:pt x="517" y="247"/>
+                </a:moveTo>
+                <a:lnTo>
+                  <a:pt x="517" y="415"/>
+                </a:lnTo>
+                <a:lnTo>
+                  <a:pt x="264" y="415"/>
+                </a:lnTo>
+                <a:lnTo>
+                  <a:pt x="264" y="0"/>
+                </a:lnTo>
+                <a:lnTo>
+                  <a:pt x="0" y="0"/>
+                </a:lnTo>
+                <a:lnTo>
+                  <a:pt x="0" y="680"/>
+                </a:lnTo>
+                <a:lnTo>
+                  <a:pt x="517" y="680"/>
+                </a:lnTo>
+                <a:lnTo>
+                  <a:pt x="517" y="854"/>
+                </a:lnTo>
+                <a:lnTo>
+                  <a:pt x="841" y="547"/>
+                </a:lnTo>
+                <a:lnTo>
+                  <a:pt x="517" y="247"/>
+                </a:lnTo>
+                <a:close/>
+              </a:path>
+            </a:pathLst>
+          </a:custGeom>
+          <a:solidFill>
+            <a:srgbClr val="729fcf"/>
+          </a:solidFill>
+          <a:ln>
+            <a:solidFill>
+              <a:srgbClr val="3465a4"/>
+            </a:solidFill>
+          </a:ln>
+        </p:spPr>
+        <p:style>
+          <a:lnRef idx="0"/>
+          <a:fillRef idx="0"/>
+          <a:effectRef idx="0"/>
+          <a:fontRef idx="minor"/>
+        </p:style>
+      </p:sp>
+      <p:sp>
+        <p:nvSpPr>
+          <p:cNvPr id="167" name="Line 3"/>
+          <p:cNvSpPr/>
+          <p:nvPr/>
+        </p:nvSpPr>
+        <p:spPr>
+          <a:xfrm>
+            <a:off x="1097280" y="2377440"/>
+            <a:ext cx="6766560" cy="360"/>
+          </a:xfrm>
+          <a:prstGeom prst="line">
+            <a:avLst/>
+          </a:prstGeom>
+          <a:ln>
+            <a:solidFill>
+              <a:srgbClr val="000000"/>
+            </a:solidFill>
+          </a:ln>
+        </p:spPr>
+        <p:style>
+          <a:lnRef idx="0"/>
+          <a:fillRef idx="0"/>
+          <a:effectRef idx="0"/>
+          <a:fontRef idx="minor"/>
+        </p:style>
+      </p:sp>
+      <p:sp>
+        <p:nvSpPr>
+          <p:cNvPr id="168" name="CustomShape 4"/>
+          <p:cNvSpPr/>
+          <p:nvPr/>
+        </p:nvSpPr>
+        <p:spPr>
+          <a:xfrm>
+            <a:off x="1005840" y="1775160"/>
+            <a:ext cx="6674760" cy="638280"/>
+          </a:xfrm>
+          <a:prstGeom prst="rect">
+            <a:avLst/>
+          </a:prstGeom>
+          <a:noFill/>
+          <a:ln>
+            <a:noFill/>
+          </a:ln>
+        </p:spPr>
+        <p:style>
+          <a:lnRef idx="0"/>
+          <a:fillRef idx="0"/>
+          <a:effectRef idx="0"/>
+          <a:fontRef idx="minor"/>
+        </p:style>
+        <p:txBody>
+          <a:bodyPr lIns="90000" rIns="90000" tIns="45000" bIns="45000">
+            <a:spAutoFit/>
+          </a:bodyPr>
+          <a:p>
+            <a:pPr>
+              <a:lnSpc>
+                <a:spcPct val="100000"/>
+              </a:lnSpc>
+            </a:pPr>
+            <a:r>
+              <a:rPr b="0" lang="en-US" sz="1800" spc="-1" strike="noStrike">
+                <a:latin typeface="Arial"/>
+              </a:rPr>
+              <a:t>Thành công trong thực hiện một website so sánh giá cơ bản quy mô nhỏ</a:t>
+            </a:r>
+            <a:endParaRPr b="0" lang="en-US" sz="1800" spc="-1" strike="noStrike">
+              <a:latin typeface="Arial"/>
+            </a:endParaRPr>
+          </a:p>
+        </p:txBody>
+      </p:sp>
+      <p:sp>
+        <p:nvSpPr>
+          <p:cNvPr id="169" name="Line 5"/>
+          <p:cNvSpPr/>
+          <p:nvPr/>
+        </p:nvSpPr>
+        <p:spPr>
+          <a:xfrm>
+            <a:off x="3474720" y="2743200"/>
+            <a:ext cx="360" cy="2286000"/>
+          </a:xfrm>
+          <a:prstGeom prst="line">
+            <a:avLst/>
+          </a:prstGeom>
+          <a:ln>
+            <a:solidFill>
+              <a:srgbClr val="000000"/>
+            </a:solidFill>
+          </a:ln>
+        </p:spPr>
+        <p:style>
+          <a:lnRef idx="0"/>
+          <a:fillRef idx="0"/>
+          <a:effectRef idx="0"/>
+          <a:fontRef idx="minor"/>
+        </p:style>
+      </p:sp>
+      <p:sp>
+        <p:nvSpPr>
+          <p:cNvPr id="170" name="CustomShape 6"/>
+          <p:cNvSpPr/>
+          <p:nvPr/>
+        </p:nvSpPr>
+        <p:spPr>
+          <a:xfrm>
+            <a:off x="3657600" y="2834640"/>
+            <a:ext cx="4571640" cy="2284200"/>
+          </a:xfrm>
+          <a:prstGeom prst="rect">
+            <a:avLst/>
+          </a:prstGeom>
+          <a:noFill/>
+          <a:ln>
+            <a:noFill/>
+          </a:ln>
+        </p:spPr>
+        <p:style>
+          <a:lnRef idx="0"/>
+          <a:fillRef idx="0"/>
+          <a:effectRef idx="0"/>
+          <a:fontRef idx="minor"/>
+        </p:style>
+        <p:txBody>
+          <a:bodyPr lIns="90000" rIns="90000" tIns="45000" bIns="45000">
+            <a:spAutoFit/>
+          </a:bodyPr>
+          <a:p>
+            <a:pPr marL="216000" indent="-215640">
+              <a:lnSpc>
+                <a:spcPct val="100000"/>
+              </a:lnSpc>
+              <a:buClr>
+                <a:srgbClr val="000000"/>
+              </a:buClr>
+              <a:buSzPct val="45000"/>
+              <a:buFont typeface="Wingdings" charset="2"/>
+              <a:buChar char=""/>
+            </a:pPr>
+            <a:r>
+              <a:rPr b="0" lang="en-US" sz="1800" spc="-1" strike="noStrike">
+                <a:latin typeface="Arial"/>
+              </a:rPr>
+              <a:t>Xây dựng quy mô nhóm mặt hàng rộng lớn</a:t>
+            </a:r>
+            <a:endParaRPr b="0" lang="en-US" sz="1800" spc="-1" strike="noStrike">
+              <a:latin typeface="Arial"/>
+            </a:endParaRPr>
+          </a:p>
+          <a:p>
+            <a:pPr marL="216000" indent="-215640">
+              <a:lnSpc>
+                <a:spcPct val="100000"/>
+              </a:lnSpc>
+              <a:buClr>
+                <a:srgbClr val="000000"/>
+              </a:buClr>
+              <a:buSzPct val="45000"/>
+              <a:buFont typeface="Wingdings" charset="2"/>
+              <a:buChar char=""/>
+            </a:pPr>
+            <a:r>
+              <a:rPr b="0" lang="en-US" sz="1800" spc="-1" strike="noStrike">
+                <a:latin typeface="Arial"/>
+              </a:rPr>
+              <a:t>Đẩy mạnh liên kết nơi bán, xây dựng thương hiệu như một kênh giới thiệu chất lượng, uy tín</a:t>
+            </a:r>
+            <a:endParaRPr b="0" lang="en-US" sz="1800" spc="-1" strike="noStrike">
+              <a:latin typeface="Arial"/>
+            </a:endParaRPr>
+          </a:p>
+          <a:p>
+            <a:pPr marL="216000" indent="-215640">
+              <a:lnSpc>
+                <a:spcPct val="100000"/>
+              </a:lnSpc>
+              <a:buClr>
+                <a:srgbClr val="000000"/>
+              </a:buClr>
+              <a:buSzPct val="45000"/>
+              <a:buFont typeface="Wingdings" charset="2"/>
+              <a:buChar char=""/>
+            </a:pPr>
+            <a:r>
+              <a:rPr b="0" lang="en-US" sz="1800" spc="-1" strike="noStrike">
+                <a:latin typeface="Arial"/>
+              </a:rPr>
+              <a:t>Tích hợp thu thập thông tin, thói quen mua hàng xây dựng tính năng gợi ý bằng ML, AI</a:t>
+            </a:r>
+            <a:endParaRPr b="0" lang="en-US" sz="1800" spc="-1" strike="noStrike">
+              <a:latin typeface="Arial"/>
+            </a:endParaRPr>
+          </a:p>
+        </p:txBody>
+      </p:sp>
+    </p:spTree>
+  </p:cSld>
+  <mc:AlternateContent>
+    <mc:Choice Requires="p14">
+      <p:transition spd="slow" p14:dur="2000"/>
+    </mc:Choice>
+    <mc:Fallback>
+      <p:transition spd="slow"/>
+    </mc:Fallback>
+  </mc:AlternateContent>
+  <p:timing>
+    <p:tnLst>
+      <p:par>
+        <p:cTn id="23" dur="indefinite" restart="never" nodeType="tmRoot">
+          <p:childTnLst>
+            <p:seq>
+              <p:cTn id="24" dur="indefinite" nodeType="mainSeq"/>
+              <p:prevCondLst>
+                <p:cond delay="0" evt="onPrev">
+                  <p:tgtEl>
+                    <p:sldTgt/>
+                  </p:tgtEl>
+                </p:cond>
+              </p:prevCondLst>
+              <p:nextCondLst>
+                <p:cond delay="0" evt="onNext">
+                  <p:tgtEl>
+                    <p:sldTgt/>
+                  </p:tgtEl>
+                </p:cond>
+              </p:nextCondLst>
+            </p:seq>
+          </p:childTnLst>
+        </p:cTn>
+      </p:par>
+    </p:tnLst>
+  </p:timing>
+</p:sld>
+</file>
+
+<file path=ppt/slides/slide13.xml><?xml version="1.0" encoding="utf-8"?>
+<p:sld xmlns:a="http://schemas.openxmlformats.org/drawingml/2006/main" xmlns:p="http://schemas.openxmlformats.org/presentationml/2006/main" xmlns:r="http://schemas.openxmlformats.org/officeDocument/2006/relationships" xmlns:p14="http://schemas.microsoft.com/office/powerpoint/2010/main" xmlns:p15="http://schemas.microsoft.com/office/powerpoint/2012/main" xmlns:mc="http://schemas.openxmlformats.org/markup-compatibility/2006">
+  <p:cSld>
+    <p:spTree>
+      <p:nvGrpSpPr>
+        <p:cNvPr id="1" name=""/>
+        <p:cNvGrpSpPr/>
+        <p:nvPr/>
+      </p:nvGrpSpPr>
+      <p:grpSpPr>
+        <a:xfrm>
+          <a:off x="0" y="0"/>
+          <a:ext cx="0" cy="0"/>
+          <a:chOff x="0" y="0"/>
+          <a:chExt cx="0" cy="0"/>
+        </a:xfrm>
+      </p:grpSpPr>
+      <p:sp>
+        <p:nvSpPr>
+          <p:cNvPr id="171" name="CustomShape 1"/>
+          <p:cNvSpPr/>
+          <p:nvPr/>
+        </p:nvSpPr>
+        <p:spPr>
+          <a:xfrm>
+            <a:off x="504000" y="565560"/>
+            <a:ext cx="9070920" cy="945720"/>
+          </a:xfrm>
+          <a:prstGeom prst="rect">
+            <a:avLst/>
+          </a:prstGeom>
+          <a:noFill/>
+          <a:ln>
+            <a:noFill/>
+          </a:ln>
+        </p:spPr>
+        <p:style>
+          <a:lnRef idx="0"/>
+          <a:fillRef idx="0"/>
+          <a:effectRef idx="0"/>
+          <a:fontRef idx="minor"/>
+        </p:style>
+      </p:sp>
+      <p:sp>
+        <p:nvSpPr>
+          <p:cNvPr id="172" name="CustomShape 2"/>
+          <p:cNvSpPr/>
+          <p:nvPr/>
+        </p:nvSpPr>
+        <p:spPr>
+          <a:xfrm>
+            <a:off x="1371600" y="2517480"/>
+            <a:ext cx="7497720" cy="820800"/>
+          </a:xfrm>
+          <a:prstGeom prst="rect">
+            <a:avLst/>
+          </a:prstGeom>
+          <a:noFill/>
+          <a:ln>
+            <a:noFill/>
+          </a:ln>
+        </p:spPr>
+        <p:style>
+          <a:lnRef idx="0"/>
+          <a:fillRef idx="0"/>
+          <a:effectRef idx="0"/>
+          <a:fontRef idx="minor"/>
+        </p:style>
+        <p:txBody>
+          <a:bodyPr lIns="90000" rIns="90000" tIns="45000" bIns="45000">
+            <a:spAutoFit/>
+          </a:bodyPr>
+          <a:p>
+            <a:pPr>
+              <a:lnSpc>
+                <a:spcPct val="100000"/>
+              </a:lnSpc>
+            </a:pPr>
+            <a:r>
+              <a:rPr b="0" lang="en-US" sz="4800" spc="-1" strike="noStrike">
+                <a:latin typeface="Arial"/>
+              </a:rPr>
+              <a:t>CHÂN THÀNH CẢM ƠN </a:t>
+            </a:r>
+            <a:endParaRPr b="0" lang="en-US" sz="4800" spc="-1" strike="noStrike">
+              <a:latin typeface="Arial"/>
+            </a:endParaRPr>
+          </a:p>
+        </p:txBody>
+      </p:sp>
+      <p:sp>
+        <p:nvSpPr>
+          <p:cNvPr id="173" name="CustomShape 3"/>
+          <p:cNvSpPr/>
+          <p:nvPr/>
+        </p:nvSpPr>
+        <p:spPr>
+          <a:xfrm>
+            <a:off x="3931920" y="3506400"/>
+            <a:ext cx="1645560" cy="820800"/>
+          </a:xfrm>
+          <a:prstGeom prst="rect">
+            <a:avLst/>
+          </a:prstGeom>
+          <a:noFill/>
+          <a:ln>
+            <a:noFill/>
+          </a:ln>
+        </p:spPr>
+        <p:style>
+          <a:lnRef idx="0"/>
+          <a:fillRef idx="0"/>
+          <a:effectRef idx="0"/>
+          <a:fontRef idx="minor"/>
+        </p:style>
+        <p:txBody>
+          <a:bodyPr lIns="90000" rIns="90000" tIns="45000" bIns="45000">
+            <a:spAutoFit/>
+          </a:bodyPr>
+          <a:p>
+            <a:pPr>
+              <a:lnSpc>
+                <a:spcPct val="100000"/>
+              </a:lnSpc>
+            </a:pPr>
+            <a:r>
+              <a:rPr b="0" lang="en-US" sz="4800" spc="-1" strike="noStrike">
+                <a:latin typeface="URW Bookman"/>
+              </a:rPr>
+              <a:t>Q&amp;A</a:t>
+            </a:r>
+            <a:endParaRPr b="0" lang="en-US" sz="4800" spc="-1" strike="noStrike">
+              <a:latin typeface="Arial"/>
+            </a:endParaRPr>
+          </a:p>
+        </p:txBody>
+      </p:sp>
+    </p:spTree>
+  </p:cSld>
+  <mc:AlternateContent>
+    <mc:Choice Requires="p14">
+      <p:transition spd="slow" p14:dur="2000"/>
+    </mc:Choice>
+    <mc:Fallback>
+      <p:transition spd="slow"/>
+    </mc:Fallback>
+  </mc:AlternateContent>
+  <p:timing>
+    <p:tnLst>
+      <p:par>
+        <p:cTn id="25" dur="indefinite" restart="never" nodeType="tmRoot">
+          <p:childTnLst>
+            <p:seq>
+              <p:cTn id="26" dur="indefinite" nodeType="mainSeq"/>
+              <p:prevCondLst>
+                <p:cond delay="0" evt="onPrev">
+                  <p:tgtEl>
+                    <p:sldTgt/>
+                  </p:tgtEl>
+                </p:cond>
+              </p:prevCondLst>
+              <p:nextCondLst>
+                <p:cond delay="0" evt="onNext">
+                  <p:tgtEl>
+                    <p:sldTgt/>
+                  </p:tgtEl>
+                </p:cond>
+              </p:nextCondLst>
+            </p:seq>
+          </p:childTnLst>
+        </p:cTn>
+      </p:par>
+    </p:tnLst>
+  </p:timing>
+</p:sld>
+</file>
+
 <file path=ppt/slides/slide2.xml><?xml version="1.0" encoding="utf-8"?>
 <p:sld xmlns:a="http://schemas.openxmlformats.org/drawingml/2006/main" xmlns:p="http://schemas.openxmlformats.org/presentationml/2006/main" xmlns:r="http://schemas.openxmlformats.org/officeDocument/2006/relationships" xmlns:p14="http://schemas.microsoft.com/office/powerpoint/2010/main" xmlns:p15="http://schemas.microsoft.com/office/powerpoint/2012/main" xmlns:mc="http://schemas.openxmlformats.org/markup-compatibility/2006">
   <p:cSld>
@@ -8531,14 +6273,14 @@
       </p:grpSpPr>
       <p:sp>
         <p:nvSpPr>
-          <p:cNvPr id="168" name="CustomShape 1"/>
+          <p:cNvPr id="124" name="CustomShape 1"/>
           <p:cNvSpPr/>
           <p:nvPr/>
         </p:nvSpPr>
         <p:spPr>
           <a:xfrm>
             <a:off x="504000" y="703080"/>
-            <a:ext cx="9071280" cy="671040"/>
+            <a:ext cx="9070920" cy="670680"/>
           </a:xfrm>
           <a:prstGeom prst="rect">
             <a:avLst/>
@@ -8570,6 +6312,7 @@
                   <a:srgbClr val="c7243a"/>
                 </a:solidFill>
                 <a:latin typeface="Arial"/>
+                <a:ea typeface="DejaVu Sans"/>
               </a:rPr>
               <a:t>DANH SÁCH THÀNH VIÊN</a:t>
             </a:r>
@@ -8581,14 +6324,14 @@
       </p:sp>
       <p:sp>
         <p:nvSpPr>
-          <p:cNvPr id="169" name="CustomShape 2"/>
+          <p:cNvPr id="125" name="CustomShape 2"/>
           <p:cNvSpPr/>
           <p:nvPr/>
         </p:nvSpPr>
         <p:spPr>
           <a:xfrm>
             <a:off x="504000" y="1656000"/>
-            <a:ext cx="9071280" cy="3527640"/>
+            <a:ext cx="9070920" cy="3527280"/>
           </a:xfrm>
           <a:prstGeom prst="rect">
             <a:avLst/>
@@ -8609,7 +6352,7 @@
             <a:normAutofit/>
           </a:bodyPr>
           <a:p>
-            <a:pPr marL="432000" indent="-323640">
+            <a:pPr marL="432000" indent="-323280">
               <a:lnSpc>
                 <a:spcPct val="100000"/>
               </a:lnSpc>
@@ -8625,31 +6368,51 @@
             </a:pPr>
             <a:r>
               <a:rPr b="0" lang="en-US" sz="3200" spc="-1" strike="noStrike">
+                <a:solidFill>
+                  <a:srgbClr val="000000"/>
+                </a:solidFill>
                 <a:latin typeface="Arial"/>
+                <a:ea typeface="DejaVu Sans"/>
               </a:rPr>
               <a:t>Bùi Nguyên Mão</a:t>
             </a:r>
             <a:r>
               <a:rPr b="0" lang="en-US" sz="3200" spc="-1" strike="noStrike">
+                <a:solidFill>
+                  <a:srgbClr val="000000"/>
+                </a:solidFill>
                 <a:latin typeface="Arial"/>
+                <a:ea typeface="DejaVu Sans"/>
               </a:rPr>
               <a:t>	</a:t>
             </a:r>
             <a:r>
               <a:rPr b="0" lang="en-US" sz="3200" spc="-1" strike="noStrike">
+                <a:solidFill>
+                  <a:srgbClr val="000000"/>
+                </a:solidFill>
                 <a:latin typeface="Arial"/>
+                <a:ea typeface="DejaVu Sans"/>
               </a:rPr>
               <a:t>	</a:t>
             </a:r>
             <a:r>
               <a:rPr b="0" lang="en-US" sz="3200" spc="-1" strike="noStrike">
+                <a:solidFill>
+                  <a:srgbClr val="000000"/>
+                </a:solidFill>
                 <a:latin typeface="Arial"/>
+                <a:ea typeface="DejaVu Sans"/>
               </a:rPr>
               <a:t>	</a:t>
             </a:r>
             <a:r>
               <a:rPr b="0" lang="en-US" sz="3200" spc="-1" strike="noStrike">
+                <a:solidFill>
+                  <a:srgbClr val="000000"/>
+                </a:solidFill>
                 <a:latin typeface="Arial"/>
+                <a:ea typeface="DejaVu Sans"/>
               </a:rPr>
               <a:t>- 16520724</a:t>
             </a:r>
@@ -8658,7 +6421,7 @@
             </a:endParaRPr>
           </a:p>
           <a:p>
-            <a:pPr marL="432000" indent="-323640">
+            <a:pPr marL="432000" indent="-323280">
               <a:lnSpc>
                 <a:spcPct val="100000"/>
               </a:lnSpc>
@@ -8674,25 +6437,41 @@
             </a:pPr>
             <a:r>
               <a:rPr b="0" lang="en-US" sz="3200" spc="-1" strike="noStrike">
+                <a:solidFill>
+                  <a:srgbClr val="000000"/>
+                </a:solidFill>
                 <a:latin typeface="Arial"/>
+                <a:ea typeface="DejaVu Sans"/>
               </a:rPr>
               <a:t>Bùi Thị Huyền Trân </a:t>
             </a:r>
             <a:r>
               <a:rPr b="0" lang="en-US" sz="3200" spc="-1" strike="noStrike">
+                <a:solidFill>
+                  <a:srgbClr val="000000"/>
+                </a:solidFill>
                 <a:latin typeface="Arial"/>
+                <a:ea typeface="DejaVu Sans"/>
               </a:rPr>
               <a:t>	</a:t>
             </a:r>
             <a:r>
               <a:rPr b="0" lang="en-US" sz="3200" spc="-1" strike="noStrike">
+                <a:solidFill>
+                  <a:srgbClr val="000000"/>
+                </a:solidFill>
                 <a:latin typeface="Arial"/>
+                <a:ea typeface="DejaVu Sans"/>
               </a:rPr>
               <a:t>	</a:t>
             </a:r>
             <a:r>
               <a:rPr b="0" lang="en-US" sz="3200" spc="-1" strike="noStrike">
+                <a:solidFill>
+                  <a:srgbClr val="000000"/>
+                </a:solidFill>
                 <a:latin typeface="Arial"/>
+                <a:ea typeface="DejaVu Sans"/>
               </a:rPr>
               <a:t>- 16521275</a:t>
             </a:r>
@@ -8701,7 +6480,7 @@
             </a:endParaRPr>
           </a:p>
           <a:p>
-            <a:pPr marL="432000" indent="-323640">
+            <a:pPr marL="432000" indent="-323280">
               <a:lnSpc>
                 <a:spcPct val="100000"/>
               </a:lnSpc>
@@ -8717,19 +6496,31 @@
             </a:pPr>
             <a:r>
               <a:rPr b="0" lang="en-US" sz="3200" spc="-1" strike="noStrike">
+                <a:solidFill>
+                  <a:srgbClr val="000000"/>
+                </a:solidFill>
                 <a:latin typeface="Arial"/>
+                <a:ea typeface="DejaVu Sans"/>
               </a:rPr>
               <a:t>Nguyễn Thị Kim Yến</a:t>
             </a:r>
             <a:r>
               <a:rPr b="0" lang="en-US" sz="3200" spc="-1" strike="noStrike">
+                <a:solidFill>
+                  <a:srgbClr val="000000"/>
+                </a:solidFill>
                 <a:latin typeface="Arial"/>
+                <a:ea typeface="DejaVu Sans"/>
               </a:rPr>
               <a:t>	</a:t>
             </a:r>
             <a:r>
               <a:rPr b="0" lang="en-US" sz="3200" spc="-1" strike="noStrike">
+                <a:solidFill>
+                  <a:srgbClr val="000000"/>
+                </a:solidFill>
                 <a:latin typeface="Arial"/>
+                <a:ea typeface="DejaVu Sans"/>
               </a:rPr>
               <a:t>- 16521485 </a:t>
             </a:r>
@@ -8798,14 +6589,14 @@
       </p:grpSpPr>
       <p:sp>
         <p:nvSpPr>
-          <p:cNvPr id="170" name="CustomShape 1"/>
+          <p:cNvPr id="126" name="CustomShape 1"/>
           <p:cNvSpPr/>
           <p:nvPr/>
         </p:nvSpPr>
         <p:spPr>
           <a:xfrm>
             <a:off x="504000" y="703080"/>
-            <a:ext cx="9071280" cy="671040"/>
+            <a:ext cx="9070920" cy="670680"/>
           </a:xfrm>
           <a:prstGeom prst="rect">
             <a:avLst/>
@@ -8837,6 +6628,7 @@
                   <a:srgbClr val="c7243a"/>
                 </a:solidFill>
                 <a:latin typeface="Arial"/>
+                <a:ea typeface="DejaVu Sans"/>
               </a:rPr>
               <a:t>NỘI DUNG TRÌNH BÀY</a:t>
             </a:r>
@@ -8850,14 +6642,14 @@
         <mc:Choice xmlns:a14="http://schemas.microsoft.com/office/drawing/2010/main" Requires="a14">
           <p:sp>
             <p:nvSpPr>
-              <p:cNvPr id="171" name="Formula 2"/>
+              <p:cNvPr id="127" name="Formula 2"/>
               <p:cNvSpPr txBox="1"/>
               <p:nvPr/>
             </p:nvSpPr>
             <p:spPr>
               <a:xfrm>
                 <a:off x="4680720" y="2652120"/>
-                <a:ext cx="719280" cy="359280"/>
+                <a:ext cx="718920" cy="358920"/>
               </a:xfrm>
               <a:prstGeom prst="rect">
                 <a:avLst/>
@@ -8877,7 +6669,7 @@
       </mc:AlternateContent>
       <p:sp>
         <p:nvSpPr>
-          <p:cNvPr id="172" name="Line 3"/>
+          <p:cNvPr id="128" name="Line 3"/>
           <p:cNvSpPr/>
           <p:nvPr/>
         </p:nvSpPr>
@@ -8904,14 +6696,14 @@
       </p:sp>
       <p:sp>
         <p:nvSpPr>
-          <p:cNvPr id="173" name="CustomShape 4"/>
+          <p:cNvPr id="129" name="CustomShape 4"/>
           <p:cNvSpPr/>
           <p:nvPr/>
         </p:nvSpPr>
         <p:spPr>
           <a:xfrm>
             <a:off x="1828800" y="1737360"/>
-            <a:ext cx="6217560" cy="364680"/>
+            <a:ext cx="6217200" cy="364320"/>
           </a:xfrm>
           <a:prstGeom prst="rect">
             <a:avLst/>
@@ -8947,6 +6739,7 @@
                   <a:srgbClr val="ffffff"/>
                 </a:solidFill>
                 <a:latin typeface="Arial"/>
+                <a:ea typeface="DejaVu Sans"/>
               </a:rPr>
               <a:t>Giới thiệu đồ án</a:t>
             </a:r>
@@ -8958,14 +6751,14 @@
       </p:sp>
       <p:sp>
         <p:nvSpPr>
-          <p:cNvPr id="174" name="CustomShape 5"/>
+          <p:cNvPr id="130" name="CustomShape 5"/>
           <p:cNvSpPr/>
           <p:nvPr/>
         </p:nvSpPr>
         <p:spPr>
           <a:xfrm>
             <a:off x="1828800" y="2468880"/>
-            <a:ext cx="6217560" cy="364680"/>
+            <a:ext cx="6217200" cy="364320"/>
           </a:xfrm>
           <a:prstGeom prst="rect">
             <a:avLst/>
@@ -9001,6 +6794,7 @@
                   <a:srgbClr val="ffffff"/>
                 </a:solidFill>
                 <a:latin typeface="Arial"/>
+                <a:ea typeface="DejaVu Sans"/>
               </a:rPr>
               <a:t>Phân tích thị trường và các sản phẩm hiện có</a:t>
             </a:r>
@@ -9012,14 +6806,14 @@
       </p:sp>
       <p:sp>
         <p:nvSpPr>
-          <p:cNvPr id="175" name="CustomShape 6"/>
+          <p:cNvPr id="131" name="CustomShape 6"/>
           <p:cNvSpPr/>
           <p:nvPr/>
         </p:nvSpPr>
         <p:spPr>
           <a:xfrm>
             <a:off x="1828800" y="3200400"/>
-            <a:ext cx="6217560" cy="364680"/>
+            <a:ext cx="6217200" cy="364320"/>
           </a:xfrm>
           <a:prstGeom prst="rect">
             <a:avLst/>
@@ -9055,6 +6849,7 @@
                   <a:srgbClr val="ffffff"/>
                 </a:solidFill>
                 <a:latin typeface="Arial"/>
+                <a:ea typeface="DejaVu Sans"/>
               </a:rPr>
               <a:t>Chi tiết sản phẩm thực hiện</a:t>
             </a:r>
@@ -9066,14 +6861,14 @@
       </p:sp>
       <p:sp>
         <p:nvSpPr>
-          <p:cNvPr id="176" name="CustomShape 7"/>
+          <p:cNvPr id="132" name="CustomShape 7"/>
           <p:cNvSpPr/>
           <p:nvPr/>
         </p:nvSpPr>
         <p:spPr>
           <a:xfrm>
             <a:off x="1828800" y="3931920"/>
-            <a:ext cx="6217560" cy="364680"/>
+            <a:ext cx="6217200" cy="364320"/>
           </a:xfrm>
           <a:prstGeom prst="rect">
             <a:avLst/>
@@ -9109,6 +6904,7 @@
                   <a:srgbClr val="ffffff"/>
                 </a:solidFill>
                 <a:latin typeface="Arial"/>
+                <a:ea typeface="DejaVu Sans"/>
               </a:rPr>
               <a:t>Demo các tính năng</a:t>
             </a:r>
@@ -9120,14 +6916,14 @@
       </p:sp>
       <p:sp>
         <p:nvSpPr>
-          <p:cNvPr id="177" name="CustomShape 8"/>
+          <p:cNvPr id="133" name="CustomShape 8"/>
           <p:cNvSpPr/>
           <p:nvPr/>
         </p:nvSpPr>
         <p:spPr>
           <a:xfrm>
             <a:off x="1828800" y="4663440"/>
-            <a:ext cx="6217560" cy="364680"/>
+            <a:ext cx="6217200" cy="364320"/>
           </a:xfrm>
           <a:prstGeom prst="rect">
             <a:avLst/>
@@ -9163,6 +6959,7 @@
                   <a:srgbClr val="ffffff"/>
                 </a:solidFill>
                 <a:latin typeface="Arial"/>
+                <a:ea typeface="DejaVu Sans"/>
               </a:rPr>
               <a:t>Kết luận, đánh giá và hướng phát triển</a:t>
             </a:r>
@@ -9231,14 +7028,14 @@
       </p:grpSpPr>
       <p:sp>
         <p:nvSpPr>
-          <p:cNvPr id="178" name="CustomShape 1"/>
+          <p:cNvPr id="134" name="CustomShape 1"/>
           <p:cNvSpPr/>
           <p:nvPr/>
         </p:nvSpPr>
         <p:spPr>
           <a:xfrm>
             <a:off x="504000" y="703080"/>
-            <a:ext cx="9071280" cy="671040"/>
+            <a:ext cx="9070920" cy="670680"/>
           </a:xfrm>
           <a:prstGeom prst="rect">
             <a:avLst/>
@@ -9270,6 +7067,7 @@
                   <a:srgbClr val="c7243a"/>
                 </a:solidFill>
                 <a:latin typeface="Arial"/>
+                <a:ea typeface="DejaVu Sans"/>
               </a:rPr>
               <a:t>GIỚI THIỆU CHUNG</a:t>
             </a:r>
@@ -9281,14 +7079,14 @@
       </p:sp>
       <p:sp>
         <p:nvSpPr>
-          <p:cNvPr id="179" name="CustomShape 2"/>
+          <p:cNvPr id="135" name="CustomShape 2"/>
           <p:cNvSpPr/>
           <p:nvPr/>
         </p:nvSpPr>
         <p:spPr>
           <a:xfrm>
             <a:off x="504000" y="1656000"/>
-            <a:ext cx="9071280" cy="2958480"/>
+            <a:ext cx="9070920" cy="2958120"/>
           </a:xfrm>
           <a:prstGeom prst="rect">
             <a:avLst/>
@@ -9309,7 +7107,7 @@
             <a:normAutofit fontScale="91000"/>
           </a:bodyPr>
           <a:p>
-            <a:pPr marL="432000" indent="-323640">
+            <a:pPr marL="432000" indent="-323280">
               <a:lnSpc>
                 <a:spcPct val="100000"/>
               </a:lnSpc>
@@ -9325,7 +7123,11 @@
             </a:pPr>
             <a:r>
               <a:rPr b="0" lang="en-US" sz="3200" spc="-1" strike="noStrike">
+                <a:solidFill>
+                  <a:srgbClr val="000000"/>
+                </a:solidFill>
                 <a:latin typeface="Arial"/>
+                <a:ea typeface="DejaVu Sans"/>
               </a:rPr>
               <a:t>Tìm hiểu về công cụ so sánh giá, ứng dụng web crawler.</a:t>
             </a:r>
@@ -9334,7 +7136,7 @@
             </a:endParaRPr>
           </a:p>
           <a:p>
-            <a:pPr marL="432000" indent="-323640">
+            <a:pPr marL="432000" indent="-323280">
               <a:lnSpc>
                 <a:spcPct val="100000"/>
               </a:lnSpc>
@@ -9350,7 +7152,11 @@
             </a:pPr>
             <a:r>
               <a:rPr b="0" lang="en-US" sz="3200" spc="-1" strike="noStrike">
+                <a:solidFill>
+                  <a:srgbClr val="000000"/>
+                </a:solidFill>
                 <a:latin typeface="Arial"/>
+                <a:ea typeface="DejaVu Sans"/>
               </a:rPr>
               <a:t>Tạo ra trang tìm kiếm các sản phẩm ở các trang thế giới di động, viễn thông A và FPT shop.</a:t>
             </a:r>
@@ -9359,7 +7165,7 @@
             </a:endParaRPr>
           </a:p>
           <a:p>
-            <a:pPr marL="432000" indent="-323640">
+            <a:pPr marL="432000" indent="-323280">
               <a:lnSpc>
                 <a:spcPct val="100000"/>
               </a:lnSpc>
@@ -9375,7 +7181,11 @@
             </a:pPr>
             <a:r>
               <a:rPr b="0" lang="en-US" sz="3200" spc="-1" strike="noStrike">
+                <a:solidFill>
+                  <a:srgbClr val="000000"/>
+                </a:solidFill>
                 <a:latin typeface="Arial"/>
+                <a:ea typeface="DejaVu Sans"/>
               </a:rPr>
               <a:t>So sánh giá và đưa ra gợi ý nơi mua hàng.</a:t>
             </a:r>
@@ -9444,14 +7254,14 @@
       </p:grpSpPr>
       <p:sp>
         <p:nvSpPr>
-          <p:cNvPr id="180" name="CustomShape 1"/>
+          <p:cNvPr id="136" name="CustomShape 1"/>
           <p:cNvSpPr/>
           <p:nvPr/>
         </p:nvSpPr>
         <p:spPr>
           <a:xfrm>
             <a:off x="504000" y="703080"/>
-            <a:ext cx="9071280" cy="671040"/>
+            <a:ext cx="9070920" cy="670680"/>
           </a:xfrm>
           <a:prstGeom prst="rect">
             <a:avLst/>
@@ -9483,6 +7293,7 @@
                   <a:srgbClr val="c7243a"/>
                 </a:solidFill>
                 <a:latin typeface="Arial"/>
+                <a:ea typeface="DejaVu Sans"/>
               </a:rPr>
               <a:t>ĐÁNH GIÁ THỊ TRƯỜNG</a:t>
             </a:r>
@@ -9494,14 +7305,14 @@
       </p:sp>
       <p:sp>
         <p:nvSpPr>
-          <p:cNvPr id="181" name="CustomShape 2"/>
+          <p:cNvPr id="137" name="CustomShape 2"/>
           <p:cNvSpPr/>
           <p:nvPr/>
         </p:nvSpPr>
         <p:spPr>
           <a:xfrm>
             <a:off x="504000" y="1656000"/>
-            <a:ext cx="9071280" cy="2958480"/>
+            <a:ext cx="9070920" cy="2958120"/>
           </a:xfrm>
           <a:prstGeom prst="rect">
             <a:avLst/>
@@ -9522,7 +7333,7 @@
             <a:normAutofit fontScale="81000"/>
           </a:bodyPr>
           <a:p>
-            <a:pPr marL="432000" indent="-323640">
+            <a:pPr marL="432000" indent="-323280">
               <a:lnSpc>
                 <a:spcPct val="100000"/>
               </a:lnSpc>
@@ -9538,7 +7349,11 @@
             </a:pPr>
             <a:r>
               <a:rPr b="0" lang="en-US" sz="3200" spc="-1" strike="noStrike">
+                <a:solidFill>
+                  <a:srgbClr val="000000"/>
+                </a:solidFill>
                 <a:latin typeface="Arial"/>
+                <a:ea typeface="DejaVu Sans"/>
               </a:rPr>
               <a:t>Thị trường thế giới, có nhiều sản phẩm so sánh giá tầm cỡ như Google shopping, Yahoo shopping, BizRate,…</a:t>
             </a:r>
@@ -9547,7 +7362,7 @@
             </a:endParaRPr>
           </a:p>
           <a:p>
-            <a:pPr marL="432000" indent="-323640">
+            <a:pPr marL="432000" indent="-323280">
               <a:lnSpc>
                 <a:spcPct val="100000"/>
               </a:lnSpc>
@@ -9563,7 +7378,11 @@
             </a:pPr>
             <a:r>
               <a:rPr b="0" lang="en-US" sz="3200" spc="-1" strike="noStrike">
+                <a:solidFill>
+                  <a:srgbClr val="000000"/>
+                </a:solidFill>
                 <a:latin typeface="Arial"/>
+                <a:ea typeface="DejaVu Sans"/>
               </a:rPr>
               <a:t>Ở Việt Nam, so sánh giá tập trung chủ yếu vào mảng thiết bị công nghệ, gia dụng, sách. Một lượng nhỏ về dịch vụ đi lại, đặt phòng. Chưa có các dịch vụ so sánh về giáo dục, y tế</a:t>
             </a:r>
@@ -9632,14 +7451,14 @@
       </p:grpSpPr>
       <p:sp>
         <p:nvSpPr>
-          <p:cNvPr id="182" name="CustomShape 1"/>
+          <p:cNvPr id="138" name="CustomShape 1"/>
           <p:cNvSpPr/>
           <p:nvPr/>
         </p:nvSpPr>
         <p:spPr>
           <a:xfrm>
             <a:off x="504000" y="703080"/>
-            <a:ext cx="9071280" cy="671040"/>
+            <a:ext cx="9070920" cy="670680"/>
           </a:xfrm>
           <a:prstGeom prst="rect">
             <a:avLst/>
@@ -9671,6 +7490,7 @@
                   <a:srgbClr val="c7243a"/>
                 </a:solidFill>
                 <a:latin typeface="Arial"/>
+                <a:ea typeface="DejaVu Sans"/>
               </a:rPr>
               <a:t>SẢN PHẨM HIỆN CÓ Ở VIỆT NAM</a:t>
             </a:r>
@@ -9682,14 +7502,14 @@
       </p:sp>
       <p:sp>
         <p:nvSpPr>
-          <p:cNvPr id="183" name="CustomShape 2"/>
+          <p:cNvPr id="139" name="CustomShape 2"/>
           <p:cNvSpPr/>
           <p:nvPr/>
         </p:nvSpPr>
         <p:spPr>
           <a:xfrm>
             <a:off x="731520" y="1645920"/>
-            <a:ext cx="1096920" cy="1462680"/>
+            <a:ext cx="1096560" cy="1462320"/>
           </a:xfrm>
           <a:custGeom>
             <a:avLst/>
@@ -9785,14 +7605,14 @@
       </p:sp>
       <p:sp>
         <p:nvSpPr>
-          <p:cNvPr id="184" name="Line 3"/>
+          <p:cNvPr id="140" name="Line 3"/>
           <p:cNvSpPr/>
           <p:nvPr/>
         </p:nvSpPr>
         <p:spPr>
           <a:xfrm>
             <a:off x="2011680" y="2194560"/>
-            <a:ext cx="5303520" cy="0"/>
+            <a:ext cx="5303520" cy="360"/>
           </a:xfrm>
           <a:prstGeom prst="line">
             <a:avLst/>
@@ -9812,14 +7632,14 @@
       </p:sp>
       <p:sp>
         <p:nvSpPr>
-          <p:cNvPr id="185" name="Line 4"/>
+          <p:cNvPr id="141" name="Line 4"/>
           <p:cNvSpPr/>
           <p:nvPr/>
         </p:nvSpPr>
         <p:spPr>
           <a:xfrm>
             <a:off x="2011680" y="2926080"/>
-            <a:ext cx="5303520" cy="0"/>
+            <a:ext cx="5303520" cy="360"/>
           </a:xfrm>
           <a:prstGeom prst="line">
             <a:avLst/>
@@ -9839,14 +7659,14 @@
       </p:sp>
       <p:sp>
         <p:nvSpPr>
-          <p:cNvPr id="186" name="CustomShape 5"/>
+          <p:cNvPr id="142" name="CustomShape 5"/>
           <p:cNvSpPr/>
           <p:nvPr/>
         </p:nvSpPr>
         <p:spPr>
           <a:xfrm>
             <a:off x="2011680" y="1828800"/>
-            <a:ext cx="5028840" cy="363960"/>
+            <a:ext cx="5028480" cy="363960"/>
           </a:xfrm>
           <a:prstGeom prst="rect">
             <a:avLst/>
@@ -9878,6 +7698,7 @@
                   <a:srgbClr val="000000"/>
                 </a:solidFill>
                 <a:latin typeface="Arial"/>
+                <a:ea typeface="DejaVu Sans"/>
               </a:rPr>
               <a:t>Giao diện người dùng thân thiện dễ sử dụng</a:t>
             </a:r>
@@ -9889,14 +7710,14 @@
       </p:sp>
       <p:sp>
         <p:nvSpPr>
-          <p:cNvPr id="187" name="CustomShape 6"/>
+          <p:cNvPr id="143" name="CustomShape 6"/>
           <p:cNvSpPr/>
           <p:nvPr/>
         </p:nvSpPr>
         <p:spPr>
           <a:xfrm>
             <a:off x="2012040" y="2562120"/>
-            <a:ext cx="5028840" cy="363960"/>
+            <a:ext cx="5028480" cy="363960"/>
           </a:xfrm>
           <a:prstGeom prst="rect">
             <a:avLst/>
@@ -9928,6 +7749,7 @@
                   <a:srgbClr val="000000"/>
                 </a:solidFill>
                 <a:latin typeface="Arial"/>
+                <a:ea typeface="DejaVu Sans"/>
               </a:rPr>
               <a:t>Cập nhật giá sản phẩm ở nhiều nguồn</a:t>
             </a:r>
@@ -9939,14 +7761,14 @@
       </p:sp>
       <p:sp>
         <p:nvSpPr>
-          <p:cNvPr id="188" name="CustomShape 7"/>
+          <p:cNvPr id="144" name="CustomShape 7"/>
           <p:cNvSpPr/>
           <p:nvPr/>
         </p:nvSpPr>
         <p:spPr>
           <a:xfrm>
             <a:off x="731520" y="3475080"/>
-            <a:ext cx="1096920" cy="1462680"/>
+            <a:ext cx="1096560" cy="1462320"/>
           </a:xfrm>
           <a:custGeom>
             <a:avLst/>
@@ -10042,14 +7864,14 @@
       </p:sp>
       <p:sp>
         <p:nvSpPr>
-          <p:cNvPr id="189" name="Line 8"/>
+          <p:cNvPr id="145" name="Line 8"/>
           <p:cNvSpPr/>
           <p:nvPr/>
         </p:nvSpPr>
         <p:spPr>
           <a:xfrm>
             <a:off x="2011680" y="3749040"/>
-            <a:ext cx="5303520" cy="0"/>
+            <a:ext cx="5303520" cy="360"/>
           </a:xfrm>
           <a:prstGeom prst="line">
             <a:avLst/>
@@ -10069,14 +7891,14 @@
       </p:sp>
       <p:sp>
         <p:nvSpPr>
-          <p:cNvPr id="190" name="TextShape 9"/>
-          <p:cNvSpPr txBox="1"/>
+          <p:cNvPr id="146" name="CustomShape 9"/>
+          <p:cNvSpPr/>
           <p:nvPr/>
         </p:nvSpPr>
         <p:spPr>
           <a:xfrm>
             <a:off x="2011680" y="3402720"/>
-            <a:ext cx="5303520" cy="346320"/>
+            <a:ext cx="5303160" cy="363960"/>
           </a:xfrm>
           <a:prstGeom prst="rect">
             <a:avLst/>
@@ -10086,11 +7908,22 @@
             <a:noFill/>
           </a:ln>
         </p:spPr>
+        <p:style>
+          <a:lnRef idx="0"/>
+          <a:fillRef idx="0"/>
+          <a:effectRef idx="0"/>
+          <a:fontRef idx="minor"/>
+        </p:style>
         <p:txBody>
           <a:bodyPr lIns="90000" rIns="90000" tIns="45000" bIns="45000">
             <a:spAutoFit/>
           </a:bodyPr>
           <a:p>
+            <a:pPr>
+              <a:lnSpc>
+                <a:spcPct val="100000"/>
+              </a:lnSpc>
+            </a:pPr>
             <a:r>
               <a:rPr b="0" lang="en-US" sz="1800" spc="-1" strike="noStrike">
                 <a:latin typeface="Arial"/>
@@ -10105,14 +7938,14 @@
       </p:sp>
       <p:sp>
         <p:nvSpPr>
-          <p:cNvPr id="191" name="Line 10"/>
+          <p:cNvPr id="147" name="Line 10"/>
           <p:cNvSpPr/>
           <p:nvPr/>
         </p:nvSpPr>
         <p:spPr>
           <a:xfrm>
             <a:off x="2011680" y="4297680"/>
-            <a:ext cx="5303520" cy="0"/>
+            <a:ext cx="5303520" cy="360"/>
           </a:xfrm>
           <a:prstGeom prst="line">
             <a:avLst/>
@@ -10132,14 +7965,14 @@
       </p:sp>
       <p:sp>
         <p:nvSpPr>
-          <p:cNvPr id="192" name="TextShape 11"/>
-          <p:cNvSpPr txBox="1"/>
+          <p:cNvPr id="148" name="CustomShape 11"/>
+          <p:cNvSpPr/>
           <p:nvPr/>
         </p:nvSpPr>
         <p:spPr>
           <a:xfrm>
             <a:off x="2011680" y="3951360"/>
-            <a:ext cx="5212080" cy="346320"/>
+            <a:ext cx="5211720" cy="363960"/>
           </a:xfrm>
           <a:prstGeom prst="rect">
             <a:avLst/>
@@ -10149,11 +7982,22 @@
             <a:noFill/>
           </a:ln>
         </p:spPr>
+        <p:style>
+          <a:lnRef idx="0"/>
+          <a:fillRef idx="0"/>
+          <a:effectRef idx="0"/>
+          <a:fontRef idx="minor"/>
+        </p:style>
         <p:txBody>
           <a:bodyPr lIns="90000" rIns="90000" tIns="45000" bIns="45000">
             <a:spAutoFit/>
           </a:bodyPr>
           <a:p>
+            <a:pPr>
+              <a:lnSpc>
+                <a:spcPct val="100000"/>
+              </a:lnSpc>
+            </a:pPr>
             <a:r>
               <a:rPr b="0" lang="en-US" sz="1800" spc="-1" strike="noStrike">
                 <a:latin typeface="Arial"/>
@@ -10168,14 +8012,14 @@
       </p:sp>
       <p:sp>
         <p:nvSpPr>
-          <p:cNvPr id="193" name="Line 12"/>
+          <p:cNvPr id="149" name="Line 12"/>
           <p:cNvSpPr/>
           <p:nvPr/>
         </p:nvSpPr>
         <p:spPr>
           <a:xfrm>
             <a:off x="2011680" y="4846320"/>
-            <a:ext cx="5303520" cy="0"/>
+            <a:ext cx="5303520" cy="360"/>
           </a:xfrm>
           <a:prstGeom prst="line">
             <a:avLst/>
@@ -10195,14 +8039,14 @@
       </p:sp>
       <p:sp>
         <p:nvSpPr>
-          <p:cNvPr id="194" name="TextShape 13"/>
-          <p:cNvSpPr txBox="1"/>
+          <p:cNvPr id="150" name="CustomShape 13"/>
+          <p:cNvSpPr/>
           <p:nvPr/>
         </p:nvSpPr>
         <p:spPr>
           <a:xfrm>
             <a:off x="2011680" y="4480560"/>
-            <a:ext cx="5577840" cy="602280"/>
+            <a:ext cx="5577480" cy="364680"/>
           </a:xfrm>
           <a:prstGeom prst="rect">
             <a:avLst/>
@@ -10212,11 +8056,22 @@
             <a:noFill/>
           </a:ln>
         </p:spPr>
+        <p:style>
+          <a:lnRef idx="0"/>
+          <a:fillRef idx="0"/>
+          <a:effectRef idx="0"/>
+          <a:fontRef idx="minor"/>
+        </p:style>
         <p:txBody>
           <a:bodyPr lIns="90000" rIns="90000" tIns="45000" bIns="45000">
             <a:spAutoFit/>
           </a:bodyPr>
           <a:p>
+            <a:pPr>
+              <a:lnSpc>
+                <a:spcPct val="100000"/>
+              </a:lnSpc>
+            </a:pPr>
             <a:r>
               <a:rPr b="0" lang="en-US" sz="1800" spc="-1" strike="noStrike">
                 <a:latin typeface="Arial"/>
@@ -10288,14 +8143,14 @@
       </p:grpSpPr>
       <p:sp>
         <p:nvSpPr>
-          <p:cNvPr id="195" name="CustomShape 1"/>
+          <p:cNvPr id="151" name="CustomShape 1"/>
           <p:cNvSpPr/>
           <p:nvPr/>
         </p:nvSpPr>
         <p:spPr>
           <a:xfrm>
             <a:off x="504000" y="703080"/>
-            <a:ext cx="9071280" cy="671040"/>
+            <a:ext cx="9070920" cy="670680"/>
           </a:xfrm>
           <a:prstGeom prst="rect">
             <a:avLst/>
@@ -10327,6 +8182,7 @@
                   <a:srgbClr val="c7243a"/>
                 </a:solidFill>
                 <a:latin typeface="Arial"/>
+                <a:ea typeface="DejaVu Sans"/>
               </a:rPr>
               <a:t>SẢN PHẨM THỰC HIỆN</a:t>
             </a:r>
@@ -10338,20 +8194,20 @@
       </p:sp>
       <p:sp>
         <p:nvSpPr>
-          <p:cNvPr id="196" name="CustomShape 2"/>
+          <p:cNvPr id="152" name="CustomShape 2"/>
           <p:cNvSpPr/>
           <p:nvPr/>
         </p:nvSpPr>
         <p:spPr>
           <a:xfrm>
             <a:off x="1005840" y="1828800"/>
-            <a:ext cx="1188720" cy="2926080"/>
+            <a:ext cx="1188360" cy="2925720"/>
           </a:xfrm>
           <a:custGeom>
             <a:avLst/>
             <a:gdLst/>
             <a:ahLst/>
-            <a:rect l="0" t="0" r="r" b="b"/>
+            <a:rect l="l" t="t" r="r" b="b"/>
             <a:pathLst>
               <a:path w="3304" h="8130">
                 <a:moveTo>
@@ -10395,10 +8251,18 @@
             <a:noAutofit/>
           </a:bodyPr>
           <a:p>
-            <a:pPr algn="ctr"/>
+            <a:pPr algn="ctr">
+              <a:lnSpc>
+                <a:spcPct val="100000"/>
+              </a:lnSpc>
+            </a:pPr>
             <a:r>
               <a:rPr b="0" lang="en-US" sz="1800" spc="-1" strike="noStrike">
+                <a:solidFill>
+                  <a:srgbClr val="000000"/>
+                </a:solidFill>
                 <a:latin typeface="Arial"/>
+                <a:ea typeface="DejaVu Sans"/>
               </a:rPr>
               <a:t>TÍNH </a:t>
             </a:r>
@@ -10407,10 +8271,18 @@
             </a:endParaRPr>
           </a:p>
           <a:p>
-            <a:pPr algn="ctr"/>
+            <a:pPr algn="ctr">
+              <a:lnSpc>
+                <a:spcPct val="100000"/>
+              </a:lnSpc>
+            </a:pPr>
             <a:r>
               <a:rPr b="0" lang="en-US" sz="1800" spc="-1" strike="noStrike">
+                <a:solidFill>
+                  <a:srgbClr val="000000"/>
+                </a:solidFill>
                 <a:latin typeface="Arial"/>
+                <a:ea typeface="DejaVu Sans"/>
               </a:rPr>
               <a:t>NĂNG</a:t>
             </a:r>
@@ -10422,14 +8294,14 @@
       </p:sp>
       <p:sp>
         <p:nvSpPr>
-          <p:cNvPr id="197" name="CustomShape 3"/>
+          <p:cNvPr id="153" name="CustomShape 3"/>
           <p:cNvSpPr/>
           <p:nvPr/>
         </p:nvSpPr>
         <p:spPr>
           <a:xfrm>
             <a:off x="2743200" y="1828800"/>
-            <a:ext cx="5577840" cy="1005840"/>
+            <a:ext cx="5577480" cy="1005480"/>
           </a:xfrm>
           <a:prstGeom prst="flowChartAlternateProcess">
             <a:avLst/>
@@ -10454,24 +8326,20 @@
             <a:noAutofit/>
           </a:bodyPr>
           <a:p>
-            <a:pPr algn="ctr"/>
+            <a:pPr algn="ctr">
+              <a:lnSpc>
+                <a:spcPct val="100000"/>
+              </a:lnSpc>
+            </a:pPr>
             <a:r>
               <a:rPr b="0" lang="en-US" sz="1800" spc="-1" strike="noStrike">
+                <a:solidFill>
+                  <a:srgbClr val="000000"/>
+                </a:solidFill>
                 <a:latin typeface="Arial"/>
+                <a:ea typeface="DejaVu Sans"/>
               </a:rPr>
-              <a:t>Tìm kiếm danh </a:t>
-            </a:r>
-            <a:r>
-              <a:rPr b="0" lang="en-US" sz="1800" spc="-1" strike="noStrike">
-                <a:latin typeface="Arial"/>
-              </a:rPr>
-              <a:t>sách sản phẩm </a:t>
-            </a:r>
-            <a:r>
-              <a:rPr b="0" lang="en-US" sz="1800" spc="-1" strike="noStrike">
-                <a:latin typeface="Arial"/>
-              </a:rPr>
-              <a:t>theo từ khóa</a:t>
+              <a:t>Tìm kiếm danh sách sản phẩm theo từ khóa</a:t>
             </a:r>
             <a:endParaRPr b="0" lang="en-US" sz="1800" spc="-1" strike="noStrike">
               <a:latin typeface="Arial"/>
@@ -10481,14 +8349,14 @@
       </p:sp>
       <p:sp>
         <p:nvSpPr>
-          <p:cNvPr id="198" name="CustomShape 4"/>
+          <p:cNvPr id="154" name="CustomShape 4"/>
           <p:cNvSpPr/>
           <p:nvPr/>
         </p:nvSpPr>
         <p:spPr>
           <a:xfrm>
             <a:off x="2743200" y="3657600"/>
-            <a:ext cx="5577840" cy="1005840"/>
+            <a:ext cx="5577480" cy="1005480"/>
           </a:xfrm>
           <a:prstGeom prst="flowChartAlternateProcess">
             <a:avLst/>
@@ -10513,24 +8381,20 @@
             <a:noAutofit/>
           </a:bodyPr>
           <a:p>
-            <a:pPr algn="ctr"/>
+            <a:pPr algn="ctr">
+              <a:lnSpc>
+                <a:spcPct val="100000"/>
+              </a:lnSpc>
+            </a:pPr>
             <a:r>
               <a:rPr b="0" lang="en-US" sz="1800" spc="-1" strike="noStrike">
+                <a:solidFill>
+                  <a:srgbClr val="000000"/>
+                </a:solidFill>
                 <a:latin typeface="Arial"/>
+                <a:ea typeface="DejaVu Sans"/>
               </a:rPr>
-              <a:t>So sánh giá các </a:t>
-            </a:r>
-            <a:r>
-              <a:rPr b="0" lang="en-US" sz="1800" spc="-1" strike="noStrike">
-                <a:latin typeface="Arial"/>
-              </a:rPr>
-              <a:t>nơi bán và đưa </a:t>
-            </a:r>
-            <a:r>
-              <a:rPr b="0" lang="en-US" sz="1800" spc="-1" strike="noStrike">
-                <a:latin typeface="Arial"/>
-              </a:rPr>
-              <a:t>ra gợi ý giá tốt</a:t>
+              <a:t>So sánh giá các nơi bán và đưa ra gợi ý giá tốt</a:t>
             </a:r>
             <a:endParaRPr b="0" lang="en-US" sz="1800" spc="-1" strike="noStrike">
               <a:latin typeface="Arial"/>
@@ -10597,14 +8461,14 @@
       </p:grpSpPr>
       <p:sp>
         <p:nvSpPr>
-          <p:cNvPr id="199" name="CustomShape 1"/>
+          <p:cNvPr id="155" name="CustomShape 1"/>
           <p:cNvSpPr/>
           <p:nvPr/>
         </p:nvSpPr>
         <p:spPr>
           <a:xfrm>
             <a:off x="504000" y="703080"/>
-            <a:ext cx="9071280" cy="671040"/>
+            <a:ext cx="9070920" cy="670680"/>
           </a:xfrm>
           <a:prstGeom prst="rect">
             <a:avLst/>
@@ -10636,6 +8500,7 @@
                   <a:srgbClr val="c7243a"/>
                 </a:solidFill>
                 <a:latin typeface="Arial"/>
+                <a:ea typeface="DejaVu Sans"/>
               </a:rPr>
               <a:t>GIAO DIỆN CHÍNH</a:t>
             </a:r>
@@ -10645,6 +8510,29 @@
           </a:p>
         </p:txBody>
       </p:sp>
+      <p:pic>
+        <p:nvPicPr>
+          <p:cNvPr id="156" name="" descr=""/>
+          <p:cNvPicPr/>
+          <p:nvPr/>
+        </p:nvPicPr>
+        <p:blipFill>
+          <a:blip r:embed="rId1"/>
+          <a:stretch/>
+        </p:blipFill>
+        <p:spPr>
+          <a:xfrm>
+            <a:off x="1737360" y="1737360"/>
+            <a:ext cx="6005520" cy="3262680"/>
+          </a:xfrm>
+          <a:prstGeom prst="rect">
+            <a:avLst/>
+          </a:prstGeom>
+          <a:ln>
+            <a:noFill/>
+          </a:ln>
+        </p:spPr>
+      </p:pic>
     </p:spTree>
   </p:cSld>
   <mc:AlternateContent>
@@ -10704,14 +8592,14 @@
       </p:grpSpPr>
       <p:sp>
         <p:nvSpPr>
-          <p:cNvPr id="200" name="CustomShape 1"/>
+          <p:cNvPr id="157" name="CustomShape 1"/>
           <p:cNvSpPr/>
           <p:nvPr/>
         </p:nvSpPr>
         <p:spPr>
           <a:xfrm>
             <a:off x="504000" y="703080"/>
-            <a:ext cx="9071280" cy="671040"/>
+            <a:ext cx="9070920" cy="670680"/>
           </a:xfrm>
           <a:prstGeom prst="rect">
             <a:avLst/>
@@ -10743,8 +8631,9 @@
                   <a:srgbClr val="c7243a"/>
                 </a:solidFill>
                 <a:latin typeface="Arial"/>
+                <a:ea typeface="DejaVu Sans"/>
               </a:rPr>
-              <a:t>DEMO TÍNH NĂNG</a:t>
+              <a:t>GIAO DIỆN CHÍNH</a:t>
             </a:r>
             <a:endParaRPr b="0" lang="en-US" sz="4400" spc="-1" strike="noStrike">
               <a:latin typeface="Arial"/>
@@ -10752,150 +8641,29 @@
           </a:p>
         </p:txBody>
       </p:sp>
-      <p:sp>
-        <p:nvSpPr>
-          <p:cNvPr id="201" name="CustomShape 2"/>
-          <p:cNvSpPr/>
+      <p:pic>
+        <p:nvPicPr>
+          <p:cNvPr id="158" name="" descr=""/>
+          <p:cNvPicPr/>
           <p:nvPr/>
-        </p:nvSpPr>
-        <p:spPr>
-          <a:xfrm>
-            <a:off x="1828800" y="2560320"/>
-            <a:ext cx="1463040" cy="548640"/>
-          </a:xfrm>
-          <a:custGeom>
-            <a:avLst/>
-            <a:gdLst/>
-            <a:ahLst/>
-            <a:rect l="0" t="0" r="r" b="b"/>
-            <a:pathLst>
-              <a:path w="4066" h="1525">
-                <a:moveTo>
-                  <a:pt x="0" y="381"/>
-                </a:moveTo>
-                <a:lnTo>
-                  <a:pt x="3048" y="381"/>
-                </a:lnTo>
-                <a:lnTo>
-                  <a:pt x="3048" y="0"/>
-                </a:lnTo>
-                <a:lnTo>
-                  <a:pt x="4065" y="762"/>
-                </a:lnTo>
-                <a:lnTo>
-                  <a:pt x="3048" y="1524"/>
-                </a:lnTo>
-                <a:lnTo>
-                  <a:pt x="3048" y="1143"/>
-                </a:lnTo>
-                <a:lnTo>
-                  <a:pt x="0" y="1143"/>
-                </a:lnTo>
-                <a:lnTo>
-                  <a:pt x="508" y="762"/>
-                </a:lnTo>
-                <a:lnTo>
-                  <a:pt x="0" y="381"/>
-                </a:lnTo>
-              </a:path>
-            </a:pathLst>
-          </a:custGeom>
-          <a:solidFill>
-            <a:srgbClr val="729fcf"/>
-          </a:solidFill>
-          <a:ln>
-            <a:solidFill>
-              <a:srgbClr val="3465a4"/>
-            </a:solidFill>
-          </a:ln>
-        </p:spPr>
-        <p:style>
-          <a:lnRef idx="0"/>
-          <a:fillRef idx="0"/>
-          <a:effectRef idx="0"/>
-          <a:fontRef idx="minor"/>
-        </p:style>
-        <p:txBody>
-          <a:bodyPr wrap="none" lIns="90000" rIns="90000" tIns="45000" bIns="45000" anchor="ctr">
-            <a:noAutofit/>
-          </a:bodyPr>
-          <a:p>
-            <a:pPr algn="ctr"/>
-            <a:r>
-              <a:rPr b="0" lang="en-US" sz="1800" spc="-1" strike="noStrike">
-                <a:latin typeface="Arial"/>
-              </a:rPr>
-              <a:t>Link:</a:t>
-            </a:r>
-            <a:endParaRPr b="0" lang="en-US" sz="1800" spc="-1" strike="noStrike">
-              <a:latin typeface="Arial"/>
-            </a:endParaRPr>
-          </a:p>
-        </p:txBody>
-      </p:sp>
-      <p:sp>
-        <p:nvSpPr>
-          <p:cNvPr id="202" name="Line 3"/>
-          <p:cNvSpPr/>
-          <p:nvPr/>
-        </p:nvSpPr>
-        <p:spPr>
-          <a:xfrm>
-            <a:off x="3749040" y="3017520"/>
-            <a:ext cx="3657600" cy="0"/>
-          </a:xfrm>
-          <a:prstGeom prst="line">
-            <a:avLst/>
-          </a:prstGeom>
-          <a:ln>
-            <a:solidFill>
-              <a:srgbClr val="000000"/>
-            </a:solidFill>
-          </a:ln>
-        </p:spPr>
-        <p:style>
-          <a:lnRef idx="0"/>
-          <a:fillRef idx="0"/>
-          <a:effectRef idx="0"/>
-          <a:fontRef idx="minor"/>
-        </p:style>
-      </p:sp>
-      <p:sp>
-        <p:nvSpPr>
-          <p:cNvPr id="203" name="TextShape 4"/>
-          <p:cNvSpPr txBox="1"/>
-          <p:nvPr/>
-        </p:nvSpPr>
-        <p:spPr>
-          <a:xfrm>
-            <a:off x="3749040" y="2530800"/>
-            <a:ext cx="5029200" cy="486720"/>
-          </a:xfrm>
-          <a:prstGeom prst="rect">
-            <a:avLst/>
-          </a:prstGeom>
-          <a:noFill/>
+        </p:nvPicPr>
+        <p:blipFill>
+          <a:blip r:embed="rId1"/>
+          <a:stretch/>
+        </p:blipFill>
+        <p:spPr>
+          <a:xfrm>
+            <a:off x="2011680" y="1645920"/>
+            <a:ext cx="6054840" cy="3291840"/>
+          </a:xfrm>
+          <a:prstGeom prst="rect">
+            <a:avLst/>
+          </a:prstGeom>
           <a:ln>
             <a:noFill/>
           </a:ln>
         </p:spPr>
-        <p:txBody>
-          <a:bodyPr lIns="90000" rIns="90000" tIns="45000" bIns="45000">
-            <a:spAutoFit/>
-          </a:bodyPr>
-          <a:p>
-            <a:r>
-              <a:rPr b="0" lang="en-US" sz="2800" spc="-1" strike="noStrike">
-                <a:latin typeface="Arial"/>
-              </a:rPr>
-              <a:t>sosanh.ga</a:t>
-            </a:r>
-            <a:endParaRPr b="0" lang="en-US" sz="2800" spc="-1" strike="noStrike">
-              <a:latin typeface="Arial"/>
-            </a:endParaRPr>
-          </a:p>
-        </p:txBody>
-      </p:sp>
+      </p:pic>
     </p:spTree>
   </p:cSld>
   <mc:AlternateContent>
@@ -11603,227 +9371,4 @@
     </a:fmtScheme>
   </a:themeElements>
 </a:theme>
-</file>
-
-<file path=ppt/theme/theme4.xml><?xml version="1.0" encoding="utf-8"?>
-<a:theme xmlns:a="http://schemas.openxmlformats.org/drawingml/2006/main" name="Office Theme">
-  <a:themeElements>
-    <a:clrScheme name="Office">
-      <a:dk1>
-        <a:sysClr val="windowText" lastClr="000000"/>
-      </a:dk1>
-      <a:lt1>
-        <a:sysClr val="window" lastClr="FFFFFF"/>
-      </a:lt1>
-      <a:dk2>
-        <a:srgbClr val="1f497d"/>
-      </a:dk2>
-      <a:lt2>
-        <a:srgbClr val="eeece1"/>
-      </a:lt2>
-      <a:accent1>
-        <a:srgbClr val="4f81bd"/>
-      </a:accent1>
-      <a:accent2>
-        <a:srgbClr val="c0504d"/>
-      </a:accent2>
-      <a:accent3>
-        <a:srgbClr val="9bbb59"/>
-      </a:accent3>
-      <a:accent4>
-        <a:srgbClr val="8064a2"/>
-      </a:accent4>
-      <a:accent5>
-        <a:srgbClr val="4bacc6"/>
-      </a:accent5>
-      <a:accent6>
-        <a:srgbClr val="f79646"/>
-      </a:accent6>
-      <a:hlink>
-        <a:srgbClr val="0000ff"/>
-      </a:hlink>
-      <a:folHlink>
-        <a:srgbClr val="800080"/>
-      </a:folHlink>
-    </a:clrScheme>
-    <a:fontScheme name="Office">
-      <a:majorFont>
-        <a:latin typeface="Arial"/>
-        <a:ea typeface="DejaVu Sans"/>
-        <a:cs typeface="DejaVu Sans"/>
-      </a:majorFont>
-      <a:minorFont>
-        <a:latin typeface="Arial"/>
-        <a:ea typeface="DejaVu Sans"/>
-        <a:cs typeface="DejaVu Sans"/>
-      </a:minorFont>
-    </a:fontScheme>
-    <a:fmtScheme name="Office">
-      <a:fillStyleLst>
-        <a:solidFill>
-          <a:schemeClr val="phClr"/>
-        </a:solidFill>
-        <a:gradFill rotWithShape="1">
-          <a:gsLst>
-            <a:gs pos="0">
-              <a:schemeClr val="phClr">
-                <a:tint val="50000"/>
-                <a:satMod val="300000"/>
-              </a:schemeClr>
-            </a:gs>
-            <a:gs pos="35000">
-              <a:schemeClr val="phClr">
-                <a:tint val="37000"/>
-                <a:satMod val="300000"/>
-              </a:schemeClr>
-            </a:gs>
-            <a:gs pos="100000">
-              <a:schemeClr val="phClr">
-                <a:tint val="15000"/>
-                <a:satMod val="350000"/>
-              </a:schemeClr>
-            </a:gs>
-          </a:gsLst>
-          <a:lin ang="16200000" scaled="1"/>
-        </a:gradFill>
-        <a:gradFill rotWithShape="1">
-          <a:gsLst>
-            <a:gs pos="0">
-              <a:schemeClr val="phClr">
-                <a:shade val="51000"/>
-                <a:satMod val="130000"/>
-              </a:schemeClr>
-            </a:gs>
-            <a:gs pos="80000">
-              <a:schemeClr val="phClr">
-                <a:shade val="93000"/>
-                <a:satMod val="130000"/>
-              </a:schemeClr>
-            </a:gs>
-            <a:gs pos="100000">
-              <a:schemeClr val="phClr">
-                <a:shade val="94000"/>
-                <a:satMod val="135000"/>
-              </a:schemeClr>
-            </a:gs>
-          </a:gsLst>
-          <a:lin ang="16200000" scaled="0"/>
-        </a:gradFill>
-      </a:fillStyleLst>
-      <a:lnStyleLst>
-        <a:ln w="9525" cap="flat" cmpd="sng" algn="ctr">
-          <a:solidFill>
-            <a:schemeClr val="phClr">
-              <a:shade val="95000"/>
-              <a:satMod val="105000"/>
-            </a:schemeClr>
-          </a:solidFill>
-          <a:prstDash val="solid"/>
-        </a:ln>
-        <a:ln w="25400" cap="flat" cmpd="sng" algn="ctr">
-          <a:solidFill>
-            <a:schemeClr val="phClr"/>
-          </a:solidFill>
-          <a:prstDash val="solid"/>
-        </a:ln>
-        <a:ln w="38100" cap="flat" cmpd="sng" algn="ctr">
-          <a:solidFill>
-            <a:schemeClr val="phClr"/>
-          </a:solidFill>
-          <a:prstDash val="solid"/>
-        </a:ln>
-      </a:lnStyleLst>
-      <a:effectStyleLst>
-        <a:effectStyle>
-          <a:effectLst>
-            <a:outerShdw blurRad="40000" dist="20000" dir="5400000" rotWithShape="0">
-              <a:srgbClr val="000000">
-                <a:alpha val="38000"/>
-              </a:srgbClr>
-            </a:outerShdw>
-          </a:effectLst>
-        </a:effectStyle>
-        <a:effectStyle>
-          <a:effectLst>
-            <a:outerShdw blurRad="40000" dist="23000" dir="5400000" rotWithShape="0">
-              <a:srgbClr val="000000">
-                <a:alpha val="35000"/>
-              </a:srgbClr>
-            </a:outerShdw>
-          </a:effectLst>
-        </a:effectStyle>
-        <a:effectStyle>
-          <a:effectLst>
-            <a:outerShdw blurRad="40000" dist="23000" dir="5400000" rotWithShape="0">
-              <a:srgbClr val="000000">
-                <a:alpha val="35000"/>
-              </a:srgbClr>
-            </a:outerShdw>
-          </a:effectLst>
-          <a:scene3d>
-            <a:camera prst="orthographicFront">
-              <a:rot lat="0" lon="0" rev="0"/>
-            </a:camera>
-            <a:lightRig rig="threePt" dir="t">
-              <a:rot lat="0" lon="0" rev="1200000"/>
-            </a:lightRig>
-          </a:scene3d>
-          <a:sp3d>
-            <a:bevelT w="63500" h="25400"/>
-          </a:sp3d>
-        </a:effectStyle>
-      </a:effectStyleLst>
-      <a:bgFillStyleLst>
-        <a:solidFill>
-          <a:schemeClr val="phClr"/>
-        </a:solidFill>
-        <a:gradFill rotWithShape="1">
-          <a:gsLst>
-            <a:gs pos="0">
-              <a:schemeClr val="phClr">
-                <a:tint val="40000"/>
-                <a:satMod val="350000"/>
-              </a:schemeClr>
-            </a:gs>
-            <a:gs pos="40000">
-              <a:schemeClr val="phClr">
-                <a:tint val="45000"/>
-                <a:shade val="99000"/>
-                <a:satMod val="350000"/>
-              </a:schemeClr>
-            </a:gs>
-            <a:gs pos="100000">
-              <a:schemeClr val="phClr">
-                <a:shade val="20000"/>
-                <a:satMod val="255000"/>
-              </a:schemeClr>
-            </a:gs>
-          </a:gsLst>
-          <a:path path="circle">
-            <a:fillToRect l="50000" t="-80000" r="50000" b="180000"/>
-          </a:path>
-        </a:gradFill>
-        <a:gradFill rotWithShape="1">
-          <a:gsLst>
-            <a:gs pos="0">
-              <a:schemeClr val="phClr">
-                <a:tint val="80000"/>
-                <a:satMod val="300000"/>
-              </a:schemeClr>
-            </a:gs>
-            <a:gs pos="100000">
-              <a:schemeClr val="phClr">
-                <a:shade val="30000"/>
-                <a:satMod val="200000"/>
-              </a:schemeClr>
-            </a:gs>
-          </a:gsLst>
-          <a:path path="circle">
-            <a:fillToRect l="50000" t="50000" r="50000" b="50000"/>
-          </a:path>
-        </a:gradFill>
-      </a:bgFillStyleLst>
-    </a:fmtScheme>
-  </a:themeElements>
-</a:theme>
 </file>
--- a/Plan/Report.pptx
+++ b/Plan/Report.pptx
@@ -1,33 +1,128 @@
 
 <file path=ppt/presentation.xml><?xml version="1.0" encoding="utf-8"?>
-<p:presentation xmlns:a="http://schemas.openxmlformats.org/drawingml/2006/main" xmlns:p="http://schemas.openxmlformats.org/presentationml/2006/main" xmlns:r="http://schemas.openxmlformats.org/officeDocument/2006/relationships" xmlns:p14="http://schemas.microsoft.com/office/powerpoint/2010/main" xmlns:p15="http://schemas.microsoft.com/office/powerpoint/2012/main" xmlns:mc="http://schemas.openxmlformats.org/markup-compatibility/2006">
+<p:presentation xmlns:a="http://schemas.openxmlformats.org/drawingml/2006/main" xmlns:r="http://schemas.openxmlformats.org/officeDocument/2006/relationships" xmlns:p="http://schemas.openxmlformats.org/presentationml/2006/main">
   <p:sldMasterIdLst>
-    <p:sldMasterId id="2147483648" r:id="rId2"/>
-    <p:sldMasterId id="2147483661" r:id="rId3"/>
-    <p:sldMasterId id="2147483674" r:id="rId4"/>
+    <p:sldMasterId id="2147483648" r:id="rId1"/>
+    <p:sldMasterId id="2147483661" r:id="rId2"/>
+    <p:sldMasterId id="2147483674" r:id="rId3"/>
   </p:sldMasterIdLst>
   <p:sldIdLst>
-    <p:sldId id="256" r:id="rId5"/>
-    <p:sldId id="257" r:id="rId6"/>
-    <p:sldId id="258" r:id="rId7"/>
-    <p:sldId id="259" r:id="rId8"/>
-    <p:sldId id="260" r:id="rId9"/>
-    <p:sldId id="261" r:id="rId10"/>
-    <p:sldId id="262" r:id="rId11"/>
-    <p:sldId id="263" r:id="rId12"/>
-    <p:sldId id="264" r:id="rId13"/>
-    <p:sldId id="265" r:id="rId14"/>
-    <p:sldId id="266" r:id="rId15"/>
-    <p:sldId id="267" r:id="rId16"/>
-    <p:sldId id="268" r:id="rId17"/>
+    <p:sldId id="256" r:id="rId4"/>
+    <p:sldId id="257" r:id="rId5"/>
+    <p:sldId id="258" r:id="rId6"/>
+    <p:sldId id="259" r:id="rId7"/>
+    <p:sldId id="260" r:id="rId8"/>
+    <p:sldId id="261" r:id="rId9"/>
+    <p:sldId id="262" r:id="rId10"/>
+    <p:sldId id="263" r:id="rId11"/>
+    <p:sldId id="264" r:id="rId12"/>
+    <p:sldId id="265" r:id="rId13"/>
+    <p:sldId id="266" r:id="rId14"/>
+    <p:sldId id="267" r:id="rId15"/>
+    <p:sldId id="268" r:id="rId16"/>
   </p:sldIdLst>
   <p:sldSz cx="10080625" cy="5670550"/>
   <p:notesSz cx="7772400" cy="10058400"/>
+  <p:defaultTextStyle>
+    <a:defPPr>
+      <a:defRPr lang="en-US"/>
+    </a:defPPr>
+    <a:lvl1pPr marL="0" algn="l" defTabSz="914400" rtl="0" eaLnBrk="1" latinLnBrk="0" hangingPunct="1">
+      <a:defRPr sz="1800" kern="1200">
+        <a:solidFill>
+          <a:schemeClr val="tx1"/>
+        </a:solidFill>
+        <a:latin typeface="+mn-lt"/>
+        <a:ea typeface="+mn-ea"/>
+        <a:cs typeface="+mn-cs"/>
+      </a:defRPr>
+    </a:lvl1pPr>
+    <a:lvl2pPr marL="457200" algn="l" defTabSz="914400" rtl="0" eaLnBrk="1" latinLnBrk="0" hangingPunct="1">
+      <a:defRPr sz="1800" kern="1200">
+        <a:solidFill>
+          <a:schemeClr val="tx1"/>
+        </a:solidFill>
+        <a:latin typeface="+mn-lt"/>
+        <a:ea typeface="+mn-ea"/>
+        <a:cs typeface="+mn-cs"/>
+      </a:defRPr>
+    </a:lvl2pPr>
+    <a:lvl3pPr marL="914400" algn="l" defTabSz="914400" rtl="0" eaLnBrk="1" latinLnBrk="0" hangingPunct="1">
+      <a:defRPr sz="1800" kern="1200">
+        <a:solidFill>
+          <a:schemeClr val="tx1"/>
+        </a:solidFill>
+        <a:latin typeface="+mn-lt"/>
+        <a:ea typeface="+mn-ea"/>
+        <a:cs typeface="+mn-cs"/>
+      </a:defRPr>
+    </a:lvl3pPr>
+    <a:lvl4pPr marL="1371600" algn="l" defTabSz="914400" rtl="0" eaLnBrk="1" latinLnBrk="0" hangingPunct="1">
+      <a:defRPr sz="1800" kern="1200">
+        <a:solidFill>
+          <a:schemeClr val="tx1"/>
+        </a:solidFill>
+        <a:latin typeface="+mn-lt"/>
+        <a:ea typeface="+mn-ea"/>
+        <a:cs typeface="+mn-cs"/>
+      </a:defRPr>
+    </a:lvl4pPr>
+    <a:lvl5pPr marL="1828800" algn="l" defTabSz="914400" rtl="0" eaLnBrk="1" latinLnBrk="0" hangingPunct="1">
+      <a:defRPr sz="1800" kern="1200">
+        <a:solidFill>
+          <a:schemeClr val="tx1"/>
+        </a:solidFill>
+        <a:latin typeface="+mn-lt"/>
+        <a:ea typeface="+mn-ea"/>
+        <a:cs typeface="+mn-cs"/>
+      </a:defRPr>
+    </a:lvl5pPr>
+    <a:lvl6pPr marL="2286000" algn="l" defTabSz="914400" rtl="0" eaLnBrk="1" latinLnBrk="0" hangingPunct="1">
+      <a:defRPr sz="1800" kern="1200">
+        <a:solidFill>
+          <a:schemeClr val="tx1"/>
+        </a:solidFill>
+        <a:latin typeface="+mn-lt"/>
+        <a:ea typeface="+mn-ea"/>
+        <a:cs typeface="+mn-cs"/>
+      </a:defRPr>
+    </a:lvl6pPr>
+    <a:lvl7pPr marL="2743200" algn="l" defTabSz="914400" rtl="0" eaLnBrk="1" latinLnBrk="0" hangingPunct="1">
+      <a:defRPr sz="1800" kern="1200">
+        <a:solidFill>
+          <a:schemeClr val="tx1"/>
+        </a:solidFill>
+        <a:latin typeface="+mn-lt"/>
+        <a:ea typeface="+mn-ea"/>
+        <a:cs typeface="+mn-cs"/>
+      </a:defRPr>
+    </a:lvl7pPr>
+    <a:lvl8pPr marL="3200400" algn="l" defTabSz="914400" rtl="0" eaLnBrk="1" latinLnBrk="0" hangingPunct="1">
+      <a:defRPr sz="1800" kern="1200">
+        <a:solidFill>
+          <a:schemeClr val="tx1"/>
+        </a:solidFill>
+        <a:latin typeface="+mn-lt"/>
+        <a:ea typeface="+mn-ea"/>
+        <a:cs typeface="+mn-cs"/>
+      </a:defRPr>
+    </a:lvl8pPr>
+    <a:lvl9pPr marL="3657600" algn="l" defTabSz="914400" rtl="0" eaLnBrk="1" latinLnBrk="0" hangingPunct="1">
+      <a:defRPr sz="1800" kern="1200">
+        <a:solidFill>
+          <a:schemeClr val="tx1"/>
+        </a:solidFill>
+        <a:latin typeface="+mn-lt"/>
+        <a:ea typeface="+mn-ea"/>
+        <a:cs typeface="+mn-cs"/>
+      </a:defRPr>
+    </a:lvl9pPr>
+  </p:defaultTextStyle>
 </p:presentation>
 </file>
 
 <file path=ppt/slideLayouts/slideLayout1.xml><?xml version="1.0" encoding="utf-8"?>
-<p:sldLayout xmlns:a="http://schemas.openxmlformats.org/drawingml/2006/main" xmlns:p="http://schemas.openxmlformats.org/presentationml/2006/main" xmlns:r="http://schemas.openxmlformats.org/officeDocument/2006/relationships" xmlns:p14="http://schemas.microsoft.com/office/powerpoint/2010/main" xmlns:p15="http://schemas.microsoft.com/office/powerpoint/2012/main" xmlns:mc="http://schemas.openxmlformats.org/markup-compatibility/2006" type="blank" preserve="1">
+<p:sldLayout xmlns:a="http://schemas.openxmlformats.org/drawingml/2006/main" xmlns:r="http://schemas.openxmlformats.org/officeDocument/2006/relationships" xmlns:p="http://schemas.openxmlformats.org/presentationml/2006/main" type="blank" preserve="1">
   <p:cSld name="Blank Slide">
     <p:spTree>
       <p:nvGrpSpPr>
@@ -45,11 +140,14 @@
       </p:grpSpPr>
     </p:spTree>
   </p:cSld>
+  <p:clrMapOvr>
+    <a:masterClrMapping/>
+  </p:clrMapOvr>
 </p:sldLayout>
 </file>
 
 <file path=ppt/slideLayouts/slideLayout10.xml><?xml version="1.0" encoding="utf-8"?>
-<p:sldLayout xmlns:a="http://schemas.openxmlformats.org/drawingml/2006/main" xmlns:p="http://schemas.openxmlformats.org/presentationml/2006/main" xmlns:r="http://schemas.openxmlformats.org/officeDocument/2006/relationships" xmlns:p14="http://schemas.microsoft.com/office/powerpoint/2010/main" xmlns:p15="http://schemas.microsoft.com/office/powerpoint/2012/main" xmlns:mc="http://schemas.openxmlformats.org/markup-compatibility/2006" type="objOverTx" preserve="1">
+<p:sldLayout xmlns:a="http://schemas.openxmlformats.org/drawingml/2006/main" xmlns:r="http://schemas.openxmlformats.org/officeDocument/2006/relationships" xmlns:p="http://schemas.openxmlformats.org/presentationml/2006/main" type="objOverTx" preserve="1">
   <p:cSld name="Title, Content over Content">
     <p:spTree>
       <p:nvGrpSpPr>
@@ -85,12 +183,13 @@
           </a:prstGeom>
         </p:spPr>
         <p:txBody>
-          <a:bodyPr lIns="0" rIns="0" tIns="0" bIns="0" anchor="ctr">
+          <a:bodyPr lIns="0" tIns="0" rIns="0" bIns="0" anchor="ctr">
             <a:spAutoFit/>
           </a:bodyPr>
+          <a:lstStyle/>
           <a:p>
             <a:pPr algn="ctr"/>
-            <a:endParaRPr b="0" lang="en-US" sz="4400" spc="-1" strike="noStrike">
+            <a:endParaRPr lang="en-US" sz="4400" b="0" strike="noStrike" spc="-1">
               <a:latin typeface="Arial"/>
             </a:endParaRPr>
           </a:p>
@@ -116,11 +215,12 @@
           </a:prstGeom>
         </p:spPr>
         <p:txBody>
-          <a:bodyPr lIns="0" rIns="0" tIns="0" bIns="0">
+          <a:bodyPr lIns="0" tIns="0" rIns="0" bIns="0">
             <a:normAutofit/>
           </a:bodyPr>
-          <a:p>
-            <a:endParaRPr b="0" lang="en-US" sz="3200" spc="-1" strike="noStrike">
+          <a:lstStyle/>
+          <a:p>
+            <a:endParaRPr lang="en-US" sz="3200" b="0" strike="noStrike" spc="-1">
               <a:latin typeface="Arial"/>
             </a:endParaRPr>
           </a:p>
@@ -146,11 +246,12 @@
           </a:prstGeom>
         </p:spPr>
         <p:txBody>
-          <a:bodyPr lIns="0" rIns="0" tIns="0" bIns="0">
+          <a:bodyPr lIns="0" tIns="0" rIns="0" bIns="0">
             <a:normAutofit/>
           </a:bodyPr>
-          <a:p>
-            <a:endParaRPr b="0" lang="en-US" sz="3200" spc="-1" strike="noStrike">
+          <a:lstStyle/>
+          <a:p>
+            <a:endParaRPr lang="en-US" sz="3200" b="0" strike="noStrike" spc="-1">
               <a:latin typeface="Arial"/>
             </a:endParaRPr>
           </a:p>
@@ -158,11 +259,14 @@
       </p:sp>
     </p:spTree>
   </p:cSld>
+  <p:clrMapOvr>
+    <a:masterClrMapping/>
+  </p:clrMapOvr>
 </p:sldLayout>
 </file>
 
 <file path=ppt/slideLayouts/slideLayout11.xml><?xml version="1.0" encoding="utf-8"?>
-<p:sldLayout xmlns:a="http://schemas.openxmlformats.org/drawingml/2006/main" xmlns:p="http://schemas.openxmlformats.org/presentationml/2006/main" xmlns:r="http://schemas.openxmlformats.org/officeDocument/2006/relationships" xmlns:p14="http://schemas.microsoft.com/office/powerpoint/2010/main" xmlns:p15="http://schemas.microsoft.com/office/powerpoint/2012/main" xmlns:mc="http://schemas.openxmlformats.org/markup-compatibility/2006" type="fourObj" preserve="1">
+<p:sldLayout xmlns:a="http://schemas.openxmlformats.org/drawingml/2006/main" xmlns:r="http://schemas.openxmlformats.org/officeDocument/2006/relationships" xmlns:p="http://schemas.openxmlformats.org/presentationml/2006/main" type="fourObj" preserve="1">
   <p:cSld name="Title, 4 Content">
     <p:spTree>
       <p:nvGrpSpPr>
@@ -198,12 +302,13 @@
           </a:prstGeom>
         </p:spPr>
         <p:txBody>
-          <a:bodyPr lIns="0" rIns="0" tIns="0" bIns="0" anchor="ctr">
+          <a:bodyPr lIns="0" tIns="0" rIns="0" bIns="0" anchor="ctr">
             <a:spAutoFit/>
           </a:bodyPr>
+          <a:lstStyle/>
           <a:p>
             <a:pPr algn="ctr"/>
-            <a:endParaRPr b="0" lang="en-US" sz="4400" spc="-1" strike="noStrike">
+            <a:endParaRPr lang="en-US" sz="4400" b="0" strike="noStrike" spc="-1">
               <a:latin typeface="Arial"/>
             </a:endParaRPr>
           </a:p>
@@ -229,11 +334,12 @@
           </a:prstGeom>
         </p:spPr>
         <p:txBody>
-          <a:bodyPr lIns="0" rIns="0" tIns="0" bIns="0">
+          <a:bodyPr lIns="0" tIns="0" rIns="0" bIns="0">
             <a:normAutofit/>
           </a:bodyPr>
-          <a:p>
-            <a:endParaRPr b="0" lang="en-US" sz="3200" spc="-1" strike="noStrike">
+          <a:lstStyle/>
+          <a:p>
+            <a:endParaRPr lang="en-US" sz="3200" b="0" strike="noStrike" spc="-1">
               <a:latin typeface="Arial"/>
             </a:endParaRPr>
           </a:p>
@@ -259,11 +365,12 @@
           </a:prstGeom>
         </p:spPr>
         <p:txBody>
-          <a:bodyPr lIns="0" rIns="0" tIns="0" bIns="0">
+          <a:bodyPr lIns="0" tIns="0" rIns="0" bIns="0">
             <a:normAutofit/>
           </a:bodyPr>
-          <a:p>
-            <a:endParaRPr b="0" lang="en-US" sz="3200" spc="-1" strike="noStrike">
+          <a:lstStyle/>
+          <a:p>
+            <a:endParaRPr lang="en-US" sz="3200" b="0" strike="noStrike" spc="-1">
               <a:latin typeface="Arial"/>
             </a:endParaRPr>
           </a:p>
@@ -289,11 +396,12 @@
           </a:prstGeom>
         </p:spPr>
         <p:txBody>
-          <a:bodyPr lIns="0" rIns="0" tIns="0" bIns="0">
+          <a:bodyPr lIns="0" tIns="0" rIns="0" bIns="0">
             <a:normAutofit/>
           </a:bodyPr>
-          <a:p>
-            <a:endParaRPr b="0" lang="en-US" sz="3200" spc="-1" strike="noStrike">
+          <a:lstStyle/>
+          <a:p>
+            <a:endParaRPr lang="en-US" sz="3200" b="0" strike="noStrike" spc="-1">
               <a:latin typeface="Arial"/>
             </a:endParaRPr>
           </a:p>
@@ -319,11 +427,12 @@
           </a:prstGeom>
         </p:spPr>
         <p:txBody>
-          <a:bodyPr lIns="0" rIns="0" tIns="0" bIns="0">
+          <a:bodyPr lIns="0" tIns="0" rIns="0" bIns="0">
             <a:normAutofit/>
           </a:bodyPr>
-          <a:p>
-            <a:endParaRPr b="0" lang="en-US" sz="3200" spc="-1" strike="noStrike">
+          <a:lstStyle/>
+          <a:p>
+            <a:endParaRPr lang="en-US" sz="3200" b="0" strike="noStrike" spc="-1">
               <a:latin typeface="Arial"/>
             </a:endParaRPr>
           </a:p>
@@ -331,11 +440,14 @@
       </p:sp>
     </p:spTree>
   </p:cSld>
+  <p:clrMapOvr>
+    <a:masterClrMapping/>
+  </p:clrMapOvr>
 </p:sldLayout>
 </file>
 
 <file path=ppt/slideLayouts/slideLayout12.xml><?xml version="1.0" encoding="utf-8"?>
-<p:sldLayout xmlns:a="http://schemas.openxmlformats.org/drawingml/2006/main" xmlns:p="http://schemas.openxmlformats.org/presentationml/2006/main" xmlns:r="http://schemas.openxmlformats.org/officeDocument/2006/relationships" xmlns:p14="http://schemas.microsoft.com/office/powerpoint/2010/main" xmlns:p15="http://schemas.microsoft.com/office/powerpoint/2012/main" xmlns:mc="http://schemas.openxmlformats.org/markup-compatibility/2006" type="blank" preserve="1">
+<p:sldLayout xmlns:a="http://schemas.openxmlformats.org/drawingml/2006/main" xmlns:r="http://schemas.openxmlformats.org/officeDocument/2006/relationships" xmlns:p="http://schemas.openxmlformats.org/presentationml/2006/main" type="blank" preserve="1">
   <p:cSld name="Title, 6 Content">
     <p:spTree>
       <p:nvGrpSpPr>
@@ -371,12 +483,13 @@
           </a:prstGeom>
         </p:spPr>
         <p:txBody>
-          <a:bodyPr lIns="0" rIns="0" tIns="0" bIns="0" anchor="ctr">
+          <a:bodyPr lIns="0" tIns="0" rIns="0" bIns="0" anchor="ctr">
             <a:spAutoFit/>
           </a:bodyPr>
+          <a:lstStyle/>
           <a:p>
             <a:pPr algn="ctr"/>
-            <a:endParaRPr b="0" lang="en-US" sz="4400" spc="-1" strike="noStrike">
+            <a:endParaRPr lang="en-US" sz="4400" b="0" strike="noStrike" spc="-1">
               <a:latin typeface="Arial"/>
             </a:endParaRPr>
           </a:p>
@@ -402,11 +515,12 @@
           </a:prstGeom>
         </p:spPr>
         <p:txBody>
-          <a:bodyPr lIns="0" rIns="0" tIns="0" bIns="0">
+          <a:bodyPr lIns="0" tIns="0" rIns="0" bIns="0">
             <a:normAutofit/>
           </a:bodyPr>
-          <a:p>
-            <a:endParaRPr b="0" lang="en-US" sz="3200" spc="-1" strike="noStrike">
+          <a:lstStyle/>
+          <a:p>
+            <a:endParaRPr lang="en-US" sz="3200" b="0" strike="noStrike" spc="-1">
               <a:latin typeface="Arial"/>
             </a:endParaRPr>
           </a:p>
@@ -432,11 +546,12 @@
           </a:prstGeom>
         </p:spPr>
         <p:txBody>
-          <a:bodyPr lIns="0" rIns="0" tIns="0" bIns="0">
+          <a:bodyPr lIns="0" tIns="0" rIns="0" bIns="0">
             <a:normAutofit/>
           </a:bodyPr>
-          <a:p>
-            <a:endParaRPr b="0" lang="en-US" sz="3200" spc="-1" strike="noStrike">
+          <a:lstStyle/>
+          <a:p>
+            <a:endParaRPr lang="en-US" sz="3200" b="0" strike="noStrike" spc="-1">
               <a:latin typeface="Arial"/>
             </a:endParaRPr>
           </a:p>
@@ -462,11 +577,12 @@
           </a:prstGeom>
         </p:spPr>
         <p:txBody>
-          <a:bodyPr lIns="0" rIns="0" tIns="0" bIns="0">
+          <a:bodyPr lIns="0" tIns="0" rIns="0" bIns="0">
             <a:normAutofit/>
           </a:bodyPr>
-          <a:p>
-            <a:endParaRPr b="0" lang="en-US" sz="3200" spc="-1" strike="noStrike">
+          <a:lstStyle/>
+          <a:p>
+            <a:endParaRPr lang="en-US" sz="3200" b="0" strike="noStrike" spc="-1">
               <a:latin typeface="Arial"/>
             </a:endParaRPr>
           </a:p>
@@ -492,11 +608,12 @@
           </a:prstGeom>
         </p:spPr>
         <p:txBody>
-          <a:bodyPr lIns="0" rIns="0" tIns="0" bIns="0">
+          <a:bodyPr lIns="0" tIns="0" rIns="0" bIns="0">
             <a:normAutofit/>
           </a:bodyPr>
-          <a:p>
-            <a:endParaRPr b="0" lang="en-US" sz="3200" spc="-1" strike="noStrike">
+          <a:lstStyle/>
+          <a:p>
+            <a:endParaRPr lang="en-US" sz="3200" b="0" strike="noStrike" spc="-1">
               <a:latin typeface="Arial"/>
             </a:endParaRPr>
           </a:p>
@@ -522,11 +639,12 @@
           </a:prstGeom>
         </p:spPr>
         <p:txBody>
-          <a:bodyPr lIns="0" rIns="0" tIns="0" bIns="0">
+          <a:bodyPr lIns="0" tIns="0" rIns="0" bIns="0">
             <a:normAutofit/>
           </a:bodyPr>
-          <a:p>
-            <a:endParaRPr b="0" lang="en-US" sz="3200" spc="-1" strike="noStrike">
+          <a:lstStyle/>
+          <a:p>
+            <a:endParaRPr lang="en-US" sz="3200" b="0" strike="noStrike" spc="-1">
               <a:latin typeface="Arial"/>
             </a:endParaRPr>
           </a:p>
@@ -552,11 +670,12 @@
           </a:prstGeom>
         </p:spPr>
         <p:txBody>
-          <a:bodyPr lIns="0" rIns="0" tIns="0" bIns="0">
+          <a:bodyPr lIns="0" tIns="0" rIns="0" bIns="0">
             <a:normAutofit/>
           </a:bodyPr>
-          <a:p>
-            <a:endParaRPr b="0" lang="en-US" sz="3200" spc="-1" strike="noStrike">
+          <a:lstStyle/>
+          <a:p>
+            <a:endParaRPr lang="en-US" sz="3200" b="0" strike="noStrike" spc="-1">
               <a:latin typeface="Arial"/>
             </a:endParaRPr>
           </a:p>
@@ -564,11 +683,14 @@
       </p:sp>
     </p:spTree>
   </p:cSld>
+  <p:clrMapOvr>
+    <a:masterClrMapping/>
+  </p:clrMapOvr>
 </p:sldLayout>
 </file>
 
 <file path=ppt/slideLayouts/slideLayout13.xml><?xml version="1.0" encoding="utf-8"?>
-<p:sldLayout xmlns:a="http://schemas.openxmlformats.org/drawingml/2006/main" xmlns:p="http://schemas.openxmlformats.org/presentationml/2006/main" xmlns:r="http://schemas.openxmlformats.org/officeDocument/2006/relationships" xmlns:p14="http://schemas.microsoft.com/office/powerpoint/2010/main" xmlns:p15="http://schemas.microsoft.com/office/powerpoint/2012/main" xmlns:mc="http://schemas.openxmlformats.org/markup-compatibility/2006" type="blank" preserve="1">
+<p:sldLayout xmlns:a="http://schemas.openxmlformats.org/drawingml/2006/main" xmlns:r="http://schemas.openxmlformats.org/officeDocument/2006/relationships" xmlns:p="http://schemas.openxmlformats.org/presentationml/2006/main" type="blank" preserve="1">
   <p:cSld name="Blank Slide">
     <p:spTree>
       <p:nvGrpSpPr>
@@ -586,11 +708,14 @@
       </p:grpSpPr>
     </p:spTree>
   </p:cSld>
+  <p:clrMapOvr>
+    <a:masterClrMapping/>
+  </p:clrMapOvr>
 </p:sldLayout>
 </file>
 
 <file path=ppt/slideLayouts/slideLayout14.xml><?xml version="1.0" encoding="utf-8"?>
-<p:sldLayout xmlns:a="http://schemas.openxmlformats.org/drawingml/2006/main" xmlns:p="http://schemas.openxmlformats.org/presentationml/2006/main" xmlns:r="http://schemas.openxmlformats.org/officeDocument/2006/relationships" xmlns:p14="http://schemas.microsoft.com/office/powerpoint/2010/main" xmlns:p15="http://schemas.microsoft.com/office/powerpoint/2012/main" xmlns:mc="http://schemas.openxmlformats.org/markup-compatibility/2006" type="tx" preserve="1">
+<p:sldLayout xmlns:a="http://schemas.openxmlformats.org/drawingml/2006/main" xmlns:r="http://schemas.openxmlformats.org/officeDocument/2006/relationships" xmlns:p="http://schemas.openxmlformats.org/presentationml/2006/main" type="tx" preserve="1">
   <p:cSld name="Title Slide">
     <p:spTree>
       <p:nvGrpSpPr>
@@ -626,12 +751,13 @@
           </a:prstGeom>
         </p:spPr>
         <p:txBody>
-          <a:bodyPr lIns="0" rIns="0" tIns="0" bIns="0" anchor="ctr">
+          <a:bodyPr lIns="0" tIns="0" rIns="0" bIns="0" anchor="ctr">
             <a:spAutoFit/>
           </a:bodyPr>
+          <a:lstStyle/>
           <a:p>
             <a:pPr algn="ctr"/>
-            <a:endParaRPr b="0" lang="en-US" sz="4400" spc="-1" strike="noStrike">
+            <a:endParaRPr lang="en-US" sz="4400" b="0" strike="noStrike" spc="-1">
               <a:latin typeface="Arial"/>
             </a:endParaRPr>
           </a:p>
@@ -657,12 +783,13 @@
           </a:prstGeom>
         </p:spPr>
         <p:txBody>
-          <a:bodyPr lIns="0" rIns="0" tIns="0" bIns="0" anchor="ctr">
+          <a:bodyPr lIns="0" tIns="0" rIns="0" bIns="0" anchor="ctr">
             <a:spAutoFit/>
           </a:bodyPr>
+          <a:lstStyle/>
           <a:p>
             <a:pPr algn="ctr"/>
-            <a:endParaRPr b="0" lang="en-US" sz="3200" spc="-1" strike="noStrike">
+            <a:endParaRPr lang="en-US" sz="3200" b="0" strike="noStrike" spc="-1">
               <a:latin typeface="Arial"/>
             </a:endParaRPr>
           </a:p>
@@ -670,11 +797,14 @@
       </p:sp>
     </p:spTree>
   </p:cSld>
+  <p:clrMapOvr>
+    <a:masterClrMapping/>
+  </p:clrMapOvr>
 </p:sldLayout>
 </file>
 
 <file path=ppt/slideLayouts/slideLayout15.xml><?xml version="1.0" encoding="utf-8"?>
-<p:sldLayout xmlns:a="http://schemas.openxmlformats.org/drawingml/2006/main" xmlns:p="http://schemas.openxmlformats.org/presentationml/2006/main" xmlns:r="http://schemas.openxmlformats.org/officeDocument/2006/relationships" xmlns:p14="http://schemas.microsoft.com/office/powerpoint/2010/main" xmlns:p15="http://schemas.microsoft.com/office/powerpoint/2012/main" xmlns:mc="http://schemas.openxmlformats.org/markup-compatibility/2006" type="obj" preserve="1">
+<p:sldLayout xmlns:a="http://schemas.openxmlformats.org/drawingml/2006/main" xmlns:r="http://schemas.openxmlformats.org/officeDocument/2006/relationships" xmlns:p="http://schemas.openxmlformats.org/presentationml/2006/main" type="obj" preserve="1">
   <p:cSld name="Title, Content">
     <p:spTree>
       <p:nvGrpSpPr>
@@ -710,12 +840,13 @@
           </a:prstGeom>
         </p:spPr>
         <p:txBody>
-          <a:bodyPr lIns="0" rIns="0" tIns="0" bIns="0" anchor="ctr">
+          <a:bodyPr lIns="0" tIns="0" rIns="0" bIns="0" anchor="ctr">
             <a:spAutoFit/>
           </a:bodyPr>
+          <a:lstStyle/>
           <a:p>
             <a:pPr algn="ctr"/>
-            <a:endParaRPr b="0" lang="en-US" sz="4400" spc="-1" strike="noStrike">
+            <a:endParaRPr lang="en-US" sz="4400" b="0" strike="noStrike" spc="-1">
               <a:latin typeface="Arial"/>
             </a:endParaRPr>
           </a:p>
@@ -741,11 +872,12 @@
           </a:prstGeom>
         </p:spPr>
         <p:txBody>
-          <a:bodyPr lIns="0" rIns="0" tIns="0" bIns="0">
+          <a:bodyPr lIns="0" tIns="0" rIns="0" bIns="0">
             <a:normAutofit/>
           </a:bodyPr>
-          <a:p>
-            <a:endParaRPr b="0" lang="en-US" sz="3200" spc="-1" strike="noStrike">
+          <a:lstStyle/>
+          <a:p>
+            <a:endParaRPr lang="en-US" sz="3200" b="0" strike="noStrike" spc="-1">
               <a:latin typeface="Arial"/>
             </a:endParaRPr>
           </a:p>
@@ -753,11 +885,14 @@
       </p:sp>
     </p:spTree>
   </p:cSld>
+  <p:clrMapOvr>
+    <a:masterClrMapping/>
+  </p:clrMapOvr>
 </p:sldLayout>
 </file>
 
 <file path=ppt/slideLayouts/slideLayout16.xml><?xml version="1.0" encoding="utf-8"?>
-<p:sldLayout xmlns:a="http://schemas.openxmlformats.org/drawingml/2006/main" xmlns:p="http://schemas.openxmlformats.org/presentationml/2006/main" xmlns:r="http://schemas.openxmlformats.org/officeDocument/2006/relationships" xmlns:p14="http://schemas.microsoft.com/office/powerpoint/2010/main" xmlns:p15="http://schemas.microsoft.com/office/powerpoint/2012/main" xmlns:mc="http://schemas.openxmlformats.org/markup-compatibility/2006" type="twoObj" preserve="1">
+<p:sldLayout xmlns:a="http://schemas.openxmlformats.org/drawingml/2006/main" xmlns:r="http://schemas.openxmlformats.org/officeDocument/2006/relationships" xmlns:p="http://schemas.openxmlformats.org/presentationml/2006/main" type="twoObj" preserve="1">
   <p:cSld name="Title, 2 Content">
     <p:spTree>
       <p:nvGrpSpPr>
@@ -793,12 +928,13 @@
           </a:prstGeom>
         </p:spPr>
         <p:txBody>
-          <a:bodyPr lIns="0" rIns="0" tIns="0" bIns="0" anchor="ctr">
+          <a:bodyPr lIns="0" tIns="0" rIns="0" bIns="0" anchor="ctr">
             <a:spAutoFit/>
           </a:bodyPr>
+          <a:lstStyle/>
           <a:p>
             <a:pPr algn="ctr"/>
-            <a:endParaRPr b="0" lang="en-US" sz="4400" spc="-1" strike="noStrike">
+            <a:endParaRPr lang="en-US" sz="4400" b="0" strike="noStrike" spc="-1">
               <a:latin typeface="Arial"/>
             </a:endParaRPr>
           </a:p>
@@ -824,11 +960,12 @@
           </a:prstGeom>
         </p:spPr>
         <p:txBody>
-          <a:bodyPr lIns="0" rIns="0" tIns="0" bIns="0">
+          <a:bodyPr lIns="0" tIns="0" rIns="0" bIns="0">
             <a:normAutofit/>
           </a:bodyPr>
-          <a:p>
-            <a:endParaRPr b="0" lang="en-US" sz="3200" spc="-1" strike="noStrike">
+          <a:lstStyle/>
+          <a:p>
+            <a:endParaRPr lang="en-US" sz="3200" b="0" strike="noStrike" spc="-1">
               <a:latin typeface="Arial"/>
             </a:endParaRPr>
           </a:p>
@@ -854,11 +991,12 @@
           </a:prstGeom>
         </p:spPr>
         <p:txBody>
-          <a:bodyPr lIns="0" rIns="0" tIns="0" bIns="0">
+          <a:bodyPr lIns="0" tIns="0" rIns="0" bIns="0">
             <a:normAutofit/>
           </a:bodyPr>
-          <a:p>
-            <a:endParaRPr b="0" lang="en-US" sz="3200" spc="-1" strike="noStrike">
+          <a:lstStyle/>
+          <a:p>
+            <a:endParaRPr lang="en-US" sz="3200" b="0" strike="noStrike" spc="-1">
               <a:latin typeface="Arial"/>
             </a:endParaRPr>
           </a:p>
@@ -866,11 +1004,14 @@
       </p:sp>
     </p:spTree>
   </p:cSld>
+  <p:clrMapOvr>
+    <a:masterClrMapping/>
+  </p:clrMapOvr>
 </p:sldLayout>
 </file>
 
 <file path=ppt/slideLayouts/slideLayout17.xml><?xml version="1.0" encoding="utf-8"?>
-<p:sldLayout xmlns:a="http://schemas.openxmlformats.org/drawingml/2006/main" xmlns:p="http://schemas.openxmlformats.org/presentationml/2006/main" xmlns:r="http://schemas.openxmlformats.org/officeDocument/2006/relationships" xmlns:p14="http://schemas.microsoft.com/office/powerpoint/2010/main" xmlns:p15="http://schemas.microsoft.com/office/powerpoint/2012/main" xmlns:mc="http://schemas.openxmlformats.org/markup-compatibility/2006" type="titleOnly" preserve="1">
+<p:sldLayout xmlns:a="http://schemas.openxmlformats.org/drawingml/2006/main" xmlns:r="http://schemas.openxmlformats.org/officeDocument/2006/relationships" xmlns:p="http://schemas.openxmlformats.org/presentationml/2006/main" type="titleOnly" preserve="1">
   <p:cSld name="Title Only">
     <p:spTree>
       <p:nvGrpSpPr>
@@ -906,12 +1047,13 @@
           </a:prstGeom>
         </p:spPr>
         <p:txBody>
-          <a:bodyPr lIns="0" rIns="0" tIns="0" bIns="0" anchor="ctr">
+          <a:bodyPr lIns="0" tIns="0" rIns="0" bIns="0" anchor="ctr">
             <a:spAutoFit/>
           </a:bodyPr>
+          <a:lstStyle/>
           <a:p>
             <a:pPr algn="ctr"/>
-            <a:endParaRPr b="0" lang="en-US" sz="4400" spc="-1" strike="noStrike">
+            <a:endParaRPr lang="en-US" sz="4400" b="0" strike="noStrike" spc="-1">
               <a:latin typeface="Arial"/>
             </a:endParaRPr>
           </a:p>
@@ -919,11 +1061,14 @@
       </p:sp>
     </p:spTree>
   </p:cSld>
+  <p:clrMapOvr>
+    <a:masterClrMapping/>
+  </p:clrMapOvr>
 </p:sldLayout>
 </file>
 
 <file path=ppt/slideLayouts/slideLayout18.xml><?xml version="1.0" encoding="utf-8"?>
-<p:sldLayout xmlns:a="http://schemas.openxmlformats.org/drawingml/2006/main" xmlns:p="http://schemas.openxmlformats.org/presentationml/2006/main" xmlns:r="http://schemas.openxmlformats.org/officeDocument/2006/relationships" xmlns:p14="http://schemas.microsoft.com/office/powerpoint/2010/main" xmlns:p15="http://schemas.microsoft.com/office/powerpoint/2012/main" xmlns:mc="http://schemas.openxmlformats.org/markup-compatibility/2006" type="objOnly" preserve="1">
+<p:sldLayout xmlns:a="http://schemas.openxmlformats.org/drawingml/2006/main" xmlns:r="http://schemas.openxmlformats.org/officeDocument/2006/relationships" xmlns:p="http://schemas.openxmlformats.org/presentationml/2006/main" type="objOnly" preserve="1">
   <p:cSld name="Centered Text">
     <p:spTree>
       <p:nvGrpSpPr>
@@ -959,12 +1104,13 @@
           </a:prstGeom>
         </p:spPr>
         <p:txBody>
-          <a:bodyPr lIns="0" rIns="0" tIns="0" bIns="0" anchor="ctr">
+          <a:bodyPr lIns="0" tIns="0" rIns="0" bIns="0" anchor="ctr">
             <a:spAutoFit/>
           </a:bodyPr>
+          <a:lstStyle/>
           <a:p>
             <a:pPr algn="ctr"/>
-            <a:endParaRPr b="0" lang="en-US" sz="3200" spc="-1" strike="noStrike">
+            <a:endParaRPr lang="en-US" sz="3200" b="0" strike="noStrike" spc="-1">
               <a:latin typeface="Arial"/>
             </a:endParaRPr>
           </a:p>
@@ -972,11 +1118,14 @@
       </p:sp>
     </p:spTree>
   </p:cSld>
+  <p:clrMapOvr>
+    <a:masterClrMapping/>
+  </p:clrMapOvr>
 </p:sldLayout>
 </file>
 
 <file path=ppt/slideLayouts/slideLayout19.xml><?xml version="1.0" encoding="utf-8"?>
-<p:sldLayout xmlns:a="http://schemas.openxmlformats.org/drawingml/2006/main" xmlns:p="http://schemas.openxmlformats.org/presentationml/2006/main" xmlns:r="http://schemas.openxmlformats.org/officeDocument/2006/relationships" xmlns:p14="http://schemas.microsoft.com/office/powerpoint/2010/main" xmlns:p15="http://schemas.microsoft.com/office/powerpoint/2012/main" xmlns:mc="http://schemas.openxmlformats.org/markup-compatibility/2006" type="twoObjAndObj" preserve="1">
+<p:sldLayout xmlns:a="http://schemas.openxmlformats.org/drawingml/2006/main" xmlns:r="http://schemas.openxmlformats.org/officeDocument/2006/relationships" xmlns:p="http://schemas.openxmlformats.org/presentationml/2006/main" type="twoObjAndObj" preserve="1">
   <p:cSld name="Title, 2 Content and Content">
     <p:spTree>
       <p:nvGrpSpPr>
@@ -1012,12 +1161,13 @@
           </a:prstGeom>
         </p:spPr>
         <p:txBody>
-          <a:bodyPr lIns="0" rIns="0" tIns="0" bIns="0" anchor="ctr">
+          <a:bodyPr lIns="0" tIns="0" rIns="0" bIns="0" anchor="ctr">
             <a:spAutoFit/>
           </a:bodyPr>
+          <a:lstStyle/>
           <a:p>
             <a:pPr algn="ctr"/>
-            <a:endParaRPr b="0" lang="en-US" sz="4400" spc="-1" strike="noStrike">
+            <a:endParaRPr lang="en-US" sz="4400" b="0" strike="noStrike" spc="-1">
               <a:latin typeface="Arial"/>
             </a:endParaRPr>
           </a:p>
@@ -1043,11 +1193,12 @@
           </a:prstGeom>
         </p:spPr>
         <p:txBody>
-          <a:bodyPr lIns="0" rIns="0" tIns="0" bIns="0">
+          <a:bodyPr lIns="0" tIns="0" rIns="0" bIns="0">
             <a:normAutofit/>
           </a:bodyPr>
-          <a:p>
-            <a:endParaRPr b="0" lang="en-US" sz="3200" spc="-1" strike="noStrike">
+          <a:lstStyle/>
+          <a:p>
+            <a:endParaRPr lang="en-US" sz="3200" b="0" strike="noStrike" spc="-1">
               <a:latin typeface="Arial"/>
             </a:endParaRPr>
           </a:p>
@@ -1073,11 +1224,12 @@
           </a:prstGeom>
         </p:spPr>
         <p:txBody>
-          <a:bodyPr lIns="0" rIns="0" tIns="0" bIns="0">
+          <a:bodyPr lIns="0" tIns="0" rIns="0" bIns="0">
             <a:normAutofit/>
           </a:bodyPr>
-          <a:p>
-            <a:endParaRPr b="0" lang="en-US" sz="3200" spc="-1" strike="noStrike">
+          <a:lstStyle/>
+          <a:p>
+            <a:endParaRPr lang="en-US" sz="3200" b="0" strike="noStrike" spc="-1">
               <a:latin typeface="Arial"/>
             </a:endParaRPr>
           </a:p>
@@ -1103,11 +1255,12 @@
           </a:prstGeom>
         </p:spPr>
         <p:txBody>
-          <a:bodyPr lIns="0" rIns="0" tIns="0" bIns="0">
+          <a:bodyPr lIns="0" tIns="0" rIns="0" bIns="0">
             <a:normAutofit/>
           </a:bodyPr>
-          <a:p>
-            <a:endParaRPr b="0" lang="en-US" sz="3200" spc="-1" strike="noStrike">
+          <a:lstStyle/>
+          <a:p>
+            <a:endParaRPr lang="en-US" sz="3200" b="0" strike="noStrike" spc="-1">
               <a:latin typeface="Arial"/>
             </a:endParaRPr>
           </a:p>
@@ -1115,11 +1268,14 @@
       </p:sp>
     </p:spTree>
   </p:cSld>
+  <p:clrMapOvr>
+    <a:masterClrMapping/>
+  </p:clrMapOvr>
 </p:sldLayout>
 </file>
 
 <file path=ppt/slideLayouts/slideLayout2.xml><?xml version="1.0" encoding="utf-8"?>
-<p:sldLayout xmlns:a="http://schemas.openxmlformats.org/drawingml/2006/main" xmlns:p="http://schemas.openxmlformats.org/presentationml/2006/main" xmlns:r="http://schemas.openxmlformats.org/officeDocument/2006/relationships" xmlns:p14="http://schemas.microsoft.com/office/powerpoint/2010/main" xmlns:p15="http://schemas.microsoft.com/office/powerpoint/2012/main" xmlns:mc="http://schemas.openxmlformats.org/markup-compatibility/2006" type="tx" preserve="1">
+<p:sldLayout xmlns:a="http://schemas.openxmlformats.org/drawingml/2006/main" xmlns:r="http://schemas.openxmlformats.org/officeDocument/2006/relationships" xmlns:p="http://schemas.openxmlformats.org/presentationml/2006/main" type="tx" preserve="1">
   <p:cSld name="Title Slide">
     <p:spTree>
       <p:nvGrpSpPr>
@@ -1155,12 +1311,13 @@
           </a:prstGeom>
         </p:spPr>
         <p:txBody>
-          <a:bodyPr lIns="0" rIns="0" tIns="0" bIns="0" anchor="ctr">
+          <a:bodyPr lIns="0" tIns="0" rIns="0" bIns="0" anchor="ctr">
             <a:spAutoFit/>
           </a:bodyPr>
+          <a:lstStyle/>
           <a:p>
             <a:pPr algn="ctr"/>
-            <a:endParaRPr b="0" lang="en-US" sz="4400" spc="-1" strike="noStrike">
+            <a:endParaRPr lang="en-US" sz="4400" b="0" strike="noStrike" spc="-1">
               <a:latin typeface="Arial"/>
             </a:endParaRPr>
           </a:p>
@@ -1186,12 +1343,13 @@
           </a:prstGeom>
         </p:spPr>
         <p:txBody>
-          <a:bodyPr lIns="0" rIns="0" tIns="0" bIns="0" anchor="ctr">
+          <a:bodyPr lIns="0" tIns="0" rIns="0" bIns="0" anchor="ctr">
             <a:spAutoFit/>
           </a:bodyPr>
+          <a:lstStyle/>
           <a:p>
             <a:pPr algn="ctr"/>
-            <a:endParaRPr b="0" lang="en-US" sz="3200" spc="-1" strike="noStrike">
+            <a:endParaRPr lang="en-US" sz="3200" b="0" strike="noStrike" spc="-1">
               <a:latin typeface="Arial"/>
             </a:endParaRPr>
           </a:p>
@@ -1199,11 +1357,14 @@
       </p:sp>
     </p:spTree>
   </p:cSld>
+  <p:clrMapOvr>
+    <a:masterClrMapping/>
+  </p:clrMapOvr>
 </p:sldLayout>
 </file>
 
 <file path=ppt/slideLayouts/slideLayout20.xml><?xml version="1.0" encoding="utf-8"?>
-<p:sldLayout xmlns:a="http://schemas.openxmlformats.org/drawingml/2006/main" xmlns:p="http://schemas.openxmlformats.org/presentationml/2006/main" xmlns:r="http://schemas.openxmlformats.org/officeDocument/2006/relationships" xmlns:p14="http://schemas.microsoft.com/office/powerpoint/2010/main" xmlns:p15="http://schemas.microsoft.com/office/powerpoint/2012/main" xmlns:mc="http://schemas.openxmlformats.org/markup-compatibility/2006" type="objAndTwoObj" preserve="1">
+<p:sldLayout xmlns:a="http://schemas.openxmlformats.org/drawingml/2006/main" xmlns:r="http://schemas.openxmlformats.org/officeDocument/2006/relationships" xmlns:p="http://schemas.openxmlformats.org/presentationml/2006/main" type="objAndTwoObj" preserve="1">
   <p:cSld name="Title Content and 2 Content">
     <p:spTree>
       <p:nvGrpSpPr>
@@ -1239,12 +1400,13 @@
           </a:prstGeom>
         </p:spPr>
         <p:txBody>
-          <a:bodyPr lIns="0" rIns="0" tIns="0" bIns="0" anchor="ctr">
+          <a:bodyPr lIns="0" tIns="0" rIns="0" bIns="0" anchor="ctr">
             <a:spAutoFit/>
           </a:bodyPr>
+          <a:lstStyle/>
           <a:p>
             <a:pPr algn="ctr"/>
-            <a:endParaRPr b="0" lang="en-US" sz="4400" spc="-1" strike="noStrike">
+            <a:endParaRPr lang="en-US" sz="4400" b="0" strike="noStrike" spc="-1">
               <a:latin typeface="Arial"/>
             </a:endParaRPr>
           </a:p>
@@ -1270,11 +1432,12 @@
           </a:prstGeom>
         </p:spPr>
         <p:txBody>
-          <a:bodyPr lIns="0" rIns="0" tIns="0" bIns="0">
+          <a:bodyPr lIns="0" tIns="0" rIns="0" bIns="0">
             <a:normAutofit/>
           </a:bodyPr>
-          <a:p>
-            <a:endParaRPr b="0" lang="en-US" sz="3200" spc="-1" strike="noStrike">
+          <a:lstStyle/>
+          <a:p>
+            <a:endParaRPr lang="en-US" sz="3200" b="0" strike="noStrike" spc="-1">
               <a:latin typeface="Arial"/>
             </a:endParaRPr>
           </a:p>
@@ -1300,11 +1463,12 @@
           </a:prstGeom>
         </p:spPr>
         <p:txBody>
-          <a:bodyPr lIns="0" rIns="0" tIns="0" bIns="0">
+          <a:bodyPr lIns="0" tIns="0" rIns="0" bIns="0">
             <a:normAutofit/>
           </a:bodyPr>
-          <a:p>
-            <a:endParaRPr b="0" lang="en-US" sz="3200" spc="-1" strike="noStrike">
+          <a:lstStyle/>
+          <a:p>
+            <a:endParaRPr lang="en-US" sz="3200" b="0" strike="noStrike" spc="-1">
               <a:latin typeface="Arial"/>
             </a:endParaRPr>
           </a:p>
@@ -1330,11 +1494,12 @@
           </a:prstGeom>
         </p:spPr>
         <p:txBody>
-          <a:bodyPr lIns="0" rIns="0" tIns="0" bIns="0">
+          <a:bodyPr lIns="0" tIns="0" rIns="0" bIns="0">
             <a:normAutofit/>
           </a:bodyPr>
-          <a:p>
-            <a:endParaRPr b="0" lang="en-US" sz="3200" spc="-1" strike="noStrike">
+          <a:lstStyle/>
+          <a:p>
+            <a:endParaRPr lang="en-US" sz="3200" b="0" strike="noStrike" spc="-1">
               <a:latin typeface="Arial"/>
             </a:endParaRPr>
           </a:p>
@@ -1342,11 +1507,14 @@
       </p:sp>
     </p:spTree>
   </p:cSld>
+  <p:clrMapOvr>
+    <a:masterClrMapping/>
+  </p:clrMapOvr>
 </p:sldLayout>
 </file>
 
 <file path=ppt/slideLayouts/slideLayout21.xml><?xml version="1.0" encoding="utf-8"?>
-<p:sldLayout xmlns:a="http://schemas.openxmlformats.org/drawingml/2006/main" xmlns:p="http://schemas.openxmlformats.org/presentationml/2006/main" xmlns:r="http://schemas.openxmlformats.org/officeDocument/2006/relationships" xmlns:p14="http://schemas.microsoft.com/office/powerpoint/2010/main" xmlns:p15="http://schemas.microsoft.com/office/powerpoint/2012/main" xmlns:mc="http://schemas.openxmlformats.org/markup-compatibility/2006" type="twoObjOverTx" preserve="1">
+<p:sldLayout xmlns:a="http://schemas.openxmlformats.org/drawingml/2006/main" xmlns:r="http://schemas.openxmlformats.org/officeDocument/2006/relationships" xmlns:p="http://schemas.openxmlformats.org/presentationml/2006/main" type="twoObjOverTx" preserve="1">
   <p:cSld name="Title, 2 Content over Content">
     <p:spTree>
       <p:nvGrpSpPr>
@@ -1382,12 +1550,13 @@
           </a:prstGeom>
         </p:spPr>
         <p:txBody>
-          <a:bodyPr lIns="0" rIns="0" tIns="0" bIns="0" anchor="ctr">
+          <a:bodyPr lIns="0" tIns="0" rIns="0" bIns="0" anchor="ctr">
             <a:spAutoFit/>
           </a:bodyPr>
+          <a:lstStyle/>
           <a:p>
             <a:pPr algn="ctr"/>
-            <a:endParaRPr b="0" lang="en-US" sz="4400" spc="-1" strike="noStrike">
+            <a:endParaRPr lang="en-US" sz="4400" b="0" strike="noStrike" spc="-1">
               <a:latin typeface="Arial"/>
             </a:endParaRPr>
           </a:p>
@@ -1413,11 +1582,12 @@
           </a:prstGeom>
         </p:spPr>
         <p:txBody>
-          <a:bodyPr lIns="0" rIns="0" tIns="0" bIns="0">
+          <a:bodyPr lIns="0" tIns="0" rIns="0" bIns="0">
             <a:normAutofit/>
           </a:bodyPr>
-          <a:p>
-            <a:endParaRPr b="0" lang="en-US" sz="3200" spc="-1" strike="noStrike">
+          <a:lstStyle/>
+          <a:p>
+            <a:endParaRPr lang="en-US" sz="3200" b="0" strike="noStrike" spc="-1">
               <a:latin typeface="Arial"/>
             </a:endParaRPr>
           </a:p>
@@ -1443,11 +1613,12 @@
           </a:prstGeom>
         </p:spPr>
         <p:txBody>
-          <a:bodyPr lIns="0" rIns="0" tIns="0" bIns="0">
+          <a:bodyPr lIns="0" tIns="0" rIns="0" bIns="0">
             <a:normAutofit/>
           </a:bodyPr>
-          <a:p>
-            <a:endParaRPr b="0" lang="en-US" sz="3200" spc="-1" strike="noStrike">
+          <a:lstStyle/>
+          <a:p>
+            <a:endParaRPr lang="en-US" sz="3200" b="0" strike="noStrike" spc="-1">
               <a:latin typeface="Arial"/>
             </a:endParaRPr>
           </a:p>
@@ -1473,11 +1644,12 @@
           </a:prstGeom>
         </p:spPr>
         <p:txBody>
-          <a:bodyPr lIns="0" rIns="0" tIns="0" bIns="0">
+          <a:bodyPr lIns="0" tIns="0" rIns="0" bIns="0">
             <a:normAutofit/>
           </a:bodyPr>
-          <a:p>
-            <a:endParaRPr b="0" lang="en-US" sz="3200" spc="-1" strike="noStrike">
+          <a:lstStyle/>
+          <a:p>
+            <a:endParaRPr lang="en-US" sz="3200" b="0" strike="noStrike" spc="-1">
               <a:latin typeface="Arial"/>
             </a:endParaRPr>
           </a:p>
@@ -1485,11 +1657,14 @@
       </p:sp>
     </p:spTree>
   </p:cSld>
+  <p:clrMapOvr>
+    <a:masterClrMapping/>
+  </p:clrMapOvr>
 </p:sldLayout>
 </file>
 
 <file path=ppt/slideLayouts/slideLayout22.xml><?xml version="1.0" encoding="utf-8"?>
-<p:sldLayout xmlns:a="http://schemas.openxmlformats.org/drawingml/2006/main" xmlns:p="http://schemas.openxmlformats.org/presentationml/2006/main" xmlns:r="http://schemas.openxmlformats.org/officeDocument/2006/relationships" xmlns:p14="http://schemas.microsoft.com/office/powerpoint/2010/main" xmlns:p15="http://schemas.microsoft.com/office/powerpoint/2012/main" xmlns:mc="http://schemas.openxmlformats.org/markup-compatibility/2006" type="objOverTx" preserve="1">
+<p:sldLayout xmlns:a="http://schemas.openxmlformats.org/drawingml/2006/main" xmlns:r="http://schemas.openxmlformats.org/officeDocument/2006/relationships" xmlns:p="http://schemas.openxmlformats.org/presentationml/2006/main" type="objOverTx" preserve="1">
   <p:cSld name="Title, Content over Content">
     <p:spTree>
       <p:nvGrpSpPr>
@@ -1525,12 +1700,13 @@
           </a:prstGeom>
         </p:spPr>
         <p:txBody>
-          <a:bodyPr lIns="0" rIns="0" tIns="0" bIns="0" anchor="ctr">
+          <a:bodyPr lIns="0" tIns="0" rIns="0" bIns="0" anchor="ctr">
             <a:spAutoFit/>
           </a:bodyPr>
+          <a:lstStyle/>
           <a:p>
             <a:pPr algn="ctr"/>
-            <a:endParaRPr b="0" lang="en-US" sz="4400" spc="-1" strike="noStrike">
+            <a:endParaRPr lang="en-US" sz="4400" b="0" strike="noStrike" spc="-1">
               <a:latin typeface="Arial"/>
             </a:endParaRPr>
           </a:p>
@@ -1556,11 +1732,12 @@
           </a:prstGeom>
         </p:spPr>
         <p:txBody>
-          <a:bodyPr lIns="0" rIns="0" tIns="0" bIns="0">
+          <a:bodyPr lIns="0" tIns="0" rIns="0" bIns="0">
             <a:normAutofit/>
           </a:bodyPr>
-          <a:p>
-            <a:endParaRPr b="0" lang="en-US" sz="3200" spc="-1" strike="noStrike">
+          <a:lstStyle/>
+          <a:p>
+            <a:endParaRPr lang="en-US" sz="3200" b="0" strike="noStrike" spc="-1">
               <a:latin typeface="Arial"/>
             </a:endParaRPr>
           </a:p>
@@ -1586,11 +1763,12 @@
           </a:prstGeom>
         </p:spPr>
         <p:txBody>
-          <a:bodyPr lIns="0" rIns="0" tIns="0" bIns="0">
+          <a:bodyPr lIns="0" tIns="0" rIns="0" bIns="0">
             <a:normAutofit/>
           </a:bodyPr>
-          <a:p>
-            <a:endParaRPr b="0" lang="en-US" sz="3200" spc="-1" strike="noStrike">
+          <a:lstStyle/>
+          <a:p>
+            <a:endParaRPr lang="en-US" sz="3200" b="0" strike="noStrike" spc="-1">
               <a:latin typeface="Arial"/>
             </a:endParaRPr>
           </a:p>
@@ -1598,11 +1776,14 @@
       </p:sp>
     </p:spTree>
   </p:cSld>
+  <p:clrMapOvr>
+    <a:masterClrMapping/>
+  </p:clrMapOvr>
 </p:sldLayout>
 </file>
 
 <file path=ppt/slideLayouts/slideLayout23.xml><?xml version="1.0" encoding="utf-8"?>
-<p:sldLayout xmlns:a="http://schemas.openxmlformats.org/drawingml/2006/main" xmlns:p="http://schemas.openxmlformats.org/presentationml/2006/main" xmlns:r="http://schemas.openxmlformats.org/officeDocument/2006/relationships" xmlns:p14="http://schemas.microsoft.com/office/powerpoint/2010/main" xmlns:p15="http://schemas.microsoft.com/office/powerpoint/2012/main" xmlns:mc="http://schemas.openxmlformats.org/markup-compatibility/2006" type="fourObj" preserve="1">
+<p:sldLayout xmlns:a="http://schemas.openxmlformats.org/drawingml/2006/main" xmlns:r="http://schemas.openxmlformats.org/officeDocument/2006/relationships" xmlns:p="http://schemas.openxmlformats.org/presentationml/2006/main" type="fourObj" preserve="1">
   <p:cSld name="Title, 4 Content">
     <p:spTree>
       <p:nvGrpSpPr>
@@ -1638,12 +1819,13 @@
           </a:prstGeom>
         </p:spPr>
         <p:txBody>
-          <a:bodyPr lIns="0" rIns="0" tIns="0" bIns="0" anchor="ctr">
+          <a:bodyPr lIns="0" tIns="0" rIns="0" bIns="0" anchor="ctr">
             <a:spAutoFit/>
           </a:bodyPr>
+          <a:lstStyle/>
           <a:p>
             <a:pPr algn="ctr"/>
-            <a:endParaRPr b="0" lang="en-US" sz="4400" spc="-1" strike="noStrike">
+            <a:endParaRPr lang="en-US" sz="4400" b="0" strike="noStrike" spc="-1">
               <a:latin typeface="Arial"/>
             </a:endParaRPr>
           </a:p>
@@ -1669,11 +1851,12 @@
           </a:prstGeom>
         </p:spPr>
         <p:txBody>
-          <a:bodyPr lIns="0" rIns="0" tIns="0" bIns="0">
+          <a:bodyPr lIns="0" tIns="0" rIns="0" bIns="0">
             <a:normAutofit/>
           </a:bodyPr>
-          <a:p>
-            <a:endParaRPr b="0" lang="en-US" sz="3200" spc="-1" strike="noStrike">
+          <a:lstStyle/>
+          <a:p>
+            <a:endParaRPr lang="en-US" sz="3200" b="0" strike="noStrike" spc="-1">
               <a:latin typeface="Arial"/>
             </a:endParaRPr>
           </a:p>
@@ -1699,11 +1882,12 @@
           </a:prstGeom>
         </p:spPr>
         <p:txBody>
-          <a:bodyPr lIns="0" rIns="0" tIns="0" bIns="0">
+          <a:bodyPr lIns="0" tIns="0" rIns="0" bIns="0">
             <a:normAutofit/>
           </a:bodyPr>
-          <a:p>
-            <a:endParaRPr b="0" lang="en-US" sz="3200" spc="-1" strike="noStrike">
+          <a:lstStyle/>
+          <a:p>
+            <a:endParaRPr lang="en-US" sz="3200" b="0" strike="noStrike" spc="-1">
               <a:latin typeface="Arial"/>
             </a:endParaRPr>
           </a:p>
@@ -1729,11 +1913,12 @@
           </a:prstGeom>
         </p:spPr>
         <p:txBody>
-          <a:bodyPr lIns="0" rIns="0" tIns="0" bIns="0">
+          <a:bodyPr lIns="0" tIns="0" rIns="0" bIns="0">
             <a:normAutofit/>
           </a:bodyPr>
-          <a:p>
-            <a:endParaRPr b="0" lang="en-US" sz="3200" spc="-1" strike="noStrike">
+          <a:lstStyle/>
+          <a:p>
+            <a:endParaRPr lang="en-US" sz="3200" b="0" strike="noStrike" spc="-1">
               <a:latin typeface="Arial"/>
             </a:endParaRPr>
           </a:p>
@@ -1759,11 +1944,12 @@
           </a:prstGeom>
         </p:spPr>
         <p:txBody>
-          <a:bodyPr lIns="0" rIns="0" tIns="0" bIns="0">
+          <a:bodyPr lIns="0" tIns="0" rIns="0" bIns="0">
             <a:normAutofit/>
           </a:bodyPr>
-          <a:p>
-            <a:endParaRPr b="0" lang="en-US" sz="3200" spc="-1" strike="noStrike">
+          <a:lstStyle/>
+          <a:p>
+            <a:endParaRPr lang="en-US" sz="3200" b="0" strike="noStrike" spc="-1">
               <a:latin typeface="Arial"/>
             </a:endParaRPr>
           </a:p>
@@ -1771,11 +1957,14 @@
       </p:sp>
     </p:spTree>
   </p:cSld>
+  <p:clrMapOvr>
+    <a:masterClrMapping/>
+  </p:clrMapOvr>
 </p:sldLayout>
 </file>
 
 <file path=ppt/slideLayouts/slideLayout24.xml><?xml version="1.0" encoding="utf-8"?>
-<p:sldLayout xmlns:a="http://schemas.openxmlformats.org/drawingml/2006/main" xmlns:p="http://schemas.openxmlformats.org/presentationml/2006/main" xmlns:r="http://schemas.openxmlformats.org/officeDocument/2006/relationships" xmlns:p14="http://schemas.microsoft.com/office/powerpoint/2010/main" xmlns:p15="http://schemas.microsoft.com/office/powerpoint/2012/main" xmlns:mc="http://schemas.openxmlformats.org/markup-compatibility/2006" type="blank" preserve="1">
+<p:sldLayout xmlns:a="http://schemas.openxmlformats.org/drawingml/2006/main" xmlns:r="http://schemas.openxmlformats.org/officeDocument/2006/relationships" xmlns:p="http://schemas.openxmlformats.org/presentationml/2006/main" type="blank" preserve="1">
   <p:cSld name="Title, 6 Content">
     <p:spTree>
       <p:nvGrpSpPr>
@@ -1811,12 +2000,13 @@
           </a:prstGeom>
         </p:spPr>
         <p:txBody>
-          <a:bodyPr lIns="0" rIns="0" tIns="0" bIns="0" anchor="ctr">
+          <a:bodyPr lIns="0" tIns="0" rIns="0" bIns="0" anchor="ctr">
             <a:spAutoFit/>
           </a:bodyPr>
+          <a:lstStyle/>
           <a:p>
             <a:pPr algn="ctr"/>
-            <a:endParaRPr b="0" lang="en-US" sz="4400" spc="-1" strike="noStrike">
+            <a:endParaRPr lang="en-US" sz="4400" b="0" strike="noStrike" spc="-1">
               <a:latin typeface="Arial"/>
             </a:endParaRPr>
           </a:p>
@@ -1842,11 +2032,12 @@
           </a:prstGeom>
         </p:spPr>
         <p:txBody>
-          <a:bodyPr lIns="0" rIns="0" tIns="0" bIns="0">
+          <a:bodyPr lIns="0" tIns="0" rIns="0" bIns="0">
             <a:normAutofit/>
           </a:bodyPr>
-          <a:p>
-            <a:endParaRPr b="0" lang="en-US" sz="3200" spc="-1" strike="noStrike">
+          <a:lstStyle/>
+          <a:p>
+            <a:endParaRPr lang="en-US" sz="3200" b="0" strike="noStrike" spc="-1">
               <a:latin typeface="Arial"/>
             </a:endParaRPr>
           </a:p>
@@ -1872,11 +2063,12 @@
           </a:prstGeom>
         </p:spPr>
         <p:txBody>
-          <a:bodyPr lIns="0" rIns="0" tIns="0" bIns="0">
+          <a:bodyPr lIns="0" tIns="0" rIns="0" bIns="0">
             <a:normAutofit/>
           </a:bodyPr>
-          <a:p>
-            <a:endParaRPr b="0" lang="en-US" sz="3200" spc="-1" strike="noStrike">
+          <a:lstStyle/>
+          <a:p>
+            <a:endParaRPr lang="en-US" sz="3200" b="0" strike="noStrike" spc="-1">
               <a:latin typeface="Arial"/>
             </a:endParaRPr>
           </a:p>
@@ -1902,11 +2094,12 @@
           </a:prstGeom>
         </p:spPr>
         <p:txBody>
-          <a:bodyPr lIns="0" rIns="0" tIns="0" bIns="0">
+          <a:bodyPr lIns="0" tIns="0" rIns="0" bIns="0">
             <a:normAutofit/>
           </a:bodyPr>
-          <a:p>
-            <a:endParaRPr b="0" lang="en-US" sz="3200" spc="-1" strike="noStrike">
+          <a:lstStyle/>
+          <a:p>
+            <a:endParaRPr lang="en-US" sz="3200" b="0" strike="noStrike" spc="-1">
               <a:latin typeface="Arial"/>
             </a:endParaRPr>
           </a:p>
@@ -1932,11 +2125,12 @@
           </a:prstGeom>
         </p:spPr>
         <p:txBody>
-          <a:bodyPr lIns="0" rIns="0" tIns="0" bIns="0">
+          <a:bodyPr lIns="0" tIns="0" rIns="0" bIns="0">
             <a:normAutofit/>
           </a:bodyPr>
-          <a:p>
-            <a:endParaRPr b="0" lang="en-US" sz="3200" spc="-1" strike="noStrike">
+          <a:lstStyle/>
+          <a:p>
+            <a:endParaRPr lang="en-US" sz="3200" b="0" strike="noStrike" spc="-1">
               <a:latin typeface="Arial"/>
             </a:endParaRPr>
           </a:p>
@@ -1962,11 +2156,12 @@
           </a:prstGeom>
         </p:spPr>
         <p:txBody>
-          <a:bodyPr lIns="0" rIns="0" tIns="0" bIns="0">
+          <a:bodyPr lIns="0" tIns="0" rIns="0" bIns="0">
             <a:normAutofit/>
           </a:bodyPr>
-          <a:p>
-            <a:endParaRPr b="0" lang="en-US" sz="3200" spc="-1" strike="noStrike">
+          <a:lstStyle/>
+          <a:p>
+            <a:endParaRPr lang="en-US" sz="3200" b="0" strike="noStrike" spc="-1">
               <a:latin typeface="Arial"/>
             </a:endParaRPr>
           </a:p>
@@ -1992,11 +2187,12 @@
           </a:prstGeom>
         </p:spPr>
         <p:txBody>
-          <a:bodyPr lIns="0" rIns="0" tIns="0" bIns="0">
+          <a:bodyPr lIns="0" tIns="0" rIns="0" bIns="0">
             <a:normAutofit/>
           </a:bodyPr>
-          <a:p>
-            <a:endParaRPr b="0" lang="en-US" sz="3200" spc="-1" strike="noStrike">
+          <a:lstStyle/>
+          <a:p>
+            <a:endParaRPr lang="en-US" sz="3200" b="0" strike="noStrike" spc="-1">
               <a:latin typeface="Arial"/>
             </a:endParaRPr>
           </a:p>
@@ -2004,11 +2200,14 @@
       </p:sp>
     </p:spTree>
   </p:cSld>
+  <p:clrMapOvr>
+    <a:masterClrMapping/>
+  </p:clrMapOvr>
 </p:sldLayout>
 </file>
 
 <file path=ppt/slideLayouts/slideLayout25.xml><?xml version="1.0" encoding="utf-8"?>
-<p:sldLayout xmlns:a="http://schemas.openxmlformats.org/drawingml/2006/main" xmlns:p="http://schemas.openxmlformats.org/presentationml/2006/main" xmlns:r="http://schemas.openxmlformats.org/officeDocument/2006/relationships" xmlns:p14="http://schemas.microsoft.com/office/powerpoint/2010/main" xmlns:p15="http://schemas.microsoft.com/office/powerpoint/2012/main" xmlns:mc="http://schemas.openxmlformats.org/markup-compatibility/2006" type="blank" preserve="1">
+<p:sldLayout xmlns:a="http://schemas.openxmlformats.org/drawingml/2006/main" xmlns:r="http://schemas.openxmlformats.org/officeDocument/2006/relationships" xmlns:p="http://schemas.openxmlformats.org/presentationml/2006/main" type="blank" preserve="1">
   <p:cSld name="Blank Slide">
     <p:spTree>
       <p:nvGrpSpPr>
@@ -2026,11 +2225,14 @@
       </p:grpSpPr>
     </p:spTree>
   </p:cSld>
+  <p:clrMapOvr>
+    <a:masterClrMapping/>
+  </p:clrMapOvr>
 </p:sldLayout>
 </file>
 
 <file path=ppt/slideLayouts/slideLayout26.xml><?xml version="1.0" encoding="utf-8"?>
-<p:sldLayout xmlns:a="http://schemas.openxmlformats.org/drawingml/2006/main" xmlns:p="http://schemas.openxmlformats.org/presentationml/2006/main" xmlns:r="http://schemas.openxmlformats.org/officeDocument/2006/relationships" xmlns:p14="http://schemas.microsoft.com/office/powerpoint/2010/main" xmlns:p15="http://schemas.microsoft.com/office/powerpoint/2012/main" xmlns:mc="http://schemas.openxmlformats.org/markup-compatibility/2006" type="tx" preserve="1">
+<p:sldLayout xmlns:a="http://schemas.openxmlformats.org/drawingml/2006/main" xmlns:r="http://schemas.openxmlformats.org/officeDocument/2006/relationships" xmlns:p="http://schemas.openxmlformats.org/presentationml/2006/main" type="tx" preserve="1">
   <p:cSld name="Title Slide">
     <p:spTree>
       <p:nvGrpSpPr>
@@ -2066,12 +2268,13 @@
           </a:prstGeom>
         </p:spPr>
         <p:txBody>
-          <a:bodyPr lIns="0" rIns="0" tIns="0" bIns="0" anchor="ctr">
+          <a:bodyPr lIns="0" tIns="0" rIns="0" bIns="0" anchor="ctr">
             <a:spAutoFit/>
           </a:bodyPr>
+          <a:lstStyle/>
           <a:p>
             <a:pPr algn="ctr"/>
-            <a:endParaRPr b="0" lang="en-US" sz="4400" spc="-1" strike="noStrike">
+            <a:endParaRPr lang="en-US" sz="4400" b="0" strike="noStrike" spc="-1">
               <a:latin typeface="Arial"/>
             </a:endParaRPr>
           </a:p>
@@ -2097,12 +2300,13 @@
           </a:prstGeom>
         </p:spPr>
         <p:txBody>
-          <a:bodyPr lIns="0" rIns="0" tIns="0" bIns="0" anchor="ctr">
+          <a:bodyPr lIns="0" tIns="0" rIns="0" bIns="0" anchor="ctr">
             <a:spAutoFit/>
           </a:bodyPr>
+          <a:lstStyle/>
           <a:p>
             <a:pPr algn="ctr"/>
-            <a:endParaRPr b="0" lang="en-US" sz="3200" spc="-1" strike="noStrike">
+            <a:endParaRPr lang="en-US" sz="3200" b="0" strike="noStrike" spc="-1">
               <a:latin typeface="Arial"/>
             </a:endParaRPr>
           </a:p>
@@ -2110,11 +2314,14 @@
       </p:sp>
     </p:spTree>
   </p:cSld>
+  <p:clrMapOvr>
+    <a:masterClrMapping/>
+  </p:clrMapOvr>
 </p:sldLayout>
 </file>
 
 <file path=ppt/slideLayouts/slideLayout27.xml><?xml version="1.0" encoding="utf-8"?>
-<p:sldLayout xmlns:a="http://schemas.openxmlformats.org/drawingml/2006/main" xmlns:p="http://schemas.openxmlformats.org/presentationml/2006/main" xmlns:r="http://schemas.openxmlformats.org/officeDocument/2006/relationships" xmlns:p14="http://schemas.microsoft.com/office/powerpoint/2010/main" xmlns:p15="http://schemas.microsoft.com/office/powerpoint/2012/main" xmlns:mc="http://schemas.openxmlformats.org/markup-compatibility/2006" type="obj" preserve="1">
+<p:sldLayout xmlns:a="http://schemas.openxmlformats.org/drawingml/2006/main" xmlns:r="http://schemas.openxmlformats.org/officeDocument/2006/relationships" xmlns:p="http://schemas.openxmlformats.org/presentationml/2006/main" type="obj" preserve="1">
   <p:cSld name="Title, Content">
     <p:spTree>
       <p:nvGrpSpPr>
@@ -2150,12 +2357,13 @@
           </a:prstGeom>
         </p:spPr>
         <p:txBody>
-          <a:bodyPr lIns="0" rIns="0" tIns="0" bIns="0" anchor="ctr">
+          <a:bodyPr lIns="0" tIns="0" rIns="0" bIns="0" anchor="ctr">
             <a:spAutoFit/>
           </a:bodyPr>
+          <a:lstStyle/>
           <a:p>
             <a:pPr algn="ctr"/>
-            <a:endParaRPr b="0" lang="en-US" sz="4400" spc="-1" strike="noStrike">
+            <a:endParaRPr lang="en-US" sz="4400" b="0" strike="noStrike" spc="-1">
               <a:latin typeface="Arial"/>
             </a:endParaRPr>
           </a:p>
@@ -2181,11 +2389,12 @@
           </a:prstGeom>
         </p:spPr>
         <p:txBody>
-          <a:bodyPr lIns="0" rIns="0" tIns="0" bIns="0">
+          <a:bodyPr lIns="0" tIns="0" rIns="0" bIns="0">
             <a:normAutofit/>
           </a:bodyPr>
-          <a:p>
-            <a:endParaRPr b="0" lang="en-US" sz="3200" spc="-1" strike="noStrike">
+          <a:lstStyle/>
+          <a:p>
+            <a:endParaRPr lang="en-US" sz="3200" b="0" strike="noStrike" spc="-1">
               <a:latin typeface="Arial"/>
             </a:endParaRPr>
           </a:p>
@@ -2193,11 +2402,14 @@
       </p:sp>
     </p:spTree>
   </p:cSld>
+  <p:clrMapOvr>
+    <a:masterClrMapping/>
+  </p:clrMapOvr>
 </p:sldLayout>
 </file>
 
 <file path=ppt/slideLayouts/slideLayout28.xml><?xml version="1.0" encoding="utf-8"?>
-<p:sldLayout xmlns:a="http://schemas.openxmlformats.org/drawingml/2006/main" xmlns:p="http://schemas.openxmlformats.org/presentationml/2006/main" xmlns:r="http://schemas.openxmlformats.org/officeDocument/2006/relationships" xmlns:p14="http://schemas.microsoft.com/office/powerpoint/2010/main" xmlns:p15="http://schemas.microsoft.com/office/powerpoint/2012/main" xmlns:mc="http://schemas.openxmlformats.org/markup-compatibility/2006" type="twoObj" preserve="1">
+<p:sldLayout xmlns:a="http://schemas.openxmlformats.org/drawingml/2006/main" xmlns:r="http://schemas.openxmlformats.org/officeDocument/2006/relationships" xmlns:p="http://schemas.openxmlformats.org/presentationml/2006/main" type="twoObj" preserve="1">
   <p:cSld name="Title, 2 Content">
     <p:spTree>
       <p:nvGrpSpPr>
@@ -2233,12 +2445,13 @@
           </a:prstGeom>
         </p:spPr>
         <p:txBody>
-          <a:bodyPr lIns="0" rIns="0" tIns="0" bIns="0" anchor="ctr">
+          <a:bodyPr lIns="0" tIns="0" rIns="0" bIns="0" anchor="ctr">
             <a:spAutoFit/>
           </a:bodyPr>
+          <a:lstStyle/>
           <a:p>
             <a:pPr algn="ctr"/>
-            <a:endParaRPr b="0" lang="en-US" sz="4400" spc="-1" strike="noStrike">
+            <a:endParaRPr lang="en-US" sz="4400" b="0" strike="noStrike" spc="-1">
               <a:latin typeface="Arial"/>
             </a:endParaRPr>
           </a:p>
@@ -2264,11 +2477,12 @@
           </a:prstGeom>
         </p:spPr>
         <p:txBody>
-          <a:bodyPr lIns="0" rIns="0" tIns="0" bIns="0">
+          <a:bodyPr lIns="0" tIns="0" rIns="0" bIns="0">
             <a:normAutofit/>
           </a:bodyPr>
-          <a:p>
-            <a:endParaRPr b="0" lang="en-US" sz="3200" spc="-1" strike="noStrike">
+          <a:lstStyle/>
+          <a:p>
+            <a:endParaRPr lang="en-US" sz="3200" b="0" strike="noStrike" spc="-1">
               <a:latin typeface="Arial"/>
             </a:endParaRPr>
           </a:p>
@@ -2294,11 +2508,12 @@
           </a:prstGeom>
         </p:spPr>
         <p:txBody>
-          <a:bodyPr lIns="0" rIns="0" tIns="0" bIns="0">
+          <a:bodyPr lIns="0" tIns="0" rIns="0" bIns="0">
             <a:normAutofit/>
           </a:bodyPr>
-          <a:p>
-            <a:endParaRPr b="0" lang="en-US" sz="3200" spc="-1" strike="noStrike">
+          <a:lstStyle/>
+          <a:p>
+            <a:endParaRPr lang="en-US" sz="3200" b="0" strike="noStrike" spc="-1">
               <a:latin typeface="Arial"/>
             </a:endParaRPr>
           </a:p>
@@ -2306,11 +2521,14 @@
       </p:sp>
     </p:spTree>
   </p:cSld>
+  <p:clrMapOvr>
+    <a:masterClrMapping/>
+  </p:clrMapOvr>
 </p:sldLayout>
 </file>
 
 <file path=ppt/slideLayouts/slideLayout29.xml><?xml version="1.0" encoding="utf-8"?>
-<p:sldLayout xmlns:a="http://schemas.openxmlformats.org/drawingml/2006/main" xmlns:p="http://schemas.openxmlformats.org/presentationml/2006/main" xmlns:r="http://schemas.openxmlformats.org/officeDocument/2006/relationships" xmlns:p14="http://schemas.microsoft.com/office/powerpoint/2010/main" xmlns:p15="http://schemas.microsoft.com/office/powerpoint/2012/main" xmlns:mc="http://schemas.openxmlformats.org/markup-compatibility/2006" type="titleOnly" preserve="1">
+<p:sldLayout xmlns:a="http://schemas.openxmlformats.org/drawingml/2006/main" xmlns:r="http://schemas.openxmlformats.org/officeDocument/2006/relationships" xmlns:p="http://schemas.openxmlformats.org/presentationml/2006/main" type="titleOnly" preserve="1">
   <p:cSld name="Title Only">
     <p:spTree>
       <p:nvGrpSpPr>
@@ -2346,12 +2564,13 @@
           </a:prstGeom>
         </p:spPr>
         <p:txBody>
-          <a:bodyPr lIns="0" rIns="0" tIns="0" bIns="0" anchor="ctr">
+          <a:bodyPr lIns="0" tIns="0" rIns="0" bIns="0" anchor="ctr">
             <a:spAutoFit/>
           </a:bodyPr>
+          <a:lstStyle/>
           <a:p>
             <a:pPr algn="ctr"/>
-            <a:endParaRPr b="0" lang="en-US" sz="4400" spc="-1" strike="noStrike">
+            <a:endParaRPr lang="en-US" sz="4400" b="0" strike="noStrike" spc="-1">
               <a:latin typeface="Arial"/>
             </a:endParaRPr>
           </a:p>
@@ -2359,11 +2578,14 @@
       </p:sp>
     </p:spTree>
   </p:cSld>
+  <p:clrMapOvr>
+    <a:masterClrMapping/>
+  </p:clrMapOvr>
 </p:sldLayout>
 </file>
 
 <file path=ppt/slideLayouts/slideLayout3.xml><?xml version="1.0" encoding="utf-8"?>
-<p:sldLayout xmlns:a="http://schemas.openxmlformats.org/drawingml/2006/main" xmlns:p="http://schemas.openxmlformats.org/presentationml/2006/main" xmlns:r="http://schemas.openxmlformats.org/officeDocument/2006/relationships" xmlns:p14="http://schemas.microsoft.com/office/powerpoint/2010/main" xmlns:p15="http://schemas.microsoft.com/office/powerpoint/2012/main" xmlns:mc="http://schemas.openxmlformats.org/markup-compatibility/2006" type="obj" preserve="1">
+<p:sldLayout xmlns:a="http://schemas.openxmlformats.org/drawingml/2006/main" xmlns:r="http://schemas.openxmlformats.org/officeDocument/2006/relationships" xmlns:p="http://schemas.openxmlformats.org/presentationml/2006/main" type="obj" preserve="1">
   <p:cSld name="Title, Content">
     <p:spTree>
       <p:nvGrpSpPr>
@@ -2399,12 +2621,13 @@
           </a:prstGeom>
         </p:spPr>
         <p:txBody>
-          <a:bodyPr lIns="0" rIns="0" tIns="0" bIns="0" anchor="ctr">
+          <a:bodyPr lIns="0" tIns="0" rIns="0" bIns="0" anchor="ctr">
             <a:spAutoFit/>
           </a:bodyPr>
+          <a:lstStyle/>
           <a:p>
             <a:pPr algn="ctr"/>
-            <a:endParaRPr b="0" lang="en-US" sz="4400" spc="-1" strike="noStrike">
+            <a:endParaRPr lang="en-US" sz="4400" b="0" strike="noStrike" spc="-1">
               <a:latin typeface="Arial"/>
             </a:endParaRPr>
           </a:p>
@@ -2430,11 +2653,12 @@
           </a:prstGeom>
         </p:spPr>
         <p:txBody>
-          <a:bodyPr lIns="0" rIns="0" tIns="0" bIns="0">
+          <a:bodyPr lIns="0" tIns="0" rIns="0" bIns="0">
             <a:normAutofit/>
           </a:bodyPr>
-          <a:p>
-            <a:endParaRPr b="0" lang="en-US" sz="3200" spc="-1" strike="noStrike">
+          <a:lstStyle/>
+          <a:p>
+            <a:endParaRPr lang="en-US" sz="3200" b="0" strike="noStrike" spc="-1">
               <a:latin typeface="Arial"/>
             </a:endParaRPr>
           </a:p>
@@ -2442,11 +2666,14 @@
       </p:sp>
     </p:spTree>
   </p:cSld>
+  <p:clrMapOvr>
+    <a:masterClrMapping/>
+  </p:clrMapOvr>
 </p:sldLayout>
 </file>
 
 <file path=ppt/slideLayouts/slideLayout30.xml><?xml version="1.0" encoding="utf-8"?>
-<p:sldLayout xmlns:a="http://schemas.openxmlformats.org/drawingml/2006/main" xmlns:p="http://schemas.openxmlformats.org/presentationml/2006/main" xmlns:r="http://schemas.openxmlformats.org/officeDocument/2006/relationships" xmlns:p14="http://schemas.microsoft.com/office/powerpoint/2010/main" xmlns:p15="http://schemas.microsoft.com/office/powerpoint/2012/main" xmlns:mc="http://schemas.openxmlformats.org/markup-compatibility/2006" type="objOnly" preserve="1">
+<p:sldLayout xmlns:a="http://schemas.openxmlformats.org/drawingml/2006/main" xmlns:r="http://schemas.openxmlformats.org/officeDocument/2006/relationships" xmlns:p="http://schemas.openxmlformats.org/presentationml/2006/main" type="objOnly" preserve="1">
   <p:cSld name="Centered Text">
     <p:spTree>
       <p:nvGrpSpPr>
@@ -2482,12 +2709,13 @@
           </a:prstGeom>
         </p:spPr>
         <p:txBody>
-          <a:bodyPr lIns="0" rIns="0" tIns="0" bIns="0" anchor="ctr">
+          <a:bodyPr lIns="0" tIns="0" rIns="0" bIns="0" anchor="ctr">
             <a:spAutoFit/>
           </a:bodyPr>
+          <a:lstStyle/>
           <a:p>
             <a:pPr algn="ctr"/>
-            <a:endParaRPr b="0" lang="en-US" sz="3200" spc="-1" strike="noStrike">
+            <a:endParaRPr lang="en-US" sz="3200" b="0" strike="noStrike" spc="-1">
               <a:latin typeface="Arial"/>
             </a:endParaRPr>
           </a:p>
@@ -2495,11 +2723,14 @@
       </p:sp>
     </p:spTree>
   </p:cSld>
+  <p:clrMapOvr>
+    <a:masterClrMapping/>
+  </p:clrMapOvr>
 </p:sldLayout>
 </file>
 
 <file path=ppt/slideLayouts/slideLayout31.xml><?xml version="1.0" encoding="utf-8"?>
-<p:sldLayout xmlns:a="http://schemas.openxmlformats.org/drawingml/2006/main" xmlns:p="http://schemas.openxmlformats.org/presentationml/2006/main" xmlns:r="http://schemas.openxmlformats.org/officeDocument/2006/relationships" xmlns:p14="http://schemas.microsoft.com/office/powerpoint/2010/main" xmlns:p15="http://schemas.microsoft.com/office/powerpoint/2012/main" xmlns:mc="http://schemas.openxmlformats.org/markup-compatibility/2006" type="twoObjAndObj" preserve="1">
+<p:sldLayout xmlns:a="http://schemas.openxmlformats.org/drawingml/2006/main" xmlns:r="http://schemas.openxmlformats.org/officeDocument/2006/relationships" xmlns:p="http://schemas.openxmlformats.org/presentationml/2006/main" type="twoObjAndObj" preserve="1">
   <p:cSld name="Title, 2 Content and Content">
     <p:spTree>
       <p:nvGrpSpPr>
@@ -2535,12 +2766,13 @@
           </a:prstGeom>
         </p:spPr>
         <p:txBody>
-          <a:bodyPr lIns="0" rIns="0" tIns="0" bIns="0" anchor="ctr">
+          <a:bodyPr lIns="0" tIns="0" rIns="0" bIns="0" anchor="ctr">
             <a:spAutoFit/>
           </a:bodyPr>
+          <a:lstStyle/>
           <a:p>
             <a:pPr algn="ctr"/>
-            <a:endParaRPr b="0" lang="en-US" sz="4400" spc="-1" strike="noStrike">
+            <a:endParaRPr lang="en-US" sz="4400" b="0" strike="noStrike" spc="-1">
               <a:latin typeface="Arial"/>
             </a:endParaRPr>
           </a:p>
@@ -2566,11 +2798,12 @@
           </a:prstGeom>
         </p:spPr>
         <p:txBody>
-          <a:bodyPr lIns="0" rIns="0" tIns="0" bIns="0">
+          <a:bodyPr lIns="0" tIns="0" rIns="0" bIns="0">
             <a:normAutofit/>
           </a:bodyPr>
-          <a:p>
-            <a:endParaRPr b="0" lang="en-US" sz="3200" spc="-1" strike="noStrike">
+          <a:lstStyle/>
+          <a:p>
+            <a:endParaRPr lang="en-US" sz="3200" b="0" strike="noStrike" spc="-1">
               <a:latin typeface="Arial"/>
             </a:endParaRPr>
           </a:p>
@@ -2596,11 +2829,12 @@
           </a:prstGeom>
         </p:spPr>
         <p:txBody>
-          <a:bodyPr lIns="0" rIns="0" tIns="0" bIns="0">
+          <a:bodyPr lIns="0" tIns="0" rIns="0" bIns="0">
             <a:normAutofit/>
           </a:bodyPr>
-          <a:p>
-            <a:endParaRPr b="0" lang="en-US" sz="3200" spc="-1" strike="noStrike">
+          <a:lstStyle/>
+          <a:p>
+            <a:endParaRPr lang="en-US" sz="3200" b="0" strike="noStrike" spc="-1">
               <a:latin typeface="Arial"/>
             </a:endParaRPr>
           </a:p>
@@ -2626,11 +2860,12 @@
           </a:prstGeom>
         </p:spPr>
         <p:txBody>
-          <a:bodyPr lIns="0" rIns="0" tIns="0" bIns="0">
+          <a:bodyPr lIns="0" tIns="0" rIns="0" bIns="0">
             <a:normAutofit/>
           </a:bodyPr>
-          <a:p>
-            <a:endParaRPr b="0" lang="en-US" sz="3200" spc="-1" strike="noStrike">
+          <a:lstStyle/>
+          <a:p>
+            <a:endParaRPr lang="en-US" sz="3200" b="0" strike="noStrike" spc="-1">
               <a:latin typeface="Arial"/>
             </a:endParaRPr>
           </a:p>
@@ -2638,11 +2873,14 @@
       </p:sp>
     </p:spTree>
   </p:cSld>
+  <p:clrMapOvr>
+    <a:masterClrMapping/>
+  </p:clrMapOvr>
 </p:sldLayout>
 </file>
 
 <file path=ppt/slideLayouts/slideLayout32.xml><?xml version="1.0" encoding="utf-8"?>
-<p:sldLayout xmlns:a="http://schemas.openxmlformats.org/drawingml/2006/main" xmlns:p="http://schemas.openxmlformats.org/presentationml/2006/main" xmlns:r="http://schemas.openxmlformats.org/officeDocument/2006/relationships" xmlns:p14="http://schemas.microsoft.com/office/powerpoint/2010/main" xmlns:p15="http://schemas.microsoft.com/office/powerpoint/2012/main" xmlns:mc="http://schemas.openxmlformats.org/markup-compatibility/2006" type="objAndTwoObj" preserve="1">
+<p:sldLayout xmlns:a="http://schemas.openxmlformats.org/drawingml/2006/main" xmlns:r="http://schemas.openxmlformats.org/officeDocument/2006/relationships" xmlns:p="http://schemas.openxmlformats.org/presentationml/2006/main" type="objAndTwoObj" preserve="1">
   <p:cSld name="Title Content and 2 Content">
     <p:spTree>
       <p:nvGrpSpPr>
@@ -2678,12 +2916,13 @@
           </a:prstGeom>
         </p:spPr>
         <p:txBody>
-          <a:bodyPr lIns="0" rIns="0" tIns="0" bIns="0" anchor="ctr">
+          <a:bodyPr lIns="0" tIns="0" rIns="0" bIns="0" anchor="ctr">
             <a:spAutoFit/>
           </a:bodyPr>
+          <a:lstStyle/>
           <a:p>
             <a:pPr algn="ctr"/>
-            <a:endParaRPr b="0" lang="en-US" sz="4400" spc="-1" strike="noStrike">
+            <a:endParaRPr lang="en-US" sz="4400" b="0" strike="noStrike" spc="-1">
               <a:latin typeface="Arial"/>
             </a:endParaRPr>
           </a:p>
@@ -2709,11 +2948,12 @@
           </a:prstGeom>
         </p:spPr>
         <p:txBody>
-          <a:bodyPr lIns="0" rIns="0" tIns="0" bIns="0">
+          <a:bodyPr lIns="0" tIns="0" rIns="0" bIns="0">
             <a:normAutofit/>
           </a:bodyPr>
-          <a:p>
-            <a:endParaRPr b="0" lang="en-US" sz="3200" spc="-1" strike="noStrike">
+          <a:lstStyle/>
+          <a:p>
+            <a:endParaRPr lang="en-US" sz="3200" b="0" strike="noStrike" spc="-1">
               <a:latin typeface="Arial"/>
             </a:endParaRPr>
           </a:p>
@@ -2739,11 +2979,12 @@
           </a:prstGeom>
         </p:spPr>
         <p:txBody>
-          <a:bodyPr lIns="0" rIns="0" tIns="0" bIns="0">
+          <a:bodyPr lIns="0" tIns="0" rIns="0" bIns="0">
             <a:normAutofit/>
           </a:bodyPr>
-          <a:p>
-            <a:endParaRPr b="0" lang="en-US" sz="3200" spc="-1" strike="noStrike">
+          <a:lstStyle/>
+          <a:p>
+            <a:endParaRPr lang="en-US" sz="3200" b="0" strike="noStrike" spc="-1">
               <a:latin typeface="Arial"/>
             </a:endParaRPr>
           </a:p>
@@ -2769,11 +3010,12 @@
           </a:prstGeom>
         </p:spPr>
         <p:txBody>
-          <a:bodyPr lIns="0" rIns="0" tIns="0" bIns="0">
+          <a:bodyPr lIns="0" tIns="0" rIns="0" bIns="0">
             <a:normAutofit/>
           </a:bodyPr>
-          <a:p>
-            <a:endParaRPr b="0" lang="en-US" sz="3200" spc="-1" strike="noStrike">
+          <a:lstStyle/>
+          <a:p>
+            <a:endParaRPr lang="en-US" sz="3200" b="0" strike="noStrike" spc="-1">
               <a:latin typeface="Arial"/>
             </a:endParaRPr>
           </a:p>
@@ -2781,11 +3023,14 @@
       </p:sp>
     </p:spTree>
   </p:cSld>
+  <p:clrMapOvr>
+    <a:masterClrMapping/>
+  </p:clrMapOvr>
 </p:sldLayout>
 </file>
 
 <file path=ppt/slideLayouts/slideLayout33.xml><?xml version="1.0" encoding="utf-8"?>
-<p:sldLayout xmlns:a="http://schemas.openxmlformats.org/drawingml/2006/main" xmlns:p="http://schemas.openxmlformats.org/presentationml/2006/main" xmlns:r="http://schemas.openxmlformats.org/officeDocument/2006/relationships" xmlns:p14="http://schemas.microsoft.com/office/powerpoint/2010/main" xmlns:p15="http://schemas.microsoft.com/office/powerpoint/2012/main" xmlns:mc="http://schemas.openxmlformats.org/markup-compatibility/2006" type="twoObjOverTx" preserve="1">
+<p:sldLayout xmlns:a="http://schemas.openxmlformats.org/drawingml/2006/main" xmlns:r="http://schemas.openxmlformats.org/officeDocument/2006/relationships" xmlns:p="http://schemas.openxmlformats.org/presentationml/2006/main" type="twoObjOverTx" preserve="1">
   <p:cSld name="Title, 2 Content over Content">
     <p:spTree>
       <p:nvGrpSpPr>
@@ -2821,12 +3066,13 @@
           </a:prstGeom>
         </p:spPr>
         <p:txBody>
-          <a:bodyPr lIns="0" rIns="0" tIns="0" bIns="0" anchor="ctr">
+          <a:bodyPr lIns="0" tIns="0" rIns="0" bIns="0" anchor="ctr">
             <a:spAutoFit/>
           </a:bodyPr>
+          <a:lstStyle/>
           <a:p>
             <a:pPr algn="ctr"/>
-            <a:endParaRPr b="0" lang="en-US" sz="4400" spc="-1" strike="noStrike">
+            <a:endParaRPr lang="en-US" sz="4400" b="0" strike="noStrike" spc="-1">
               <a:latin typeface="Arial"/>
             </a:endParaRPr>
           </a:p>
@@ -2852,11 +3098,12 @@
           </a:prstGeom>
         </p:spPr>
         <p:txBody>
-          <a:bodyPr lIns="0" rIns="0" tIns="0" bIns="0">
+          <a:bodyPr lIns="0" tIns="0" rIns="0" bIns="0">
             <a:normAutofit/>
           </a:bodyPr>
-          <a:p>
-            <a:endParaRPr b="0" lang="en-US" sz="3200" spc="-1" strike="noStrike">
+          <a:lstStyle/>
+          <a:p>
+            <a:endParaRPr lang="en-US" sz="3200" b="0" strike="noStrike" spc="-1">
               <a:latin typeface="Arial"/>
             </a:endParaRPr>
           </a:p>
@@ -2882,11 +3129,12 @@
           </a:prstGeom>
         </p:spPr>
         <p:txBody>
-          <a:bodyPr lIns="0" rIns="0" tIns="0" bIns="0">
+          <a:bodyPr lIns="0" tIns="0" rIns="0" bIns="0">
             <a:normAutofit/>
           </a:bodyPr>
-          <a:p>
-            <a:endParaRPr b="0" lang="en-US" sz="3200" spc="-1" strike="noStrike">
+          <a:lstStyle/>
+          <a:p>
+            <a:endParaRPr lang="en-US" sz="3200" b="0" strike="noStrike" spc="-1">
               <a:latin typeface="Arial"/>
             </a:endParaRPr>
           </a:p>
@@ -2912,11 +3160,12 @@
           </a:prstGeom>
         </p:spPr>
         <p:txBody>
-          <a:bodyPr lIns="0" rIns="0" tIns="0" bIns="0">
+          <a:bodyPr lIns="0" tIns="0" rIns="0" bIns="0">
             <a:normAutofit/>
           </a:bodyPr>
-          <a:p>
-            <a:endParaRPr b="0" lang="en-US" sz="3200" spc="-1" strike="noStrike">
+          <a:lstStyle/>
+          <a:p>
+            <a:endParaRPr lang="en-US" sz="3200" b="0" strike="noStrike" spc="-1">
               <a:latin typeface="Arial"/>
             </a:endParaRPr>
           </a:p>
@@ -2924,11 +3173,14 @@
       </p:sp>
     </p:spTree>
   </p:cSld>
+  <p:clrMapOvr>
+    <a:masterClrMapping/>
+  </p:clrMapOvr>
 </p:sldLayout>
 </file>
 
 <file path=ppt/slideLayouts/slideLayout34.xml><?xml version="1.0" encoding="utf-8"?>
-<p:sldLayout xmlns:a="http://schemas.openxmlformats.org/drawingml/2006/main" xmlns:p="http://schemas.openxmlformats.org/presentationml/2006/main" xmlns:r="http://schemas.openxmlformats.org/officeDocument/2006/relationships" xmlns:p14="http://schemas.microsoft.com/office/powerpoint/2010/main" xmlns:p15="http://schemas.microsoft.com/office/powerpoint/2012/main" xmlns:mc="http://schemas.openxmlformats.org/markup-compatibility/2006" type="objOverTx" preserve="1">
+<p:sldLayout xmlns:a="http://schemas.openxmlformats.org/drawingml/2006/main" xmlns:r="http://schemas.openxmlformats.org/officeDocument/2006/relationships" xmlns:p="http://schemas.openxmlformats.org/presentationml/2006/main" type="objOverTx" preserve="1">
   <p:cSld name="Title, Content over Content">
     <p:spTree>
       <p:nvGrpSpPr>
@@ -2964,12 +3216,13 @@
           </a:prstGeom>
         </p:spPr>
         <p:txBody>
-          <a:bodyPr lIns="0" rIns="0" tIns="0" bIns="0" anchor="ctr">
+          <a:bodyPr lIns="0" tIns="0" rIns="0" bIns="0" anchor="ctr">
             <a:spAutoFit/>
           </a:bodyPr>
+          <a:lstStyle/>
           <a:p>
             <a:pPr algn="ctr"/>
-            <a:endParaRPr b="0" lang="en-US" sz="4400" spc="-1" strike="noStrike">
+            <a:endParaRPr lang="en-US" sz="4400" b="0" strike="noStrike" spc="-1">
               <a:latin typeface="Arial"/>
             </a:endParaRPr>
           </a:p>
@@ -2995,11 +3248,12 @@
           </a:prstGeom>
         </p:spPr>
         <p:txBody>
-          <a:bodyPr lIns="0" rIns="0" tIns="0" bIns="0">
+          <a:bodyPr lIns="0" tIns="0" rIns="0" bIns="0">
             <a:normAutofit/>
           </a:bodyPr>
-          <a:p>
-            <a:endParaRPr b="0" lang="en-US" sz="3200" spc="-1" strike="noStrike">
+          <a:lstStyle/>
+          <a:p>
+            <a:endParaRPr lang="en-US" sz="3200" b="0" strike="noStrike" spc="-1">
               <a:latin typeface="Arial"/>
             </a:endParaRPr>
           </a:p>
@@ -3025,11 +3279,12 @@
           </a:prstGeom>
         </p:spPr>
         <p:txBody>
-          <a:bodyPr lIns="0" rIns="0" tIns="0" bIns="0">
+          <a:bodyPr lIns="0" tIns="0" rIns="0" bIns="0">
             <a:normAutofit/>
           </a:bodyPr>
-          <a:p>
-            <a:endParaRPr b="0" lang="en-US" sz="3200" spc="-1" strike="noStrike">
+          <a:lstStyle/>
+          <a:p>
+            <a:endParaRPr lang="en-US" sz="3200" b="0" strike="noStrike" spc="-1">
               <a:latin typeface="Arial"/>
             </a:endParaRPr>
           </a:p>
@@ -3037,11 +3292,14 @@
       </p:sp>
     </p:spTree>
   </p:cSld>
+  <p:clrMapOvr>
+    <a:masterClrMapping/>
+  </p:clrMapOvr>
 </p:sldLayout>
 </file>
 
 <file path=ppt/slideLayouts/slideLayout35.xml><?xml version="1.0" encoding="utf-8"?>
-<p:sldLayout xmlns:a="http://schemas.openxmlformats.org/drawingml/2006/main" xmlns:p="http://schemas.openxmlformats.org/presentationml/2006/main" xmlns:r="http://schemas.openxmlformats.org/officeDocument/2006/relationships" xmlns:p14="http://schemas.microsoft.com/office/powerpoint/2010/main" xmlns:p15="http://schemas.microsoft.com/office/powerpoint/2012/main" xmlns:mc="http://schemas.openxmlformats.org/markup-compatibility/2006" type="fourObj" preserve="1">
+<p:sldLayout xmlns:a="http://schemas.openxmlformats.org/drawingml/2006/main" xmlns:r="http://schemas.openxmlformats.org/officeDocument/2006/relationships" xmlns:p="http://schemas.openxmlformats.org/presentationml/2006/main" type="fourObj" preserve="1">
   <p:cSld name="Title, 4 Content">
     <p:spTree>
       <p:nvGrpSpPr>
@@ -3077,12 +3335,13 @@
           </a:prstGeom>
         </p:spPr>
         <p:txBody>
-          <a:bodyPr lIns="0" rIns="0" tIns="0" bIns="0" anchor="ctr">
+          <a:bodyPr lIns="0" tIns="0" rIns="0" bIns="0" anchor="ctr">
             <a:spAutoFit/>
           </a:bodyPr>
+          <a:lstStyle/>
           <a:p>
             <a:pPr algn="ctr"/>
-            <a:endParaRPr b="0" lang="en-US" sz="4400" spc="-1" strike="noStrike">
+            <a:endParaRPr lang="en-US" sz="4400" b="0" strike="noStrike" spc="-1">
               <a:latin typeface="Arial"/>
             </a:endParaRPr>
           </a:p>
@@ -3108,11 +3367,12 @@
           </a:prstGeom>
         </p:spPr>
         <p:txBody>
-          <a:bodyPr lIns="0" rIns="0" tIns="0" bIns="0">
+          <a:bodyPr lIns="0" tIns="0" rIns="0" bIns="0">
             <a:normAutofit/>
           </a:bodyPr>
-          <a:p>
-            <a:endParaRPr b="0" lang="en-US" sz="3200" spc="-1" strike="noStrike">
+          <a:lstStyle/>
+          <a:p>
+            <a:endParaRPr lang="en-US" sz="3200" b="0" strike="noStrike" spc="-1">
               <a:latin typeface="Arial"/>
             </a:endParaRPr>
           </a:p>
@@ -3138,11 +3398,12 @@
           </a:prstGeom>
         </p:spPr>
         <p:txBody>
-          <a:bodyPr lIns="0" rIns="0" tIns="0" bIns="0">
+          <a:bodyPr lIns="0" tIns="0" rIns="0" bIns="0">
             <a:normAutofit/>
           </a:bodyPr>
-          <a:p>
-            <a:endParaRPr b="0" lang="en-US" sz="3200" spc="-1" strike="noStrike">
+          <a:lstStyle/>
+          <a:p>
+            <a:endParaRPr lang="en-US" sz="3200" b="0" strike="noStrike" spc="-1">
               <a:latin typeface="Arial"/>
             </a:endParaRPr>
           </a:p>
@@ -3168,11 +3429,12 @@
           </a:prstGeom>
         </p:spPr>
         <p:txBody>
-          <a:bodyPr lIns="0" rIns="0" tIns="0" bIns="0">
+          <a:bodyPr lIns="0" tIns="0" rIns="0" bIns="0">
             <a:normAutofit/>
           </a:bodyPr>
-          <a:p>
-            <a:endParaRPr b="0" lang="en-US" sz="3200" spc="-1" strike="noStrike">
+          <a:lstStyle/>
+          <a:p>
+            <a:endParaRPr lang="en-US" sz="3200" b="0" strike="noStrike" spc="-1">
               <a:latin typeface="Arial"/>
             </a:endParaRPr>
           </a:p>
@@ -3198,11 +3460,12 @@
           </a:prstGeom>
         </p:spPr>
         <p:txBody>
-          <a:bodyPr lIns="0" rIns="0" tIns="0" bIns="0">
+          <a:bodyPr lIns="0" tIns="0" rIns="0" bIns="0">
             <a:normAutofit/>
           </a:bodyPr>
-          <a:p>
-            <a:endParaRPr b="0" lang="en-US" sz="3200" spc="-1" strike="noStrike">
+          <a:lstStyle/>
+          <a:p>
+            <a:endParaRPr lang="en-US" sz="3200" b="0" strike="noStrike" spc="-1">
               <a:latin typeface="Arial"/>
             </a:endParaRPr>
           </a:p>
@@ -3210,11 +3473,14 @@
       </p:sp>
     </p:spTree>
   </p:cSld>
+  <p:clrMapOvr>
+    <a:masterClrMapping/>
+  </p:clrMapOvr>
 </p:sldLayout>
 </file>
 
 <file path=ppt/slideLayouts/slideLayout36.xml><?xml version="1.0" encoding="utf-8"?>
-<p:sldLayout xmlns:a="http://schemas.openxmlformats.org/drawingml/2006/main" xmlns:p="http://schemas.openxmlformats.org/presentationml/2006/main" xmlns:r="http://schemas.openxmlformats.org/officeDocument/2006/relationships" xmlns:p14="http://schemas.microsoft.com/office/powerpoint/2010/main" xmlns:p15="http://schemas.microsoft.com/office/powerpoint/2012/main" xmlns:mc="http://schemas.openxmlformats.org/markup-compatibility/2006" type="blank" preserve="1">
+<p:sldLayout xmlns:a="http://schemas.openxmlformats.org/drawingml/2006/main" xmlns:r="http://schemas.openxmlformats.org/officeDocument/2006/relationships" xmlns:p="http://schemas.openxmlformats.org/presentationml/2006/main" type="blank" preserve="1">
   <p:cSld name="Title, 6 Content">
     <p:spTree>
       <p:nvGrpSpPr>
@@ -3250,12 +3516,13 @@
           </a:prstGeom>
         </p:spPr>
         <p:txBody>
-          <a:bodyPr lIns="0" rIns="0" tIns="0" bIns="0" anchor="ctr">
+          <a:bodyPr lIns="0" tIns="0" rIns="0" bIns="0" anchor="ctr">
             <a:spAutoFit/>
           </a:bodyPr>
+          <a:lstStyle/>
           <a:p>
             <a:pPr algn="ctr"/>
-            <a:endParaRPr b="0" lang="en-US" sz="4400" spc="-1" strike="noStrike">
+            <a:endParaRPr lang="en-US" sz="4400" b="0" strike="noStrike" spc="-1">
               <a:latin typeface="Arial"/>
             </a:endParaRPr>
           </a:p>
@@ -3281,11 +3548,12 @@
           </a:prstGeom>
         </p:spPr>
         <p:txBody>
-          <a:bodyPr lIns="0" rIns="0" tIns="0" bIns="0">
+          <a:bodyPr lIns="0" tIns="0" rIns="0" bIns="0">
             <a:normAutofit/>
           </a:bodyPr>
-          <a:p>
-            <a:endParaRPr b="0" lang="en-US" sz="3200" spc="-1" strike="noStrike">
+          <a:lstStyle/>
+          <a:p>
+            <a:endParaRPr lang="en-US" sz="3200" b="0" strike="noStrike" spc="-1">
               <a:latin typeface="Arial"/>
             </a:endParaRPr>
           </a:p>
@@ -3311,11 +3579,12 @@
           </a:prstGeom>
         </p:spPr>
         <p:txBody>
-          <a:bodyPr lIns="0" rIns="0" tIns="0" bIns="0">
+          <a:bodyPr lIns="0" tIns="0" rIns="0" bIns="0">
             <a:normAutofit/>
           </a:bodyPr>
-          <a:p>
-            <a:endParaRPr b="0" lang="en-US" sz="3200" spc="-1" strike="noStrike">
+          <a:lstStyle/>
+          <a:p>
+            <a:endParaRPr lang="en-US" sz="3200" b="0" strike="noStrike" spc="-1">
               <a:latin typeface="Arial"/>
             </a:endParaRPr>
           </a:p>
@@ -3341,11 +3610,12 @@
           </a:prstGeom>
         </p:spPr>
         <p:txBody>
-          <a:bodyPr lIns="0" rIns="0" tIns="0" bIns="0">
+          <a:bodyPr lIns="0" tIns="0" rIns="0" bIns="0">
             <a:normAutofit/>
           </a:bodyPr>
-          <a:p>
-            <a:endParaRPr b="0" lang="en-US" sz="3200" spc="-1" strike="noStrike">
+          <a:lstStyle/>
+          <a:p>
+            <a:endParaRPr lang="en-US" sz="3200" b="0" strike="noStrike" spc="-1">
               <a:latin typeface="Arial"/>
             </a:endParaRPr>
           </a:p>
@@ -3371,11 +3641,12 @@
           </a:prstGeom>
         </p:spPr>
         <p:txBody>
-          <a:bodyPr lIns="0" rIns="0" tIns="0" bIns="0">
+          <a:bodyPr lIns="0" tIns="0" rIns="0" bIns="0">
             <a:normAutofit/>
           </a:bodyPr>
-          <a:p>
-            <a:endParaRPr b="0" lang="en-US" sz="3200" spc="-1" strike="noStrike">
+          <a:lstStyle/>
+          <a:p>
+            <a:endParaRPr lang="en-US" sz="3200" b="0" strike="noStrike" spc="-1">
               <a:latin typeface="Arial"/>
             </a:endParaRPr>
           </a:p>
@@ -3401,11 +3672,12 @@
           </a:prstGeom>
         </p:spPr>
         <p:txBody>
-          <a:bodyPr lIns="0" rIns="0" tIns="0" bIns="0">
+          <a:bodyPr lIns="0" tIns="0" rIns="0" bIns="0">
             <a:normAutofit/>
           </a:bodyPr>
-          <a:p>
-            <a:endParaRPr b="0" lang="en-US" sz="3200" spc="-1" strike="noStrike">
+          <a:lstStyle/>
+          <a:p>
+            <a:endParaRPr lang="en-US" sz="3200" b="0" strike="noStrike" spc="-1">
               <a:latin typeface="Arial"/>
             </a:endParaRPr>
           </a:p>
@@ -3431,11 +3703,12 @@
           </a:prstGeom>
         </p:spPr>
         <p:txBody>
-          <a:bodyPr lIns="0" rIns="0" tIns="0" bIns="0">
+          <a:bodyPr lIns="0" tIns="0" rIns="0" bIns="0">
             <a:normAutofit/>
           </a:bodyPr>
-          <a:p>
-            <a:endParaRPr b="0" lang="en-US" sz="3200" spc="-1" strike="noStrike">
+          <a:lstStyle/>
+          <a:p>
+            <a:endParaRPr lang="en-US" sz="3200" b="0" strike="noStrike" spc="-1">
               <a:latin typeface="Arial"/>
             </a:endParaRPr>
           </a:p>
@@ -3443,11 +3716,14 @@
       </p:sp>
     </p:spTree>
   </p:cSld>
+  <p:clrMapOvr>
+    <a:masterClrMapping/>
+  </p:clrMapOvr>
 </p:sldLayout>
 </file>
 
 <file path=ppt/slideLayouts/slideLayout4.xml><?xml version="1.0" encoding="utf-8"?>
-<p:sldLayout xmlns:a="http://schemas.openxmlformats.org/drawingml/2006/main" xmlns:p="http://schemas.openxmlformats.org/presentationml/2006/main" xmlns:r="http://schemas.openxmlformats.org/officeDocument/2006/relationships" xmlns:p14="http://schemas.microsoft.com/office/powerpoint/2010/main" xmlns:p15="http://schemas.microsoft.com/office/powerpoint/2012/main" xmlns:mc="http://schemas.openxmlformats.org/markup-compatibility/2006" type="twoObj" preserve="1">
+<p:sldLayout xmlns:a="http://schemas.openxmlformats.org/drawingml/2006/main" xmlns:r="http://schemas.openxmlformats.org/officeDocument/2006/relationships" xmlns:p="http://schemas.openxmlformats.org/presentationml/2006/main" type="twoObj" preserve="1">
   <p:cSld name="Title, 2 Content">
     <p:spTree>
       <p:nvGrpSpPr>
@@ -3483,12 +3759,13 @@
           </a:prstGeom>
         </p:spPr>
         <p:txBody>
-          <a:bodyPr lIns="0" rIns="0" tIns="0" bIns="0" anchor="ctr">
+          <a:bodyPr lIns="0" tIns="0" rIns="0" bIns="0" anchor="ctr">
             <a:spAutoFit/>
           </a:bodyPr>
+          <a:lstStyle/>
           <a:p>
             <a:pPr algn="ctr"/>
-            <a:endParaRPr b="0" lang="en-US" sz="4400" spc="-1" strike="noStrike">
+            <a:endParaRPr lang="en-US" sz="4400" b="0" strike="noStrike" spc="-1">
               <a:latin typeface="Arial"/>
             </a:endParaRPr>
           </a:p>
@@ -3514,11 +3791,12 @@
           </a:prstGeom>
         </p:spPr>
         <p:txBody>
-          <a:bodyPr lIns="0" rIns="0" tIns="0" bIns="0">
+          <a:bodyPr lIns="0" tIns="0" rIns="0" bIns="0">
             <a:normAutofit/>
           </a:bodyPr>
-          <a:p>
-            <a:endParaRPr b="0" lang="en-US" sz="3200" spc="-1" strike="noStrike">
+          <a:lstStyle/>
+          <a:p>
+            <a:endParaRPr lang="en-US" sz="3200" b="0" strike="noStrike" spc="-1">
               <a:latin typeface="Arial"/>
             </a:endParaRPr>
           </a:p>
@@ -3544,11 +3822,12 @@
           </a:prstGeom>
         </p:spPr>
         <p:txBody>
-          <a:bodyPr lIns="0" rIns="0" tIns="0" bIns="0">
+          <a:bodyPr lIns="0" tIns="0" rIns="0" bIns="0">
             <a:normAutofit/>
           </a:bodyPr>
-          <a:p>
-            <a:endParaRPr b="0" lang="en-US" sz="3200" spc="-1" strike="noStrike">
+          <a:lstStyle/>
+          <a:p>
+            <a:endParaRPr lang="en-US" sz="3200" b="0" strike="noStrike" spc="-1">
               <a:latin typeface="Arial"/>
             </a:endParaRPr>
           </a:p>
@@ -3556,11 +3835,14 @@
       </p:sp>
     </p:spTree>
   </p:cSld>
+  <p:clrMapOvr>
+    <a:masterClrMapping/>
+  </p:clrMapOvr>
 </p:sldLayout>
 </file>
 
 <file path=ppt/slideLayouts/slideLayout5.xml><?xml version="1.0" encoding="utf-8"?>
-<p:sldLayout xmlns:a="http://schemas.openxmlformats.org/drawingml/2006/main" xmlns:p="http://schemas.openxmlformats.org/presentationml/2006/main" xmlns:r="http://schemas.openxmlformats.org/officeDocument/2006/relationships" xmlns:p14="http://schemas.microsoft.com/office/powerpoint/2010/main" xmlns:p15="http://schemas.microsoft.com/office/powerpoint/2012/main" xmlns:mc="http://schemas.openxmlformats.org/markup-compatibility/2006" type="titleOnly" preserve="1">
+<p:sldLayout xmlns:a="http://schemas.openxmlformats.org/drawingml/2006/main" xmlns:r="http://schemas.openxmlformats.org/officeDocument/2006/relationships" xmlns:p="http://schemas.openxmlformats.org/presentationml/2006/main" type="titleOnly" preserve="1">
   <p:cSld name="Title Only">
     <p:spTree>
       <p:nvGrpSpPr>
@@ -3596,12 +3878,13 @@
           </a:prstGeom>
         </p:spPr>
         <p:txBody>
-          <a:bodyPr lIns="0" rIns="0" tIns="0" bIns="0" anchor="ctr">
+          <a:bodyPr lIns="0" tIns="0" rIns="0" bIns="0" anchor="ctr">
             <a:spAutoFit/>
           </a:bodyPr>
+          <a:lstStyle/>
           <a:p>
             <a:pPr algn="ctr"/>
-            <a:endParaRPr b="0" lang="en-US" sz="4400" spc="-1" strike="noStrike">
+            <a:endParaRPr lang="en-US" sz="4400" b="0" strike="noStrike" spc="-1">
               <a:latin typeface="Arial"/>
             </a:endParaRPr>
           </a:p>
@@ -3609,11 +3892,14 @@
       </p:sp>
     </p:spTree>
   </p:cSld>
+  <p:clrMapOvr>
+    <a:masterClrMapping/>
+  </p:clrMapOvr>
 </p:sldLayout>
 </file>
 
 <file path=ppt/slideLayouts/slideLayout6.xml><?xml version="1.0" encoding="utf-8"?>
-<p:sldLayout xmlns:a="http://schemas.openxmlformats.org/drawingml/2006/main" xmlns:p="http://schemas.openxmlformats.org/presentationml/2006/main" xmlns:r="http://schemas.openxmlformats.org/officeDocument/2006/relationships" xmlns:p14="http://schemas.microsoft.com/office/powerpoint/2010/main" xmlns:p15="http://schemas.microsoft.com/office/powerpoint/2012/main" xmlns:mc="http://schemas.openxmlformats.org/markup-compatibility/2006" type="objOnly" preserve="1">
+<p:sldLayout xmlns:a="http://schemas.openxmlformats.org/drawingml/2006/main" xmlns:r="http://schemas.openxmlformats.org/officeDocument/2006/relationships" xmlns:p="http://schemas.openxmlformats.org/presentationml/2006/main" type="objOnly" preserve="1">
   <p:cSld name="Centered Text">
     <p:spTree>
       <p:nvGrpSpPr>
@@ -3649,12 +3935,13 @@
           </a:prstGeom>
         </p:spPr>
         <p:txBody>
-          <a:bodyPr lIns="0" rIns="0" tIns="0" bIns="0" anchor="ctr">
+          <a:bodyPr lIns="0" tIns="0" rIns="0" bIns="0" anchor="ctr">
             <a:spAutoFit/>
           </a:bodyPr>
+          <a:lstStyle/>
           <a:p>
             <a:pPr algn="ctr"/>
-            <a:endParaRPr b="0" lang="en-US" sz="3200" spc="-1" strike="noStrike">
+            <a:endParaRPr lang="en-US" sz="3200" b="0" strike="noStrike" spc="-1">
               <a:latin typeface="Arial"/>
             </a:endParaRPr>
           </a:p>
@@ -3662,11 +3949,14 @@
       </p:sp>
     </p:spTree>
   </p:cSld>
+  <p:clrMapOvr>
+    <a:masterClrMapping/>
+  </p:clrMapOvr>
 </p:sldLayout>
 </file>
 
 <file path=ppt/slideLayouts/slideLayout7.xml><?xml version="1.0" encoding="utf-8"?>
-<p:sldLayout xmlns:a="http://schemas.openxmlformats.org/drawingml/2006/main" xmlns:p="http://schemas.openxmlformats.org/presentationml/2006/main" xmlns:r="http://schemas.openxmlformats.org/officeDocument/2006/relationships" xmlns:p14="http://schemas.microsoft.com/office/powerpoint/2010/main" xmlns:p15="http://schemas.microsoft.com/office/powerpoint/2012/main" xmlns:mc="http://schemas.openxmlformats.org/markup-compatibility/2006" type="twoObjAndObj" preserve="1">
+<p:sldLayout xmlns:a="http://schemas.openxmlformats.org/drawingml/2006/main" xmlns:r="http://schemas.openxmlformats.org/officeDocument/2006/relationships" xmlns:p="http://schemas.openxmlformats.org/presentationml/2006/main" type="twoObjAndObj" preserve="1">
   <p:cSld name="Title, 2 Content and Content">
     <p:spTree>
       <p:nvGrpSpPr>
@@ -3702,12 +3992,13 @@
           </a:prstGeom>
         </p:spPr>
         <p:txBody>
-          <a:bodyPr lIns="0" rIns="0" tIns="0" bIns="0" anchor="ctr">
+          <a:bodyPr lIns="0" tIns="0" rIns="0" bIns="0" anchor="ctr">
             <a:spAutoFit/>
           </a:bodyPr>
+          <a:lstStyle/>
           <a:p>
             <a:pPr algn="ctr"/>
-            <a:endParaRPr b="0" lang="en-US" sz="4400" spc="-1" strike="noStrike">
+            <a:endParaRPr lang="en-US" sz="4400" b="0" strike="noStrike" spc="-1">
               <a:latin typeface="Arial"/>
             </a:endParaRPr>
           </a:p>
@@ -3733,11 +4024,12 @@
           </a:prstGeom>
         </p:spPr>
         <p:txBody>
-          <a:bodyPr lIns="0" rIns="0" tIns="0" bIns="0">
+          <a:bodyPr lIns="0" tIns="0" rIns="0" bIns="0">
             <a:normAutofit/>
           </a:bodyPr>
-          <a:p>
-            <a:endParaRPr b="0" lang="en-US" sz="3200" spc="-1" strike="noStrike">
+          <a:lstStyle/>
+          <a:p>
+            <a:endParaRPr lang="en-US" sz="3200" b="0" strike="noStrike" spc="-1">
               <a:latin typeface="Arial"/>
             </a:endParaRPr>
           </a:p>
@@ -3763,11 +4055,12 @@
           </a:prstGeom>
         </p:spPr>
         <p:txBody>
-          <a:bodyPr lIns="0" rIns="0" tIns="0" bIns="0">
+          <a:bodyPr lIns="0" tIns="0" rIns="0" bIns="0">
             <a:normAutofit/>
           </a:bodyPr>
-          <a:p>
-            <a:endParaRPr b="0" lang="en-US" sz="3200" spc="-1" strike="noStrike">
+          <a:lstStyle/>
+          <a:p>
+            <a:endParaRPr lang="en-US" sz="3200" b="0" strike="noStrike" spc="-1">
               <a:latin typeface="Arial"/>
             </a:endParaRPr>
           </a:p>
@@ -3793,11 +4086,12 @@
           </a:prstGeom>
         </p:spPr>
         <p:txBody>
-          <a:bodyPr lIns="0" rIns="0" tIns="0" bIns="0">
+          <a:bodyPr lIns="0" tIns="0" rIns="0" bIns="0">
             <a:normAutofit/>
           </a:bodyPr>
-          <a:p>
-            <a:endParaRPr b="0" lang="en-US" sz="3200" spc="-1" strike="noStrike">
+          <a:lstStyle/>
+          <a:p>
+            <a:endParaRPr lang="en-US" sz="3200" b="0" strike="noStrike" spc="-1">
               <a:latin typeface="Arial"/>
             </a:endParaRPr>
           </a:p>
@@ -3805,11 +4099,14 @@
       </p:sp>
     </p:spTree>
   </p:cSld>
+  <p:clrMapOvr>
+    <a:masterClrMapping/>
+  </p:clrMapOvr>
 </p:sldLayout>
 </file>
 
 <file path=ppt/slideLayouts/slideLayout8.xml><?xml version="1.0" encoding="utf-8"?>
-<p:sldLayout xmlns:a="http://schemas.openxmlformats.org/drawingml/2006/main" xmlns:p="http://schemas.openxmlformats.org/presentationml/2006/main" xmlns:r="http://schemas.openxmlformats.org/officeDocument/2006/relationships" xmlns:p14="http://schemas.microsoft.com/office/powerpoint/2010/main" xmlns:p15="http://schemas.microsoft.com/office/powerpoint/2012/main" xmlns:mc="http://schemas.openxmlformats.org/markup-compatibility/2006" type="objAndTwoObj" preserve="1">
+<p:sldLayout xmlns:a="http://schemas.openxmlformats.org/drawingml/2006/main" xmlns:r="http://schemas.openxmlformats.org/officeDocument/2006/relationships" xmlns:p="http://schemas.openxmlformats.org/presentationml/2006/main" type="objAndTwoObj" preserve="1">
   <p:cSld name="Title Content and 2 Content">
     <p:spTree>
       <p:nvGrpSpPr>
@@ -3845,12 +4142,13 @@
           </a:prstGeom>
         </p:spPr>
         <p:txBody>
-          <a:bodyPr lIns="0" rIns="0" tIns="0" bIns="0" anchor="ctr">
+          <a:bodyPr lIns="0" tIns="0" rIns="0" bIns="0" anchor="ctr">
             <a:spAutoFit/>
           </a:bodyPr>
+          <a:lstStyle/>
           <a:p>
             <a:pPr algn="ctr"/>
-            <a:endParaRPr b="0" lang="en-US" sz="4400" spc="-1" strike="noStrike">
+            <a:endParaRPr lang="en-US" sz="4400" b="0" strike="noStrike" spc="-1">
               <a:latin typeface="Arial"/>
             </a:endParaRPr>
           </a:p>
@@ -3876,11 +4174,12 @@
           </a:prstGeom>
         </p:spPr>
         <p:txBody>
-          <a:bodyPr lIns="0" rIns="0" tIns="0" bIns="0">
+          <a:bodyPr lIns="0" tIns="0" rIns="0" bIns="0">
             <a:normAutofit/>
           </a:bodyPr>
-          <a:p>
-            <a:endParaRPr b="0" lang="en-US" sz="3200" spc="-1" strike="noStrike">
+          <a:lstStyle/>
+          <a:p>
+            <a:endParaRPr lang="en-US" sz="3200" b="0" strike="noStrike" spc="-1">
               <a:latin typeface="Arial"/>
             </a:endParaRPr>
           </a:p>
@@ -3906,11 +4205,12 @@
           </a:prstGeom>
         </p:spPr>
         <p:txBody>
-          <a:bodyPr lIns="0" rIns="0" tIns="0" bIns="0">
+          <a:bodyPr lIns="0" tIns="0" rIns="0" bIns="0">
             <a:normAutofit/>
           </a:bodyPr>
-          <a:p>
-            <a:endParaRPr b="0" lang="en-US" sz="3200" spc="-1" strike="noStrike">
+          <a:lstStyle/>
+          <a:p>
+            <a:endParaRPr lang="en-US" sz="3200" b="0" strike="noStrike" spc="-1">
               <a:latin typeface="Arial"/>
             </a:endParaRPr>
           </a:p>
@@ -3936,11 +4236,12 @@
           </a:prstGeom>
         </p:spPr>
         <p:txBody>
-          <a:bodyPr lIns="0" rIns="0" tIns="0" bIns="0">
+          <a:bodyPr lIns="0" tIns="0" rIns="0" bIns="0">
             <a:normAutofit/>
           </a:bodyPr>
-          <a:p>
-            <a:endParaRPr b="0" lang="en-US" sz="3200" spc="-1" strike="noStrike">
+          <a:lstStyle/>
+          <a:p>
+            <a:endParaRPr lang="en-US" sz="3200" b="0" strike="noStrike" spc="-1">
               <a:latin typeface="Arial"/>
             </a:endParaRPr>
           </a:p>
@@ -3948,11 +4249,14 @@
       </p:sp>
     </p:spTree>
   </p:cSld>
+  <p:clrMapOvr>
+    <a:masterClrMapping/>
+  </p:clrMapOvr>
 </p:sldLayout>
 </file>
 
 <file path=ppt/slideLayouts/slideLayout9.xml><?xml version="1.0" encoding="utf-8"?>
-<p:sldLayout xmlns:a="http://schemas.openxmlformats.org/drawingml/2006/main" xmlns:p="http://schemas.openxmlformats.org/presentationml/2006/main" xmlns:r="http://schemas.openxmlformats.org/officeDocument/2006/relationships" xmlns:p14="http://schemas.microsoft.com/office/powerpoint/2010/main" xmlns:p15="http://schemas.microsoft.com/office/powerpoint/2012/main" xmlns:mc="http://schemas.openxmlformats.org/markup-compatibility/2006" type="twoObjOverTx" preserve="1">
+<p:sldLayout xmlns:a="http://schemas.openxmlformats.org/drawingml/2006/main" xmlns:r="http://schemas.openxmlformats.org/officeDocument/2006/relationships" xmlns:p="http://schemas.openxmlformats.org/presentationml/2006/main" type="twoObjOverTx" preserve="1">
   <p:cSld name="Title, 2 Content over Content">
     <p:spTree>
       <p:nvGrpSpPr>
@@ -3988,12 +4292,13 @@
           </a:prstGeom>
         </p:spPr>
         <p:txBody>
-          <a:bodyPr lIns="0" rIns="0" tIns="0" bIns="0" anchor="ctr">
+          <a:bodyPr lIns="0" tIns="0" rIns="0" bIns="0" anchor="ctr">
             <a:spAutoFit/>
           </a:bodyPr>
+          <a:lstStyle/>
           <a:p>
             <a:pPr algn="ctr"/>
-            <a:endParaRPr b="0" lang="en-US" sz="4400" spc="-1" strike="noStrike">
+            <a:endParaRPr lang="en-US" sz="4400" b="0" strike="noStrike" spc="-1">
               <a:latin typeface="Arial"/>
             </a:endParaRPr>
           </a:p>
@@ -4019,11 +4324,12 @@
           </a:prstGeom>
         </p:spPr>
         <p:txBody>
-          <a:bodyPr lIns="0" rIns="0" tIns="0" bIns="0">
+          <a:bodyPr lIns="0" tIns="0" rIns="0" bIns="0">
             <a:normAutofit/>
           </a:bodyPr>
-          <a:p>
-            <a:endParaRPr b="0" lang="en-US" sz="3200" spc="-1" strike="noStrike">
+          <a:lstStyle/>
+          <a:p>
+            <a:endParaRPr lang="en-US" sz="3200" b="0" strike="noStrike" spc="-1">
               <a:latin typeface="Arial"/>
             </a:endParaRPr>
           </a:p>
@@ -4049,11 +4355,12 @@
           </a:prstGeom>
         </p:spPr>
         <p:txBody>
-          <a:bodyPr lIns="0" rIns="0" tIns="0" bIns="0">
+          <a:bodyPr lIns="0" tIns="0" rIns="0" bIns="0">
             <a:normAutofit/>
           </a:bodyPr>
-          <a:p>
-            <a:endParaRPr b="0" lang="en-US" sz="3200" spc="-1" strike="noStrike">
+          <a:lstStyle/>
+          <a:p>
+            <a:endParaRPr lang="en-US" sz="3200" b="0" strike="noStrike" spc="-1">
               <a:latin typeface="Arial"/>
             </a:endParaRPr>
           </a:p>
@@ -4079,11 +4386,12 @@
           </a:prstGeom>
         </p:spPr>
         <p:txBody>
-          <a:bodyPr lIns="0" rIns="0" tIns="0" bIns="0">
+          <a:bodyPr lIns="0" tIns="0" rIns="0" bIns="0">
             <a:normAutofit/>
           </a:bodyPr>
-          <a:p>
-            <a:endParaRPr b="0" lang="en-US" sz="3200" spc="-1" strike="noStrike">
+          <a:lstStyle/>
+          <a:p>
+            <a:endParaRPr lang="en-US" sz="3200" b="0" strike="noStrike" spc="-1">
               <a:latin typeface="Arial"/>
             </a:endParaRPr>
           </a:p>
@@ -4091,12 +4399,20 @@
       </p:sp>
     </p:spTree>
   </p:cSld>
+  <p:clrMapOvr>
+    <a:masterClrMapping/>
+  </p:clrMapOvr>
 </p:sldLayout>
 </file>
 
 <file path=ppt/slideMasters/slideMaster1.xml><?xml version="1.0" encoding="utf-8"?>
-<p:sldMaster xmlns:a="http://schemas.openxmlformats.org/drawingml/2006/main" xmlns:p="http://schemas.openxmlformats.org/presentationml/2006/main" xmlns:r="http://schemas.openxmlformats.org/officeDocument/2006/relationships" xmlns:p14="http://schemas.microsoft.com/office/powerpoint/2010/main" xmlns:p15="http://schemas.microsoft.com/office/powerpoint/2012/main" xmlns:mc="http://schemas.openxmlformats.org/markup-compatibility/2006">
+<p:sldMaster xmlns:a="http://schemas.openxmlformats.org/drawingml/2006/main" xmlns:r="http://schemas.openxmlformats.org/officeDocument/2006/relationships" xmlns:p="http://schemas.openxmlformats.org/presentationml/2006/main">
   <p:cSld>
+    <p:bg>
+      <p:bgRef idx="1001">
+        <a:schemeClr val="bg1"/>
+      </p:bgRef>
+    </p:bg>
     <p:spTree>
       <p:nvGrpSpPr>
         <p:cNvPr id="1" name=""/>
@@ -4113,12 +4429,12 @@
       </p:grpSpPr>
       <p:pic>
         <p:nvPicPr>
-          <p:cNvPr id="0" name="" descr=""/>
+          <p:cNvPr id="4" name="Picture 3"/>
           <p:cNvPicPr/>
           <p:nvPr/>
         </p:nvPicPr>
         <p:blipFill>
-          <a:blip r:embed="rId2"/>
+          <a:blip r:embed="rId14"/>
           <a:stretch/>
         </p:blipFill>
         <p:spPr>
@@ -4136,12 +4452,12 @@
       </p:pic>
       <p:pic>
         <p:nvPicPr>
-          <p:cNvPr id="1" name="" descr=""/>
+          <p:cNvPr id="5" name="Picture 4"/>
           <p:cNvPicPr/>
           <p:nvPr/>
         </p:nvPicPr>
         <p:blipFill>
-          <a:blip r:embed="rId3"/>
+          <a:blip r:embed="rId15"/>
           <a:stretch/>
         </p:blipFill>
         <p:spPr>
@@ -4177,19 +4493,17 @@
           </a:prstGeom>
         </p:spPr>
         <p:txBody>
-          <a:bodyPr lIns="0" rIns="0" tIns="0" bIns="0" anchor="ctr">
+          <a:bodyPr lIns="0" tIns="0" rIns="0" bIns="0" anchor="ctr">
             <a:normAutofit/>
           </a:bodyPr>
-          <a:p>
-            <a:r>
-              <a:rPr b="0" lang="en-US" sz="1800" spc="-1" strike="noStrike">
+          <a:lstStyle/>
+          <a:p>
+            <a:r>
+              <a:rPr lang="en-US" sz="1800" b="0" strike="noStrike" spc="-1">
                 <a:latin typeface="Arial"/>
               </a:rPr>
               <a:t>Click to edit the title text format</a:t>
             </a:r>
-            <a:endParaRPr b="0" lang="en-US" sz="1800" spc="-1" strike="noStrike">
-              <a:latin typeface="Arial"/>
-            </a:endParaRPr>
           </a:p>
         </p:txBody>
       </p:sp>
@@ -4213,9 +4527,10 @@
           </a:prstGeom>
         </p:spPr>
         <p:txBody>
-          <a:bodyPr lIns="0" rIns="0" tIns="0" bIns="0">
+          <a:bodyPr lIns="0" tIns="0" rIns="0" bIns="0">
             <a:normAutofit/>
           </a:bodyPr>
+          <a:lstStyle/>
           <a:p>
             <a:pPr marL="432000" indent="-324000">
               <a:spcBef>
@@ -4229,17 +4544,14 @@
               <a:buChar char=""/>
             </a:pPr>
             <a:r>
-              <a:rPr b="0" lang="en-US" sz="1800" spc="-1" strike="noStrike">
+              <a:rPr lang="en-US" sz="1800" b="0" strike="noStrike" spc="-1">
                 <a:latin typeface="Arial"/>
               </a:rPr>
               <a:t>Click to edit the outline text format</a:t>
             </a:r>
-            <a:endParaRPr b="0" lang="en-US" sz="1800" spc="-1" strike="noStrike">
-              <a:latin typeface="Arial"/>
-            </a:endParaRPr>
-          </a:p>
-          <a:p>
-            <a:pPr lvl="1" marL="864000" indent="-324000">
+          </a:p>
+          <a:p>
+            <a:pPr marL="864000" lvl="1" indent="-324000">
               <a:spcBef>
                 <a:spcPts val="1134"/>
               </a:spcBef>
@@ -4251,17 +4563,14 @@
               <a:buChar char=""/>
             </a:pPr>
             <a:r>
-              <a:rPr b="0" lang="en-US" sz="1800" spc="-1" strike="noStrike">
+              <a:rPr lang="en-US" sz="1800" b="0" strike="noStrike" spc="-1">
                 <a:latin typeface="Arial"/>
               </a:rPr>
               <a:t>Second Outline Level</a:t>
             </a:r>
-            <a:endParaRPr b="0" lang="en-US" sz="1800" spc="-1" strike="noStrike">
-              <a:latin typeface="Arial"/>
-            </a:endParaRPr>
-          </a:p>
-          <a:p>
-            <a:pPr lvl="2" marL="1296000" indent="-288000">
+          </a:p>
+          <a:p>
+            <a:pPr marL="1296000" lvl="2" indent="-288000">
               <a:spcBef>
                 <a:spcPts val="850"/>
               </a:spcBef>
@@ -4273,17 +4582,14 @@
               <a:buChar char=""/>
             </a:pPr>
             <a:r>
-              <a:rPr b="0" lang="en-US" sz="1800" spc="-1" strike="noStrike">
+              <a:rPr lang="en-US" sz="1800" b="0" strike="noStrike" spc="-1">
                 <a:latin typeface="Arial"/>
               </a:rPr>
               <a:t>Third Outline Level</a:t>
             </a:r>
-            <a:endParaRPr b="0" lang="en-US" sz="1800" spc="-1" strike="noStrike">
-              <a:latin typeface="Arial"/>
-            </a:endParaRPr>
-          </a:p>
-          <a:p>
-            <a:pPr lvl="3" marL="1728000" indent="-216000">
+          </a:p>
+          <a:p>
+            <a:pPr marL="1728000" lvl="3" indent="-216000">
               <a:spcBef>
                 <a:spcPts val="567"/>
               </a:spcBef>
@@ -4295,17 +4601,14 @@
               <a:buChar char=""/>
             </a:pPr>
             <a:r>
-              <a:rPr b="0" lang="en-US" sz="1800" spc="-1" strike="noStrike">
+              <a:rPr lang="en-US" sz="1800" b="0" strike="noStrike" spc="-1">
                 <a:latin typeface="Arial"/>
               </a:rPr>
               <a:t>Fourth Outline Level</a:t>
             </a:r>
-            <a:endParaRPr b="0" lang="en-US" sz="1800" spc="-1" strike="noStrike">
-              <a:latin typeface="Arial"/>
-            </a:endParaRPr>
-          </a:p>
-          <a:p>
-            <a:pPr lvl="4" marL="2160000" indent="-216000">
+          </a:p>
+          <a:p>
+            <a:pPr marL="2160000" lvl="4" indent="-216000">
               <a:spcBef>
                 <a:spcPts val="283"/>
               </a:spcBef>
@@ -4317,17 +4620,14 @@
               <a:buChar char=""/>
             </a:pPr>
             <a:r>
-              <a:rPr b="0" lang="en-US" sz="1800" spc="-1" strike="noStrike">
+              <a:rPr lang="en-US" sz="1800" b="0" strike="noStrike" spc="-1">
                 <a:latin typeface="Arial"/>
               </a:rPr>
               <a:t>Fifth Outline Level</a:t>
             </a:r>
-            <a:endParaRPr b="0" lang="en-US" sz="1800" spc="-1" strike="noStrike">
-              <a:latin typeface="Arial"/>
-            </a:endParaRPr>
-          </a:p>
-          <a:p>
-            <a:pPr lvl="5" marL="2592000" indent="-216000">
+          </a:p>
+          <a:p>
+            <a:pPr marL="2592000" lvl="5" indent="-216000">
               <a:spcBef>
                 <a:spcPts val="283"/>
               </a:spcBef>
@@ -4339,17 +4639,14 @@
               <a:buChar char=""/>
             </a:pPr>
             <a:r>
-              <a:rPr b="0" lang="en-US" sz="1800" spc="-1" strike="noStrike">
+              <a:rPr lang="en-US" sz="1800" b="0" strike="noStrike" spc="-1">
                 <a:latin typeface="Arial"/>
               </a:rPr>
               <a:t>Sixth Outline Level</a:t>
             </a:r>
-            <a:endParaRPr b="0" lang="en-US" sz="1800" spc="-1" strike="noStrike">
-              <a:latin typeface="Arial"/>
-            </a:endParaRPr>
-          </a:p>
-          <a:p>
-            <a:pPr lvl="6" marL="3024000" indent="-216000">
+          </a:p>
+          <a:p>
+            <a:pPr marL="3024000" lvl="6" indent="-216000">
               <a:spcBef>
                 <a:spcPts val="283"/>
               </a:spcBef>
@@ -4361,40 +4658,322 @@
               <a:buChar char=""/>
             </a:pPr>
             <a:r>
-              <a:rPr b="0" lang="en-US" sz="1800" spc="-1" strike="noStrike">
+              <a:rPr lang="en-US" sz="1800" b="0" strike="noStrike" spc="-1">
                 <a:latin typeface="Arial"/>
               </a:rPr>
               <a:t>Seventh Outline Level</a:t>
             </a:r>
-            <a:endParaRPr b="0" lang="en-US" sz="1800" spc="-1" strike="noStrike">
-              <a:latin typeface="Arial"/>
-            </a:endParaRPr>
           </a:p>
         </p:txBody>
       </p:sp>
     </p:spTree>
   </p:cSld>
-  <p:clrMap bg1="lt1" bg2="lt2" tx1="dk1" tx2="dk2" accent1="accent1" accent2="accent2" accent3="accent3" accent4="accent4" accent5="accent5" accent6="accent6" hlink="hlink" folHlink="folHlink"/>
+  <p:clrMap bg1="lt1" tx1="dk1" bg2="lt2" tx2="dk2" accent1="accent1" accent2="accent2" accent3="accent3" accent4="accent4" accent5="accent5" accent6="accent6" hlink="hlink" folHlink="folHlink"/>
   <p:sldLayoutIdLst>
-    <p:sldLayoutId id="2147483649" r:id="rId4"/>
-    <p:sldLayoutId id="2147483650" r:id="rId5"/>
-    <p:sldLayoutId id="2147483651" r:id="rId6"/>
-    <p:sldLayoutId id="2147483652" r:id="rId7"/>
-    <p:sldLayoutId id="2147483653" r:id="rId8"/>
-    <p:sldLayoutId id="2147483654" r:id="rId9"/>
-    <p:sldLayoutId id="2147483655" r:id="rId10"/>
-    <p:sldLayoutId id="2147483656" r:id="rId11"/>
-    <p:sldLayoutId id="2147483657" r:id="rId12"/>
-    <p:sldLayoutId id="2147483658" r:id="rId13"/>
-    <p:sldLayoutId id="2147483659" r:id="rId14"/>
-    <p:sldLayoutId id="2147483660" r:id="rId15"/>
+    <p:sldLayoutId id="2147483649" r:id="rId1"/>
+    <p:sldLayoutId id="2147483650" r:id="rId2"/>
+    <p:sldLayoutId id="2147483651" r:id="rId3"/>
+    <p:sldLayoutId id="2147483652" r:id="rId4"/>
+    <p:sldLayoutId id="2147483653" r:id="rId5"/>
+    <p:sldLayoutId id="2147483654" r:id="rId6"/>
+    <p:sldLayoutId id="2147483655" r:id="rId7"/>
+    <p:sldLayoutId id="2147483656" r:id="rId8"/>
+    <p:sldLayoutId id="2147483657" r:id="rId9"/>
+    <p:sldLayoutId id="2147483658" r:id="rId10"/>
+    <p:sldLayoutId id="2147483659" r:id="rId11"/>
+    <p:sldLayoutId id="2147483660" r:id="rId12"/>
   </p:sldLayoutIdLst>
+  <p:txStyles>
+    <p:titleStyle>
+      <a:lvl1pPr algn="l" defTabSz="914400" rtl="0" eaLnBrk="1" latinLnBrk="0" hangingPunct="1">
+        <a:lnSpc>
+          <a:spcPct val="90000"/>
+        </a:lnSpc>
+        <a:spcBef>
+          <a:spcPct val="0"/>
+        </a:spcBef>
+        <a:buNone/>
+        <a:defRPr sz="4400" kern="1200">
+          <a:solidFill>
+            <a:schemeClr val="tx1"/>
+          </a:solidFill>
+          <a:latin typeface="+mj-lt"/>
+          <a:ea typeface="+mj-ea"/>
+          <a:cs typeface="+mj-cs"/>
+        </a:defRPr>
+      </a:lvl1pPr>
+    </p:titleStyle>
+    <p:bodyStyle>
+      <a:lvl1pPr marL="228600" indent="-228600" algn="l" defTabSz="914400" rtl="0" eaLnBrk="1" latinLnBrk="0" hangingPunct="1">
+        <a:lnSpc>
+          <a:spcPct val="90000"/>
+        </a:lnSpc>
+        <a:spcBef>
+          <a:spcPts val="1000"/>
+        </a:spcBef>
+        <a:buFont typeface="Arial" panose="020B0604020202020204" pitchFamily="34" charset="0"/>
+        <a:buChar char="•"/>
+        <a:defRPr sz="2800" kern="1200">
+          <a:solidFill>
+            <a:schemeClr val="tx1"/>
+          </a:solidFill>
+          <a:latin typeface="+mn-lt"/>
+          <a:ea typeface="+mn-ea"/>
+          <a:cs typeface="+mn-cs"/>
+        </a:defRPr>
+      </a:lvl1pPr>
+      <a:lvl2pPr marL="685800" indent="-228600" algn="l" defTabSz="914400" rtl="0" eaLnBrk="1" latinLnBrk="0" hangingPunct="1">
+        <a:lnSpc>
+          <a:spcPct val="90000"/>
+        </a:lnSpc>
+        <a:spcBef>
+          <a:spcPts val="500"/>
+        </a:spcBef>
+        <a:buFont typeface="Arial" panose="020B0604020202020204" pitchFamily="34" charset="0"/>
+        <a:buChar char="•"/>
+        <a:defRPr sz="2400" kern="1200">
+          <a:solidFill>
+            <a:schemeClr val="tx1"/>
+          </a:solidFill>
+          <a:latin typeface="+mn-lt"/>
+          <a:ea typeface="+mn-ea"/>
+          <a:cs typeface="+mn-cs"/>
+        </a:defRPr>
+      </a:lvl2pPr>
+      <a:lvl3pPr marL="1143000" indent="-228600" algn="l" defTabSz="914400" rtl="0" eaLnBrk="1" latinLnBrk="0" hangingPunct="1">
+        <a:lnSpc>
+          <a:spcPct val="90000"/>
+        </a:lnSpc>
+        <a:spcBef>
+          <a:spcPts val="500"/>
+        </a:spcBef>
+        <a:buFont typeface="Arial" panose="020B0604020202020204" pitchFamily="34" charset="0"/>
+        <a:buChar char="•"/>
+        <a:defRPr sz="2000" kern="1200">
+          <a:solidFill>
+            <a:schemeClr val="tx1"/>
+          </a:solidFill>
+          <a:latin typeface="+mn-lt"/>
+          <a:ea typeface="+mn-ea"/>
+          <a:cs typeface="+mn-cs"/>
+        </a:defRPr>
+      </a:lvl3pPr>
+      <a:lvl4pPr marL="1600200" indent="-228600" algn="l" defTabSz="914400" rtl="0" eaLnBrk="1" latinLnBrk="0" hangingPunct="1">
+        <a:lnSpc>
+          <a:spcPct val="90000"/>
+        </a:lnSpc>
+        <a:spcBef>
+          <a:spcPts val="500"/>
+        </a:spcBef>
+        <a:buFont typeface="Arial" panose="020B0604020202020204" pitchFamily="34" charset="0"/>
+        <a:buChar char="•"/>
+        <a:defRPr sz="1800" kern="1200">
+          <a:solidFill>
+            <a:schemeClr val="tx1"/>
+          </a:solidFill>
+          <a:latin typeface="+mn-lt"/>
+          <a:ea typeface="+mn-ea"/>
+          <a:cs typeface="+mn-cs"/>
+        </a:defRPr>
+      </a:lvl4pPr>
+      <a:lvl5pPr marL="2057400" indent="-228600" algn="l" defTabSz="914400" rtl="0" eaLnBrk="1" latinLnBrk="0" hangingPunct="1">
+        <a:lnSpc>
+          <a:spcPct val="90000"/>
+        </a:lnSpc>
+        <a:spcBef>
+          <a:spcPts val="500"/>
+        </a:spcBef>
+        <a:buFont typeface="Arial" panose="020B0604020202020204" pitchFamily="34" charset="0"/>
+        <a:buChar char="•"/>
+        <a:defRPr sz="1800" kern="1200">
+          <a:solidFill>
+            <a:schemeClr val="tx1"/>
+          </a:solidFill>
+          <a:latin typeface="+mn-lt"/>
+          <a:ea typeface="+mn-ea"/>
+          <a:cs typeface="+mn-cs"/>
+        </a:defRPr>
+      </a:lvl5pPr>
+      <a:lvl6pPr marL="2514600" indent="-228600" algn="l" defTabSz="914400" rtl="0" eaLnBrk="1" latinLnBrk="0" hangingPunct="1">
+        <a:lnSpc>
+          <a:spcPct val="90000"/>
+        </a:lnSpc>
+        <a:spcBef>
+          <a:spcPts val="500"/>
+        </a:spcBef>
+        <a:buFont typeface="Arial" panose="020B0604020202020204" pitchFamily="34" charset="0"/>
+        <a:buChar char="•"/>
+        <a:defRPr sz="1800" kern="1200">
+          <a:solidFill>
+            <a:schemeClr val="tx1"/>
+          </a:solidFill>
+          <a:latin typeface="+mn-lt"/>
+          <a:ea typeface="+mn-ea"/>
+          <a:cs typeface="+mn-cs"/>
+        </a:defRPr>
+      </a:lvl6pPr>
+      <a:lvl7pPr marL="2971800" indent="-228600" algn="l" defTabSz="914400" rtl="0" eaLnBrk="1" latinLnBrk="0" hangingPunct="1">
+        <a:lnSpc>
+          <a:spcPct val="90000"/>
+        </a:lnSpc>
+        <a:spcBef>
+          <a:spcPts val="500"/>
+        </a:spcBef>
+        <a:buFont typeface="Arial" panose="020B0604020202020204" pitchFamily="34" charset="0"/>
+        <a:buChar char="•"/>
+        <a:defRPr sz="1800" kern="1200">
+          <a:solidFill>
+            <a:schemeClr val="tx1"/>
+          </a:solidFill>
+          <a:latin typeface="+mn-lt"/>
+          <a:ea typeface="+mn-ea"/>
+          <a:cs typeface="+mn-cs"/>
+        </a:defRPr>
+      </a:lvl7pPr>
+      <a:lvl8pPr marL="3429000" indent="-228600" algn="l" defTabSz="914400" rtl="0" eaLnBrk="1" latinLnBrk="0" hangingPunct="1">
+        <a:lnSpc>
+          <a:spcPct val="90000"/>
+        </a:lnSpc>
+        <a:spcBef>
+          <a:spcPts val="500"/>
+        </a:spcBef>
+        <a:buFont typeface="Arial" panose="020B0604020202020204" pitchFamily="34" charset="0"/>
+        <a:buChar char="•"/>
+        <a:defRPr sz="1800" kern="1200">
+          <a:solidFill>
+            <a:schemeClr val="tx1"/>
+          </a:solidFill>
+          <a:latin typeface="+mn-lt"/>
+          <a:ea typeface="+mn-ea"/>
+          <a:cs typeface="+mn-cs"/>
+        </a:defRPr>
+      </a:lvl8pPr>
+      <a:lvl9pPr marL="3886200" indent="-228600" algn="l" defTabSz="914400" rtl="0" eaLnBrk="1" latinLnBrk="0" hangingPunct="1">
+        <a:lnSpc>
+          <a:spcPct val="90000"/>
+        </a:lnSpc>
+        <a:spcBef>
+          <a:spcPts val="500"/>
+        </a:spcBef>
+        <a:buFont typeface="Arial" panose="020B0604020202020204" pitchFamily="34" charset="0"/>
+        <a:buChar char="•"/>
+        <a:defRPr sz="1800" kern="1200">
+          <a:solidFill>
+            <a:schemeClr val="tx1"/>
+          </a:solidFill>
+          <a:latin typeface="+mn-lt"/>
+          <a:ea typeface="+mn-ea"/>
+          <a:cs typeface="+mn-cs"/>
+        </a:defRPr>
+      </a:lvl9pPr>
+    </p:bodyStyle>
+    <p:otherStyle>
+      <a:defPPr>
+        <a:defRPr lang="en-US"/>
+      </a:defPPr>
+      <a:lvl1pPr marL="0" algn="l" defTabSz="914400" rtl="0" eaLnBrk="1" latinLnBrk="0" hangingPunct="1">
+        <a:defRPr sz="1800" kern="1200">
+          <a:solidFill>
+            <a:schemeClr val="tx1"/>
+          </a:solidFill>
+          <a:latin typeface="+mn-lt"/>
+          <a:ea typeface="+mn-ea"/>
+          <a:cs typeface="+mn-cs"/>
+        </a:defRPr>
+      </a:lvl1pPr>
+      <a:lvl2pPr marL="457200" algn="l" defTabSz="914400" rtl="0" eaLnBrk="1" latinLnBrk="0" hangingPunct="1">
+        <a:defRPr sz="1800" kern="1200">
+          <a:solidFill>
+            <a:schemeClr val="tx1"/>
+          </a:solidFill>
+          <a:latin typeface="+mn-lt"/>
+          <a:ea typeface="+mn-ea"/>
+          <a:cs typeface="+mn-cs"/>
+        </a:defRPr>
+      </a:lvl2pPr>
+      <a:lvl3pPr marL="914400" algn="l" defTabSz="914400" rtl="0" eaLnBrk="1" latinLnBrk="0" hangingPunct="1">
+        <a:defRPr sz="1800" kern="1200">
+          <a:solidFill>
+            <a:schemeClr val="tx1"/>
+          </a:solidFill>
+          <a:latin typeface="+mn-lt"/>
+          <a:ea typeface="+mn-ea"/>
+          <a:cs typeface="+mn-cs"/>
+        </a:defRPr>
+      </a:lvl3pPr>
+      <a:lvl4pPr marL="1371600" algn="l" defTabSz="914400" rtl="0" eaLnBrk="1" latinLnBrk="0" hangingPunct="1">
+        <a:defRPr sz="1800" kern="1200">
+          <a:solidFill>
+            <a:schemeClr val="tx1"/>
+          </a:solidFill>
+          <a:latin typeface="+mn-lt"/>
+          <a:ea typeface="+mn-ea"/>
+          <a:cs typeface="+mn-cs"/>
+        </a:defRPr>
+      </a:lvl4pPr>
+      <a:lvl5pPr marL="1828800" algn="l" defTabSz="914400" rtl="0" eaLnBrk="1" latinLnBrk="0" hangingPunct="1">
+        <a:defRPr sz="1800" kern="1200">
+          <a:solidFill>
+            <a:schemeClr val="tx1"/>
+          </a:solidFill>
+          <a:latin typeface="+mn-lt"/>
+          <a:ea typeface="+mn-ea"/>
+          <a:cs typeface="+mn-cs"/>
+        </a:defRPr>
+      </a:lvl5pPr>
+      <a:lvl6pPr marL="2286000" algn="l" defTabSz="914400" rtl="0" eaLnBrk="1" latinLnBrk="0" hangingPunct="1">
+        <a:defRPr sz="1800" kern="1200">
+          <a:solidFill>
+            <a:schemeClr val="tx1"/>
+          </a:solidFill>
+          <a:latin typeface="+mn-lt"/>
+          <a:ea typeface="+mn-ea"/>
+          <a:cs typeface="+mn-cs"/>
+        </a:defRPr>
+      </a:lvl6pPr>
+      <a:lvl7pPr marL="2743200" algn="l" defTabSz="914400" rtl="0" eaLnBrk="1" latinLnBrk="0" hangingPunct="1">
+        <a:defRPr sz="1800" kern="1200">
+          <a:solidFill>
+            <a:schemeClr val="tx1"/>
+          </a:solidFill>
+          <a:latin typeface="+mn-lt"/>
+          <a:ea typeface="+mn-ea"/>
+          <a:cs typeface="+mn-cs"/>
+        </a:defRPr>
+      </a:lvl7pPr>
+      <a:lvl8pPr marL="3200400" algn="l" defTabSz="914400" rtl="0" eaLnBrk="1" latinLnBrk="0" hangingPunct="1">
+        <a:defRPr sz="1800" kern="1200">
+          <a:solidFill>
+            <a:schemeClr val="tx1"/>
+          </a:solidFill>
+          <a:latin typeface="+mn-lt"/>
+          <a:ea typeface="+mn-ea"/>
+          <a:cs typeface="+mn-cs"/>
+        </a:defRPr>
+      </a:lvl8pPr>
+      <a:lvl9pPr marL="3657600" algn="l" defTabSz="914400" rtl="0" eaLnBrk="1" latinLnBrk="0" hangingPunct="1">
+        <a:defRPr sz="1800" kern="1200">
+          <a:solidFill>
+            <a:schemeClr val="tx1"/>
+          </a:solidFill>
+          <a:latin typeface="+mn-lt"/>
+          <a:ea typeface="+mn-ea"/>
+          <a:cs typeface="+mn-cs"/>
+        </a:defRPr>
+      </a:lvl9pPr>
+    </p:otherStyle>
+  </p:txStyles>
 </p:sldMaster>
 </file>
 
 <file path=ppt/slideMasters/slideMaster2.xml><?xml version="1.0" encoding="utf-8"?>
-<p:sldMaster xmlns:a="http://schemas.openxmlformats.org/drawingml/2006/main" xmlns:p="http://schemas.openxmlformats.org/presentationml/2006/main" xmlns:r="http://schemas.openxmlformats.org/officeDocument/2006/relationships" xmlns:p14="http://schemas.microsoft.com/office/powerpoint/2010/main" xmlns:p15="http://schemas.microsoft.com/office/powerpoint/2012/main" xmlns:mc="http://schemas.openxmlformats.org/markup-compatibility/2006">
+<p:sldMaster xmlns:a="http://schemas.openxmlformats.org/drawingml/2006/main" xmlns:r="http://schemas.openxmlformats.org/officeDocument/2006/relationships" xmlns:p="http://schemas.openxmlformats.org/presentationml/2006/main">
   <p:cSld>
+    <p:bg>
+      <p:bgRef idx="1001">
+        <a:schemeClr val="bg1"/>
+      </p:bgRef>
+    </p:bg>
     <p:spTree>
       <p:nvGrpSpPr>
         <p:cNvPr id="1" name=""/>
@@ -4411,12 +4990,12 @@
       </p:grpSpPr>
       <p:pic>
         <p:nvPicPr>
-          <p:cNvPr id="40" name="" descr=""/>
+          <p:cNvPr id="40" name="Picture 39"/>
           <p:cNvPicPr/>
           <p:nvPr/>
         </p:nvPicPr>
         <p:blipFill>
-          <a:blip r:embed="rId2"/>
+          <a:blip r:embed="rId14"/>
           <a:stretch/>
         </p:blipFill>
         <p:spPr>
@@ -4434,12 +5013,12 @@
       </p:pic>
       <p:pic>
         <p:nvPicPr>
-          <p:cNvPr id="41" name="" descr=""/>
+          <p:cNvPr id="41" name="Picture 40"/>
           <p:cNvPicPr/>
           <p:nvPr/>
         </p:nvPicPr>
         <p:blipFill>
-          <a:blip r:embed="rId3"/>
+          <a:blip r:embed="rId14"/>
           <a:stretch/>
         </p:blipFill>
         <p:spPr>
@@ -4475,15 +5054,22 @@
           </a:ln>
         </p:spPr>
         <p:style>
-          <a:lnRef idx="0"/>
-          <a:fillRef idx="0"/>
-          <a:effectRef idx="0"/>
+          <a:lnRef idx="0">
+            <a:scrgbClr r="0" g="0" b="0"/>
+          </a:lnRef>
+          <a:fillRef idx="0">
+            <a:scrgbClr r="0" g="0" b="0"/>
+          </a:fillRef>
+          <a:effectRef idx="0">
+            <a:scrgbClr r="0" g="0" b="0"/>
+          </a:effectRef>
           <a:fontRef idx="minor"/>
         </p:style>
         <p:txBody>
-          <a:bodyPr lIns="0" rIns="0" tIns="0" bIns="0">
+          <a:bodyPr lIns="0" tIns="0" rIns="0" bIns="0">
             <a:noAutofit/>
           </a:bodyPr>
+          <a:lstStyle/>
           <a:p>
             <a:pPr>
               <a:lnSpc>
@@ -4491,16 +5077,16 @@
               </a:lnSpc>
             </a:pPr>
             <a:r>
-              <a:rPr b="0" lang="en-US" sz="1400" spc="-1" strike="noStrike">
-                <a:solidFill>
-                  <a:srgbClr val="ffffff"/>
+              <a:rPr lang="en-US" sz="1400" b="0" strike="noStrike" spc="-1">
+                <a:solidFill>
+                  <a:srgbClr val="FFFFFF"/>
                 </a:solidFill>
                 <a:latin typeface="Times New Roman"/>
                 <a:ea typeface="DejaVu Sans"/>
               </a:rPr>
               <a:t>&lt;date/time&gt;</a:t>
             </a:r>
-            <a:endParaRPr b="0" lang="en-US" sz="1400" spc="-1" strike="noStrike">
+            <a:endParaRPr lang="en-US" sz="1400" b="0" strike="noStrike" spc="-1">
               <a:latin typeface="Arial"/>
             </a:endParaRPr>
           </a:p>
@@ -4526,15 +5112,22 @@
           </a:ln>
         </p:spPr>
         <p:style>
-          <a:lnRef idx="0"/>
-          <a:fillRef idx="0"/>
-          <a:effectRef idx="0"/>
+          <a:lnRef idx="0">
+            <a:scrgbClr r="0" g="0" b="0"/>
+          </a:lnRef>
+          <a:fillRef idx="0">
+            <a:scrgbClr r="0" g="0" b="0"/>
+          </a:fillRef>
+          <a:effectRef idx="0">
+            <a:scrgbClr r="0" g="0" b="0"/>
+          </a:effectRef>
           <a:fontRef idx="minor"/>
         </p:style>
         <p:txBody>
-          <a:bodyPr lIns="0" rIns="0" tIns="0" bIns="0">
+          <a:bodyPr lIns="0" tIns="0" rIns="0" bIns="0">
             <a:noAutofit/>
           </a:bodyPr>
+          <a:lstStyle/>
           <a:p>
             <a:pPr algn="ctr">
               <a:lnSpc>
@@ -4542,16 +5135,16 @@
               </a:lnSpc>
             </a:pPr>
             <a:r>
-              <a:rPr b="0" lang="en-US" sz="1400" spc="-1" strike="noStrike">
-                <a:solidFill>
-                  <a:srgbClr val="ffffff"/>
+              <a:rPr lang="en-US" sz="1400" b="0" strike="noStrike" spc="-1">
+                <a:solidFill>
+                  <a:srgbClr val="FFFFFF"/>
                 </a:solidFill>
                 <a:latin typeface="Times New Roman"/>
                 <a:ea typeface="DejaVu Sans"/>
               </a:rPr>
               <a:t>&lt;footer&gt;</a:t>
             </a:r>
-            <a:endParaRPr b="0" lang="en-US" sz="1400" spc="-1" strike="noStrike">
+            <a:endParaRPr lang="en-US" sz="1400" b="0" strike="noStrike" spc="-1">
               <a:latin typeface="Arial"/>
             </a:endParaRPr>
           </a:p>
@@ -4577,15 +5170,22 @@
           </a:ln>
         </p:spPr>
         <p:style>
-          <a:lnRef idx="0"/>
-          <a:fillRef idx="0"/>
-          <a:effectRef idx="0"/>
+          <a:lnRef idx="0">
+            <a:scrgbClr r="0" g="0" b="0"/>
+          </a:lnRef>
+          <a:fillRef idx="0">
+            <a:scrgbClr r="0" g="0" b="0"/>
+          </a:fillRef>
+          <a:effectRef idx="0">
+            <a:scrgbClr r="0" g="0" b="0"/>
+          </a:effectRef>
           <a:fontRef idx="minor"/>
         </p:style>
         <p:txBody>
-          <a:bodyPr lIns="0" rIns="0" tIns="0" bIns="0">
+          <a:bodyPr lIns="0" tIns="0" rIns="0" bIns="0">
             <a:noAutofit/>
           </a:bodyPr>
+          <a:lstStyle/>
           <a:p>
             <a:pPr algn="r">
               <a:lnSpc>
@@ -4593,16 +5193,16 @@
               </a:lnSpc>
             </a:pPr>
             <a:fld id="{B8854521-CF23-40BC-B920-E9ACECA30FCD}" type="slidenum">
-              <a:rPr b="0" lang="en-US" sz="1400" spc="-1" strike="noStrike">
-                <a:solidFill>
-                  <a:srgbClr val="ffffff"/>
+              <a:rPr lang="en-US" sz="1400" b="0" strike="noStrike" spc="-1">
+                <a:solidFill>
+                  <a:srgbClr val="FFFFFF"/>
                 </a:solidFill>
                 <a:latin typeface="Times New Roman"/>
                 <a:ea typeface="DejaVu Sans"/>
               </a:rPr>
-              <a:t>&lt;number&gt;</a:t>
+              <a:t>‹#›</a:t>
             </a:fld>
-            <a:endParaRPr b="0" lang="en-US" sz="1400" spc="-1" strike="noStrike">
+            <a:endParaRPr lang="en-US" sz="1400" b="0" strike="noStrike" spc="-1">
               <a:latin typeface="Arial"/>
             </a:endParaRPr>
           </a:p>
@@ -4628,20 +5228,18 @@
           </a:prstGeom>
         </p:spPr>
         <p:txBody>
-          <a:bodyPr lIns="0" rIns="0" tIns="0" bIns="0" anchor="ctr">
+          <a:bodyPr lIns="0" tIns="0" rIns="0" bIns="0" anchor="ctr">
             <a:noAutofit/>
           </a:bodyPr>
+          <a:lstStyle/>
           <a:p>
             <a:pPr algn="ctr"/>
             <a:r>
-              <a:rPr b="0" lang="en-US" sz="4400" spc="-1" strike="noStrike">
+              <a:rPr lang="en-US" sz="4400" b="0" strike="noStrike" spc="-1">
                 <a:latin typeface="Arial"/>
               </a:rPr>
               <a:t>Click to edit the title text format</a:t>
             </a:r>
-            <a:endParaRPr b="0" lang="en-US" sz="4400" spc="-1" strike="noStrike">
-              <a:latin typeface="Arial"/>
-            </a:endParaRPr>
           </a:p>
         </p:txBody>
       </p:sp>
@@ -4665,9 +5263,10 @@
           </a:prstGeom>
         </p:spPr>
         <p:txBody>
-          <a:bodyPr lIns="0" rIns="0" tIns="0" bIns="0">
+          <a:bodyPr lIns="0" tIns="0" rIns="0" bIns="0">
             <a:normAutofit/>
           </a:bodyPr>
+          <a:lstStyle/>
           <a:p>
             <a:pPr marL="432000" indent="-324000">
               <a:spcBef>
@@ -4681,17 +5280,14 @@
               <a:buChar char=""/>
             </a:pPr>
             <a:r>
-              <a:rPr b="0" lang="en-US" sz="3200" spc="-1" strike="noStrike">
+              <a:rPr lang="en-US" sz="3200" b="0" strike="noStrike" spc="-1">
                 <a:latin typeface="Arial"/>
               </a:rPr>
               <a:t>Click to edit the outline text format</a:t>
             </a:r>
-            <a:endParaRPr b="0" lang="en-US" sz="3200" spc="-1" strike="noStrike">
-              <a:latin typeface="Arial"/>
-            </a:endParaRPr>
-          </a:p>
-          <a:p>
-            <a:pPr lvl="1" marL="864000" indent="-324000">
+          </a:p>
+          <a:p>
+            <a:pPr marL="864000" lvl="1" indent="-324000">
               <a:spcBef>
                 <a:spcPts val="1134"/>
               </a:spcBef>
@@ -4703,17 +5299,14 @@
               <a:buChar char=""/>
             </a:pPr>
             <a:r>
-              <a:rPr b="0" lang="en-US" sz="2800" spc="-1" strike="noStrike">
+              <a:rPr lang="en-US" sz="2800" b="0" strike="noStrike" spc="-1">
                 <a:latin typeface="Arial"/>
               </a:rPr>
               <a:t>Second Outline Level</a:t>
             </a:r>
-            <a:endParaRPr b="0" lang="en-US" sz="2800" spc="-1" strike="noStrike">
-              <a:latin typeface="Arial"/>
-            </a:endParaRPr>
-          </a:p>
-          <a:p>
-            <a:pPr lvl="2" marL="1296000" indent="-288000">
+          </a:p>
+          <a:p>
+            <a:pPr marL="1296000" lvl="2" indent="-288000">
               <a:spcBef>
                 <a:spcPts val="850"/>
               </a:spcBef>
@@ -4725,17 +5318,14 @@
               <a:buChar char=""/>
             </a:pPr>
             <a:r>
-              <a:rPr b="0" lang="en-US" sz="2400" spc="-1" strike="noStrike">
+              <a:rPr lang="en-US" sz="2400" b="0" strike="noStrike" spc="-1">
                 <a:latin typeface="Arial"/>
               </a:rPr>
               <a:t>Third Outline Level</a:t>
             </a:r>
-            <a:endParaRPr b="0" lang="en-US" sz="2400" spc="-1" strike="noStrike">
-              <a:latin typeface="Arial"/>
-            </a:endParaRPr>
-          </a:p>
-          <a:p>
-            <a:pPr lvl="3" marL="1728000" indent="-216000">
+          </a:p>
+          <a:p>
+            <a:pPr marL="1728000" lvl="3" indent="-216000">
               <a:spcBef>
                 <a:spcPts val="567"/>
               </a:spcBef>
@@ -4747,17 +5337,14 @@
               <a:buChar char=""/>
             </a:pPr>
             <a:r>
-              <a:rPr b="0" lang="en-US" sz="2000" spc="-1" strike="noStrike">
+              <a:rPr lang="en-US" sz="2000" b="0" strike="noStrike" spc="-1">
                 <a:latin typeface="Arial"/>
               </a:rPr>
               <a:t>Fourth Outline Level</a:t>
             </a:r>
-            <a:endParaRPr b="0" lang="en-US" sz="2000" spc="-1" strike="noStrike">
-              <a:latin typeface="Arial"/>
-            </a:endParaRPr>
-          </a:p>
-          <a:p>
-            <a:pPr lvl="4" marL="2160000" indent="-216000">
+          </a:p>
+          <a:p>
+            <a:pPr marL="2160000" lvl="4" indent="-216000">
               <a:spcBef>
                 <a:spcPts val="283"/>
               </a:spcBef>
@@ -4769,17 +5356,14 @@
               <a:buChar char=""/>
             </a:pPr>
             <a:r>
-              <a:rPr b="0" lang="en-US" sz="2000" spc="-1" strike="noStrike">
+              <a:rPr lang="en-US" sz="2000" b="0" strike="noStrike" spc="-1">
                 <a:latin typeface="Arial"/>
               </a:rPr>
               <a:t>Fifth Outline Level</a:t>
             </a:r>
-            <a:endParaRPr b="0" lang="en-US" sz="2000" spc="-1" strike="noStrike">
-              <a:latin typeface="Arial"/>
-            </a:endParaRPr>
-          </a:p>
-          <a:p>
-            <a:pPr lvl="5" marL="2592000" indent="-216000">
+          </a:p>
+          <a:p>
+            <a:pPr marL="2592000" lvl="5" indent="-216000">
               <a:spcBef>
                 <a:spcPts val="283"/>
               </a:spcBef>
@@ -4791,17 +5375,14 @@
               <a:buChar char=""/>
             </a:pPr>
             <a:r>
-              <a:rPr b="0" lang="en-US" sz="2000" spc="-1" strike="noStrike">
+              <a:rPr lang="en-US" sz="2000" b="0" strike="noStrike" spc="-1">
                 <a:latin typeface="Arial"/>
               </a:rPr>
               <a:t>Sixth Outline Level</a:t>
             </a:r>
-            <a:endParaRPr b="0" lang="en-US" sz="2000" spc="-1" strike="noStrike">
-              <a:latin typeface="Arial"/>
-            </a:endParaRPr>
-          </a:p>
-          <a:p>
-            <a:pPr lvl="6" marL="3024000" indent="-216000">
+          </a:p>
+          <a:p>
+            <a:pPr marL="3024000" lvl="6" indent="-216000">
               <a:spcBef>
                 <a:spcPts val="283"/>
               </a:spcBef>
@@ -4813,40 +5394,322 @@
               <a:buChar char=""/>
             </a:pPr>
             <a:r>
-              <a:rPr b="0" lang="en-US" sz="2000" spc="-1" strike="noStrike">
+              <a:rPr lang="en-US" sz="2000" b="0" strike="noStrike" spc="-1">
                 <a:latin typeface="Arial"/>
               </a:rPr>
               <a:t>Seventh Outline Level</a:t>
             </a:r>
-            <a:endParaRPr b="0" lang="en-US" sz="2000" spc="-1" strike="noStrike">
-              <a:latin typeface="Arial"/>
-            </a:endParaRPr>
           </a:p>
         </p:txBody>
       </p:sp>
     </p:spTree>
   </p:cSld>
-  <p:clrMap bg1="lt1" bg2="lt2" tx1="dk1" tx2="dk2" accent1="accent1" accent2="accent2" accent3="accent3" accent4="accent4" accent5="accent5" accent6="accent6" hlink="hlink" folHlink="folHlink"/>
+  <p:clrMap bg1="lt1" tx1="dk1" bg2="lt2" tx2="dk2" accent1="accent1" accent2="accent2" accent3="accent3" accent4="accent4" accent5="accent5" accent6="accent6" hlink="hlink" folHlink="folHlink"/>
   <p:sldLayoutIdLst>
-    <p:sldLayoutId id="2147483662" r:id="rId4"/>
-    <p:sldLayoutId id="2147483663" r:id="rId5"/>
-    <p:sldLayoutId id="2147483664" r:id="rId6"/>
-    <p:sldLayoutId id="2147483665" r:id="rId7"/>
-    <p:sldLayoutId id="2147483666" r:id="rId8"/>
-    <p:sldLayoutId id="2147483667" r:id="rId9"/>
-    <p:sldLayoutId id="2147483668" r:id="rId10"/>
-    <p:sldLayoutId id="2147483669" r:id="rId11"/>
-    <p:sldLayoutId id="2147483670" r:id="rId12"/>
-    <p:sldLayoutId id="2147483671" r:id="rId13"/>
-    <p:sldLayoutId id="2147483672" r:id="rId14"/>
-    <p:sldLayoutId id="2147483673" r:id="rId15"/>
+    <p:sldLayoutId id="2147483662" r:id="rId1"/>
+    <p:sldLayoutId id="2147483663" r:id="rId2"/>
+    <p:sldLayoutId id="2147483664" r:id="rId3"/>
+    <p:sldLayoutId id="2147483665" r:id="rId4"/>
+    <p:sldLayoutId id="2147483666" r:id="rId5"/>
+    <p:sldLayoutId id="2147483667" r:id="rId6"/>
+    <p:sldLayoutId id="2147483668" r:id="rId7"/>
+    <p:sldLayoutId id="2147483669" r:id="rId8"/>
+    <p:sldLayoutId id="2147483670" r:id="rId9"/>
+    <p:sldLayoutId id="2147483671" r:id="rId10"/>
+    <p:sldLayoutId id="2147483672" r:id="rId11"/>
+    <p:sldLayoutId id="2147483673" r:id="rId12"/>
   </p:sldLayoutIdLst>
+  <p:txStyles>
+    <p:titleStyle>
+      <a:lvl1pPr algn="l" defTabSz="914400" rtl="0" eaLnBrk="1" latinLnBrk="0" hangingPunct="1">
+        <a:lnSpc>
+          <a:spcPct val="90000"/>
+        </a:lnSpc>
+        <a:spcBef>
+          <a:spcPct val="0"/>
+        </a:spcBef>
+        <a:buNone/>
+        <a:defRPr sz="4400" kern="1200">
+          <a:solidFill>
+            <a:schemeClr val="tx1"/>
+          </a:solidFill>
+          <a:latin typeface="+mj-lt"/>
+          <a:ea typeface="+mj-ea"/>
+          <a:cs typeface="+mj-cs"/>
+        </a:defRPr>
+      </a:lvl1pPr>
+    </p:titleStyle>
+    <p:bodyStyle>
+      <a:lvl1pPr marL="228600" indent="-228600" algn="l" defTabSz="914400" rtl="0" eaLnBrk="1" latinLnBrk="0" hangingPunct="1">
+        <a:lnSpc>
+          <a:spcPct val="90000"/>
+        </a:lnSpc>
+        <a:spcBef>
+          <a:spcPts val="1000"/>
+        </a:spcBef>
+        <a:buFont typeface="Arial" panose="020B0604020202020204" pitchFamily="34" charset="0"/>
+        <a:buChar char="•"/>
+        <a:defRPr sz="2800" kern="1200">
+          <a:solidFill>
+            <a:schemeClr val="tx1"/>
+          </a:solidFill>
+          <a:latin typeface="+mn-lt"/>
+          <a:ea typeface="+mn-ea"/>
+          <a:cs typeface="+mn-cs"/>
+        </a:defRPr>
+      </a:lvl1pPr>
+      <a:lvl2pPr marL="685800" indent="-228600" algn="l" defTabSz="914400" rtl="0" eaLnBrk="1" latinLnBrk="0" hangingPunct="1">
+        <a:lnSpc>
+          <a:spcPct val="90000"/>
+        </a:lnSpc>
+        <a:spcBef>
+          <a:spcPts val="500"/>
+        </a:spcBef>
+        <a:buFont typeface="Arial" panose="020B0604020202020204" pitchFamily="34" charset="0"/>
+        <a:buChar char="•"/>
+        <a:defRPr sz="2400" kern="1200">
+          <a:solidFill>
+            <a:schemeClr val="tx1"/>
+          </a:solidFill>
+          <a:latin typeface="+mn-lt"/>
+          <a:ea typeface="+mn-ea"/>
+          <a:cs typeface="+mn-cs"/>
+        </a:defRPr>
+      </a:lvl2pPr>
+      <a:lvl3pPr marL="1143000" indent="-228600" algn="l" defTabSz="914400" rtl="0" eaLnBrk="1" latinLnBrk="0" hangingPunct="1">
+        <a:lnSpc>
+          <a:spcPct val="90000"/>
+        </a:lnSpc>
+        <a:spcBef>
+          <a:spcPts val="500"/>
+        </a:spcBef>
+        <a:buFont typeface="Arial" panose="020B0604020202020204" pitchFamily="34" charset="0"/>
+        <a:buChar char="•"/>
+        <a:defRPr sz="2000" kern="1200">
+          <a:solidFill>
+            <a:schemeClr val="tx1"/>
+          </a:solidFill>
+          <a:latin typeface="+mn-lt"/>
+          <a:ea typeface="+mn-ea"/>
+          <a:cs typeface="+mn-cs"/>
+        </a:defRPr>
+      </a:lvl3pPr>
+      <a:lvl4pPr marL="1600200" indent="-228600" algn="l" defTabSz="914400" rtl="0" eaLnBrk="1" latinLnBrk="0" hangingPunct="1">
+        <a:lnSpc>
+          <a:spcPct val="90000"/>
+        </a:lnSpc>
+        <a:spcBef>
+          <a:spcPts val="500"/>
+        </a:spcBef>
+        <a:buFont typeface="Arial" panose="020B0604020202020204" pitchFamily="34" charset="0"/>
+        <a:buChar char="•"/>
+        <a:defRPr sz="1800" kern="1200">
+          <a:solidFill>
+            <a:schemeClr val="tx1"/>
+          </a:solidFill>
+          <a:latin typeface="+mn-lt"/>
+          <a:ea typeface="+mn-ea"/>
+          <a:cs typeface="+mn-cs"/>
+        </a:defRPr>
+      </a:lvl4pPr>
+      <a:lvl5pPr marL="2057400" indent="-228600" algn="l" defTabSz="914400" rtl="0" eaLnBrk="1" latinLnBrk="0" hangingPunct="1">
+        <a:lnSpc>
+          <a:spcPct val="90000"/>
+        </a:lnSpc>
+        <a:spcBef>
+          <a:spcPts val="500"/>
+        </a:spcBef>
+        <a:buFont typeface="Arial" panose="020B0604020202020204" pitchFamily="34" charset="0"/>
+        <a:buChar char="•"/>
+        <a:defRPr sz="1800" kern="1200">
+          <a:solidFill>
+            <a:schemeClr val="tx1"/>
+          </a:solidFill>
+          <a:latin typeface="+mn-lt"/>
+          <a:ea typeface="+mn-ea"/>
+          <a:cs typeface="+mn-cs"/>
+        </a:defRPr>
+      </a:lvl5pPr>
+      <a:lvl6pPr marL="2514600" indent="-228600" algn="l" defTabSz="914400" rtl="0" eaLnBrk="1" latinLnBrk="0" hangingPunct="1">
+        <a:lnSpc>
+          <a:spcPct val="90000"/>
+        </a:lnSpc>
+        <a:spcBef>
+          <a:spcPts val="500"/>
+        </a:spcBef>
+        <a:buFont typeface="Arial" panose="020B0604020202020204" pitchFamily="34" charset="0"/>
+        <a:buChar char="•"/>
+        <a:defRPr sz="1800" kern="1200">
+          <a:solidFill>
+            <a:schemeClr val="tx1"/>
+          </a:solidFill>
+          <a:latin typeface="+mn-lt"/>
+          <a:ea typeface="+mn-ea"/>
+          <a:cs typeface="+mn-cs"/>
+        </a:defRPr>
+      </a:lvl6pPr>
+      <a:lvl7pPr marL="2971800" indent="-228600" algn="l" defTabSz="914400" rtl="0" eaLnBrk="1" latinLnBrk="0" hangingPunct="1">
+        <a:lnSpc>
+          <a:spcPct val="90000"/>
+        </a:lnSpc>
+        <a:spcBef>
+          <a:spcPts val="500"/>
+        </a:spcBef>
+        <a:buFont typeface="Arial" panose="020B0604020202020204" pitchFamily="34" charset="0"/>
+        <a:buChar char="•"/>
+        <a:defRPr sz="1800" kern="1200">
+          <a:solidFill>
+            <a:schemeClr val="tx1"/>
+          </a:solidFill>
+          <a:latin typeface="+mn-lt"/>
+          <a:ea typeface="+mn-ea"/>
+          <a:cs typeface="+mn-cs"/>
+        </a:defRPr>
+      </a:lvl7pPr>
+      <a:lvl8pPr marL="3429000" indent="-228600" algn="l" defTabSz="914400" rtl="0" eaLnBrk="1" latinLnBrk="0" hangingPunct="1">
+        <a:lnSpc>
+          <a:spcPct val="90000"/>
+        </a:lnSpc>
+        <a:spcBef>
+          <a:spcPts val="500"/>
+        </a:spcBef>
+        <a:buFont typeface="Arial" panose="020B0604020202020204" pitchFamily="34" charset="0"/>
+        <a:buChar char="•"/>
+        <a:defRPr sz="1800" kern="1200">
+          <a:solidFill>
+            <a:schemeClr val="tx1"/>
+          </a:solidFill>
+          <a:latin typeface="+mn-lt"/>
+          <a:ea typeface="+mn-ea"/>
+          <a:cs typeface="+mn-cs"/>
+        </a:defRPr>
+      </a:lvl8pPr>
+      <a:lvl9pPr marL="3886200" indent="-228600" algn="l" defTabSz="914400" rtl="0" eaLnBrk="1" latinLnBrk="0" hangingPunct="1">
+        <a:lnSpc>
+          <a:spcPct val="90000"/>
+        </a:lnSpc>
+        <a:spcBef>
+          <a:spcPts val="500"/>
+        </a:spcBef>
+        <a:buFont typeface="Arial" panose="020B0604020202020204" pitchFamily="34" charset="0"/>
+        <a:buChar char="•"/>
+        <a:defRPr sz="1800" kern="1200">
+          <a:solidFill>
+            <a:schemeClr val="tx1"/>
+          </a:solidFill>
+          <a:latin typeface="+mn-lt"/>
+          <a:ea typeface="+mn-ea"/>
+          <a:cs typeface="+mn-cs"/>
+        </a:defRPr>
+      </a:lvl9pPr>
+    </p:bodyStyle>
+    <p:otherStyle>
+      <a:defPPr>
+        <a:defRPr lang="en-US"/>
+      </a:defPPr>
+      <a:lvl1pPr marL="0" algn="l" defTabSz="914400" rtl="0" eaLnBrk="1" latinLnBrk="0" hangingPunct="1">
+        <a:defRPr sz="1800" kern="1200">
+          <a:solidFill>
+            <a:schemeClr val="tx1"/>
+          </a:solidFill>
+          <a:latin typeface="+mn-lt"/>
+          <a:ea typeface="+mn-ea"/>
+          <a:cs typeface="+mn-cs"/>
+        </a:defRPr>
+      </a:lvl1pPr>
+      <a:lvl2pPr marL="457200" algn="l" defTabSz="914400" rtl="0" eaLnBrk="1" latinLnBrk="0" hangingPunct="1">
+        <a:defRPr sz="1800" kern="1200">
+          <a:solidFill>
+            <a:schemeClr val="tx1"/>
+          </a:solidFill>
+          <a:latin typeface="+mn-lt"/>
+          <a:ea typeface="+mn-ea"/>
+          <a:cs typeface="+mn-cs"/>
+        </a:defRPr>
+      </a:lvl2pPr>
+      <a:lvl3pPr marL="914400" algn="l" defTabSz="914400" rtl="0" eaLnBrk="1" latinLnBrk="0" hangingPunct="1">
+        <a:defRPr sz="1800" kern="1200">
+          <a:solidFill>
+            <a:schemeClr val="tx1"/>
+          </a:solidFill>
+          <a:latin typeface="+mn-lt"/>
+          <a:ea typeface="+mn-ea"/>
+          <a:cs typeface="+mn-cs"/>
+        </a:defRPr>
+      </a:lvl3pPr>
+      <a:lvl4pPr marL="1371600" algn="l" defTabSz="914400" rtl="0" eaLnBrk="1" latinLnBrk="0" hangingPunct="1">
+        <a:defRPr sz="1800" kern="1200">
+          <a:solidFill>
+            <a:schemeClr val="tx1"/>
+          </a:solidFill>
+          <a:latin typeface="+mn-lt"/>
+          <a:ea typeface="+mn-ea"/>
+          <a:cs typeface="+mn-cs"/>
+        </a:defRPr>
+      </a:lvl4pPr>
+      <a:lvl5pPr marL="1828800" algn="l" defTabSz="914400" rtl="0" eaLnBrk="1" latinLnBrk="0" hangingPunct="1">
+        <a:defRPr sz="1800" kern="1200">
+          <a:solidFill>
+            <a:schemeClr val="tx1"/>
+          </a:solidFill>
+          <a:latin typeface="+mn-lt"/>
+          <a:ea typeface="+mn-ea"/>
+          <a:cs typeface="+mn-cs"/>
+        </a:defRPr>
+      </a:lvl5pPr>
+      <a:lvl6pPr marL="2286000" algn="l" defTabSz="914400" rtl="0" eaLnBrk="1" latinLnBrk="0" hangingPunct="1">
+        <a:defRPr sz="1800" kern="1200">
+          <a:solidFill>
+            <a:schemeClr val="tx1"/>
+          </a:solidFill>
+          <a:latin typeface="+mn-lt"/>
+          <a:ea typeface="+mn-ea"/>
+          <a:cs typeface="+mn-cs"/>
+        </a:defRPr>
+      </a:lvl6pPr>
+      <a:lvl7pPr marL="2743200" algn="l" defTabSz="914400" rtl="0" eaLnBrk="1" latinLnBrk="0" hangingPunct="1">
+        <a:defRPr sz="1800" kern="1200">
+          <a:solidFill>
+            <a:schemeClr val="tx1"/>
+          </a:solidFill>
+          <a:latin typeface="+mn-lt"/>
+          <a:ea typeface="+mn-ea"/>
+          <a:cs typeface="+mn-cs"/>
+        </a:defRPr>
+      </a:lvl7pPr>
+      <a:lvl8pPr marL="3200400" algn="l" defTabSz="914400" rtl="0" eaLnBrk="1" latinLnBrk="0" hangingPunct="1">
+        <a:defRPr sz="1800" kern="1200">
+          <a:solidFill>
+            <a:schemeClr val="tx1"/>
+          </a:solidFill>
+          <a:latin typeface="+mn-lt"/>
+          <a:ea typeface="+mn-ea"/>
+          <a:cs typeface="+mn-cs"/>
+        </a:defRPr>
+      </a:lvl8pPr>
+      <a:lvl9pPr marL="3657600" algn="l" defTabSz="914400" rtl="0" eaLnBrk="1" latinLnBrk="0" hangingPunct="1">
+        <a:defRPr sz="1800" kern="1200">
+          <a:solidFill>
+            <a:schemeClr val="tx1"/>
+          </a:solidFill>
+          <a:latin typeface="+mn-lt"/>
+          <a:ea typeface="+mn-ea"/>
+          <a:cs typeface="+mn-cs"/>
+        </a:defRPr>
+      </a:lvl9pPr>
+    </p:otherStyle>
+  </p:txStyles>
 </p:sldMaster>
 </file>
 
 <file path=ppt/slideMasters/slideMaster3.xml><?xml version="1.0" encoding="utf-8"?>
-<p:sldMaster xmlns:a="http://schemas.openxmlformats.org/drawingml/2006/main" xmlns:p="http://schemas.openxmlformats.org/presentationml/2006/main" xmlns:r="http://schemas.openxmlformats.org/officeDocument/2006/relationships" xmlns:p14="http://schemas.microsoft.com/office/powerpoint/2010/main" xmlns:p15="http://schemas.microsoft.com/office/powerpoint/2012/main" xmlns:mc="http://schemas.openxmlformats.org/markup-compatibility/2006">
+<p:sldMaster xmlns:a="http://schemas.openxmlformats.org/drawingml/2006/main" xmlns:r="http://schemas.openxmlformats.org/officeDocument/2006/relationships" xmlns:p="http://schemas.openxmlformats.org/presentationml/2006/main">
   <p:cSld>
+    <p:bg>
+      <p:bgRef idx="1001">
+        <a:schemeClr val="bg1"/>
+      </p:bgRef>
+    </p:bg>
     <p:spTree>
       <p:nvGrpSpPr>
         <p:cNvPr id="1" name=""/>
@@ -4863,12 +5726,12 @@
       </p:grpSpPr>
       <p:pic>
         <p:nvPicPr>
-          <p:cNvPr id="83" name="" descr=""/>
+          <p:cNvPr id="83" name="Picture 82"/>
           <p:cNvPicPr/>
           <p:nvPr/>
         </p:nvPicPr>
         <p:blipFill>
-          <a:blip r:embed="rId2"/>
+          <a:blip r:embed="rId14"/>
           <a:stretch/>
         </p:blipFill>
         <p:spPr>
@@ -4904,20 +5767,18 @@
           </a:prstGeom>
         </p:spPr>
         <p:txBody>
-          <a:bodyPr lIns="0" rIns="0" tIns="0" bIns="0" anchor="ctr">
+          <a:bodyPr lIns="0" tIns="0" rIns="0" bIns="0" anchor="ctr">
             <a:noAutofit/>
           </a:bodyPr>
+          <a:lstStyle/>
           <a:p>
             <a:pPr algn="ctr"/>
             <a:r>
-              <a:rPr b="0" lang="en-US" sz="4400" spc="-1" strike="noStrike">
+              <a:rPr lang="en-US" sz="4400" b="0" strike="noStrike" spc="-1">
                 <a:latin typeface="Arial"/>
               </a:rPr>
               <a:t>Click to edit the title text format</a:t>
             </a:r>
-            <a:endParaRPr b="0" lang="en-US" sz="4400" spc="-1" strike="noStrike">
-              <a:latin typeface="Arial"/>
-            </a:endParaRPr>
           </a:p>
         </p:txBody>
       </p:sp>
@@ -4941,9 +5802,10 @@
           </a:prstGeom>
         </p:spPr>
         <p:txBody>
-          <a:bodyPr lIns="0" rIns="0" tIns="0" bIns="0">
+          <a:bodyPr lIns="0" tIns="0" rIns="0" bIns="0">
             <a:normAutofit/>
           </a:bodyPr>
+          <a:lstStyle/>
           <a:p>
             <a:pPr marL="432000" indent="-324000">
               <a:spcBef>
@@ -4957,17 +5819,14 @@
               <a:buChar char=""/>
             </a:pPr>
             <a:r>
-              <a:rPr b="0" lang="en-US" sz="3200" spc="-1" strike="noStrike">
+              <a:rPr lang="en-US" sz="3200" b="0" strike="noStrike" spc="-1">
                 <a:latin typeface="Arial"/>
               </a:rPr>
               <a:t>Click to edit the outline text format</a:t>
             </a:r>
-            <a:endParaRPr b="0" lang="en-US" sz="3200" spc="-1" strike="noStrike">
-              <a:latin typeface="Arial"/>
-            </a:endParaRPr>
-          </a:p>
-          <a:p>
-            <a:pPr lvl="1" marL="864000" indent="-324000">
+          </a:p>
+          <a:p>
+            <a:pPr marL="864000" lvl="1" indent="-324000">
               <a:spcBef>
                 <a:spcPts val="1134"/>
               </a:spcBef>
@@ -4979,17 +5838,14 @@
               <a:buChar char=""/>
             </a:pPr>
             <a:r>
-              <a:rPr b="0" lang="en-US" sz="2800" spc="-1" strike="noStrike">
+              <a:rPr lang="en-US" sz="2800" b="0" strike="noStrike" spc="-1">
                 <a:latin typeface="Arial"/>
               </a:rPr>
               <a:t>Second Outline Level</a:t>
             </a:r>
-            <a:endParaRPr b="0" lang="en-US" sz="2800" spc="-1" strike="noStrike">
-              <a:latin typeface="Arial"/>
-            </a:endParaRPr>
-          </a:p>
-          <a:p>
-            <a:pPr lvl="2" marL="1296000" indent="-288000">
+          </a:p>
+          <a:p>
+            <a:pPr marL="1296000" lvl="2" indent="-288000">
               <a:spcBef>
                 <a:spcPts val="850"/>
               </a:spcBef>
@@ -5001,17 +5857,14 @@
               <a:buChar char=""/>
             </a:pPr>
             <a:r>
-              <a:rPr b="0" lang="en-US" sz="2400" spc="-1" strike="noStrike">
+              <a:rPr lang="en-US" sz="2400" b="0" strike="noStrike" spc="-1">
                 <a:latin typeface="Arial"/>
               </a:rPr>
               <a:t>Third Outline Level</a:t>
             </a:r>
-            <a:endParaRPr b="0" lang="en-US" sz="2400" spc="-1" strike="noStrike">
-              <a:latin typeface="Arial"/>
-            </a:endParaRPr>
-          </a:p>
-          <a:p>
-            <a:pPr lvl="3" marL="1728000" indent="-216000">
+          </a:p>
+          <a:p>
+            <a:pPr marL="1728000" lvl="3" indent="-216000">
               <a:spcBef>
                 <a:spcPts val="567"/>
               </a:spcBef>
@@ -5023,17 +5876,14 @@
               <a:buChar char=""/>
             </a:pPr>
             <a:r>
-              <a:rPr b="0" lang="en-US" sz="2000" spc="-1" strike="noStrike">
+              <a:rPr lang="en-US" sz="2000" b="0" strike="noStrike" spc="-1">
                 <a:latin typeface="Arial"/>
               </a:rPr>
               <a:t>Fourth Outline Level</a:t>
             </a:r>
-            <a:endParaRPr b="0" lang="en-US" sz="2000" spc="-1" strike="noStrike">
-              <a:latin typeface="Arial"/>
-            </a:endParaRPr>
-          </a:p>
-          <a:p>
-            <a:pPr lvl="4" marL="2160000" indent="-216000">
+          </a:p>
+          <a:p>
+            <a:pPr marL="2160000" lvl="4" indent="-216000">
               <a:spcBef>
                 <a:spcPts val="283"/>
               </a:spcBef>
@@ -5045,17 +5895,14 @@
               <a:buChar char=""/>
             </a:pPr>
             <a:r>
-              <a:rPr b="0" lang="en-US" sz="2000" spc="-1" strike="noStrike">
+              <a:rPr lang="en-US" sz="2000" b="0" strike="noStrike" spc="-1">
                 <a:latin typeface="Arial"/>
               </a:rPr>
               <a:t>Fifth Outline Level</a:t>
             </a:r>
-            <a:endParaRPr b="0" lang="en-US" sz="2000" spc="-1" strike="noStrike">
-              <a:latin typeface="Arial"/>
-            </a:endParaRPr>
-          </a:p>
-          <a:p>
-            <a:pPr lvl="5" marL="2592000" indent="-216000">
+          </a:p>
+          <a:p>
+            <a:pPr marL="2592000" lvl="5" indent="-216000">
               <a:spcBef>
                 <a:spcPts val="283"/>
               </a:spcBef>
@@ -5067,17 +5914,14 @@
               <a:buChar char=""/>
             </a:pPr>
             <a:r>
-              <a:rPr b="0" lang="en-US" sz="2000" spc="-1" strike="noStrike">
+              <a:rPr lang="en-US" sz="2000" b="0" strike="noStrike" spc="-1">
                 <a:latin typeface="Arial"/>
               </a:rPr>
               <a:t>Sixth Outline Level</a:t>
             </a:r>
-            <a:endParaRPr b="0" lang="en-US" sz="2000" spc="-1" strike="noStrike">
-              <a:latin typeface="Arial"/>
-            </a:endParaRPr>
-          </a:p>
-          <a:p>
-            <a:pPr lvl="6" marL="3024000" indent="-216000">
+          </a:p>
+          <a:p>
+            <a:pPr marL="3024000" lvl="6" indent="-216000">
               <a:spcBef>
                 <a:spcPts val="283"/>
               </a:spcBef>
@@ -5089,39 +5933,316 @@
               <a:buChar char=""/>
             </a:pPr>
             <a:r>
-              <a:rPr b="0" lang="en-US" sz="2000" spc="-1" strike="noStrike">
+              <a:rPr lang="en-US" sz="2000" b="0" strike="noStrike" spc="-1">
                 <a:latin typeface="Arial"/>
               </a:rPr>
               <a:t>Seventh Outline Level</a:t>
             </a:r>
-            <a:endParaRPr b="0" lang="en-US" sz="2000" spc="-1" strike="noStrike">
-              <a:latin typeface="Arial"/>
-            </a:endParaRPr>
           </a:p>
         </p:txBody>
       </p:sp>
     </p:spTree>
   </p:cSld>
-  <p:clrMap bg1="lt1" bg2="lt2" tx1="dk1" tx2="dk2" accent1="accent1" accent2="accent2" accent3="accent3" accent4="accent4" accent5="accent5" accent6="accent6" hlink="hlink" folHlink="folHlink"/>
+  <p:clrMap bg1="lt1" tx1="dk1" bg2="lt2" tx2="dk2" accent1="accent1" accent2="accent2" accent3="accent3" accent4="accent4" accent5="accent5" accent6="accent6" hlink="hlink" folHlink="folHlink"/>
   <p:sldLayoutIdLst>
-    <p:sldLayoutId id="2147483675" r:id="rId3"/>
-    <p:sldLayoutId id="2147483676" r:id="rId4"/>
-    <p:sldLayoutId id="2147483677" r:id="rId5"/>
-    <p:sldLayoutId id="2147483678" r:id="rId6"/>
-    <p:sldLayoutId id="2147483679" r:id="rId7"/>
-    <p:sldLayoutId id="2147483680" r:id="rId8"/>
-    <p:sldLayoutId id="2147483681" r:id="rId9"/>
-    <p:sldLayoutId id="2147483682" r:id="rId10"/>
-    <p:sldLayoutId id="2147483683" r:id="rId11"/>
-    <p:sldLayoutId id="2147483684" r:id="rId12"/>
-    <p:sldLayoutId id="2147483685" r:id="rId13"/>
-    <p:sldLayoutId id="2147483686" r:id="rId14"/>
+    <p:sldLayoutId id="2147483675" r:id="rId1"/>
+    <p:sldLayoutId id="2147483676" r:id="rId2"/>
+    <p:sldLayoutId id="2147483677" r:id="rId3"/>
+    <p:sldLayoutId id="2147483678" r:id="rId4"/>
+    <p:sldLayoutId id="2147483679" r:id="rId5"/>
+    <p:sldLayoutId id="2147483680" r:id="rId6"/>
+    <p:sldLayoutId id="2147483681" r:id="rId7"/>
+    <p:sldLayoutId id="2147483682" r:id="rId8"/>
+    <p:sldLayoutId id="2147483683" r:id="rId9"/>
+    <p:sldLayoutId id="2147483684" r:id="rId10"/>
+    <p:sldLayoutId id="2147483685" r:id="rId11"/>
+    <p:sldLayoutId id="2147483686" r:id="rId12"/>
   </p:sldLayoutIdLst>
+  <p:txStyles>
+    <p:titleStyle>
+      <a:lvl1pPr algn="l" defTabSz="914400" rtl="0" eaLnBrk="1" latinLnBrk="0" hangingPunct="1">
+        <a:lnSpc>
+          <a:spcPct val="90000"/>
+        </a:lnSpc>
+        <a:spcBef>
+          <a:spcPct val="0"/>
+        </a:spcBef>
+        <a:buNone/>
+        <a:defRPr sz="4400" kern="1200">
+          <a:solidFill>
+            <a:schemeClr val="tx1"/>
+          </a:solidFill>
+          <a:latin typeface="+mj-lt"/>
+          <a:ea typeface="+mj-ea"/>
+          <a:cs typeface="+mj-cs"/>
+        </a:defRPr>
+      </a:lvl1pPr>
+    </p:titleStyle>
+    <p:bodyStyle>
+      <a:lvl1pPr marL="228600" indent="-228600" algn="l" defTabSz="914400" rtl="0" eaLnBrk="1" latinLnBrk="0" hangingPunct="1">
+        <a:lnSpc>
+          <a:spcPct val="90000"/>
+        </a:lnSpc>
+        <a:spcBef>
+          <a:spcPts val="1000"/>
+        </a:spcBef>
+        <a:buFont typeface="Arial" panose="020B0604020202020204" pitchFamily="34" charset="0"/>
+        <a:buChar char="•"/>
+        <a:defRPr sz="2800" kern="1200">
+          <a:solidFill>
+            <a:schemeClr val="tx1"/>
+          </a:solidFill>
+          <a:latin typeface="+mn-lt"/>
+          <a:ea typeface="+mn-ea"/>
+          <a:cs typeface="+mn-cs"/>
+        </a:defRPr>
+      </a:lvl1pPr>
+      <a:lvl2pPr marL="685800" indent="-228600" algn="l" defTabSz="914400" rtl="0" eaLnBrk="1" latinLnBrk="0" hangingPunct="1">
+        <a:lnSpc>
+          <a:spcPct val="90000"/>
+        </a:lnSpc>
+        <a:spcBef>
+          <a:spcPts val="500"/>
+        </a:spcBef>
+        <a:buFont typeface="Arial" panose="020B0604020202020204" pitchFamily="34" charset="0"/>
+        <a:buChar char="•"/>
+        <a:defRPr sz="2400" kern="1200">
+          <a:solidFill>
+            <a:schemeClr val="tx1"/>
+          </a:solidFill>
+          <a:latin typeface="+mn-lt"/>
+          <a:ea typeface="+mn-ea"/>
+          <a:cs typeface="+mn-cs"/>
+        </a:defRPr>
+      </a:lvl2pPr>
+      <a:lvl3pPr marL="1143000" indent="-228600" algn="l" defTabSz="914400" rtl="0" eaLnBrk="1" latinLnBrk="0" hangingPunct="1">
+        <a:lnSpc>
+          <a:spcPct val="90000"/>
+        </a:lnSpc>
+        <a:spcBef>
+          <a:spcPts val="500"/>
+        </a:spcBef>
+        <a:buFont typeface="Arial" panose="020B0604020202020204" pitchFamily="34" charset="0"/>
+        <a:buChar char="•"/>
+        <a:defRPr sz="2000" kern="1200">
+          <a:solidFill>
+            <a:schemeClr val="tx1"/>
+          </a:solidFill>
+          <a:latin typeface="+mn-lt"/>
+          <a:ea typeface="+mn-ea"/>
+          <a:cs typeface="+mn-cs"/>
+        </a:defRPr>
+      </a:lvl3pPr>
+      <a:lvl4pPr marL="1600200" indent="-228600" algn="l" defTabSz="914400" rtl="0" eaLnBrk="1" latinLnBrk="0" hangingPunct="1">
+        <a:lnSpc>
+          <a:spcPct val="90000"/>
+        </a:lnSpc>
+        <a:spcBef>
+          <a:spcPts val="500"/>
+        </a:spcBef>
+        <a:buFont typeface="Arial" panose="020B0604020202020204" pitchFamily="34" charset="0"/>
+        <a:buChar char="•"/>
+        <a:defRPr sz="1800" kern="1200">
+          <a:solidFill>
+            <a:schemeClr val="tx1"/>
+          </a:solidFill>
+          <a:latin typeface="+mn-lt"/>
+          <a:ea typeface="+mn-ea"/>
+          <a:cs typeface="+mn-cs"/>
+        </a:defRPr>
+      </a:lvl4pPr>
+      <a:lvl5pPr marL="2057400" indent="-228600" algn="l" defTabSz="914400" rtl="0" eaLnBrk="1" latinLnBrk="0" hangingPunct="1">
+        <a:lnSpc>
+          <a:spcPct val="90000"/>
+        </a:lnSpc>
+        <a:spcBef>
+          <a:spcPts val="500"/>
+        </a:spcBef>
+        <a:buFont typeface="Arial" panose="020B0604020202020204" pitchFamily="34" charset="0"/>
+        <a:buChar char="•"/>
+        <a:defRPr sz="1800" kern="1200">
+          <a:solidFill>
+            <a:schemeClr val="tx1"/>
+          </a:solidFill>
+          <a:latin typeface="+mn-lt"/>
+          <a:ea typeface="+mn-ea"/>
+          <a:cs typeface="+mn-cs"/>
+        </a:defRPr>
+      </a:lvl5pPr>
+      <a:lvl6pPr marL="2514600" indent="-228600" algn="l" defTabSz="914400" rtl="0" eaLnBrk="1" latinLnBrk="0" hangingPunct="1">
+        <a:lnSpc>
+          <a:spcPct val="90000"/>
+        </a:lnSpc>
+        <a:spcBef>
+          <a:spcPts val="500"/>
+        </a:spcBef>
+        <a:buFont typeface="Arial" panose="020B0604020202020204" pitchFamily="34" charset="0"/>
+        <a:buChar char="•"/>
+        <a:defRPr sz="1800" kern="1200">
+          <a:solidFill>
+            <a:schemeClr val="tx1"/>
+          </a:solidFill>
+          <a:latin typeface="+mn-lt"/>
+          <a:ea typeface="+mn-ea"/>
+          <a:cs typeface="+mn-cs"/>
+        </a:defRPr>
+      </a:lvl6pPr>
+      <a:lvl7pPr marL="2971800" indent="-228600" algn="l" defTabSz="914400" rtl="0" eaLnBrk="1" latinLnBrk="0" hangingPunct="1">
+        <a:lnSpc>
+          <a:spcPct val="90000"/>
+        </a:lnSpc>
+        <a:spcBef>
+          <a:spcPts val="500"/>
+        </a:spcBef>
+        <a:buFont typeface="Arial" panose="020B0604020202020204" pitchFamily="34" charset="0"/>
+        <a:buChar char="•"/>
+        <a:defRPr sz="1800" kern="1200">
+          <a:solidFill>
+            <a:schemeClr val="tx1"/>
+          </a:solidFill>
+          <a:latin typeface="+mn-lt"/>
+          <a:ea typeface="+mn-ea"/>
+          <a:cs typeface="+mn-cs"/>
+        </a:defRPr>
+      </a:lvl7pPr>
+      <a:lvl8pPr marL="3429000" indent="-228600" algn="l" defTabSz="914400" rtl="0" eaLnBrk="1" latinLnBrk="0" hangingPunct="1">
+        <a:lnSpc>
+          <a:spcPct val="90000"/>
+        </a:lnSpc>
+        <a:spcBef>
+          <a:spcPts val="500"/>
+        </a:spcBef>
+        <a:buFont typeface="Arial" panose="020B0604020202020204" pitchFamily="34" charset="0"/>
+        <a:buChar char="•"/>
+        <a:defRPr sz="1800" kern="1200">
+          <a:solidFill>
+            <a:schemeClr val="tx1"/>
+          </a:solidFill>
+          <a:latin typeface="+mn-lt"/>
+          <a:ea typeface="+mn-ea"/>
+          <a:cs typeface="+mn-cs"/>
+        </a:defRPr>
+      </a:lvl8pPr>
+      <a:lvl9pPr marL="3886200" indent="-228600" algn="l" defTabSz="914400" rtl="0" eaLnBrk="1" latinLnBrk="0" hangingPunct="1">
+        <a:lnSpc>
+          <a:spcPct val="90000"/>
+        </a:lnSpc>
+        <a:spcBef>
+          <a:spcPts val="500"/>
+        </a:spcBef>
+        <a:buFont typeface="Arial" panose="020B0604020202020204" pitchFamily="34" charset="0"/>
+        <a:buChar char="•"/>
+        <a:defRPr sz="1800" kern="1200">
+          <a:solidFill>
+            <a:schemeClr val="tx1"/>
+          </a:solidFill>
+          <a:latin typeface="+mn-lt"/>
+          <a:ea typeface="+mn-ea"/>
+          <a:cs typeface="+mn-cs"/>
+        </a:defRPr>
+      </a:lvl9pPr>
+    </p:bodyStyle>
+    <p:otherStyle>
+      <a:defPPr>
+        <a:defRPr lang="en-US"/>
+      </a:defPPr>
+      <a:lvl1pPr marL="0" algn="l" defTabSz="914400" rtl="0" eaLnBrk="1" latinLnBrk="0" hangingPunct="1">
+        <a:defRPr sz="1800" kern="1200">
+          <a:solidFill>
+            <a:schemeClr val="tx1"/>
+          </a:solidFill>
+          <a:latin typeface="+mn-lt"/>
+          <a:ea typeface="+mn-ea"/>
+          <a:cs typeface="+mn-cs"/>
+        </a:defRPr>
+      </a:lvl1pPr>
+      <a:lvl2pPr marL="457200" algn="l" defTabSz="914400" rtl="0" eaLnBrk="1" latinLnBrk="0" hangingPunct="1">
+        <a:defRPr sz="1800" kern="1200">
+          <a:solidFill>
+            <a:schemeClr val="tx1"/>
+          </a:solidFill>
+          <a:latin typeface="+mn-lt"/>
+          <a:ea typeface="+mn-ea"/>
+          <a:cs typeface="+mn-cs"/>
+        </a:defRPr>
+      </a:lvl2pPr>
+      <a:lvl3pPr marL="914400" algn="l" defTabSz="914400" rtl="0" eaLnBrk="1" latinLnBrk="0" hangingPunct="1">
+        <a:defRPr sz="1800" kern="1200">
+          <a:solidFill>
+            <a:schemeClr val="tx1"/>
+          </a:solidFill>
+          <a:latin typeface="+mn-lt"/>
+          <a:ea typeface="+mn-ea"/>
+          <a:cs typeface="+mn-cs"/>
+        </a:defRPr>
+      </a:lvl3pPr>
+      <a:lvl4pPr marL="1371600" algn="l" defTabSz="914400" rtl="0" eaLnBrk="1" latinLnBrk="0" hangingPunct="1">
+        <a:defRPr sz="1800" kern="1200">
+          <a:solidFill>
+            <a:schemeClr val="tx1"/>
+          </a:solidFill>
+          <a:latin typeface="+mn-lt"/>
+          <a:ea typeface="+mn-ea"/>
+          <a:cs typeface="+mn-cs"/>
+        </a:defRPr>
+      </a:lvl4pPr>
+      <a:lvl5pPr marL="1828800" algn="l" defTabSz="914400" rtl="0" eaLnBrk="1" latinLnBrk="0" hangingPunct="1">
+        <a:defRPr sz="1800" kern="1200">
+          <a:solidFill>
+            <a:schemeClr val="tx1"/>
+          </a:solidFill>
+          <a:latin typeface="+mn-lt"/>
+          <a:ea typeface="+mn-ea"/>
+          <a:cs typeface="+mn-cs"/>
+        </a:defRPr>
+      </a:lvl5pPr>
+      <a:lvl6pPr marL="2286000" algn="l" defTabSz="914400" rtl="0" eaLnBrk="1" latinLnBrk="0" hangingPunct="1">
+        <a:defRPr sz="1800" kern="1200">
+          <a:solidFill>
+            <a:schemeClr val="tx1"/>
+          </a:solidFill>
+          <a:latin typeface="+mn-lt"/>
+          <a:ea typeface="+mn-ea"/>
+          <a:cs typeface="+mn-cs"/>
+        </a:defRPr>
+      </a:lvl6pPr>
+      <a:lvl7pPr marL="2743200" algn="l" defTabSz="914400" rtl="0" eaLnBrk="1" latinLnBrk="0" hangingPunct="1">
+        <a:defRPr sz="1800" kern="1200">
+          <a:solidFill>
+            <a:schemeClr val="tx1"/>
+          </a:solidFill>
+          <a:latin typeface="+mn-lt"/>
+          <a:ea typeface="+mn-ea"/>
+          <a:cs typeface="+mn-cs"/>
+        </a:defRPr>
+      </a:lvl7pPr>
+      <a:lvl8pPr marL="3200400" algn="l" defTabSz="914400" rtl="0" eaLnBrk="1" latinLnBrk="0" hangingPunct="1">
+        <a:defRPr sz="1800" kern="1200">
+          <a:solidFill>
+            <a:schemeClr val="tx1"/>
+          </a:solidFill>
+          <a:latin typeface="+mn-lt"/>
+          <a:ea typeface="+mn-ea"/>
+          <a:cs typeface="+mn-cs"/>
+        </a:defRPr>
+      </a:lvl8pPr>
+      <a:lvl9pPr marL="3657600" algn="l" defTabSz="914400" rtl="0" eaLnBrk="1" latinLnBrk="0" hangingPunct="1">
+        <a:defRPr sz="1800" kern="1200">
+          <a:solidFill>
+            <a:schemeClr val="tx1"/>
+          </a:solidFill>
+          <a:latin typeface="+mn-lt"/>
+          <a:ea typeface="+mn-ea"/>
+          <a:cs typeface="+mn-cs"/>
+        </a:defRPr>
+      </a:lvl9pPr>
+    </p:otherStyle>
+  </p:txStyles>
 </p:sldMaster>
 </file>
 
 <file path=ppt/slides/slide1.xml><?xml version="1.0" encoding="utf-8"?>
-<p:sld xmlns:a="http://schemas.openxmlformats.org/drawingml/2006/main" xmlns:p="http://schemas.openxmlformats.org/presentationml/2006/main" xmlns:r="http://schemas.openxmlformats.org/officeDocument/2006/relationships" xmlns:p14="http://schemas.microsoft.com/office/powerpoint/2010/main" xmlns:p15="http://schemas.microsoft.com/office/powerpoint/2012/main" xmlns:mc="http://schemas.openxmlformats.org/markup-compatibility/2006">
+<p:sld xmlns:a="http://schemas.openxmlformats.org/drawingml/2006/main" xmlns:r="http://schemas.openxmlformats.org/officeDocument/2006/relationships" xmlns:p="http://schemas.openxmlformats.org/presentationml/2006/main">
   <p:cSld>
     <p:spTree>
       <p:nvGrpSpPr>
@@ -5152,22 +6273,29 @@
             <a:avLst/>
           </a:prstGeom>
           <a:solidFill>
-            <a:srgbClr val="c7243a"/>
+            <a:srgbClr val="C7243A"/>
           </a:solidFill>
           <a:ln>
             <a:noFill/>
           </a:ln>
         </p:spPr>
         <p:style>
-          <a:lnRef idx="0"/>
-          <a:fillRef idx="0"/>
-          <a:effectRef idx="0"/>
+          <a:lnRef idx="0">
+            <a:scrgbClr r="0" g="0" b="0"/>
+          </a:lnRef>
+          <a:fillRef idx="0">
+            <a:scrgbClr r="0" g="0" b="0"/>
+          </a:fillRef>
+          <a:effectRef idx="0">
+            <a:scrgbClr r="0" g="0" b="0"/>
+          </a:effectRef>
           <a:fontRef idx="minor"/>
         </p:style>
         <p:txBody>
-          <a:bodyPr lIns="72000" rIns="0" tIns="0" bIns="0" anchor="ctr">
+          <a:bodyPr lIns="72000" tIns="0" rIns="0" bIns="0" anchor="ctr">
             <a:spAutoFit/>
           </a:bodyPr>
+          <a:lstStyle/>
           <a:p>
             <a:pPr>
               <a:lnSpc>
@@ -5175,16 +6303,16 @@
               </a:lnSpc>
             </a:pPr>
             <a:r>
-              <a:rPr b="0" lang="en-US" sz="4400" spc="-1" strike="noStrike">
-                <a:solidFill>
-                  <a:srgbClr val="ffffff"/>
+              <a:rPr lang="en-US" sz="4400" b="0" strike="noStrike" spc="-1">
+                <a:solidFill>
+                  <a:srgbClr val="FFFFFF"/>
                 </a:solidFill>
                 <a:latin typeface="Arial"/>
                 <a:ea typeface="DejaVu Sans"/>
               </a:rPr>
               <a:t>TẠO WEBSITE SO SÁNH GIÁ</a:t>
             </a:r>
-            <a:endParaRPr b="0" lang="en-US" sz="4400" spc="-1" strike="noStrike">
+            <a:endParaRPr lang="en-US" sz="4400" b="0" strike="noStrike" spc="-1">
               <a:latin typeface="Arial"/>
             </a:endParaRPr>
           </a:p>
@@ -5199,7 +6327,7 @@
         <p:spPr>
           <a:xfrm>
             <a:off x="3816000" y="3600000"/>
-            <a:ext cx="5254920" cy="594000"/>
+            <a:ext cx="5254920" cy="600164"/>
           </a:xfrm>
           <a:prstGeom prst="rect">
             <a:avLst/>
@@ -5210,15 +6338,22 @@
           </a:ln>
         </p:spPr>
         <p:style>
-          <a:lnRef idx="0"/>
-          <a:fillRef idx="0"/>
-          <a:effectRef idx="0"/>
+          <a:lnRef idx="0">
+            <a:scrgbClr r="0" g="0" b="0"/>
+          </a:lnRef>
+          <a:fillRef idx="0">
+            <a:scrgbClr r="0" g="0" b="0"/>
+          </a:fillRef>
+          <a:effectRef idx="0">
+            <a:scrgbClr r="0" g="0" b="0"/>
+          </a:effectRef>
           <a:fontRef idx="minor"/>
         </p:style>
         <p:txBody>
-          <a:bodyPr lIns="0" rIns="0" tIns="0" bIns="0">
+          <a:bodyPr lIns="0" tIns="0" rIns="0" bIns="0">
             <a:spAutoFit/>
           </a:bodyPr>
+          <a:lstStyle/>
           <a:p>
             <a:pPr>
               <a:lnSpc>
@@ -5226,16 +6361,86 @@
               </a:lnSpc>
             </a:pPr>
             <a:r>
-              <a:rPr b="0" lang="en-US" sz="2400" spc="-1" strike="noStrike">
+              <a:rPr lang="en-US" sz="2400" b="0" strike="noStrike" spc="-1" dirty="0" err="1">
                 <a:solidFill>
                   <a:srgbClr val="000000"/>
                 </a:solidFill>
                 <a:latin typeface="Arial"/>
                 <a:ea typeface="DejaVu Sans"/>
               </a:rPr>
-              <a:t>Thương mại điện tử – IS334.J21</a:t>
-            </a:r>
-            <a:endParaRPr b="0" lang="en-US" sz="2400" spc="-1" strike="noStrike">
+              <a:t>Thương</a:t>
+            </a:r>
+            <a:r>
+              <a:rPr lang="en-US" sz="2400" b="0" strike="noStrike" spc="-1" dirty="0">
+                <a:solidFill>
+                  <a:srgbClr val="000000"/>
+                </a:solidFill>
+                <a:latin typeface="Arial"/>
+                <a:ea typeface="DejaVu Sans"/>
+              </a:rPr>
+              <a:t> </a:t>
+            </a:r>
+            <a:r>
+              <a:rPr lang="en-US" sz="2400" b="0" strike="noStrike" spc="-1" dirty="0" err="1">
+                <a:solidFill>
+                  <a:srgbClr val="000000"/>
+                </a:solidFill>
+                <a:latin typeface="Arial"/>
+                <a:ea typeface="DejaVu Sans"/>
+              </a:rPr>
+              <a:t>mại</a:t>
+            </a:r>
+            <a:r>
+              <a:rPr lang="en-US" sz="2400" b="0" strike="noStrike" spc="-1" dirty="0">
+                <a:solidFill>
+                  <a:srgbClr val="000000"/>
+                </a:solidFill>
+                <a:latin typeface="Arial"/>
+                <a:ea typeface="DejaVu Sans"/>
+              </a:rPr>
+              <a:t> </a:t>
+            </a:r>
+            <a:r>
+              <a:rPr lang="en-US" sz="2400" b="0" strike="noStrike" spc="-1" dirty="0" err="1">
+                <a:solidFill>
+                  <a:srgbClr val="000000"/>
+                </a:solidFill>
+                <a:latin typeface="Arial"/>
+                <a:ea typeface="DejaVu Sans"/>
+              </a:rPr>
+              <a:t>điện</a:t>
+            </a:r>
+            <a:r>
+              <a:rPr lang="en-US" sz="2400" b="0" strike="noStrike" spc="-1" dirty="0">
+                <a:solidFill>
+                  <a:srgbClr val="000000"/>
+                </a:solidFill>
+                <a:latin typeface="Arial"/>
+                <a:ea typeface="DejaVu Sans"/>
+              </a:rPr>
+              <a:t> </a:t>
+            </a:r>
+            <a:r>
+              <a:rPr lang="en-US" sz="2400" b="0" strike="noStrike" spc="-1" dirty="0" err="1">
+                <a:solidFill>
+                  <a:srgbClr val="000000"/>
+                </a:solidFill>
+                <a:latin typeface="Arial"/>
+                <a:ea typeface="DejaVu Sans"/>
+              </a:rPr>
+              <a:t>tử</a:t>
+            </a:r>
+            <a:r>
+              <a:rPr lang="en-US" sz="2400" b="0" strike="noStrike" spc="-1" dirty="0">
+                <a:solidFill>
+                  <a:srgbClr val="000000"/>
+                </a:solidFill>
+                <a:latin typeface="Arial"/>
+                <a:ea typeface="DejaVu Sans"/>
+              </a:rPr>
+              <a:t> – IS334.J21</a:t>
+            </a:r>
+            <a:endParaRPr lang="en-US" sz="2400" b="0" strike="noStrike" spc="-1" dirty="0">
               <a:latin typeface="Arial"/>
             </a:endParaRPr>
           </a:p>
@@ -5246,16 +6451,156 @@
               </a:lnSpc>
             </a:pPr>
             <a:r>
-              <a:rPr b="0" lang="en-US" sz="1500" spc="-1" strike="noStrike">
+              <a:rPr lang="en-US" sz="1500" b="0" strike="noStrike" spc="-1" dirty="0" err="1">
                 <a:solidFill>
                   <a:srgbClr val="000000"/>
                 </a:solidFill>
                 <a:latin typeface="Arial"/>
                 <a:ea typeface="DejaVu Sans"/>
               </a:rPr>
-              <a:t>Giáo viên hướng dẫn: Văn Đức Sơn Hà</a:t>
-            </a:r>
-            <a:endParaRPr b="0" lang="en-US" sz="1500" spc="-1" strike="noStrike">
+              <a:t>Giảng</a:t>
+            </a:r>
+            <a:r>
+              <a:rPr lang="en-US" sz="1500" b="0" strike="noStrike" spc="-1" dirty="0">
+                <a:solidFill>
+                  <a:srgbClr val="000000"/>
+                </a:solidFill>
+                <a:latin typeface="Arial"/>
+                <a:ea typeface="DejaVu Sans"/>
+              </a:rPr>
+              <a:t> </a:t>
+            </a:r>
+            <a:r>
+              <a:rPr lang="en-US" sz="1500" b="0" strike="noStrike" spc="-1" dirty="0" err="1">
+                <a:solidFill>
+                  <a:srgbClr val="000000"/>
+                </a:solidFill>
+                <a:latin typeface="Arial"/>
+                <a:ea typeface="DejaVu Sans"/>
+              </a:rPr>
+              <a:t>viên</a:t>
+            </a:r>
+            <a:r>
+              <a:rPr lang="en-US" sz="1500" b="0" strike="noStrike" spc="-1" dirty="0">
+                <a:solidFill>
+                  <a:srgbClr val="000000"/>
+                </a:solidFill>
+                <a:latin typeface="Arial"/>
+                <a:ea typeface="DejaVu Sans"/>
+              </a:rPr>
+              <a:t> </a:t>
+            </a:r>
+            <a:r>
+              <a:rPr lang="en-US" sz="1500" b="0" strike="noStrike" spc="-1" dirty="0" err="1">
+                <a:solidFill>
+                  <a:srgbClr val="000000"/>
+                </a:solidFill>
+                <a:latin typeface="Arial"/>
+                <a:ea typeface="DejaVu Sans"/>
+              </a:rPr>
+              <a:t>hướng</a:t>
+            </a:r>
+            <a:r>
+              <a:rPr lang="en-US" sz="1500" b="0" strike="noStrike" spc="-1" dirty="0">
+                <a:solidFill>
+                  <a:srgbClr val="000000"/>
+                </a:solidFill>
+                <a:latin typeface="Arial"/>
+                <a:ea typeface="DejaVu Sans"/>
+              </a:rPr>
+              <a:t> </a:t>
+            </a:r>
+            <a:r>
+              <a:rPr lang="en-US" sz="1500" b="0" strike="noStrike" spc="-1" dirty="0" err="1">
+                <a:solidFill>
+                  <a:srgbClr val="000000"/>
+                </a:solidFill>
+                <a:latin typeface="Arial"/>
+                <a:ea typeface="DejaVu Sans"/>
+              </a:rPr>
+              <a:t>dẫn</a:t>
+            </a:r>
+            <a:r>
+              <a:rPr lang="en-US" sz="1500" b="0" strike="noStrike" spc="-1" dirty="0">
+                <a:solidFill>
+                  <a:srgbClr val="000000"/>
+                </a:solidFill>
+                <a:latin typeface="Arial"/>
+                <a:ea typeface="DejaVu Sans"/>
+              </a:rPr>
+              <a:t>: </a:t>
+            </a:r>
+            <a:r>
+              <a:rPr lang="en-US" sz="1500" b="0" strike="noStrike" spc="-1" dirty="0" err="1">
+                <a:solidFill>
+                  <a:srgbClr val="000000"/>
+                </a:solidFill>
+                <a:latin typeface="Arial"/>
+                <a:ea typeface="DejaVu Sans"/>
+              </a:rPr>
+              <a:t>Văn</a:t>
+            </a:r>
+            <a:r>
+              <a:rPr lang="en-US" sz="1500" b="0" strike="noStrike" spc="-1" dirty="0">
+                <a:solidFill>
+                  <a:srgbClr val="000000"/>
+                </a:solidFill>
+                <a:latin typeface="Arial"/>
+                <a:ea typeface="DejaVu Sans"/>
+              </a:rPr>
+              <a:t> </a:t>
+            </a:r>
+            <a:r>
+              <a:rPr lang="en-US" sz="1500" b="0" strike="noStrike" spc="-1" dirty="0" err="1">
+                <a:solidFill>
+                  <a:srgbClr val="000000"/>
+                </a:solidFill>
+                <a:latin typeface="Arial"/>
+                <a:ea typeface="DejaVu Sans"/>
+              </a:rPr>
+              <a:t>Đức</a:t>
+            </a:r>
+            <a:r>
+              <a:rPr lang="en-US" sz="1500" b="0" strike="noStrike" spc="-1" dirty="0">
+                <a:solidFill>
+                  <a:srgbClr val="000000"/>
+                </a:solidFill>
+                <a:latin typeface="Arial"/>
+                <a:ea typeface="DejaVu Sans"/>
+              </a:rPr>
+              <a:t> </a:t>
+            </a:r>
+            <a:r>
+              <a:rPr lang="en-US" sz="1500" b="0" strike="noStrike" spc="-1" dirty="0" err="1">
+                <a:solidFill>
+                  <a:srgbClr val="000000"/>
+                </a:solidFill>
+                <a:latin typeface="Arial"/>
+                <a:ea typeface="DejaVu Sans"/>
+              </a:rPr>
+              <a:t>Sơn</a:t>
+            </a:r>
+            <a:r>
+              <a:rPr lang="en-US" sz="1500" b="0" strike="noStrike" spc="-1" dirty="0">
+                <a:solidFill>
+                  <a:srgbClr val="000000"/>
+                </a:solidFill>
+                <a:latin typeface="Arial"/>
+                <a:ea typeface="DejaVu Sans"/>
+              </a:rPr>
+              <a:t> </a:t>
+            </a:r>
+            <a:r>
+              <a:rPr lang="en-US" sz="1500" b="0" strike="noStrike" spc="-1" dirty="0" err="1">
+                <a:solidFill>
+                  <a:srgbClr val="000000"/>
+                </a:solidFill>
+                <a:latin typeface="Arial"/>
+                <a:ea typeface="DejaVu Sans"/>
+              </a:rPr>
+              <a:t>Hà</a:t>
+            </a:r>
+            <a:endParaRPr lang="en-US" sz="1500" b="0" strike="noStrike" spc="-1" dirty="0">
               <a:latin typeface="Arial"/>
             </a:endParaRPr>
           </a:p>
@@ -5263,14 +6608,9 @@
       </p:sp>
     </p:spTree>
   </p:cSld>
-  <mc:AlternateContent>
-    <mc:Choice Requires="p14">
-      <p:transition spd="slow" p14:dur="2000"/>
-    </mc:Choice>
-    <mc:Fallback>
-      <p:transition spd="slow"/>
-    </mc:Fallback>
-  </mc:AlternateContent>
+  <p:clrMapOvr>
+    <a:masterClrMapping/>
+  </p:clrMapOvr>
   <p:timing>
     <p:tnLst>
       <p:par>
@@ -5279,14 +6619,14 @@
             <p:seq>
               <p:cTn id="2" dur="indefinite" nodeType="mainSeq"/>
               <p:prevCondLst>
-                <p:cond delay="0" evt="onPrev">
+                <p:cond evt="onPrev" delay="0">
                   <p:tgtEl>
                     <p:sldTgt/>
                   </p:tgtEl>
                 </p:cond>
               </p:prevCondLst>
               <p:nextCondLst>
-                <p:cond delay="0" evt="onNext">
+                <p:cond evt="onNext" delay="0">
                   <p:tgtEl>
                     <p:sldTgt/>
                   </p:tgtEl>
@@ -5302,7 +6642,7 @@
 </file>
 
 <file path=ppt/slides/slide10.xml><?xml version="1.0" encoding="utf-8"?>
-<p:sld xmlns:a="http://schemas.openxmlformats.org/drawingml/2006/main" xmlns:p="http://schemas.openxmlformats.org/presentationml/2006/main" xmlns:r="http://schemas.openxmlformats.org/officeDocument/2006/relationships" xmlns:p14="http://schemas.microsoft.com/office/powerpoint/2010/main" xmlns:p15="http://schemas.microsoft.com/office/powerpoint/2012/main" xmlns:mc="http://schemas.openxmlformats.org/markup-compatibility/2006">
+<p:sld xmlns:a="http://schemas.openxmlformats.org/drawingml/2006/main" xmlns:r="http://schemas.openxmlformats.org/officeDocument/2006/relationships" xmlns:p="http://schemas.openxmlformats.org/presentationml/2006/main">
   <p:cSld>
     <p:spTree>
       <p:nvGrpSpPr>
@@ -5326,7 +6666,7 @@
         </p:nvSpPr>
         <p:spPr>
           <a:xfrm>
-            <a:off x="504000" y="703080"/>
+            <a:off x="199200" y="433449"/>
             <a:ext cx="9070920" cy="670680"/>
           </a:xfrm>
           <a:prstGeom prst="rect">
@@ -5338,15 +6678,22 @@
           </a:ln>
         </p:spPr>
         <p:style>
-          <a:lnRef idx="0"/>
-          <a:fillRef idx="0"/>
-          <a:effectRef idx="0"/>
+          <a:lnRef idx="0">
+            <a:scrgbClr r="0" g="0" b="0"/>
+          </a:lnRef>
+          <a:fillRef idx="0">
+            <a:scrgbClr r="0" g="0" b="0"/>
+          </a:fillRef>
+          <a:effectRef idx="0">
+            <a:scrgbClr r="0" g="0" b="0"/>
+          </a:effectRef>
           <a:fontRef idx="minor"/>
         </p:style>
         <p:txBody>
-          <a:bodyPr lIns="0" rIns="0" tIns="0" bIns="0" anchor="ctr">
+          <a:bodyPr lIns="0" tIns="0" rIns="0" bIns="0" anchor="ctr">
             <a:spAutoFit/>
           </a:bodyPr>
+          <a:lstStyle/>
           <a:p>
             <a:pPr>
               <a:lnSpc>
@@ -5354,16 +6701,16 @@
               </a:lnSpc>
             </a:pPr>
             <a:r>
-              <a:rPr b="0" lang="en-US" sz="4400" spc="-1" strike="noStrike">
-                <a:solidFill>
-                  <a:srgbClr val="c7243a"/>
+              <a:rPr lang="en-US" sz="4400" b="0" strike="noStrike" spc="-1" dirty="0">
+                <a:solidFill>
+                  <a:srgbClr val="C7243A"/>
                 </a:solidFill>
                 <a:latin typeface="Arial"/>
                 <a:ea typeface="DejaVu Sans"/>
               </a:rPr>
               <a:t>GIAO DIỆN CHÍNH</a:t>
             </a:r>
-            <a:endParaRPr b="0" lang="en-US" sz="4400" spc="-1" strike="noStrike">
+            <a:endParaRPr lang="en-US" sz="4400" b="0" strike="noStrike" spc="-1" dirty="0">
               <a:latin typeface="Arial"/>
             </a:endParaRPr>
           </a:p>
@@ -5371,53 +6718,163 @@
       </p:sp>
       <p:pic>
         <p:nvPicPr>
-          <p:cNvPr id="160" name="" descr=""/>
+          <p:cNvPr id="160" name="Picture 159"/>
           <p:cNvPicPr/>
           <p:nvPr/>
         </p:nvPicPr>
         <p:blipFill>
-          <a:blip r:embed="rId1"/>
+          <a:blip r:embed="rId2"/>
           <a:stretch/>
         </p:blipFill>
         <p:spPr>
           <a:xfrm>
-            <a:off x="1737360" y="1679040"/>
+            <a:off x="1959252" y="1774809"/>
             <a:ext cx="6162120" cy="3350160"/>
           </a:xfrm>
           <a:prstGeom prst="rect">
             <a:avLst/>
           </a:prstGeom>
-          <a:ln>
-            <a:noFill/>
-          </a:ln>
-        </p:spPr>
+          <a:ln/>
+        </p:spPr>
+        <p:style>
+          <a:lnRef idx="1">
+            <a:schemeClr val="accent1"/>
+          </a:lnRef>
+          <a:fillRef idx="2">
+            <a:schemeClr val="accent1"/>
+          </a:fillRef>
+          <a:effectRef idx="1">
+            <a:schemeClr val="accent1"/>
+          </a:effectRef>
+          <a:fontRef idx="minor">
+            <a:schemeClr val="dk1"/>
+          </a:fontRef>
+        </p:style>
       </p:pic>
+      <p:sp>
+        <p:nvSpPr>
+          <p:cNvPr id="2" name="TextBox 1">
+            <a:extLst>
+              <a:ext uri="{FF2B5EF4-FFF2-40B4-BE49-F238E27FC236}">
+                <a16:creationId xmlns:a16="http://schemas.microsoft.com/office/drawing/2014/main" id="{55DB6185-B5EA-4A16-A9FE-E335C6D69209}"/>
+              </a:ext>
+            </a:extLst>
+          </p:cNvPr>
+          <p:cNvSpPr txBox="1"/>
+          <p:nvPr/>
+        </p:nvSpPr>
+        <p:spPr>
+          <a:xfrm>
+            <a:off x="656492" y="1104129"/>
+            <a:ext cx="5978770" cy="523220"/>
+          </a:xfrm>
+          <a:prstGeom prst="rect">
+            <a:avLst/>
+          </a:prstGeom>
+          <a:noFill/>
+        </p:spPr>
+        <p:txBody>
+          <a:bodyPr wrap="square" rtlCol="0">
+            <a:spAutoFit/>
+          </a:bodyPr>
+          <a:lstStyle/>
+          <a:p>
+            <a:r>
+              <a:rPr lang="en-US" sz="2800" dirty="0"/>
+              <a:t>So </a:t>
+            </a:r>
+            <a:r>
+              <a:rPr lang="en-US" sz="2800" dirty="0" err="1"/>
+              <a:t>sánh</a:t>
+            </a:r>
+            <a:r>
+              <a:rPr lang="en-US" sz="2800" dirty="0"/>
+              <a:t> </a:t>
+            </a:r>
+            <a:r>
+              <a:rPr lang="en-US" sz="2800" dirty="0" err="1"/>
+              <a:t>giá</a:t>
+            </a:r>
+            <a:r>
+              <a:rPr lang="en-US" sz="2800" dirty="0"/>
+              <a:t> </a:t>
+            </a:r>
+            <a:r>
+              <a:rPr lang="en-US" dirty="0"/>
+              <a:t>(</a:t>
+            </a:r>
+            <a:r>
+              <a:rPr lang="en-US" dirty="0" err="1"/>
+              <a:t>đang</a:t>
+            </a:r>
+            <a:r>
+              <a:rPr lang="en-US" dirty="0"/>
+              <a:t> </a:t>
+            </a:r>
+            <a:r>
+              <a:rPr lang="en-US" dirty="0" err="1"/>
+              <a:t>trong</a:t>
+            </a:r>
+            <a:r>
+              <a:rPr lang="en-US" dirty="0"/>
+              <a:t> </a:t>
+            </a:r>
+            <a:r>
+              <a:rPr lang="en-US" dirty="0" err="1"/>
+              <a:t>giai</a:t>
+            </a:r>
+            <a:r>
+              <a:rPr lang="en-US" dirty="0"/>
+              <a:t> </a:t>
+            </a:r>
+            <a:r>
+              <a:rPr lang="en-US" dirty="0" err="1"/>
+              <a:t>đoạn</a:t>
+            </a:r>
+            <a:r>
+              <a:rPr lang="en-US" dirty="0"/>
+              <a:t> </a:t>
+            </a:r>
+            <a:r>
+              <a:rPr lang="en-US" dirty="0" err="1"/>
+              <a:t>hoàn</a:t>
+            </a:r>
+            <a:r>
+              <a:rPr lang="en-US" dirty="0"/>
+              <a:t> </a:t>
+            </a:r>
+            <a:r>
+              <a:rPr lang="en-US" dirty="0" err="1"/>
+              <a:t>thiện</a:t>
+            </a:r>
+            <a:r>
+              <a:rPr lang="en-US" dirty="0"/>
+              <a:t>)</a:t>
+            </a:r>
+          </a:p>
+        </p:txBody>
+      </p:sp>
     </p:spTree>
   </p:cSld>
-  <mc:AlternateContent>
-    <mc:Choice Requires="p14">
-      <p:transition spd="slow" p14:dur="2000"/>
-    </mc:Choice>
-    <mc:Fallback>
-      <p:transition spd="slow"/>
-    </mc:Fallback>
-  </mc:AlternateContent>
+  <p:clrMapOvr>
+    <a:masterClrMapping/>
+  </p:clrMapOvr>
   <p:timing>
     <p:tnLst>
       <p:par>
-        <p:cTn id="19" dur="indefinite" restart="never" nodeType="tmRoot">
+        <p:cTn id="1" dur="indefinite" restart="never" nodeType="tmRoot">
           <p:childTnLst>
             <p:seq>
-              <p:cTn id="20" dur="indefinite" nodeType="mainSeq"/>
+              <p:cTn id="2" dur="indefinite" nodeType="mainSeq"/>
               <p:prevCondLst>
-                <p:cond delay="0" evt="onPrev">
+                <p:cond evt="onPrev" delay="0">
                   <p:tgtEl>
                     <p:sldTgt/>
                   </p:tgtEl>
                 </p:cond>
               </p:prevCondLst>
               <p:nextCondLst>
-                <p:cond delay="0" evt="onNext">
+                <p:cond evt="onNext" delay="0">
                   <p:tgtEl>
                     <p:sldTgt/>
                   </p:tgtEl>
@@ -5433,7 +6890,7 @@
 </file>
 
 <file path=ppt/slides/slide11.xml><?xml version="1.0" encoding="utf-8"?>
-<p:sld xmlns:a="http://schemas.openxmlformats.org/drawingml/2006/main" xmlns:p="http://schemas.openxmlformats.org/presentationml/2006/main" xmlns:r="http://schemas.openxmlformats.org/officeDocument/2006/relationships" xmlns:p14="http://schemas.microsoft.com/office/powerpoint/2010/main" xmlns:p15="http://schemas.microsoft.com/office/powerpoint/2012/main" xmlns:mc="http://schemas.openxmlformats.org/markup-compatibility/2006">
+<p:sld xmlns:a="http://schemas.openxmlformats.org/drawingml/2006/main" xmlns:r="http://schemas.openxmlformats.org/officeDocument/2006/relationships" xmlns:p="http://schemas.openxmlformats.org/presentationml/2006/main">
   <p:cSld>
     <p:spTree>
       <p:nvGrpSpPr>
@@ -5469,15 +6926,22 @@
           </a:ln>
         </p:spPr>
         <p:style>
-          <a:lnRef idx="0"/>
-          <a:fillRef idx="0"/>
-          <a:effectRef idx="0"/>
+          <a:lnRef idx="0">
+            <a:scrgbClr r="0" g="0" b="0"/>
+          </a:lnRef>
+          <a:fillRef idx="0">
+            <a:scrgbClr r="0" g="0" b="0"/>
+          </a:fillRef>
+          <a:effectRef idx="0">
+            <a:scrgbClr r="0" g="0" b="0"/>
+          </a:effectRef>
           <a:fontRef idx="minor"/>
         </p:style>
         <p:txBody>
-          <a:bodyPr lIns="0" rIns="0" tIns="0" bIns="0" anchor="ctr">
+          <a:bodyPr lIns="0" tIns="0" rIns="0" bIns="0" anchor="ctr">
             <a:spAutoFit/>
           </a:bodyPr>
+          <a:lstStyle/>
           <a:p>
             <a:pPr>
               <a:lnSpc>
@@ -5485,16 +6949,16 @@
               </a:lnSpc>
             </a:pPr>
             <a:r>
-              <a:rPr b="0" lang="en-US" sz="4400" spc="-1" strike="noStrike">
-                <a:solidFill>
-                  <a:srgbClr val="c7243a"/>
+              <a:rPr lang="en-US" sz="4400" b="0" strike="noStrike" spc="-1">
+                <a:solidFill>
+                  <a:srgbClr val="C7243A"/>
                 </a:solidFill>
                 <a:latin typeface="Arial"/>
                 <a:ea typeface="DejaVu Sans"/>
               </a:rPr>
               <a:t>DEMO TÍNH NĂNG</a:t>
             </a:r>
-            <a:endParaRPr b="0" lang="en-US" sz="4400" spc="-1" strike="noStrike">
+            <a:endParaRPr lang="en-US" sz="4400" b="0" strike="noStrike" spc="-1">
               <a:latin typeface="Arial"/>
             </a:endParaRPr>
           </a:p>
@@ -5508,13 +6972,14 @@
         </p:nvSpPr>
         <p:spPr>
           <a:xfrm>
-            <a:off x="1828800" y="2560320"/>
-            <a:ext cx="1462680" cy="548280"/>
+            <a:off x="1755757" y="2445074"/>
+            <a:ext cx="1608766" cy="778772"/>
           </a:xfrm>
           <a:custGeom>
             <a:avLst/>
             <a:gdLst/>
             <a:ahLst/>
+            <a:cxnLst/>
             <a:rect l="l" t="t" r="r" b="b"/>
             <a:pathLst>
               <a:path w="4066" h="1525">
@@ -5549,24 +7014,31 @@
             </a:pathLst>
           </a:custGeom>
           <a:solidFill>
-            <a:srgbClr val="729fcf"/>
+            <a:srgbClr val="729FCF"/>
           </a:solidFill>
           <a:ln>
             <a:solidFill>
-              <a:srgbClr val="3465a4"/>
+              <a:srgbClr val="3465A4"/>
             </a:solidFill>
           </a:ln>
         </p:spPr>
         <p:style>
-          <a:lnRef idx="0"/>
-          <a:fillRef idx="0"/>
-          <a:effectRef idx="0"/>
+          <a:lnRef idx="0">
+            <a:scrgbClr r="0" g="0" b="0"/>
+          </a:lnRef>
+          <a:fillRef idx="0">
+            <a:scrgbClr r="0" g="0" b="0"/>
+          </a:fillRef>
+          <a:effectRef idx="0">
+            <a:scrgbClr r="0" g="0" b="0"/>
+          </a:effectRef>
           <a:fontRef idx="minor"/>
         </p:style>
         <p:txBody>
-          <a:bodyPr wrap="none" lIns="90000" rIns="90000" tIns="45000" bIns="45000" anchor="ctr">
+          <a:bodyPr wrap="none" lIns="90000" tIns="45000" rIns="90000" bIns="45000" anchor="ctr">
             <a:noAutofit/>
           </a:bodyPr>
+          <a:lstStyle/>
           <a:p>
             <a:pPr algn="ctr">
               <a:lnSpc>
@@ -5574,7 +7046,7 @@
               </a:lnSpc>
             </a:pPr>
             <a:r>
-              <a:rPr b="0" lang="en-US" sz="1800" spc="-1" strike="noStrike">
+              <a:rPr lang="en-US" sz="1800" b="0" strike="noStrike" spc="-1">
                 <a:solidFill>
                   <a:srgbClr val="000000"/>
                 </a:solidFill>
@@ -5583,7 +7055,7 @@
               </a:rPr>
               <a:t>Link:</a:t>
             </a:r>
-            <a:endParaRPr b="0" lang="en-US" sz="1800" spc="-1" strike="noStrike">
+            <a:endParaRPr lang="en-US" sz="1800" b="0" strike="noStrike" spc="-1">
               <a:latin typeface="Arial"/>
             </a:endParaRPr>
           </a:p>
@@ -5597,7 +7069,7 @@
         </p:nvSpPr>
         <p:spPr>
           <a:xfrm>
-            <a:off x="3749040" y="3017520"/>
+            <a:off x="3749040" y="3175317"/>
             <a:ext cx="3657600" cy="360"/>
           </a:xfrm>
           <a:prstGeom prst="line">
@@ -5610,9 +7082,15 @@
           </a:ln>
         </p:spPr>
         <p:style>
-          <a:lnRef idx="0"/>
-          <a:fillRef idx="0"/>
-          <a:effectRef idx="0"/>
+          <a:lnRef idx="0">
+            <a:scrgbClr r="0" g="0" b="0"/>
+          </a:lnRef>
+          <a:fillRef idx="0">
+            <a:scrgbClr r="0" g="0" b="0"/>
+          </a:fillRef>
+          <a:effectRef idx="0">
+            <a:scrgbClr r="0" g="0" b="0"/>
+          </a:effectRef>
           <a:fontRef idx="minor"/>
         </p:style>
       </p:sp>
@@ -5625,7 +7103,7 @@
         <p:spPr>
           <a:xfrm>
             <a:off x="3749040" y="2530800"/>
-            <a:ext cx="5028840" cy="516240"/>
+            <a:ext cx="5028840" cy="644877"/>
           </a:xfrm>
           <a:prstGeom prst="rect">
             <a:avLst/>
@@ -5636,15 +7114,22 @@
           </a:ln>
         </p:spPr>
         <p:style>
-          <a:lnRef idx="0"/>
-          <a:fillRef idx="0"/>
-          <a:effectRef idx="0"/>
+          <a:lnRef idx="0">
+            <a:scrgbClr r="0" g="0" b="0"/>
+          </a:lnRef>
+          <a:fillRef idx="0">
+            <a:scrgbClr r="0" g="0" b="0"/>
+          </a:fillRef>
+          <a:effectRef idx="0">
+            <a:scrgbClr r="0" g="0" b="0"/>
+          </a:effectRef>
           <a:fontRef idx="minor"/>
         </p:style>
         <p:txBody>
-          <a:bodyPr lIns="90000" rIns="90000" tIns="45000" bIns="45000">
+          <a:bodyPr lIns="90000" tIns="45000" rIns="90000" bIns="45000">
             <a:spAutoFit/>
           </a:bodyPr>
+          <a:lstStyle/>
           <a:p>
             <a:pPr>
               <a:lnSpc>
@@ -5652,43 +7137,35 @@
               </a:lnSpc>
             </a:pPr>
             <a:r>
-              <a:rPr b="0" lang="en-US" sz="2800" spc="-1" strike="noStrike">
+              <a:rPr lang="en-US" sz="3600" b="0" strike="noStrike" spc="-1" dirty="0">
                 <a:latin typeface="Arial"/>
               </a:rPr>
               <a:t>sosanh.ga</a:t>
             </a:r>
-            <a:endParaRPr b="0" lang="en-US" sz="2800" spc="-1" strike="noStrike">
-              <a:latin typeface="Arial"/>
-            </a:endParaRPr>
           </a:p>
         </p:txBody>
       </p:sp>
     </p:spTree>
   </p:cSld>
-  <mc:AlternateContent>
-    <mc:Choice Requires="p14">
-      <p:transition spd="slow" p14:dur="2000"/>
-    </mc:Choice>
-    <mc:Fallback>
-      <p:transition spd="slow"/>
-    </mc:Fallback>
-  </mc:AlternateContent>
+  <p:clrMapOvr>
+    <a:masterClrMapping/>
+  </p:clrMapOvr>
   <p:timing>
     <p:tnLst>
       <p:par>
-        <p:cTn id="21" dur="indefinite" restart="never" nodeType="tmRoot">
+        <p:cTn id="1" dur="indefinite" restart="never" nodeType="tmRoot">
           <p:childTnLst>
             <p:seq>
-              <p:cTn id="22" dur="indefinite" nodeType="mainSeq"/>
+              <p:cTn id="2" dur="indefinite" nodeType="mainSeq"/>
               <p:prevCondLst>
-                <p:cond delay="0" evt="onPrev">
+                <p:cond evt="onPrev" delay="0">
                   <p:tgtEl>
                     <p:sldTgt/>
                   </p:tgtEl>
                 </p:cond>
               </p:prevCondLst>
               <p:nextCondLst>
-                <p:cond delay="0" evt="onNext">
+                <p:cond evt="onNext" delay="0">
                   <p:tgtEl>
                     <p:sldTgt/>
                   </p:tgtEl>
@@ -5704,7 +7181,7 @@
 </file>
 
 <file path=ppt/slides/slide12.xml><?xml version="1.0" encoding="utf-8"?>
-<p:sld xmlns:a="http://schemas.openxmlformats.org/drawingml/2006/main" xmlns:p="http://schemas.openxmlformats.org/presentationml/2006/main" xmlns:r="http://schemas.openxmlformats.org/officeDocument/2006/relationships" xmlns:p14="http://schemas.microsoft.com/office/powerpoint/2010/main" xmlns:p15="http://schemas.microsoft.com/office/powerpoint/2012/main" xmlns:mc="http://schemas.openxmlformats.org/markup-compatibility/2006">
+<p:sld xmlns:a="http://schemas.openxmlformats.org/drawingml/2006/main" xmlns:r="http://schemas.openxmlformats.org/officeDocument/2006/relationships" xmlns:p="http://schemas.openxmlformats.org/presentationml/2006/main">
   <p:cSld>
     <p:spTree>
       <p:nvGrpSpPr>
@@ -5740,15 +7217,22 @@
           </a:ln>
         </p:spPr>
         <p:style>
-          <a:lnRef idx="0"/>
-          <a:fillRef idx="0"/>
-          <a:effectRef idx="0"/>
+          <a:lnRef idx="0">
+            <a:scrgbClr r="0" g="0" b="0"/>
+          </a:lnRef>
+          <a:fillRef idx="0">
+            <a:scrgbClr r="0" g="0" b="0"/>
+          </a:fillRef>
+          <a:effectRef idx="0">
+            <a:scrgbClr r="0" g="0" b="0"/>
+          </a:effectRef>
           <a:fontRef idx="minor"/>
         </p:style>
         <p:txBody>
-          <a:bodyPr lIns="0" rIns="0" tIns="0" bIns="0" anchor="ctr">
+          <a:bodyPr lIns="0" tIns="0" rIns="0" bIns="0" anchor="ctr">
             <a:spAutoFit/>
           </a:bodyPr>
+          <a:lstStyle/>
           <a:p>
             <a:pPr>
               <a:lnSpc>
@@ -5756,16 +7240,16 @@
               </a:lnSpc>
             </a:pPr>
             <a:r>
-              <a:rPr b="0" lang="en-US" sz="4400" spc="-1" strike="noStrike">
-                <a:solidFill>
-                  <a:srgbClr val="c7243a"/>
-                </a:solidFill>
-                <a:latin typeface="Arial"/>
-                <a:ea typeface="DejaVu Sans"/>
-              </a:rPr>
-              <a:t>KẾT LUÂN - HƯỚNG PHÁT TRIỂN</a:t>
-            </a:r>
-            <a:endParaRPr b="0" lang="en-US" sz="4400" spc="-1" strike="noStrike">
+              <a:rPr lang="en-US" sz="4400" b="0" strike="noStrike" spc="-1" dirty="0">
+                <a:solidFill>
+                  <a:srgbClr val="C7243A"/>
+                </a:solidFill>
+                <a:latin typeface="Arial"/>
+                <a:ea typeface="DejaVu Sans"/>
+              </a:rPr>
+              <a:t>KẾT LUẬN - HƯỚNG PHÁT TRIỂN</a:t>
+            </a:r>
+            <a:endParaRPr lang="en-US" sz="4400" b="0" strike="noStrike" spc="-1" dirty="0">
               <a:latin typeface="Arial"/>
             </a:endParaRPr>
           </a:p>
@@ -5779,13 +7263,14 @@
         </p:nvSpPr>
         <p:spPr>
           <a:xfrm>
-            <a:off x="1097280" y="2468880"/>
-            <a:ext cx="1919880" cy="2651400"/>
+            <a:off x="1098720" y="2512080"/>
+            <a:ext cx="2193480" cy="2106812"/>
           </a:xfrm>
           <a:custGeom>
             <a:avLst/>
             <a:gdLst/>
             <a:ahLst/>
+            <a:cxnLst/>
             <a:rect l="l" t="t" r="r" b="b"/>
             <a:pathLst>
               <a:path w="841" h="854">
@@ -5824,18 +7309,40 @@
             </a:pathLst>
           </a:custGeom>
           <a:solidFill>
-            <a:srgbClr val="729fcf"/>
+            <a:srgbClr val="729FCF"/>
           </a:solidFill>
           <a:ln>
-            <a:solidFill>
-              <a:srgbClr val="3465a4"/>
-            </a:solidFill>
+            <a:noFill/>
           </a:ln>
+          <a:effectLst>
+            <a:outerShdw blurRad="44450" dist="27940" dir="5400000" algn="ctr">
+              <a:srgbClr val="000000">
+                <a:alpha val="32000"/>
+              </a:srgbClr>
+            </a:outerShdw>
+          </a:effectLst>
+          <a:scene3d>
+            <a:camera prst="orthographicFront">
+              <a:rot lat="0" lon="0" rev="0"/>
+            </a:camera>
+            <a:lightRig rig="balanced" dir="t">
+              <a:rot lat="0" lon="0" rev="8700000"/>
+            </a:lightRig>
+          </a:scene3d>
+          <a:sp3d>
+            <a:bevelT w="190500" h="38100"/>
+          </a:sp3d>
         </p:spPr>
         <p:style>
-          <a:lnRef idx="0"/>
-          <a:fillRef idx="0"/>
-          <a:effectRef idx="0"/>
+          <a:lnRef idx="0">
+            <a:scrgbClr r="0" g="0" b="0"/>
+          </a:lnRef>
+          <a:fillRef idx="0">
+            <a:scrgbClr r="0" g="0" b="0"/>
+          </a:fillRef>
+          <a:effectRef idx="0">
+            <a:scrgbClr r="0" g="0" b="0"/>
+          </a:effectRef>
           <a:fontRef idx="minor"/>
         </p:style>
       </p:sp>
@@ -5860,9 +7367,15 @@
           </a:ln>
         </p:spPr>
         <p:style>
-          <a:lnRef idx="0"/>
-          <a:fillRef idx="0"/>
-          <a:effectRef idx="0"/>
+          <a:lnRef idx="0">
+            <a:scrgbClr r="0" g="0" b="0"/>
+          </a:lnRef>
+          <a:fillRef idx="0">
+            <a:scrgbClr r="0" g="0" b="0"/>
+          </a:fillRef>
+          <a:effectRef idx="0">
+            <a:scrgbClr r="0" g="0" b="0"/>
+          </a:effectRef>
           <a:fontRef idx="minor"/>
         </p:style>
       </p:sp>
@@ -5886,15 +7399,22 @@
           </a:ln>
         </p:spPr>
         <p:style>
-          <a:lnRef idx="0"/>
-          <a:fillRef idx="0"/>
-          <a:effectRef idx="0"/>
+          <a:lnRef idx="0">
+            <a:scrgbClr r="0" g="0" b="0"/>
+          </a:lnRef>
+          <a:fillRef idx="0">
+            <a:scrgbClr r="0" g="0" b="0"/>
+          </a:fillRef>
+          <a:effectRef idx="0">
+            <a:scrgbClr r="0" g="0" b="0"/>
+          </a:effectRef>
           <a:fontRef idx="minor"/>
         </p:style>
         <p:txBody>
-          <a:bodyPr lIns="90000" rIns="90000" tIns="45000" bIns="45000">
+          <a:bodyPr lIns="90000" tIns="45000" rIns="90000" bIns="45000">
             <a:spAutoFit/>
           </a:bodyPr>
+          <a:lstStyle/>
           <a:p>
             <a:pPr>
               <a:lnSpc>
@@ -5902,14 +7422,11 @@
               </a:lnSpc>
             </a:pPr>
             <a:r>
-              <a:rPr b="0" lang="en-US" sz="1800" spc="-1" strike="noStrike">
+              <a:rPr lang="en-US" sz="1800" b="0" strike="noStrike" spc="-1">
                 <a:latin typeface="Arial"/>
               </a:rPr>
               <a:t>Thành công trong thực hiện một website so sánh giá cơ bản quy mô nhỏ</a:t>
             </a:r>
-            <a:endParaRPr b="0" lang="en-US" sz="1800" spc="-1" strike="noStrike">
-              <a:latin typeface="Arial"/>
-            </a:endParaRPr>
           </a:p>
         </p:txBody>
       </p:sp>
@@ -5934,9 +7451,15 @@
           </a:ln>
         </p:spPr>
         <p:style>
-          <a:lnRef idx="0"/>
-          <a:fillRef idx="0"/>
-          <a:effectRef idx="0"/>
+          <a:lnRef idx="0">
+            <a:scrgbClr r="0" g="0" b="0"/>
+          </a:lnRef>
+          <a:fillRef idx="0">
+            <a:scrgbClr r="0" g="0" b="0"/>
+          </a:fillRef>
+          <a:effectRef idx="0">
+            <a:scrgbClr r="0" g="0" b="0"/>
+          </a:effectRef>
           <a:fontRef idx="minor"/>
         </p:style>
       </p:sp>
@@ -5960,15 +7483,22 @@
           </a:ln>
         </p:spPr>
         <p:style>
-          <a:lnRef idx="0"/>
-          <a:fillRef idx="0"/>
-          <a:effectRef idx="0"/>
+          <a:lnRef idx="0">
+            <a:scrgbClr r="0" g="0" b="0"/>
+          </a:lnRef>
+          <a:fillRef idx="0">
+            <a:scrgbClr r="0" g="0" b="0"/>
+          </a:fillRef>
+          <a:effectRef idx="0">
+            <a:scrgbClr r="0" g="0" b="0"/>
+          </a:effectRef>
           <a:fontRef idx="minor"/>
         </p:style>
         <p:txBody>
-          <a:bodyPr lIns="90000" rIns="90000" tIns="45000" bIns="45000">
+          <a:bodyPr lIns="90000" tIns="45000" rIns="90000" bIns="45000">
             <a:spAutoFit/>
           </a:bodyPr>
+          <a:lstStyle/>
           <a:p>
             <a:pPr marL="216000" indent="-215640">
               <a:lnSpc>
@@ -5982,12 +7512,108 @@
               <a:buChar char=""/>
             </a:pPr>
             <a:r>
-              <a:rPr b="0" lang="en-US" sz="1800" spc="-1" strike="noStrike">
-                <a:latin typeface="Arial"/>
-              </a:rPr>
-              <a:t>Xây dựng quy mô nhóm mặt hàng rộng lớn</a:t>
-            </a:r>
-            <a:endParaRPr b="0" lang="en-US" sz="1800" spc="-1" strike="noStrike">
+              <a:rPr lang="en-US" sz="1800" b="0" strike="noStrike" spc="-1" dirty="0" err="1">
+                <a:latin typeface="Arial"/>
+              </a:rPr>
+              <a:t>Xây</a:t>
+            </a:r>
+            <a:r>
+              <a:rPr lang="en-US" sz="1800" b="0" strike="noStrike" spc="-1" dirty="0">
+                <a:latin typeface="Arial"/>
+              </a:rPr>
+              <a:t> </a:t>
+            </a:r>
+            <a:r>
+              <a:rPr lang="en-US" sz="1800" b="0" strike="noStrike" spc="-1" dirty="0" err="1">
+                <a:latin typeface="Arial"/>
+              </a:rPr>
+              <a:t>dựng</a:t>
+            </a:r>
+            <a:r>
+              <a:rPr lang="en-US" sz="1800" b="0" strike="noStrike" spc="-1" dirty="0">
+                <a:latin typeface="Arial"/>
+              </a:rPr>
+              <a:t> </a:t>
+            </a:r>
+            <a:r>
+              <a:rPr lang="en-US" sz="1800" b="0" strike="noStrike" spc="-1" dirty="0" err="1">
+                <a:latin typeface="Arial"/>
+              </a:rPr>
+              <a:t>quy</a:t>
+            </a:r>
+            <a:r>
+              <a:rPr lang="en-US" sz="1800" b="0" strike="noStrike" spc="-1" dirty="0">
+                <a:latin typeface="Arial"/>
+              </a:rPr>
+              <a:t> </a:t>
+            </a:r>
+            <a:r>
+              <a:rPr lang="en-US" sz="1800" b="0" strike="noStrike" spc="-1" dirty="0" err="1">
+                <a:latin typeface="Arial"/>
+              </a:rPr>
+              <a:t>mô</a:t>
+            </a:r>
+            <a:r>
+              <a:rPr lang="en-US" sz="1800" b="0" strike="noStrike" spc="-1" dirty="0">
+                <a:latin typeface="Arial"/>
+              </a:rPr>
+              <a:t> </a:t>
+            </a:r>
+            <a:r>
+              <a:rPr lang="en-US" sz="1800" b="0" strike="noStrike" spc="-1" dirty="0" err="1">
+                <a:latin typeface="Arial"/>
+              </a:rPr>
+              <a:t>nhóm</a:t>
+            </a:r>
+            <a:r>
+              <a:rPr lang="en-US" sz="1800" b="0" strike="noStrike" spc="-1" dirty="0">
+                <a:latin typeface="Arial"/>
+              </a:rPr>
+              <a:t> </a:t>
+            </a:r>
+            <a:r>
+              <a:rPr lang="en-US" sz="1800" b="0" strike="noStrike" spc="-1" dirty="0" err="1">
+                <a:latin typeface="Arial"/>
+              </a:rPr>
+              <a:t>mặt</a:t>
+            </a:r>
+            <a:r>
+              <a:rPr lang="en-US" sz="1800" b="0" strike="noStrike" spc="-1" dirty="0">
+                <a:latin typeface="Arial"/>
+              </a:rPr>
+              <a:t> </a:t>
+            </a:r>
+            <a:r>
+              <a:rPr lang="en-US" sz="1800" b="0" strike="noStrike" spc="-1" dirty="0" err="1">
+                <a:latin typeface="Arial"/>
+              </a:rPr>
+              <a:t>hàng</a:t>
+            </a:r>
+            <a:r>
+              <a:rPr lang="en-US" sz="1800" b="0" strike="noStrike" spc="-1" dirty="0">
+                <a:latin typeface="Arial"/>
+              </a:rPr>
+              <a:t> </a:t>
+            </a:r>
+            <a:r>
+              <a:rPr lang="en-US" sz="1800" b="0" strike="noStrike" spc="-1" dirty="0" err="1">
+                <a:latin typeface="Arial"/>
+              </a:rPr>
+              <a:t>rộng</a:t>
+            </a:r>
+            <a:r>
+              <a:rPr lang="en-US" sz="1800" b="0" strike="noStrike" spc="-1" dirty="0">
+                <a:latin typeface="Arial"/>
+              </a:rPr>
+              <a:t> </a:t>
+            </a:r>
+            <a:r>
+              <a:rPr lang="en-US" sz="1800" b="0" strike="noStrike" spc="-1" dirty="0" err="1">
+                <a:latin typeface="Arial"/>
+              </a:rPr>
+              <a:t>lớn</a:t>
+            </a:r>
+            <a:endParaRPr lang="en-US" sz="1800" b="0" strike="noStrike" spc="-1" dirty="0">
               <a:latin typeface="Arial"/>
             </a:endParaRPr>
           </a:p>
@@ -6004,12 +7630,228 @@
               <a:buChar char=""/>
             </a:pPr>
             <a:r>
-              <a:rPr b="0" lang="en-US" sz="1800" spc="-1" strike="noStrike">
-                <a:latin typeface="Arial"/>
-              </a:rPr>
-              <a:t>Đẩy mạnh liên kết nơi bán, xây dựng thương hiệu như một kênh giới thiệu chất lượng, uy tín</a:t>
-            </a:r>
-            <a:endParaRPr b="0" lang="en-US" sz="1800" spc="-1" strike="noStrike">
+              <a:rPr lang="en-US" sz="1800" b="0" strike="noStrike" spc="-1" dirty="0" err="1">
+                <a:latin typeface="Arial"/>
+              </a:rPr>
+              <a:t>Đẩy</a:t>
+            </a:r>
+            <a:r>
+              <a:rPr lang="en-US" sz="1800" b="0" strike="noStrike" spc="-1" dirty="0">
+                <a:latin typeface="Arial"/>
+              </a:rPr>
+              <a:t> </a:t>
+            </a:r>
+            <a:r>
+              <a:rPr lang="en-US" sz="1800" b="0" strike="noStrike" spc="-1" dirty="0" err="1">
+                <a:latin typeface="Arial"/>
+              </a:rPr>
+              <a:t>mạnh</a:t>
+            </a:r>
+            <a:r>
+              <a:rPr lang="en-US" sz="1800" b="0" strike="noStrike" spc="-1" dirty="0">
+                <a:latin typeface="Arial"/>
+              </a:rPr>
+              <a:t> </a:t>
+            </a:r>
+            <a:r>
+              <a:rPr lang="en-US" sz="1800" b="0" strike="noStrike" spc="-1" dirty="0" err="1">
+                <a:latin typeface="Arial"/>
+              </a:rPr>
+              <a:t>liên</a:t>
+            </a:r>
+            <a:r>
+              <a:rPr lang="en-US" sz="1800" b="0" strike="noStrike" spc="-1" dirty="0">
+                <a:latin typeface="Arial"/>
+              </a:rPr>
+              <a:t> </a:t>
+            </a:r>
+            <a:r>
+              <a:rPr lang="en-US" sz="1800" b="0" strike="noStrike" spc="-1" dirty="0" err="1">
+                <a:latin typeface="Arial"/>
+              </a:rPr>
+              <a:t>kết</a:t>
+            </a:r>
+            <a:r>
+              <a:rPr lang="en-US" sz="1800" b="0" strike="noStrike" spc="-1" dirty="0">
+                <a:latin typeface="Arial"/>
+              </a:rPr>
+              <a:t> </a:t>
+            </a:r>
+            <a:r>
+              <a:rPr lang="en-US" sz="1800" b="0" strike="noStrike" spc="-1" dirty="0" err="1">
+                <a:latin typeface="Arial"/>
+              </a:rPr>
+              <a:t>nơi</a:t>
+            </a:r>
+            <a:r>
+              <a:rPr lang="en-US" sz="1800" b="0" strike="noStrike" spc="-1" dirty="0">
+                <a:latin typeface="Arial"/>
+              </a:rPr>
+              <a:t> </a:t>
+            </a:r>
+            <a:r>
+              <a:rPr lang="en-US" sz="1800" b="0" strike="noStrike" spc="-1" dirty="0" err="1">
+                <a:latin typeface="Arial"/>
+              </a:rPr>
+              <a:t>bán</a:t>
+            </a:r>
+            <a:r>
+              <a:rPr lang="en-US" sz="1800" b="0" strike="noStrike" spc="-1" dirty="0">
+                <a:latin typeface="Arial"/>
+              </a:rPr>
+              <a:t>, </a:t>
+            </a:r>
+            <a:r>
+              <a:rPr lang="en-US" sz="1800" b="0" strike="noStrike" spc="-1" dirty="0" err="1">
+                <a:latin typeface="Arial"/>
+              </a:rPr>
+              <a:t>xây</a:t>
+            </a:r>
+            <a:r>
+              <a:rPr lang="en-US" sz="1800" b="0" strike="noStrike" spc="-1" dirty="0">
+                <a:latin typeface="Arial"/>
+              </a:rPr>
+              <a:t> </a:t>
+            </a:r>
+            <a:r>
+              <a:rPr lang="en-US" sz="1800" b="0" strike="noStrike" spc="-1" dirty="0" err="1">
+                <a:latin typeface="Arial"/>
+              </a:rPr>
+              <a:t>dựng</a:t>
+            </a:r>
+            <a:r>
+              <a:rPr lang="en-US" sz="1800" b="0" strike="noStrike" spc="-1" dirty="0">
+                <a:latin typeface="Arial"/>
+              </a:rPr>
+              <a:t> </a:t>
+            </a:r>
+            <a:r>
+              <a:rPr lang="en-US" sz="1800" b="0" strike="noStrike" spc="-1" dirty="0" err="1">
+                <a:latin typeface="Arial"/>
+              </a:rPr>
+              <a:t>thương</a:t>
+            </a:r>
+            <a:r>
+              <a:rPr lang="en-US" sz="1800" b="0" strike="noStrike" spc="-1" dirty="0">
+                <a:latin typeface="Arial"/>
+              </a:rPr>
+              <a:t> </a:t>
+            </a:r>
+            <a:r>
+              <a:rPr lang="en-US" sz="1800" b="0" strike="noStrike" spc="-1" dirty="0" err="1">
+                <a:latin typeface="Arial"/>
+              </a:rPr>
+              <a:t>hiệu</a:t>
+            </a:r>
+            <a:r>
+              <a:rPr lang="en-US" sz="1800" b="0" strike="noStrike" spc="-1" dirty="0">
+                <a:latin typeface="Arial"/>
+              </a:rPr>
+              <a:t> </a:t>
+            </a:r>
+            <a:r>
+              <a:rPr lang="en-US" sz="1800" b="0" strike="noStrike" spc="-1" dirty="0" err="1">
+                <a:latin typeface="Arial"/>
+              </a:rPr>
+              <a:t>như</a:t>
+            </a:r>
+            <a:r>
+              <a:rPr lang="en-US" sz="1800" b="0" strike="noStrike" spc="-1" dirty="0">
+                <a:latin typeface="Arial"/>
+              </a:rPr>
+              <a:t> </a:t>
+            </a:r>
+            <a:r>
+              <a:rPr lang="en-US" sz="1800" b="0" strike="noStrike" spc="-1" dirty="0" err="1">
+                <a:latin typeface="Arial"/>
+              </a:rPr>
+              <a:t>một</a:t>
+            </a:r>
+            <a:r>
+              <a:rPr lang="en-US" sz="1800" b="0" strike="noStrike" spc="-1" dirty="0">
+                <a:latin typeface="Arial"/>
+              </a:rPr>
+              <a:t> </a:t>
+            </a:r>
+            <a:r>
+              <a:rPr lang="en-US" sz="1800" b="0" strike="noStrike" spc="-1" dirty="0" err="1">
+                <a:latin typeface="Arial"/>
+              </a:rPr>
+              <a:t>kênh</a:t>
+            </a:r>
+            <a:r>
+              <a:rPr lang="en-US" sz="1800" b="0" strike="noStrike" spc="-1" dirty="0">
+                <a:latin typeface="Arial"/>
+              </a:rPr>
+              <a:t> </a:t>
+            </a:r>
+            <a:r>
+              <a:rPr lang="en-US" sz="1800" b="0" strike="noStrike" spc="-1" dirty="0" err="1">
+                <a:latin typeface="Arial"/>
+              </a:rPr>
+              <a:t>giới</a:t>
+            </a:r>
+            <a:r>
+              <a:rPr lang="en-US" sz="1800" b="0" strike="noStrike" spc="-1" dirty="0">
+                <a:latin typeface="Arial"/>
+              </a:rPr>
+              <a:t> </a:t>
+            </a:r>
+            <a:r>
+              <a:rPr lang="en-US" sz="1800" b="0" strike="noStrike" spc="-1" dirty="0" err="1">
+                <a:latin typeface="Arial"/>
+              </a:rPr>
+              <a:t>thiệu</a:t>
+            </a:r>
+            <a:r>
+              <a:rPr lang="en-US" sz="1800" b="0" strike="noStrike" spc="-1" dirty="0">
+                <a:latin typeface="Arial"/>
+              </a:rPr>
+              <a:t> </a:t>
+            </a:r>
+            <a:r>
+              <a:rPr lang="en-US" sz="1800" b="0" strike="noStrike" spc="-1" dirty="0" err="1">
+                <a:latin typeface="Arial"/>
+              </a:rPr>
+              <a:t>chất</a:t>
+            </a:r>
+            <a:r>
+              <a:rPr lang="en-US" sz="1800" b="0" strike="noStrike" spc="-1" dirty="0">
+                <a:latin typeface="Arial"/>
+              </a:rPr>
+              <a:t> </a:t>
+            </a:r>
+            <a:r>
+              <a:rPr lang="en-US" sz="1800" b="0" strike="noStrike" spc="-1" dirty="0" err="1">
+                <a:latin typeface="Arial"/>
+              </a:rPr>
+              <a:t>lượng</a:t>
+            </a:r>
+            <a:r>
+              <a:rPr lang="en-US" sz="1800" b="0" strike="noStrike" spc="-1" dirty="0">
+                <a:latin typeface="Arial"/>
+              </a:rPr>
+              <a:t>, </a:t>
+            </a:r>
+            <a:r>
+              <a:rPr lang="en-US" sz="1800" b="0" strike="noStrike" spc="-1" dirty="0" err="1">
+                <a:latin typeface="Arial"/>
+              </a:rPr>
+              <a:t>uy</a:t>
+            </a:r>
+            <a:r>
+              <a:rPr lang="en-US" sz="1800" b="0" strike="noStrike" spc="-1" dirty="0">
+                <a:latin typeface="Arial"/>
+              </a:rPr>
+              <a:t> </a:t>
+            </a:r>
+            <a:r>
+              <a:rPr lang="en-US" sz="1800" b="0" strike="noStrike" spc="-1" dirty="0" err="1">
+                <a:latin typeface="Arial"/>
+              </a:rPr>
+              <a:t>tín</a:t>
+            </a:r>
+            <a:endParaRPr lang="en-US" sz="1800" b="0" strike="noStrike" spc="-1" dirty="0">
               <a:latin typeface="Arial"/>
             </a:endParaRPr>
           </a:p>
@@ -6026,43 +7868,209 @@
               <a:buChar char=""/>
             </a:pPr>
             <a:r>
-              <a:rPr b="0" lang="en-US" sz="1800" spc="-1" strike="noStrike">
-                <a:latin typeface="Arial"/>
-              </a:rPr>
-              <a:t>Tích hợp thu thập thông tin, thói quen mua hàng xây dựng tính năng gợi ý bằng ML, AI</a:t>
-            </a:r>
-            <a:endParaRPr b="0" lang="en-US" sz="1800" spc="-1" strike="noStrike">
-              <a:latin typeface="Arial"/>
-            </a:endParaRPr>
+              <a:rPr lang="en-US" sz="1800" b="0" strike="noStrike" spc="-1" dirty="0" err="1">
+                <a:latin typeface="Arial"/>
+              </a:rPr>
+              <a:t>Tích</a:t>
+            </a:r>
+            <a:r>
+              <a:rPr lang="en-US" sz="1800" b="0" strike="noStrike" spc="-1" dirty="0">
+                <a:latin typeface="Arial"/>
+              </a:rPr>
+              <a:t> </a:t>
+            </a:r>
+            <a:r>
+              <a:rPr lang="en-US" sz="1800" b="0" strike="noStrike" spc="-1" dirty="0" err="1">
+                <a:latin typeface="Arial"/>
+              </a:rPr>
+              <a:t>hợp</a:t>
+            </a:r>
+            <a:r>
+              <a:rPr lang="en-US" sz="1800" b="0" strike="noStrike" spc="-1" dirty="0">
+                <a:latin typeface="Arial"/>
+              </a:rPr>
+              <a:t> </a:t>
+            </a:r>
+            <a:r>
+              <a:rPr lang="en-US" sz="1800" b="0" strike="noStrike" spc="-1" dirty="0" err="1">
+                <a:latin typeface="Arial"/>
+              </a:rPr>
+              <a:t>thu</a:t>
+            </a:r>
+            <a:r>
+              <a:rPr lang="en-US" sz="1800" b="0" strike="noStrike" spc="-1" dirty="0">
+                <a:latin typeface="Arial"/>
+              </a:rPr>
+              <a:t> </a:t>
+            </a:r>
+            <a:r>
+              <a:rPr lang="en-US" sz="1800" b="0" strike="noStrike" spc="-1" dirty="0" err="1">
+                <a:latin typeface="Arial"/>
+              </a:rPr>
+              <a:t>thập</a:t>
+            </a:r>
+            <a:r>
+              <a:rPr lang="en-US" sz="1800" b="0" strike="noStrike" spc="-1" dirty="0">
+                <a:latin typeface="Arial"/>
+              </a:rPr>
+              <a:t> </a:t>
+            </a:r>
+            <a:r>
+              <a:rPr lang="en-US" sz="1800" b="0" strike="noStrike" spc="-1" dirty="0" err="1">
+                <a:latin typeface="Arial"/>
+              </a:rPr>
+              <a:t>thông</a:t>
+            </a:r>
+            <a:r>
+              <a:rPr lang="en-US" sz="1800" b="0" strike="noStrike" spc="-1" dirty="0">
+                <a:latin typeface="Arial"/>
+              </a:rPr>
+              <a:t> tin, </a:t>
+            </a:r>
+            <a:r>
+              <a:rPr lang="en-US" sz="1800" b="0" strike="noStrike" spc="-1" dirty="0" err="1">
+                <a:latin typeface="Arial"/>
+              </a:rPr>
+              <a:t>thói</a:t>
+            </a:r>
+            <a:r>
+              <a:rPr lang="en-US" sz="1800" b="0" strike="noStrike" spc="-1" dirty="0">
+                <a:latin typeface="Arial"/>
+              </a:rPr>
+              <a:t> </a:t>
+            </a:r>
+            <a:r>
+              <a:rPr lang="en-US" sz="1800" b="0" strike="noStrike" spc="-1" dirty="0" err="1">
+                <a:latin typeface="Arial"/>
+              </a:rPr>
+              <a:t>quen</a:t>
+            </a:r>
+            <a:r>
+              <a:rPr lang="en-US" sz="1800" b="0" strike="noStrike" spc="-1" dirty="0">
+                <a:latin typeface="Arial"/>
+              </a:rPr>
+              <a:t> </a:t>
+            </a:r>
+            <a:r>
+              <a:rPr lang="en-US" sz="1800" b="0" strike="noStrike" spc="-1" dirty="0" err="1">
+                <a:latin typeface="Arial"/>
+              </a:rPr>
+              <a:t>mua</a:t>
+            </a:r>
+            <a:r>
+              <a:rPr lang="en-US" sz="1800" b="0" strike="noStrike" spc="-1" dirty="0">
+                <a:latin typeface="Arial"/>
+              </a:rPr>
+              <a:t> </a:t>
+            </a:r>
+            <a:r>
+              <a:rPr lang="en-US" sz="1800" b="0" strike="noStrike" spc="-1" dirty="0" err="1">
+                <a:latin typeface="Arial"/>
+              </a:rPr>
+              <a:t>hàng</a:t>
+            </a:r>
+            <a:r>
+              <a:rPr lang="en-US" sz="1800" b="0" strike="noStrike" spc="-1" dirty="0">
+                <a:latin typeface="Arial"/>
+              </a:rPr>
+              <a:t> </a:t>
+            </a:r>
+            <a:r>
+              <a:rPr lang="en-US" sz="1800" b="0" strike="noStrike" spc="-1" dirty="0" err="1">
+                <a:latin typeface="Arial"/>
+              </a:rPr>
+              <a:t>xây</a:t>
+            </a:r>
+            <a:r>
+              <a:rPr lang="en-US" sz="1800" b="0" strike="noStrike" spc="-1" dirty="0">
+                <a:latin typeface="Arial"/>
+              </a:rPr>
+              <a:t> </a:t>
+            </a:r>
+            <a:r>
+              <a:rPr lang="en-US" sz="1800" b="0" strike="noStrike" spc="-1" dirty="0" err="1">
+                <a:latin typeface="Arial"/>
+              </a:rPr>
+              <a:t>dựng</a:t>
+            </a:r>
+            <a:r>
+              <a:rPr lang="en-US" sz="1800" b="0" strike="noStrike" spc="-1" dirty="0">
+                <a:latin typeface="Arial"/>
+              </a:rPr>
+              <a:t> </a:t>
+            </a:r>
+            <a:r>
+              <a:rPr lang="en-US" sz="1800" b="0" strike="noStrike" spc="-1" dirty="0" err="1">
+                <a:latin typeface="Arial"/>
+              </a:rPr>
+              <a:t>tính</a:t>
+            </a:r>
+            <a:r>
+              <a:rPr lang="en-US" sz="1800" b="0" strike="noStrike" spc="-1" dirty="0">
+                <a:latin typeface="Arial"/>
+              </a:rPr>
+              <a:t> </a:t>
+            </a:r>
+            <a:r>
+              <a:rPr lang="en-US" sz="1800" b="0" strike="noStrike" spc="-1" dirty="0" err="1">
+                <a:latin typeface="Arial"/>
+              </a:rPr>
+              <a:t>năng</a:t>
+            </a:r>
+            <a:r>
+              <a:rPr lang="en-US" sz="1800" b="0" strike="noStrike" spc="-1" dirty="0">
+                <a:latin typeface="Arial"/>
+              </a:rPr>
+              <a:t> </a:t>
+            </a:r>
+            <a:r>
+              <a:rPr lang="en-US" sz="1800" b="0" strike="noStrike" spc="-1" dirty="0" err="1">
+                <a:latin typeface="Arial"/>
+              </a:rPr>
+              <a:t>gợi</a:t>
+            </a:r>
+            <a:r>
+              <a:rPr lang="en-US" sz="1800" b="0" strike="noStrike" spc="-1" dirty="0">
+                <a:latin typeface="Arial"/>
+              </a:rPr>
+              <a:t> ý </a:t>
+            </a:r>
+            <a:r>
+              <a:rPr lang="en-US" sz="1800" b="0" strike="noStrike" spc="-1" dirty="0" err="1">
+                <a:latin typeface="Arial"/>
+              </a:rPr>
+              <a:t>bằng</a:t>
+            </a:r>
+            <a:r>
+              <a:rPr lang="en-US" sz="1800" b="0" strike="noStrike" spc="-1" dirty="0">
+                <a:latin typeface="Arial"/>
+              </a:rPr>
+              <a:t> ML, AI</a:t>
+            </a:r>
           </a:p>
         </p:txBody>
       </p:sp>
     </p:spTree>
   </p:cSld>
-  <mc:AlternateContent>
-    <mc:Choice Requires="p14">
-      <p:transition spd="slow" p14:dur="2000"/>
-    </mc:Choice>
-    <mc:Fallback>
-      <p:transition spd="slow"/>
-    </mc:Fallback>
-  </mc:AlternateContent>
+  <p:clrMapOvr>
+    <a:masterClrMapping/>
+  </p:clrMapOvr>
   <p:timing>
     <p:tnLst>
       <p:par>
-        <p:cTn id="23" dur="indefinite" restart="never" nodeType="tmRoot">
+        <p:cTn id="1" dur="indefinite" restart="never" nodeType="tmRoot">
           <p:childTnLst>
             <p:seq>
-              <p:cTn id="24" dur="indefinite" nodeType="mainSeq"/>
+              <p:cTn id="2" dur="indefinite" nodeType="mainSeq"/>
               <p:prevCondLst>
-                <p:cond delay="0" evt="onPrev">
+                <p:cond evt="onPrev" delay="0">
                   <p:tgtEl>
                     <p:sldTgt/>
                   </p:tgtEl>
                 </p:cond>
               </p:prevCondLst>
               <p:nextCondLst>
-                <p:cond delay="0" evt="onNext">
+                <p:cond evt="onNext" delay="0">
                   <p:tgtEl>
                     <p:sldTgt/>
                   </p:tgtEl>
@@ -6078,7 +8086,7 @@
 </file>
 
 <file path=ppt/slides/slide13.xml><?xml version="1.0" encoding="utf-8"?>
-<p:sld xmlns:a="http://schemas.openxmlformats.org/drawingml/2006/main" xmlns:p="http://schemas.openxmlformats.org/presentationml/2006/main" xmlns:r="http://schemas.openxmlformats.org/officeDocument/2006/relationships" xmlns:p14="http://schemas.microsoft.com/office/powerpoint/2010/main" xmlns:p15="http://schemas.microsoft.com/office/powerpoint/2012/main" xmlns:mc="http://schemas.openxmlformats.org/markup-compatibility/2006">
+<p:sld xmlns:a="http://schemas.openxmlformats.org/drawingml/2006/main" xmlns:r="http://schemas.openxmlformats.org/officeDocument/2006/relationships" xmlns:p="http://schemas.openxmlformats.org/presentationml/2006/main">
   <p:cSld>
     <p:spTree>
       <p:nvGrpSpPr>
@@ -6114,9 +8122,15 @@
           </a:ln>
         </p:spPr>
         <p:style>
-          <a:lnRef idx="0"/>
-          <a:fillRef idx="0"/>
-          <a:effectRef idx="0"/>
+          <a:lnRef idx="0">
+            <a:scrgbClr r="0" g="0" b="0"/>
+          </a:lnRef>
+          <a:fillRef idx="0">
+            <a:scrgbClr r="0" g="0" b="0"/>
+          </a:fillRef>
+          <a:effectRef idx="0">
+            <a:scrgbClr r="0" g="0" b="0"/>
+          </a:effectRef>
           <a:fontRef idx="minor"/>
         </p:style>
       </p:sp>
@@ -6128,8 +8142,8 @@
         </p:nvSpPr>
         <p:spPr>
           <a:xfrm>
-            <a:off x="1371600" y="2517480"/>
-            <a:ext cx="7497720" cy="820800"/>
+            <a:off x="1290600" y="1315515"/>
+            <a:ext cx="7497720" cy="2306870"/>
           </a:xfrm>
           <a:prstGeom prst="rect">
             <a:avLst/>
@@ -6140,15 +8154,107 @@
           </a:ln>
         </p:spPr>
         <p:style>
-          <a:lnRef idx="0"/>
-          <a:fillRef idx="0"/>
-          <a:effectRef idx="0"/>
+          <a:lnRef idx="0">
+            <a:scrgbClr r="0" g="0" b="0"/>
+          </a:lnRef>
+          <a:fillRef idx="0">
+            <a:scrgbClr r="0" g="0" b="0"/>
+          </a:fillRef>
+          <a:effectRef idx="0">
+            <a:scrgbClr r="0" g="0" b="0"/>
+          </a:effectRef>
           <a:fontRef idx="minor"/>
         </p:style>
         <p:txBody>
-          <a:bodyPr lIns="90000" rIns="90000" tIns="45000" bIns="45000">
+          <a:bodyPr lIns="90000" tIns="45000" rIns="90000" bIns="45000">
             <a:spAutoFit/>
           </a:bodyPr>
+          <a:lstStyle/>
+          <a:p>
+            <a:pPr algn="ctr">
+              <a:lnSpc>
+                <a:spcPct val="100000"/>
+              </a:lnSpc>
+            </a:pPr>
+            <a:r>
+              <a:rPr lang="en-US" sz="4800" b="0" strike="noStrike" spc="-1" dirty="0">
+                <a:solidFill>
+                  <a:schemeClr val="accent2">
+                    <a:lumMod val="75000"/>
+                  </a:schemeClr>
+                </a:solidFill>
+                <a:latin typeface="Arial"/>
+              </a:rPr>
+              <a:t>CHÂN THÀNH CẢM ƠN</a:t>
+            </a:r>
+          </a:p>
+          <a:p>
+            <a:pPr algn="ctr">
+              <a:lnSpc>
+                <a:spcPct val="100000"/>
+              </a:lnSpc>
+            </a:pPr>
+            <a:r>
+              <a:rPr lang="en-US" sz="4800" spc="-1" dirty="0">
+                <a:solidFill>
+                  <a:schemeClr val="accent2">
+                    <a:lumMod val="75000"/>
+                  </a:schemeClr>
+                </a:solidFill>
+                <a:latin typeface="Arial"/>
+              </a:rPr>
+              <a:t>THẦY VÀ CÁC BẠN ĐÃ LẮNG NGHE!</a:t>
+            </a:r>
+            <a:r>
+              <a:rPr lang="en-US" sz="4800" b="0" strike="noStrike" spc="-1" dirty="0">
+                <a:solidFill>
+                  <a:schemeClr val="accent2">
+                    <a:lumMod val="75000"/>
+                  </a:schemeClr>
+                </a:solidFill>
+                <a:latin typeface="Arial"/>
+              </a:rPr>
+              <a:t> </a:t>
+            </a:r>
+          </a:p>
+        </p:txBody>
+      </p:sp>
+      <p:sp>
+        <p:nvSpPr>
+          <p:cNvPr id="173" name="CustomShape 3"/>
+          <p:cNvSpPr/>
+          <p:nvPr/>
+        </p:nvSpPr>
+        <p:spPr>
+          <a:xfrm>
+            <a:off x="4216680" y="4245063"/>
+            <a:ext cx="1645560" cy="829543"/>
+          </a:xfrm>
+          <a:prstGeom prst="rect">
+            <a:avLst/>
+          </a:prstGeom>
+          <a:noFill/>
+          <a:ln>
+            <a:noFill/>
+          </a:ln>
+        </p:spPr>
+        <p:style>
+          <a:lnRef idx="0">
+            <a:scrgbClr r="0" g="0" b="0"/>
+          </a:lnRef>
+          <a:fillRef idx="0">
+            <a:scrgbClr r="0" g="0" b="0"/>
+          </a:fillRef>
+          <a:effectRef idx="0">
+            <a:scrgbClr r="0" g="0" b="0"/>
+          </a:effectRef>
+          <a:fontRef idx="minor"/>
+        </p:style>
+        <p:txBody>
+          <a:bodyPr lIns="90000" tIns="45000" rIns="90000" bIns="45000">
+            <a:spAutoFit/>
+          </a:bodyPr>
+          <a:lstStyle/>
           <a:p>
             <a:pPr>
               <a:lnSpc>
@@ -6156,59 +8262,22 @@
               </a:lnSpc>
             </a:pPr>
             <a:r>
-              <a:rPr b="0" lang="en-US" sz="4800" spc="-1" strike="noStrike">
-                <a:latin typeface="Arial"/>
-              </a:rPr>
-              <a:t>CHÂN THÀNH CẢM ƠN </a:t>
-            </a:r>
-            <a:endParaRPr b="0" lang="en-US" sz="4800" spc="-1" strike="noStrike">
-              <a:latin typeface="Arial"/>
-            </a:endParaRPr>
-          </a:p>
-        </p:txBody>
-      </p:sp>
-      <p:sp>
-        <p:nvSpPr>
-          <p:cNvPr id="173" name="CustomShape 3"/>
-          <p:cNvSpPr/>
-          <p:nvPr/>
-        </p:nvSpPr>
-        <p:spPr>
-          <a:xfrm>
-            <a:off x="3931920" y="3506400"/>
-            <a:ext cx="1645560" cy="820800"/>
-          </a:xfrm>
-          <a:prstGeom prst="rect">
-            <a:avLst/>
-          </a:prstGeom>
-          <a:noFill/>
-          <a:ln>
-            <a:noFill/>
-          </a:ln>
-        </p:spPr>
-        <p:style>
-          <a:lnRef idx="0"/>
-          <a:fillRef idx="0"/>
-          <a:effectRef idx="0"/>
-          <a:fontRef idx="minor"/>
-        </p:style>
-        <p:txBody>
-          <a:bodyPr lIns="90000" rIns="90000" tIns="45000" bIns="45000">
-            <a:spAutoFit/>
-          </a:bodyPr>
-          <a:p>
-            <a:pPr>
-              <a:lnSpc>
-                <a:spcPct val="100000"/>
-              </a:lnSpc>
-            </a:pPr>
-            <a:r>
-              <a:rPr b="0" lang="en-US" sz="4800" spc="-1" strike="noStrike">
+              <a:rPr lang="en-US" sz="4800" b="0" strike="noStrike" spc="-1" dirty="0">
+                <a:solidFill>
+                  <a:schemeClr val="accent2">
+                    <a:lumMod val="75000"/>
+                  </a:schemeClr>
+                </a:solidFill>
                 <a:latin typeface="URW Bookman"/>
               </a:rPr>
               <a:t>Q&amp;A</a:t>
             </a:r>
-            <a:endParaRPr b="0" lang="en-US" sz="4800" spc="-1" strike="noStrike">
+            <a:endParaRPr lang="en-US" sz="4800" b="0" strike="noStrike" spc="-1" dirty="0">
+              <a:solidFill>
+                <a:schemeClr val="accent2">
+                  <a:lumMod val="75000"/>
+                </a:schemeClr>
+              </a:solidFill>
               <a:latin typeface="Arial"/>
             </a:endParaRPr>
           </a:p>
@@ -6216,30 +8285,25 @@
       </p:sp>
     </p:spTree>
   </p:cSld>
-  <mc:AlternateContent>
-    <mc:Choice Requires="p14">
-      <p:transition spd="slow" p14:dur="2000"/>
-    </mc:Choice>
-    <mc:Fallback>
-      <p:transition spd="slow"/>
-    </mc:Fallback>
-  </mc:AlternateContent>
+  <p:clrMapOvr>
+    <a:masterClrMapping/>
+  </p:clrMapOvr>
   <p:timing>
     <p:tnLst>
       <p:par>
-        <p:cTn id="25" dur="indefinite" restart="never" nodeType="tmRoot">
+        <p:cTn id="1" dur="indefinite" restart="never" nodeType="tmRoot">
           <p:childTnLst>
             <p:seq>
-              <p:cTn id="26" dur="indefinite" nodeType="mainSeq"/>
+              <p:cTn id="2" dur="indefinite" nodeType="mainSeq"/>
               <p:prevCondLst>
-                <p:cond delay="0" evt="onPrev">
+                <p:cond evt="onPrev" delay="0">
                   <p:tgtEl>
                     <p:sldTgt/>
                   </p:tgtEl>
                 </p:cond>
               </p:prevCondLst>
               <p:nextCondLst>
-                <p:cond delay="0" evt="onNext">
+                <p:cond evt="onNext" delay="0">
                   <p:tgtEl>
                     <p:sldTgt/>
                   </p:tgtEl>
@@ -6255,7 +8319,7 @@
 </file>
 
 <file path=ppt/slides/slide2.xml><?xml version="1.0" encoding="utf-8"?>
-<p:sld xmlns:a="http://schemas.openxmlformats.org/drawingml/2006/main" xmlns:p="http://schemas.openxmlformats.org/presentationml/2006/main" xmlns:r="http://schemas.openxmlformats.org/officeDocument/2006/relationships" xmlns:p14="http://schemas.microsoft.com/office/powerpoint/2010/main" xmlns:p15="http://schemas.microsoft.com/office/powerpoint/2012/main" xmlns:mc="http://schemas.openxmlformats.org/markup-compatibility/2006">
+<p:sld xmlns:a="http://schemas.openxmlformats.org/drawingml/2006/main" xmlns:r="http://schemas.openxmlformats.org/officeDocument/2006/relationships" xmlns:p="http://schemas.openxmlformats.org/presentationml/2006/main">
   <p:cSld>
     <p:spTree>
       <p:nvGrpSpPr>
@@ -6291,15 +8355,22 @@
           </a:ln>
         </p:spPr>
         <p:style>
-          <a:lnRef idx="0"/>
-          <a:fillRef idx="0"/>
-          <a:effectRef idx="0"/>
+          <a:lnRef idx="0">
+            <a:scrgbClr r="0" g="0" b="0"/>
+          </a:lnRef>
+          <a:fillRef idx="0">
+            <a:scrgbClr r="0" g="0" b="0"/>
+          </a:fillRef>
+          <a:effectRef idx="0">
+            <a:scrgbClr r="0" g="0" b="0"/>
+          </a:effectRef>
           <a:fontRef idx="minor"/>
         </p:style>
         <p:txBody>
-          <a:bodyPr lIns="0" rIns="0" tIns="0" bIns="0" anchor="ctr">
+          <a:bodyPr lIns="0" tIns="0" rIns="0" bIns="0" anchor="ctr">
             <a:spAutoFit/>
           </a:bodyPr>
+          <a:lstStyle/>
           <a:p>
             <a:pPr>
               <a:lnSpc>
@@ -6307,16 +8378,26 @@
               </a:lnSpc>
             </a:pPr>
             <a:r>
-              <a:rPr b="0" lang="en-US" sz="4400" spc="-1" strike="noStrike">
-                <a:solidFill>
-                  <a:srgbClr val="c7243a"/>
-                </a:solidFill>
-                <a:latin typeface="Arial"/>
-                <a:ea typeface="DejaVu Sans"/>
-              </a:rPr>
-              <a:t>DANH SÁCH THÀNH VIÊN</a:t>
-            </a:r>
-            <a:endParaRPr b="0" lang="en-US" sz="4400" spc="-1" strike="noStrike">
+              <a:rPr lang="en-US" sz="4400" b="0" strike="noStrike" spc="-1" dirty="0" err="1">
+                <a:solidFill>
+                  <a:srgbClr val="C7243A"/>
+                </a:solidFill>
+                <a:latin typeface="Arial"/>
+                <a:ea typeface="DejaVu Sans"/>
+              </a:rPr>
+              <a:t>Nhóm</a:t>
+            </a:r>
+            <a:r>
+              <a:rPr lang="en-US" sz="4400" b="0" strike="noStrike" spc="-1" dirty="0">
+                <a:solidFill>
+                  <a:srgbClr val="C7243A"/>
+                </a:solidFill>
+                <a:latin typeface="Arial"/>
+                <a:ea typeface="DejaVu Sans"/>
+              </a:rPr>
+              <a:t> TYM:</a:t>
+            </a:r>
+            <a:endParaRPr lang="en-US" sz="4400" b="0" strike="noStrike" spc="-1" dirty="0">
               <a:latin typeface="Arial"/>
             </a:endParaRPr>
           </a:p>
@@ -6342,15 +8423,22 @@
           </a:ln>
         </p:spPr>
         <p:style>
-          <a:lnRef idx="0"/>
-          <a:fillRef idx="0"/>
-          <a:effectRef idx="0"/>
+          <a:lnRef idx="0">
+            <a:scrgbClr r="0" g="0" b="0"/>
+          </a:lnRef>
+          <a:fillRef idx="0">
+            <a:scrgbClr r="0" g="0" b="0"/>
+          </a:fillRef>
+          <a:effectRef idx="0">
+            <a:scrgbClr r="0" g="0" b="0"/>
+          </a:effectRef>
           <a:fontRef idx="minor"/>
         </p:style>
         <p:txBody>
-          <a:bodyPr lIns="0" rIns="0" tIns="0" bIns="0">
+          <a:bodyPr lIns="0" tIns="0" rIns="0" bIns="0">
             <a:normAutofit/>
           </a:bodyPr>
+          <a:lstStyle/>
           <a:p>
             <a:pPr marL="432000" indent="-323280">
               <a:lnSpc>
@@ -6367,56 +8455,66 @@
               <a:buChar char=""/>
             </a:pPr>
             <a:r>
-              <a:rPr b="0" lang="en-US" sz="3200" spc="-1" strike="noStrike">
+              <a:rPr lang="en-US" sz="3200" b="0" strike="noStrike" spc="-1" dirty="0" err="1">
                 <a:solidFill>
                   <a:srgbClr val="000000"/>
                 </a:solidFill>
                 <a:latin typeface="Arial"/>
                 <a:ea typeface="DejaVu Sans"/>
               </a:rPr>
-              <a:t>Bùi Nguyên Mão</a:t>
-            </a:r>
-            <a:r>
-              <a:rPr b="0" lang="en-US" sz="3200" spc="-1" strike="noStrike">
+              <a:t>Bùi</a:t>
+            </a:r>
+            <a:r>
+              <a:rPr lang="en-US" sz="3200" b="0" strike="noStrike" spc="-1" dirty="0">
                 <a:solidFill>
                   <a:srgbClr val="000000"/>
                 </a:solidFill>
                 <a:latin typeface="Arial"/>
                 <a:ea typeface="DejaVu Sans"/>
               </a:rPr>
-              <a:t>	</a:t>
-            </a:r>
-            <a:r>
-              <a:rPr b="0" lang="en-US" sz="3200" spc="-1" strike="noStrike">
+              <a:t> </a:t>
+            </a:r>
+            <a:r>
+              <a:rPr lang="en-US" sz="3200" b="0" strike="noStrike" spc="-1" dirty="0" err="1">
                 <a:solidFill>
                   <a:srgbClr val="000000"/>
                 </a:solidFill>
                 <a:latin typeface="Arial"/>
                 <a:ea typeface="DejaVu Sans"/>
               </a:rPr>
-              <a:t>	</a:t>
-            </a:r>
-            <a:r>
-              <a:rPr b="0" lang="en-US" sz="3200" spc="-1" strike="noStrike">
+              <a:t>Nguyên</a:t>
+            </a:r>
+            <a:r>
+              <a:rPr lang="en-US" sz="3200" b="0" strike="noStrike" spc="-1" dirty="0">
                 <a:solidFill>
                   <a:srgbClr val="000000"/>
                 </a:solidFill>
                 <a:latin typeface="Arial"/>
                 <a:ea typeface="DejaVu Sans"/>
               </a:rPr>
-              <a:t>	</a:t>
-            </a:r>
-            <a:r>
-              <a:rPr b="0" lang="en-US" sz="3200" spc="-1" strike="noStrike">
+              <a:t> </a:t>
+            </a:r>
+            <a:r>
+              <a:rPr lang="en-US" sz="3200" b="0" strike="noStrike" spc="-1" dirty="0" err="1">
                 <a:solidFill>
                   <a:srgbClr val="000000"/>
                 </a:solidFill>
                 <a:latin typeface="Arial"/>
                 <a:ea typeface="DejaVu Sans"/>
               </a:rPr>
-              <a:t>- 16520724</a:t>
-            </a:r>
-            <a:endParaRPr b="0" lang="en-US" sz="3200" spc="-1" strike="noStrike">
+              <a:t>Mão</a:t>
+            </a:r>
+            <a:r>
+              <a:rPr lang="en-US" sz="3200" b="0" strike="noStrike" spc="-1" dirty="0">
+                <a:solidFill>
+                  <a:srgbClr val="000000"/>
+                </a:solidFill>
+                <a:latin typeface="Arial"/>
+                <a:ea typeface="DejaVu Sans"/>
+              </a:rPr>
+              <a:t>			- 16520724</a:t>
+            </a:r>
+            <a:endParaRPr lang="en-US" sz="3200" b="0" strike="noStrike" spc="-1" dirty="0">
               <a:latin typeface="Arial"/>
             </a:endParaRPr>
           </a:p>
@@ -6436,48 +8534,85 @@
               <a:buChar char=""/>
             </a:pPr>
             <a:r>
-              <a:rPr b="0" lang="en-US" sz="3200" spc="-1" strike="noStrike">
+              <a:rPr lang="en-US" sz="3200" b="0" strike="noStrike" spc="-1" dirty="0" err="1">
                 <a:solidFill>
                   <a:srgbClr val="000000"/>
                 </a:solidFill>
                 <a:latin typeface="Arial"/>
                 <a:ea typeface="DejaVu Sans"/>
               </a:rPr>
-              <a:t>Bùi Thị Huyền Trân </a:t>
-            </a:r>
-            <a:r>
-              <a:rPr b="0" lang="en-US" sz="3200" spc="-1" strike="noStrike">
+              <a:t>Bùi</a:t>
+            </a:r>
+            <a:r>
+              <a:rPr lang="en-US" sz="3200" b="0" strike="noStrike" spc="-1" dirty="0">
                 <a:solidFill>
                   <a:srgbClr val="000000"/>
                 </a:solidFill>
                 <a:latin typeface="Arial"/>
                 <a:ea typeface="DejaVu Sans"/>
               </a:rPr>
-              <a:t>	</a:t>
-            </a:r>
-            <a:r>
-              <a:rPr b="0" lang="en-US" sz="3200" spc="-1" strike="noStrike">
+              <a:t> </a:t>
+            </a:r>
+            <a:r>
+              <a:rPr lang="en-US" sz="3200" b="0" strike="noStrike" spc="-1" dirty="0" err="1">
                 <a:solidFill>
                   <a:srgbClr val="000000"/>
                 </a:solidFill>
                 <a:latin typeface="Arial"/>
                 <a:ea typeface="DejaVu Sans"/>
               </a:rPr>
-              <a:t>	</a:t>
-            </a:r>
-            <a:r>
-              <a:rPr b="0" lang="en-US" sz="3200" spc="-1" strike="noStrike">
+              <a:t>Thị</a:t>
+            </a:r>
+            <a:r>
+              <a:rPr lang="en-US" sz="3200" b="0" strike="noStrike" spc="-1" dirty="0">
                 <a:solidFill>
                   <a:srgbClr val="000000"/>
                 </a:solidFill>
                 <a:latin typeface="Arial"/>
                 <a:ea typeface="DejaVu Sans"/>
               </a:rPr>
-              <a:t>- 16521275</a:t>
-            </a:r>
-            <a:endParaRPr b="0" lang="en-US" sz="3200" spc="-1" strike="noStrike">
-              <a:latin typeface="Arial"/>
-            </a:endParaRPr>
+              <a:t> </a:t>
+            </a:r>
+            <a:r>
+              <a:rPr lang="en-US" sz="3200" b="0" strike="noStrike" spc="-1" dirty="0" err="1">
+                <a:solidFill>
+                  <a:srgbClr val="000000"/>
+                </a:solidFill>
+                <a:latin typeface="Arial"/>
+                <a:ea typeface="DejaVu Sans"/>
+              </a:rPr>
+              <a:t>Huyền</a:t>
+            </a:r>
+            <a:r>
+              <a:rPr lang="en-US" sz="3200" b="0" strike="noStrike" spc="-1" dirty="0">
+                <a:solidFill>
+                  <a:srgbClr val="000000"/>
+                </a:solidFill>
+                <a:latin typeface="Arial"/>
+                <a:ea typeface="DejaVu Sans"/>
+              </a:rPr>
+              <a:t> </a:t>
+            </a:r>
+            <a:r>
+              <a:rPr lang="en-US" sz="3200" b="0" strike="noStrike" spc="-1" dirty="0" err="1">
+                <a:solidFill>
+                  <a:srgbClr val="000000"/>
+                </a:solidFill>
+                <a:latin typeface="Arial"/>
+                <a:ea typeface="DejaVu Sans"/>
+              </a:rPr>
+              <a:t>Trân</a:t>
+            </a:r>
+            <a:r>
+              <a:rPr lang="en-US" sz="3200" b="0" strike="noStrike" spc="-1" dirty="0">
+                <a:solidFill>
+                  <a:srgbClr val="000000"/>
+                </a:solidFill>
+                <a:latin typeface="Arial"/>
+                <a:ea typeface="DejaVu Sans"/>
+              </a:rPr>
+              <a:t> 		- 16521275</a:t>
+            </a:r>
           </a:p>
           <a:p>
             <a:pPr marL="432000" indent="-323280">
@@ -6495,36 +8630,66 @@
               <a:buChar char=""/>
             </a:pPr>
             <a:r>
-              <a:rPr b="0" lang="en-US" sz="3200" spc="-1" strike="noStrike">
+              <a:rPr lang="en-US" sz="3200" b="0" strike="noStrike" spc="-1" dirty="0" err="1">
                 <a:solidFill>
                   <a:srgbClr val="000000"/>
                 </a:solidFill>
                 <a:latin typeface="Arial"/>
                 <a:ea typeface="DejaVu Sans"/>
               </a:rPr>
-              <a:t>Nguyễn Thị Kim Yến</a:t>
-            </a:r>
-            <a:r>
-              <a:rPr b="0" lang="en-US" sz="3200" spc="-1" strike="noStrike">
+              <a:t>Nguyễn</a:t>
+            </a:r>
+            <a:r>
+              <a:rPr lang="en-US" sz="3200" b="0" strike="noStrike" spc="-1" dirty="0">
                 <a:solidFill>
                   <a:srgbClr val="000000"/>
                 </a:solidFill>
                 <a:latin typeface="Arial"/>
                 <a:ea typeface="DejaVu Sans"/>
               </a:rPr>
-              <a:t>	</a:t>
-            </a:r>
-            <a:r>
-              <a:rPr b="0" lang="en-US" sz="3200" spc="-1" strike="noStrike">
+              <a:t> </a:t>
+            </a:r>
+            <a:r>
+              <a:rPr lang="en-US" sz="3200" b="0" strike="noStrike" spc="-1" dirty="0" err="1">
                 <a:solidFill>
                   <a:srgbClr val="000000"/>
                 </a:solidFill>
                 <a:latin typeface="Arial"/>
                 <a:ea typeface="DejaVu Sans"/>
               </a:rPr>
-              <a:t>- 16521485 </a:t>
-            </a:r>
-            <a:endParaRPr b="0" lang="en-US" sz="3200" spc="-1" strike="noStrike">
+              <a:t>Thị</a:t>
+            </a:r>
+            <a:r>
+              <a:rPr lang="en-US" sz="3200" b="0" strike="noStrike" spc="-1" dirty="0">
+                <a:solidFill>
+                  <a:srgbClr val="000000"/>
+                </a:solidFill>
+                <a:latin typeface="Arial"/>
+                <a:ea typeface="DejaVu Sans"/>
+              </a:rPr>
+              <a:t> Kim </a:t>
+            </a:r>
+            <a:r>
+              <a:rPr lang="en-US" sz="3200" b="0" strike="noStrike" spc="-1" dirty="0" err="1">
+                <a:solidFill>
+                  <a:srgbClr val="000000"/>
+                </a:solidFill>
+                <a:latin typeface="Arial"/>
+                <a:ea typeface="DejaVu Sans"/>
+              </a:rPr>
+              <a:t>Yến</a:t>
+            </a:r>
+            <a:r>
+              <a:rPr lang="en-US" sz="3200" b="0" strike="noStrike" spc="-1" dirty="0">
+                <a:solidFill>
+                  <a:srgbClr val="000000"/>
+                </a:solidFill>
+                <a:latin typeface="Arial"/>
+                <a:ea typeface="DejaVu Sans"/>
+              </a:rPr>
+              <a:t>		- 16521485 </a:t>
+            </a:r>
+            <a:endParaRPr lang="en-US" sz="3200" b="0" strike="noStrike" spc="-1" dirty="0">
               <a:latin typeface="Arial"/>
             </a:endParaRPr>
           </a:p>
@@ -6532,30 +8697,25 @@
       </p:sp>
     </p:spTree>
   </p:cSld>
-  <mc:AlternateContent>
-    <mc:Choice Requires="p14">
-      <p:transition spd="slow" p14:dur="2000"/>
-    </mc:Choice>
-    <mc:Fallback>
-      <p:transition spd="slow"/>
-    </mc:Fallback>
-  </mc:AlternateContent>
+  <p:clrMapOvr>
+    <a:masterClrMapping/>
+  </p:clrMapOvr>
   <p:timing>
     <p:tnLst>
       <p:par>
-        <p:cTn id="3" dur="indefinite" restart="never" nodeType="tmRoot">
+        <p:cTn id="1" dur="indefinite" restart="never" nodeType="tmRoot">
           <p:childTnLst>
             <p:seq>
-              <p:cTn id="4" dur="indefinite" nodeType="mainSeq"/>
+              <p:cTn id="2" dur="indefinite" nodeType="mainSeq"/>
               <p:prevCondLst>
-                <p:cond delay="0" evt="onPrev">
+                <p:cond evt="onPrev" delay="0">
                   <p:tgtEl>
                     <p:sldTgt/>
                   </p:tgtEl>
                 </p:cond>
               </p:prevCondLst>
               <p:nextCondLst>
-                <p:cond delay="0" evt="onNext">
+                <p:cond evt="onNext" delay="0">
                   <p:tgtEl>
                     <p:sldTgt/>
                   </p:tgtEl>
@@ -6571,7 +8731,7 @@
 </file>
 
 <file path=ppt/slides/slide3.xml><?xml version="1.0" encoding="utf-8"?>
-<p:sld xmlns:a="http://schemas.openxmlformats.org/drawingml/2006/main" xmlns:p="http://schemas.openxmlformats.org/presentationml/2006/main" xmlns:r="http://schemas.openxmlformats.org/officeDocument/2006/relationships" xmlns:p14="http://schemas.microsoft.com/office/powerpoint/2010/main" xmlns:p15="http://schemas.microsoft.com/office/powerpoint/2012/main" xmlns:mc="http://schemas.openxmlformats.org/markup-compatibility/2006">
+<p:sld xmlns:a="http://schemas.openxmlformats.org/drawingml/2006/main" xmlns:r="http://schemas.openxmlformats.org/officeDocument/2006/relationships" xmlns:p="http://schemas.openxmlformats.org/presentationml/2006/main">
   <p:cSld>
     <p:spTree>
       <p:nvGrpSpPr>
@@ -6607,15 +8767,22 @@
           </a:ln>
         </p:spPr>
         <p:style>
-          <a:lnRef idx="0"/>
-          <a:fillRef idx="0"/>
-          <a:effectRef idx="0"/>
+          <a:lnRef idx="0">
+            <a:scrgbClr r="0" g="0" b="0"/>
+          </a:lnRef>
+          <a:fillRef idx="0">
+            <a:scrgbClr r="0" g="0" b="0"/>
+          </a:fillRef>
+          <a:effectRef idx="0">
+            <a:scrgbClr r="0" g="0" b="0"/>
+          </a:effectRef>
           <a:fontRef idx="minor"/>
         </p:style>
         <p:txBody>
-          <a:bodyPr lIns="0" rIns="0" tIns="0" bIns="0" anchor="ctr">
+          <a:bodyPr lIns="0" tIns="0" rIns="0" bIns="0" anchor="ctr">
             <a:spAutoFit/>
           </a:bodyPr>
+          <a:lstStyle/>
           <a:p>
             <a:pPr>
               <a:lnSpc>
@@ -6623,23 +8790,23 @@
               </a:lnSpc>
             </a:pPr>
             <a:r>
-              <a:rPr b="0" lang="en-US" sz="4400" spc="-1" strike="noStrike">
-                <a:solidFill>
-                  <a:srgbClr val="c7243a"/>
+              <a:rPr lang="en-US" sz="4400" b="0" strike="noStrike" spc="-1">
+                <a:solidFill>
+                  <a:srgbClr val="C7243A"/>
                 </a:solidFill>
                 <a:latin typeface="Arial"/>
                 <a:ea typeface="DejaVu Sans"/>
               </a:rPr>
               <a:t>NỘI DUNG TRÌNH BÀY</a:t>
             </a:r>
-            <a:endParaRPr b="0" lang="en-US" sz="4400" spc="-1" strike="noStrike">
-              <a:latin typeface="Arial"/>
-            </a:endParaRPr>
-          </a:p>
-        </p:txBody>
-      </p:sp>
-      <mc:AlternateContent>
-        <mc:Choice xmlns:a14="http://schemas.microsoft.com/office/drawing/2010/main" Requires="a14">
+            <a:endParaRPr lang="en-US" sz="4400" b="0" strike="noStrike" spc="-1">
+              <a:latin typeface="Arial"/>
+            </a:endParaRPr>
+          </a:p>
+        </p:txBody>
+      </p:sp>
+      <mc:AlternateContent xmlns:mc="http://schemas.openxmlformats.org/markup-compatibility/2006" xmlns:a14="http://schemas.microsoft.com/office/drawing/2010/main">
+        <mc:Choice Requires="a14">
           <p:sp>
             <p:nvSpPr>
               <p:cNvPr id="127" name="Formula 2"/>
@@ -6657,15 +8824,14 @@
             </p:spPr>
             <p:txBody>
               <a:bodyPr/>
+              <a:lstStyle/>
               <a:p>
-                <a14:m>
-                  <m:oMath xmlns:m="http://schemas.openxmlformats.org/officeDocument/2006/math"/>
-                </a14:m>
+                <a:endParaRPr/>
               </a:p>
             </p:txBody>
           </p:sp>
         </mc:Choice>
-        <mc:Fallback/>
+        <mc:Fallback xmlns:p15="http://schemas.microsoft.com/office/powerpoint/2012/main" xmlns:p14="http://schemas.microsoft.com/office/powerpoint/2010/main" xmlns=""/>
       </mc:AlternateContent>
       <p:sp>
         <p:nvSpPr>
@@ -6683,14 +8849,20 @@
           </a:prstGeom>
           <a:ln>
             <a:solidFill>
-              <a:srgbClr val="c9211e"/>
+              <a:srgbClr val="C9211E"/>
             </a:solidFill>
           </a:ln>
         </p:spPr>
         <p:style>
-          <a:lnRef idx="0"/>
-          <a:fillRef idx="0"/>
-          <a:effectRef idx="0"/>
+          <a:lnRef idx="0">
+            <a:scrgbClr r="0" g="0" b="0"/>
+          </a:lnRef>
+          <a:fillRef idx="0">
+            <a:scrgbClr r="0" g="0" b="0"/>
+          </a:fillRef>
+          <a:effectRef idx="0">
+            <a:scrgbClr r="0" g="0" b="0"/>
+          </a:effectRef>
           <a:fontRef idx="minor"/>
         </p:style>
       </p:sp>
@@ -6709,7 +8881,9 @@
             <a:avLst/>
           </a:prstGeom>
           <a:solidFill>
-            <a:srgbClr val="c0c0c0"/>
+            <a:schemeClr val="bg1">
+              <a:lumMod val="75000"/>
+            </a:schemeClr>
           </a:solidFill>
           <a:ln>
             <a:solidFill>
@@ -6718,15 +8892,22 @@
           </a:ln>
         </p:spPr>
         <p:style>
-          <a:lnRef idx="0"/>
-          <a:fillRef idx="0"/>
-          <a:effectRef idx="0"/>
+          <a:lnRef idx="0">
+            <a:scrgbClr r="0" g="0" b="0"/>
+          </a:lnRef>
+          <a:fillRef idx="0">
+            <a:scrgbClr r="0" g="0" b="0"/>
+          </a:fillRef>
+          <a:effectRef idx="0">
+            <a:scrgbClr r="0" g="0" b="0"/>
+          </a:effectRef>
           <a:fontRef idx="minor"/>
         </p:style>
         <p:txBody>
-          <a:bodyPr lIns="90000" rIns="90000" tIns="45000" bIns="45000">
+          <a:bodyPr lIns="90000" tIns="45000" rIns="90000" bIns="45000">
             <a:spAutoFit/>
           </a:bodyPr>
+          <a:lstStyle/>
           <a:p>
             <a:pPr>
               <a:lnSpc>
@@ -6734,16 +8915,86 @@
               </a:lnSpc>
             </a:pPr>
             <a:r>
-              <a:rPr b="0" lang="en-US" sz="1800" spc="-1" strike="noStrike">
-                <a:solidFill>
-                  <a:srgbClr val="ffffff"/>
-                </a:solidFill>
-                <a:latin typeface="Arial"/>
-                <a:ea typeface="DejaVu Sans"/>
-              </a:rPr>
-              <a:t>Giới thiệu đồ án</a:t>
-            </a:r>
-            <a:endParaRPr b="0" lang="en-US" sz="1800" spc="-1" strike="noStrike">
+              <a:rPr lang="en-US" sz="1800" b="0" strike="noStrike" spc="-1" dirty="0">
+                <a:solidFill>
+                  <a:srgbClr val="FFFFFF"/>
+                </a:solidFill>
+                <a:latin typeface="Arial"/>
+                <a:ea typeface="DejaVu Sans"/>
+              </a:rPr>
+              <a:t>1. </a:t>
+            </a:r>
+            <a:r>
+              <a:rPr lang="en-US" sz="1800" b="0" strike="noStrike" spc="-1" dirty="0" err="1">
+                <a:solidFill>
+                  <a:srgbClr val="FFFFFF"/>
+                </a:solidFill>
+                <a:latin typeface="Arial"/>
+                <a:ea typeface="DejaVu Sans"/>
+              </a:rPr>
+              <a:t>Giới</a:t>
+            </a:r>
+            <a:r>
+              <a:rPr lang="en-US" sz="1800" b="0" strike="noStrike" spc="-1" dirty="0">
+                <a:solidFill>
+                  <a:srgbClr val="FFFFFF"/>
+                </a:solidFill>
+                <a:latin typeface="Arial"/>
+                <a:ea typeface="DejaVu Sans"/>
+              </a:rPr>
+              <a:t> </a:t>
+            </a:r>
+            <a:r>
+              <a:rPr lang="en-US" sz="1800" b="0" strike="noStrike" spc="-1" dirty="0" err="1">
+                <a:solidFill>
+                  <a:srgbClr val="FFFFFF"/>
+                </a:solidFill>
+                <a:latin typeface="Arial"/>
+                <a:ea typeface="DejaVu Sans"/>
+              </a:rPr>
+              <a:t>thiệu</a:t>
+            </a:r>
+            <a:r>
+              <a:rPr lang="en-US" sz="1800" b="0" strike="noStrike" spc="-1" dirty="0">
+                <a:solidFill>
+                  <a:srgbClr val="FFFFFF"/>
+                </a:solidFill>
+                <a:latin typeface="Arial"/>
+                <a:ea typeface="DejaVu Sans"/>
+              </a:rPr>
+              <a:t> </a:t>
+            </a:r>
+            <a:r>
+              <a:rPr lang="en-US" sz="1800" b="0" strike="noStrike" spc="-1" dirty="0" err="1">
+                <a:solidFill>
+                  <a:srgbClr val="FFFFFF"/>
+                </a:solidFill>
+                <a:latin typeface="Arial"/>
+                <a:ea typeface="DejaVu Sans"/>
+              </a:rPr>
+              <a:t>đồ</a:t>
+            </a:r>
+            <a:r>
+              <a:rPr lang="en-US" sz="1800" b="0" strike="noStrike" spc="-1" dirty="0">
+                <a:solidFill>
+                  <a:srgbClr val="FFFFFF"/>
+                </a:solidFill>
+                <a:latin typeface="Arial"/>
+                <a:ea typeface="DejaVu Sans"/>
+              </a:rPr>
+              <a:t> </a:t>
+            </a:r>
+            <a:r>
+              <a:rPr lang="en-US" sz="1800" b="0" strike="noStrike" spc="-1" dirty="0" err="1">
+                <a:solidFill>
+                  <a:srgbClr val="FFFFFF"/>
+                </a:solidFill>
+                <a:latin typeface="Arial"/>
+                <a:ea typeface="DejaVu Sans"/>
+              </a:rPr>
+              <a:t>án</a:t>
+            </a:r>
+            <a:endParaRPr lang="en-US" sz="1800" b="0" strike="noStrike" spc="-1" dirty="0">
               <a:latin typeface="Arial"/>
             </a:endParaRPr>
           </a:p>
@@ -6764,7 +9015,7 @@
             <a:avLst/>
           </a:prstGeom>
           <a:solidFill>
-            <a:srgbClr val="41190d"/>
+            <a:srgbClr val="41190D"/>
           </a:solidFill>
           <a:ln>
             <a:solidFill>
@@ -6773,15 +9024,22 @@
           </a:ln>
         </p:spPr>
         <p:style>
-          <a:lnRef idx="0"/>
-          <a:fillRef idx="0"/>
-          <a:effectRef idx="0"/>
+          <a:lnRef idx="0">
+            <a:scrgbClr r="0" g="0" b="0"/>
+          </a:lnRef>
+          <a:fillRef idx="0">
+            <a:scrgbClr r="0" g="0" b="0"/>
+          </a:fillRef>
+          <a:effectRef idx="0">
+            <a:scrgbClr r="0" g="0" b="0"/>
+          </a:effectRef>
           <a:fontRef idx="minor"/>
         </p:style>
         <p:txBody>
-          <a:bodyPr lIns="90000" rIns="90000" tIns="45000" bIns="45000">
+          <a:bodyPr lIns="90000" tIns="45000" rIns="90000" bIns="45000">
             <a:spAutoFit/>
           </a:bodyPr>
+          <a:lstStyle/>
           <a:p>
             <a:pPr>
               <a:lnSpc>
@@ -6789,16 +9047,206 @@
               </a:lnSpc>
             </a:pPr>
             <a:r>
-              <a:rPr b="0" lang="en-US" sz="1800" spc="-1" strike="noStrike">
-                <a:solidFill>
-                  <a:srgbClr val="ffffff"/>
-                </a:solidFill>
-                <a:latin typeface="Arial"/>
-                <a:ea typeface="DejaVu Sans"/>
-              </a:rPr>
-              <a:t>Phân tích thị trường và các sản phẩm hiện có</a:t>
-            </a:r>
-            <a:endParaRPr b="0" lang="en-US" sz="1800" spc="-1" strike="noStrike">
+              <a:rPr lang="en-US" sz="1800" b="0" strike="noStrike" spc="-1" dirty="0">
+                <a:solidFill>
+                  <a:srgbClr val="FFFFFF"/>
+                </a:solidFill>
+                <a:latin typeface="Arial"/>
+                <a:ea typeface="DejaVu Sans"/>
+              </a:rPr>
+              <a:t>2. </a:t>
+            </a:r>
+            <a:r>
+              <a:rPr lang="en-US" sz="1800" b="0" strike="noStrike" spc="-1" dirty="0" err="1">
+                <a:solidFill>
+                  <a:srgbClr val="FFFFFF"/>
+                </a:solidFill>
+                <a:latin typeface="Arial"/>
+                <a:ea typeface="DejaVu Sans"/>
+              </a:rPr>
+              <a:t>Phân</a:t>
+            </a:r>
+            <a:r>
+              <a:rPr lang="en-US" sz="1800" b="0" strike="noStrike" spc="-1" dirty="0">
+                <a:solidFill>
+                  <a:srgbClr val="FFFFFF"/>
+                </a:solidFill>
+                <a:latin typeface="Arial"/>
+                <a:ea typeface="DejaVu Sans"/>
+              </a:rPr>
+              <a:t> </a:t>
+            </a:r>
+            <a:r>
+              <a:rPr lang="en-US" sz="1800" b="0" strike="noStrike" spc="-1" dirty="0" err="1">
+                <a:solidFill>
+                  <a:srgbClr val="FFFFFF"/>
+                </a:solidFill>
+                <a:latin typeface="Arial"/>
+                <a:ea typeface="DejaVu Sans"/>
+              </a:rPr>
+              <a:t>tích</a:t>
+            </a:r>
+            <a:r>
+              <a:rPr lang="en-US" sz="1800" b="0" strike="noStrike" spc="-1" dirty="0">
+                <a:solidFill>
+                  <a:srgbClr val="FFFFFF"/>
+                </a:solidFill>
+                <a:latin typeface="Arial"/>
+                <a:ea typeface="DejaVu Sans"/>
+              </a:rPr>
+              <a:t> </a:t>
+            </a:r>
+            <a:r>
+              <a:rPr lang="en-US" sz="1800" b="0" strike="noStrike" spc="-1" dirty="0" err="1">
+                <a:solidFill>
+                  <a:srgbClr val="FFFFFF"/>
+                </a:solidFill>
+                <a:latin typeface="Arial"/>
+                <a:ea typeface="DejaVu Sans"/>
+              </a:rPr>
+              <a:t>thị</a:t>
+            </a:r>
+            <a:r>
+              <a:rPr lang="en-US" sz="1800" b="0" strike="noStrike" spc="-1" dirty="0">
+                <a:solidFill>
+                  <a:srgbClr val="FFFFFF"/>
+                </a:solidFill>
+                <a:latin typeface="Arial"/>
+                <a:ea typeface="DejaVu Sans"/>
+              </a:rPr>
+              <a:t> </a:t>
+            </a:r>
+            <a:r>
+              <a:rPr lang="en-US" sz="1800" b="0" strike="noStrike" spc="-1" dirty="0" err="1">
+                <a:solidFill>
+                  <a:srgbClr val="FFFFFF"/>
+                </a:solidFill>
+                <a:latin typeface="Arial"/>
+                <a:ea typeface="DejaVu Sans"/>
+              </a:rPr>
+              <a:t>trường</a:t>
+            </a:r>
+            <a:r>
+              <a:rPr lang="en-US" sz="1800" b="0" strike="noStrike" spc="-1" dirty="0">
+                <a:solidFill>
+                  <a:srgbClr val="FFFFFF"/>
+                </a:solidFill>
+                <a:latin typeface="Arial"/>
+                <a:ea typeface="DejaVu Sans"/>
+              </a:rPr>
+              <a:t> </a:t>
+            </a:r>
+            <a:r>
+              <a:rPr lang="en-US" sz="1800" b="0" strike="noStrike" spc="-1" dirty="0" err="1">
+                <a:solidFill>
+                  <a:srgbClr val="FFFFFF"/>
+                </a:solidFill>
+                <a:latin typeface="Arial"/>
+                <a:ea typeface="DejaVu Sans"/>
+              </a:rPr>
+              <a:t>và</a:t>
+            </a:r>
+            <a:r>
+              <a:rPr lang="en-US" sz="1800" b="0" strike="noStrike" spc="-1" dirty="0">
+                <a:solidFill>
+                  <a:srgbClr val="FFFFFF"/>
+                </a:solidFill>
+                <a:latin typeface="Arial"/>
+                <a:ea typeface="DejaVu Sans"/>
+              </a:rPr>
+              <a:t> </a:t>
+            </a:r>
+            <a:r>
+              <a:rPr lang="en-US" sz="1800" b="0" strike="noStrike" spc="-1" dirty="0" err="1">
+                <a:solidFill>
+                  <a:srgbClr val="FFFFFF"/>
+                </a:solidFill>
+                <a:latin typeface="Arial"/>
+                <a:ea typeface="DejaVu Sans"/>
+              </a:rPr>
+              <a:t>các</a:t>
+            </a:r>
+            <a:r>
+              <a:rPr lang="en-US" sz="1800" b="0" strike="noStrike" spc="-1" dirty="0">
+                <a:solidFill>
+                  <a:srgbClr val="FFFFFF"/>
+                </a:solidFill>
+                <a:latin typeface="Arial"/>
+                <a:ea typeface="DejaVu Sans"/>
+              </a:rPr>
+              <a:t> </a:t>
+            </a:r>
+            <a:r>
+              <a:rPr lang="en-US" sz="1800" b="0" strike="noStrike" spc="-1" dirty="0" err="1">
+                <a:solidFill>
+                  <a:srgbClr val="FFFFFF"/>
+                </a:solidFill>
+                <a:latin typeface="Arial"/>
+                <a:ea typeface="DejaVu Sans"/>
+              </a:rPr>
+              <a:t>sản</a:t>
+            </a:r>
+            <a:r>
+              <a:rPr lang="en-US" sz="1800" b="0" strike="noStrike" spc="-1" dirty="0">
+                <a:solidFill>
+                  <a:srgbClr val="FFFFFF"/>
+                </a:solidFill>
+                <a:latin typeface="Arial"/>
+                <a:ea typeface="DejaVu Sans"/>
+              </a:rPr>
+              <a:t> </a:t>
+            </a:r>
+            <a:r>
+              <a:rPr lang="en-US" sz="1800" b="0" strike="noStrike" spc="-1" dirty="0" err="1">
+                <a:solidFill>
+                  <a:srgbClr val="FFFFFF"/>
+                </a:solidFill>
+                <a:latin typeface="Arial"/>
+                <a:ea typeface="DejaVu Sans"/>
+              </a:rPr>
+              <a:t>phẩm</a:t>
+            </a:r>
+            <a:r>
+              <a:rPr lang="en-US" sz="1800" b="0" strike="noStrike" spc="-1" dirty="0">
+                <a:solidFill>
+                  <a:srgbClr val="FFFFFF"/>
+                </a:solidFill>
+                <a:latin typeface="Arial"/>
+                <a:ea typeface="DejaVu Sans"/>
+              </a:rPr>
+              <a:t> </a:t>
+            </a:r>
+            <a:r>
+              <a:rPr lang="en-US" sz="1800" b="0" strike="noStrike" spc="-1" dirty="0" err="1">
+                <a:solidFill>
+                  <a:srgbClr val="FFFFFF"/>
+                </a:solidFill>
+                <a:latin typeface="Arial"/>
+                <a:ea typeface="DejaVu Sans"/>
+              </a:rPr>
+              <a:t>hiện</a:t>
+            </a:r>
+            <a:r>
+              <a:rPr lang="en-US" sz="1800" b="0" strike="noStrike" spc="-1" dirty="0">
+                <a:solidFill>
+                  <a:srgbClr val="FFFFFF"/>
+                </a:solidFill>
+                <a:latin typeface="Arial"/>
+                <a:ea typeface="DejaVu Sans"/>
+              </a:rPr>
+              <a:t> </a:t>
+            </a:r>
+            <a:r>
+              <a:rPr lang="en-US" sz="1800" b="0" strike="noStrike" spc="-1" dirty="0" err="1">
+                <a:solidFill>
+                  <a:srgbClr val="FFFFFF"/>
+                </a:solidFill>
+                <a:latin typeface="Arial"/>
+                <a:ea typeface="DejaVu Sans"/>
+              </a:rPr>
+              <a:t>có</a:t>
+            </a:r>
+            <a:endParaRPr lang="en-US" sz="1800" b="0" strike="noStrike" spc="-1" dirty="0">
               <a:latin typeface="Arial"/>
             </a:endParaRPr>
           </a:p>
@@ -6819,7 +9267,9 @@
             <a:avLst/>
           </a:prstGeom>
           <a:solidFill>
-            <a:srgbClr val="c0c0c0"/>
+            <a:schemeClr val="bg1">
+              <a:lumMod val="75000"/>
+            </a:schemeClr>
           </a:solidFill>
           <a:ln>
             <a:solidFill>
@@ -6828,15 +9278,22 @@
           </a:ln>
         </p:spPr>
         <p:style>
-          <a:lnRef idx="0"/>
-          <a:fillRef idx="0"/>
-          <a:effectRef idx="0"/>
+          <a:lnRef idx="0">
+            <a:scrgbClr r="0" g="0" b="0"/>
+          </a:lnRef>
+          <a:fillRef idx="0">
+            <a:scrgbClr r="0" g="0" b="0"/>
+          </a:fillRef>
+          <a:effectRef idx="0">
+            <a:scrgbClr r="0" g="0" b="0"/>
+          </a:effectRef>
           <a:fontRef idx="minor"/>
         </p:style>
         <p:txBody>
-          <a:bodyPr lIns="90000" rIns="90000" tIns="45000" bIns="45000">
+          <a:bodyPr lIns="90000" tIns="45000" rIns="90000" bIns="45000">
             <a:spAutoFit/>
           </a:bodyPr>
+          <a:lstStyle/>
           <a:p>
             <a:pPr>
               <a:lnSpc>
@@ -6844,16 +9301,106 @@
               </a:lnSpc>
             </a:pPr>
             <a:r>
-              <a:rPr b="0" lang="en-US" sz="1800" spc="-1" strike="noStrike">
-                <a:solidFill>
-                  <a:srgbClr val="ffffff"/>
-                </a:solidFill>
-                <a:latin typeface="Arial"/>
-                <a:ea typeface="DejaVu Sans"/>
-              </a:rPr>
-              <a:t>Chi tiết sản phẩm thực hiện</a:t>
-            </a:r>
-            <a:endParaRPr b="0" lang="en-US" sz="1800" spc="-1" strike="noStrike">
+              <a:rPr lang="en-US" sz="1800" b="0" strike="noStrike" spc="-1" dirty="0">
+                <a:solidFill>
+                  <a:srgbClr val="FFFFFF"/>
+                </a:solidFill>
+                <a:latin typeface="Arial"/>
+                <a:ea typeface="DejaVu Sans"/>
+              </a:rPr>
+              <a:t>3. Chi </a:t>
+            </a:r>
+            <a:r>
+              <a:rPr lang="en-US" sz="1800" b="0" strike="noStrike" spc="-1" dirty="0" err="1">
+                <a:solidFill>
+                  <a:srgbClr val="FFFFFF"/>
+                </a:solidFill>
+                <a:latin typeface="Arial"/>
+                <a:ea typeface="DejaVu Sans"/>
+              </a:rPr>
+              <a:t>tiết</a:t>
+            </a:r>
+            <a:r>
+              <a:rPr lang="en-US" sz="1800" b="0" strike="noStrike" spc="-1" dirty="0">
+                <a:solidFill>
+                  <a:srgbClr val="FFFFFF"/>
+                </a:solidFill>
+                <a:latin typeface="Arial"/>
+                <a:ea typeface="DejaVu Sans"/>
+              </a:rPr>
+              <a:t> </a:t>
+            </a:r>
+            <a:r>
+              <a:rPr lang="en-US" sz="1800" b="0" strike="noStrike" spc="-1" dirty="0" err="1">
+                <a:solidFill>
+                  <a:srgbClr val="FFFFFF"/>
+                </a:solidFill>
+                <a:latin typeface="Arial"/>
+                <a:ea typeface="DejaVu Sans"/>
+              </a:rPr>
+              <a:t>sản</a:t>
+            </a:r>
+            <a:r>
+              <a:rPr lang="en-US" sz="1800" b="0" strike="noStrike" spc="-1" dirty="0">
+                <a:solidFill>
+                  <a:srgbClr val="FFFFFF"/>
+                </a:solidFill>
+                <a:latin typeface="Arial"/>
+                <a:ea typeface="DejaVu Sans"/>
+              </a:rPr>
+              <a:t> </a:t>
+            </a:r>
+            <a:r>
+              <a:rPr lang="en-US" sz="1800" b="0" strike="noStrike" spc="-1" dirty="0" err="1">
+                <a:solidFill>
+                  <a:srgbClr val="FFFFFF"/>
+                </a:solidFill>
+                <a:latin typeface="Arial"/>
+                <a:ea typeface="DejaVu Sans"/>
+              </a:rPr>
+              <a:t>phẩm</a:t>
+            </a:r>
+            <a:r>
+              <a:rPr lang="en-US" sz="1800" b="0" strike="noStrike" spc="-1" dirty="0">
+                <a:solidFill>
+                  <a:srgbClr val="FFFFFF"/>
+                </a:solidFill>
+                <a:latin typeface="Arial"/>
+                <a:ea typeface="DejaVu Sans"/>
+              </a:rPr>
+              <a:t> </a:t>
+            </a:r>
+            <a:r>
+              <a:rPr lang="en-US" sz="1800" b="0" strike="noStrike" spc="-1" dirty="0" err="1">
+                <a:solidFill>
+                  <a:srgbClr val="FFFFFF"/>
+                </a:solidFill>
+                <a:latin typeface="Arial"/>
+                <a:ea typeface="DejaVu Sans"/>
+              </a:rPr>
+              <a:t>thực</a:t>
+            </a:r>
+            <a:r>
+              <a:rPr lang="en-US" sz="1800" b="0" strike="noStrike" spc="-1" dirty="0">
+                <a:solidFill>
+                  <a:srgbClr val="FFFFFF"/>
+                </a:solidFill>
+                <a:latin typeface="Arial"/>
+                <a:ea typeface="DejaVu Sans"/>
+              </a:rPr>
+              <a:t> </a:t>
+            </a:r>
+            <a:r>
+              <a:rPr lang="en-US" sz="1800" b="0" strike="noStrike" spc="-1" dirty="0" err="1">
+                <a:solidFill>
+                  <a:srgbClr val="FFFFFF"/>
+                </a:solidFill>
+                <a:latin typeface="Arial"/>
+                <a:ea typeface="DejaVu Sans"/>
+              </a:rPr>
+              <a:t>hiện</a:t>
+            </a:r>
+            <a:endParaRPr lang="en-US" sz="1800" b="0" strike="noStrike" spc="-1" dirty="0">
               <a:latin typeface="Arial"/>
             </a:endParaRPr>
           </a:p>
@@ -6874,7 +9421,7 @@
             <a:avLst/>
           </a:prstGeom>
           <a:solidFill>
-            <a:srgbClr val="41190d"/>
+            <a:srgbClr val="41190D"/>
           </a:solidFill>
           <a:ln>
             <a:solidFill>
@@ -6883,15 +9430,22 @@
           </a:ln>
         </p:spPr>
         <p:style>
-          <a:lnRef idx="0"/>
-          <a:fillRef idx="0"/>
-          <a:effectRef idx="0"/>
+          <a:lnRef idx="0">
+            <a:scrgbClr r="0" g="0" b="0"/>
+          </a:lnRef>
+          <a:fillRef idx="0">
+            <a:scrgbClr r="0" g="0" b="0"/>
+          </a:fillRef>
+          <a:effectRef idx="0">
+            <a:scrgbClr r="0" g="0" b="0"/>
+          </a:effectRef>
           <a:fontRef idx="minor"/>
         </p:style>
         <p:txBody>
-          <a:bodyPr lIns="90000" rIns="90000" tIns="45000" bIns="45000">
+          <a:bodyPr lIns="90000" tIns="45000" rIns="90000" bIns="45000">
             <a:spAutoFit/>
           </a:bodyPr>
+          <a:lstStyle/>
           <a:p>
             <a:pPr>
               <a:lnSpc>
@@ -6899,16 +9453,66 @@
               </a:lnSpc>
             </a:pPr>
             <a:r>
-              <a:rPr b="0" lang="en-US" sz="1800" spc="-1" strike="noStrike">
-                <a:solidFill>
-                  <a:srgbClr val="ffffff"/>
-                </a:solidFill>
-                <a:latin typeface="Arial"/>
-                <a:ea typeface="DejaVu Sans"/>
-              </a:rPr>
-              <a:t>Demo các tính năng</a:t>
-            </a:r>
-            <a:endParaRPr b="0" lang="en-US" sz="1800" spc="-1" strike="noStrike">
+              <a:rPr lang="en-US" sz="1800" b="0" strike="noStrike" spc="-1" dirty="0">
+                <a:solidFill>
+                  <a:srgbClr val="FFFFFF"/>
+                </a:solidFill>
+                <a:latin typeface="Arial"/>
+                <a:ea typeface="DejaVu Sans"/>
+              </a:rPr>
+              <a:t>4. Demo </a:t>
+            </a:r>
+            <a:r>
+              <a:rPr lang="en-US" sz="1800" b="0" strike="noStrike" spc="-1" dirty="0" err="1">
+                <a:solidFill>
+                  <a:srgbClr val="FFFFFF"/>
+                </a:solidFill>
+                <a:latin typeface="Arial"/>
+                <a:ea typeface="DejaVu Sans"/>
+              </a:rPr>
+              <a:t>các</a:t>
+            </a:r>
+            <a:r>
+              <a:rPr lang="en-US" sz="1800" b="0" strike="noStrike" spc="-1" dirty="0">
+                <a:solidFill>
+                  <a:srgbClr val="FFFFFF"/>
+                </a:solidFill>
+                <a:latin typeface="Arial"/>
+                <a:ea typeface="DejaVu Sans"/>
+              </a:rPr>
+              <a:t> </a:t>
+            </a:r>
+            <a:r>
+              <a:rPr lang="en-US" sz="1800" b="0" strike="noStrike" spc="-1" dirty="0" err="1">
+                <a:solidFill>
+                  <a:srgbClr val="FFFFFF"/>
+                </a:solidFill>
+                <a:latin typeface="Arial"/>
+                <a:ea typeface="DejaVu Sans"/>
+              </a:rPr>
+              <a:t>tính</a:t>
+            </a:r>
+            <a:r>
+              <a:rPr lang="en-US" sz="1800" b="0" strike="noStrike" spc="-1" dirty="0">
+                <a:solidFill>
+                  <a:srgbClr val="FFFFFF"/>
+                </a:solidFill>
+                <a:latin typeface="Arial"/>
+                <a:ea typeface="DejaVu Sans"/>
+              </a:rPr>
+              <a:t> </a:t>
+            </a:r>
+            <a:r>
+              <a:rPr lang="en-US" sz="1800" b="0" strike="noStrike" spc="-1" dirty="0" err="1">
+                <a:solidFill>
+                  <a:srgbClr val="FFFFFF"/>
+                </a:solidFill>
+                <a:latin typeface="Arial"/>
+                <a:ea typeface="DejaVu Sans"/>
+              </a:rPr>
+              <a:t>năng</a:t>
+            </a:r>
+            <a:endParaRPr lang="en-US" sz="1800" b="0" strike="noStrike" spc="-1" dirty="0">
               <a:latin typeface="Arial"/>
             </a:endParaRPr>
           </a:p>
@@ -6929,7 +9533,9 @@
             <a:avLst/>
           </a:prstGeom>
           <a:solidFill>
-            <a:srgbClr val="c0c0c0"/>
+            <a:schemeClr val="bg1">
+              <a:lumMod val="75000"/>
+            </a:schemeClr>
           </a:solidFill>
           <a:ln>
             <a:solidFill>
@@ -6938,15 +9544,22 @@
           </a:ln>
         </p:spPr>
         <p:style>
-          <a:lnRef idx="0"/>
-          <a:fillRef idx="0"/>
-          <a:effectRef idx="0"/>
+          <a:lnRef idx="0">
+            <a:scrgbClr r="0" g="0" b="0"/>
+          </a:lnRef>
+          <a:fillRef idx="0">
+            <a:scrgbClr r="0" g="0" b="0"/>
+          </a:fillRef>
+          <a:effectRef idx="0">
+            <a:scrgbClr r="0" g="0" b="0"/>
+          </a:effectRef>
           <a:fontRef idx="minor"/>
         </p:style>
         <p:txBody>
-          <a:bodyPr lIns="90000" rIns="90000" tIns="45000" bIns="45000">
+          <a:bodyPr lIns="90000" tIns="45000" rIns="90000" bIns="45000">
             <a:spAutoFit/>
           </a:bodyPr>
+          <a:lstStyle/>
           <a:p>
             <a:pPr>
               <a:lnSpc>
@@ -6954,16 +9567,166 @@
               </a:lnSpc>
             </a:pPr>
             <a:r>
-              <a:rPr b="0" lang="en-US" sz="1800" spc="-1" strike="noStrike">
-                <a:solidFill>
-                  <a:srgbClr val="ffffff"/>
-                </a:solidFill>
-                <a:latin typeface="Arial"/>
-                <a:ea typeface="DejaVu Sans"/>
-              </a:rPr>
-              <a:t>Kết luận, đánh giá và hướng phát triển</a:t>
-            </a:r>
-            <a:endParaRPr b="0" lang="en-US" sz="1800" spc="-1" strike="noStrike">
+              <a:rPr lang="en-US" sz="1800" b="0" strike="noStrike" spc="-1" dirty="0">
+                <a:solidFill>
+                  <a:srgbClr val="FFFFFF"/>
+                </a:solidFill>
+                <a:latin typeface="Arial"/>
+                <a:ea typeface="DejaVu Sans"/>
+              </a:rPr>
+              <a:t>5. </a:t>
+            </a:r>
+            <a:r>
+              <a:rPr lang="en-US" sz="1800" b="0" strike="noStrike" spc="-1" dirty="0" err="1">
+                <a:solidFill>
+                  <a:srgbClr val="FFFFFF"/>
+                </a:solidFill>
+                <a:latin typeface="Arial"/>
+                <a:ea typeface="DejaVu Sans"/>
+              </a:rPr>
+              <a:t>Kết</a:t>
+            </a:r>
+            <a:r>
+              <a:rPr lang="en-US" sz="1800" b="0" strike="noStrike" spc="-1" dirty="0">
+                <a:solidFill>
+                  <a:srgbClr val="FFFFFF"/>
+                </a:solidFill>
+                <a:latin typeface="Arial"/>
+                <a:ea typeface="DejaVu Sans"/>
+              </a:rPr>
+              <a:t> </a:t>
+            </a:r>
+            <a:r>
+              <a:rPr lang="en-US" sz="1800" b="0" strike="noStrike" spc="-1" dirty="0" err="1">
+                <a:solidFill>
+                  <a:srgbClr val="FFFFFF"/>
+                </a:solidFill>
+                <a:latin typeface="Arial"/>
+                <a:ea typeface="DejaVu Sans"/>
+              </a:rPr>
+              <a:t>luận</a:t>
+            </a:r>
+            <a:r>
+              <a:rPr lang="en-US" sz="1800" b="0" strike="noStrike" spc="-1" dirty="0">
+                <a:solidFill>
+                  <a:srgbClr val="FFFFFF"/>
+                </a:solidFill>
+                <a:latin typeface="Arial"/>
+                <a:ea typeface="DejaVu Sans"/>
+              </a:rPr>
+              <a:t>, </a:t>
+            </a:r>
+            <a:r>
+              <a:rPr lang="en-US" sz="1800" b="0" strike="noStrike" spc="-1" dirty="0" err="1">
+                <a:solidFill>
+                  <a:srgbClr val="FFFFFF"/>
+                </a:solidFill>
+                <a:latin typeface="Arial"/>
+                <a:ea typeface="DejaVu Sans"/>
+              </a:rPr>
+              <a:t>đánh</a:t>
+            </a:r>
+            <a:r>
+              <a:rPr lang="en-US" sz="1800" b="0" strike="noStrike" spc="-1" dirty="0">
+                <a:solidFill>
+                  <a:srgbClr val="FFFFFF"/>
+                </a:solidFill>
+                <a:latin typeface="Arial"/>
+                <a:ea typeface="DejaVu Sans"/>
+              </a:rPr>
+              <a:t> </a:t>
+            </a:r>
+            <a:r>
+              <a:rPr lang="en-US" sz="1800" b="0" strike="noStrike" spc="-1" dirty="0" err="1">
+                <a:solidFill>
+                  <a:srgbClr val="FFFFFF"/>
+                </a:solidFill>
+                <a:latin typeface="Arial"/>
+                <a:ea typeface="DejaVu Sans"/>
+              </a:rPr>
+              <a:t>giá</a:t>
+            </a:r>
+            <a:r>
+              <a:rPr lang="en-US" sz="1800" b="0" strike="noStrike" spc="-1" dirty="0">
+                <a:solidFill>
+                  <a:srgbClr val="FFFFFF"/>
+                </a:solidFill>
+                <a:latin typeface="Arial"/>
+                <a:ea typeface="DejaVu Sans"/>
+              </a:rPr>
+              <a:t> </a:t>
+            </a:r>
+            <a:r>
+              <a:rPr lang="en-US" sz="1800" b="0" strike="noStrike" spc="-1" dirty="0" err="1">
+                <a:solidFill>
+                  <a:srgbClr val="FFFFFF"/>
+                </a:solidFill>
+                <a:latin typeface="Arial"/>
+                <a:ea typeface="DejaVu Sans"/>
+              </a:rPr>
+              <a:t>và</a:t>
+            </a:r>
+            <a:r>
+              <a:rPr lang="en-US" sz="1800" b="0" strike="noStrike" spc="-1" dirty="0">
+                <a:solidFill>
+                  <a:srgbClr val="FFFFFF"/>
+                </a:solidFill>
+                <a:latin typeface="Arial"/>
+                <a:ea typeface="DejaVu Sans"/>
+              </a:rPr>
+              <a:t> </a:t>
+            </a:r>
+            <a:r>
+              <a:rPr lang="en-US" sz="1800" b="0" strike="noStrike" spc="-1" dirty="0" err="1">
+                <a:solidFill>
+                  <a:srgbClr val="FFFFFF"/>
+                </a:solidFill>
+                <a:latin typeface="Arial"/>
+                <a:ea typeface="DejaVu Sans"/>
+              </a:rPr>
+              <a:t>hướng</a:t>
+            </a:r>
+            <a:r>
+              <a:rPr lang="en-US" sz="1800" b="0" strike="noStrike" spc="-1" dirty="0">
+                <a:solidFill>
+                  <a:srgbClr val="FFFFFF"/>
+                </a:solidFill>
+                <a:latin typeface="Arial"/>
+                <a:ea typeface="DejaVu Sans"/>
+              </a:rPr>
+              <a:t> </a:t>
+            </a:r>
+            <a:r>
+              <a:rPr lang="en-US" sz="1800" b="0" strike="noStrike" spc="-1" dirty="0" err="1">
+                <a:solidFill>
+                  <a:srgbClr val="FFFFFF"/>
+                </a:solidFill>
+                <a:latin typeface="Arial"/>
+                <a:ea typeface="DejaVu Sans"/>
+              </a:rPr>
+              <a:t>phát</a:t>
+            </a:r>
+            <a:r>
+              <a:rPr lang="en-US" sz="1800" b="0" strike="noStrike" spc="-1" dirty="0">
+                <a:solidFill>
+                  <a:srgbClr val="FFFFFF"/>
+                </a:solidFill>
+                <a:latin typeface="Arial"/>
+                <a:ea typeface="DejaVu Sans"/>
+              </a:rPr>
+              <a:t> </a:t>
+            </a:r>
+            <a:r>
+              <a:rPr lang="en-US" sz="1800" b="0" strike="noStrike" spc="-1" dirty="0" err="1">
+                <a:solidFill>
+                  <a:srgbClr val="FFFFFF"/>
+                </a:solidFill>
+                <a:latin typeface="Arial"/>
+                <a:ea typeface="DejaVu Sans"/>
+              </a:rPr>
+              <a:t>triển</a:t>
+            </a:r>
+            <a:endParaRPr lang="en-US" sz="1800" b="0" strike="noStrike" spc="-1" dirty="0">
               <a:latin typeface="Arial"/>
             </a:endParaRPr>
           </a:p>
@@ -6971,30 +9734,25 @@
       </p:sp>
     </p:spTree>
   </p:cSld>
-  <mc:AlternateContent>
-    <mc:Choice Requires="p14">
-      <p:transition spd="slow" p14:dur="2000"/>
-    </mc:Choice>
-    <mc:Fallback>
-      <p:transition spd="slow"/>
-    </mc:Fallback>
-  </mc:AlternateContent>
+  <p:clrMapOvr>
+    <a:masterClrMapping/>
+  </p:clrMapOvr>
   <p:timing>
     <p:tnLst>
       <p:par>
-        <p:cTn id="5" dur="indefinite" restart="never" nodeType="tmRoot">
+        <p:cTn id="1" dur="indefinite" restart="never" nodeType="tmRoot">
           <p:childTnLst>
             <p:seq>
-              <p:cTn id="6" dur="indefinite" nodeType="mainSeq"/>
+              <p:cTn id="2" dur="indefinite" nodeType="mainSeq"/>
               <p:prevCondLst>
-                <p:cond delay="0" evt="onPrev">
+                <p:cond evt="onPrev" delay="0">
                   <p:tgtEl>
                     <p:sldTgt/>
                   </p:tgtEl>
                 </p:cond>
               </p:prevCondLst>
               <p:nextCondLst>
-                <p:cond delay="0" evt="onNext">
+                <p:cond evt="onNext" delay="0">
                   <p:tgtEl>
                     <p:sldTgt/>
                   </p:tgtEl>
@@ -7010,7 +9768,7 @@
 </file>
 
 <file path=ppt/slides/slide4.xml><?xml version="1.0" encoding="utf-8"?>
-<p:sld xmlns:a="http://schemas.openxmlformats.org/drawingml/2006/main" xmlns:p="http://schemas.openxmlformats.org/presentationml/2006/main" xmlns:r="http://schemas.openxmlformats.org/officeDocument/2006/relationships" xmlns:p14="http://schemas.microsoft.com/office/powerpoint/2010/main" xmlns:p15="http://schemas.microsoft.com/office/powerpoint/2012/main" xmlns:mc="http://schemas.openxmlformats.org/markup-compatibility/2006">
+<p:sld xmlns:a="http://schemas.openxmlformats.org/drawingml/2006/main" xmlns:r="http://schemas.openxmlformats.org/officeDocument/2006/relationships" xmlns:p="http://schemas.openxmlformats.org/presentationml/2006/main">
   <p:cSld>
     <p:spTree>
       <p:nvGrpSpPr>
@@ -7046,15 +9804,22 @@
           </a:ln>
         </p:spPr>
         <p:style>
-          <a:lnRef idx="0"/>
-          <a:fillRef idx="0"/>
-          <a:effectRef idx="0"/>
+          <a:lnRef idx="0">
+            <a:scrgbClr r="0" g="0" b="0"/>
+          </a:lnRef>
+          <a:fillRef idx="0">
+            <a:scrgbClr r="0" g="0" b="0"/>
+          </a:fillRef>
+          <a:effectRef idx="0">
+            <a:scrgbClr r="0" g="0" b="0"/>
+          </a:effectRef>
           <a:fontRef idx="minor"/>
         </p:style>
         <p:txBody>
-          <a:bodyPr lIns="0" rIns="0" tIns="0" bIns="0" anchor="ctr">
+          <a:bodyPr lIns="0" tIns="0" rIns="0" bIns="0" anchor="ctr">
             <a:spAutoFit/>
           </a:bodyPr>
+          <a:lstStyle/>
           <a:p>
             <a:pPr>
               <a:lnSpc>
@@ -7062,16 +9827,16 @@
               </a:lnSpc>
             </a:pPr>
             <a:r>
-              <a:rPr b="0" lang="en-US" sz="4400" spc="-1" strike="noStrike">
-                <a:solidFill>
-                  <a:srgbClr val="c7243a"/>
+              <a:rPr lang="en-US" sz="4400" b="0" strike="noStrike" spc="-1">
+                <a:solidFill>
+                  <a:srgbClr val="C7243A"/>
                 </a:solidFill>
                 <a:latin typeface="Arial"/>
                 <a:ea typeface="DejaVu Sans"/>
               </a:rPr>
               <a:t>GIỚI THIỆU CHUNG</a:t>
             </a:r>
-            <a:endParaRPr b="0" lang="en-US" sz="4400" spc="-1" strike="noStrike">
+            <a:endParaRPr lang="en-US" sz="4400" b="0" strike="noStrike" spc="-1">
               <a:latin typeface="Arial"/>
             </a:endParaRPr>
           </a:p>
@@ -7097,15 +9862,22 @@
           </a:ln>
         </p:spPr>
         <p:style>
-          <a:lnRef idx="0"/>
-          <a:fillRef idx="0"/>
-          <a:effectRef idx="0"/>
+          <a:lnRef idx="0">
+            <a:scrgbClr r="0" g="0" b="0"/>
+          </a:lnRef>
+          <a:fillRef idx="0">
+            <a:scrgbClr r="0" g="0" b="0"/>
+          </a:fillRef>
+          <a:effectRef idx="0">
+            <a:scrgbClr r="0" g="0" b="0"/>
+          </a:effectRef>
           <a:fontRef idx="minor"/>
         </p:style>
         <p:txBody>
-          <a:bodyPr lIns="0" rIns="0" tIns="0" bIns="0">
+          <a:bodyPr lIns="0" tIns="0" rIns="0" bIns="0">
             <a:normAutofit fontScale="91000"/>
           </a:bodyPr>
+          <a:lstStyle/>
           <a:p>
             <a:pPr marL="432000" indent="-323280">
               <a:lnSpc>
@@ -7122,7 +9894,7 @@
               <a:buChar char=""/>
             </a:pPr>
             <a:r>
-              <a:rPr b="0" lang="en-US" sz="3200" spc="-1" strike="noStrike">
+              <a:rPr lang="en-US" sz="3200" b="0" strike="noStrike" spc="-1">
                 <a:solidFill>
                   <a:srgbClr val="000000"/>
                 </a:solidFill>
@@ -7131,7 +9903,7 @@
               </a:rPr>
               <a:t>Tìm hiểu về công cụ so sánh giá, ứng dụng web crawler.</a:t>
             </a:r>
-            <a:endParaRPr b="0" lang="en-US" sz="3200" spc="-1" strike="noStrike">
+            <a:endParaRPr lang="en-US" sz="3200" b="0" strike="noStrike" spc="-1">
               <a:latin typeface="Arial"/>
             </a:endParaRPr>
           </a:p>
@@ -7151,7 +9923,7 @@
               <a:buChar char=""/>
             </a:pPr>
             <a:r>
-              <a:rPr b="0" lang="en-US" sz="3200" spc="-1" strike="noStrike">
+              <a:rPr lang="en-US" sz="3200" b="0" strike="noStrike" spc="-1">
                 <a:solidFill>
                   <a:srgbClr val="000000"/>
                 </a:solidFill>
@@ -7160,7 +9932,7 @@
               </a:rPr>
               <a:t>Tạo ra trang tìm kiếm các sản phẩm ở các trang thế giới di động, viễn thông A và FPT shop.</a:t>
             </a:r>
-            <a:endParaRPr b="0" lang="en-US" sz="3200" spc="-1" strike="noStrike">
+            <a:endParaRPr lang="en-US" sz="3200" b="0" strike="noStrike" spc="-1">
               <a:latin typeface="Arial"/>
             </a:endParaRPr>
           </a:p>
@@ -7180,7 +9952,7 @@
               <a:buChar char=""/>
             </a:pPr>
             <a:r>
-              <a:rPr b="0" lang="en-US" sz="3200" spc="-1" strike="noStrike">
+              <a:rPr lang="en-US" sz="3200" b="0" strike="noStrike" spc="-1">
                 <a:solidFill>
                   <a:srgbClr val="000000"/>
                 </a:solidFill>
@@ -7189,7 +9961,7 @@
               </a:rPr>
               <a:t>So sánh giá và đưa ra gợi ý nơi mua hàng.</a:t>
             </a:r>
-            <a:endParaRPr b="0" lang="en-US" sz="3200" spc="-1" strike="noStrike">
+            <a:endParaRPr lang="en-US" sz="3200" b="0" strike="noStrike" spc="-1">
               <a:latin typeface="Arial"/>
             </a:endParaRPr>
           </a:p>
@@ -7197,30 +9969,25 @@
       </p:sp>
     </p:spTree>
   </p:cSld>
-  <mc:AlternateContent>
-    <mc:Choice Requires="p14">
-      <p:transition spd="slow" p14:dur="2000"/>
-    </mc:Choice>
-    <mc:Fallback>
-      <p:transition spd="slow"/>
-    </mc:Fallback>
-  </mc:AlternateContent>
+  <p:clrMapOvr>
+    <a:masterClrMapping/>
+  </p:clrMapOvr>
   <p:timing>
     <p:tnLst>
       <p:par>
-        <p:cTn id="7" dur="indefinite" restart="never" nodeType="tmRoot">
+        <p:cTn id="1" dur="indefinite" restart="never" nodeType="tmRoot">
           <p:childTnLst>
             <p:seq>
-              <p:cTn id="8" dur="indefinite" nodeType="mainSeq"/>
+              <p:cTn id="2" dur="indefinite" nodeType="mainSeq"/>
               <p:prevCondLst>
-                <p:cond delay="0" evt="onPrev">
+                <p:cond evt="onPrev" delay="0">
                   <p:tgtEl>
                     <p:sldTgt/>
                   </p:tgtEl>
                 </p:cond>
               </p:prevCondLst>
               <p:nextCondLst>
-                <p:cond delay="0" evt="onNext">
+                <p:cond evt="onNext" delay="0">
                   <p:tgtEl>
                     <p:sldTgt/>
                   </p:tgtEl>
@@ -7236,7 +10003,7 @@
 </file>
 
 <file path=ppt/slides/slide5.xml><?xml version="1.0" encoding="utf-8"?>
-<p:sld xmlns:a="http://schemas.openxmlformats.org/drawingml/2006/main" xmlns:p="http://schemas.openxmlformats.org/presentationml/2006/main" xmlns:r="http://schemas.openxmlformats.org/officeDocument/2006/relationships" xmlns:p14="http://schemas.microsoft.com/office/powerpoint/2010/main" xmlns:p15="http://schemas.microsoft.com/office/powerpoint/2012/main" xmlns:mc="http://schemas.openxmlformats.org/markup-compatibility/2006">
+<p:sld xmlns:a="http://schemas.openxmlformats.org/drawingml/2006/main" xmlns:r="http://schemas.openxmlformats.org/officeDocument/2006/relationships" xmlns:p="http://schemas.openxmlformats.org/presentationml/2006/main">
   <p:cSld>
     <p:spTree>
       <p:nvGrpSpPr>
@@ -7272,15 +10039,22 @@
           </a:ln>
         </p:spPr>
         <p:style>
-          <a:lnRef idx="0"/>
-          <a:fillRef idx="0"/>
-          <a:effectRef idx="0"/>
+          <a:lnRef idx="0">
+            <a:scrgbClr r="0" g="0" b="0"/>
+          </a:lnRef>
+          <a:fillRef idx="0">
+            <a:scrgbClr r="0" g="0" b="0"/>
+          </a:fillRef>
+          <a:effectRef idx="0">
+            <a:scrgbClr r="0" g="0" b="0"/>
+          </a:effectRef>
           <a:fontRef idx="minor"/>
         </p:style>
         <p:txBody>
-          <a:bodyPr lIns="0" rIns="0" tIns="0" bIns="0" anchor="ctr">
+          <a:bodyPr lIns="0" tIns="0" rIns="0" bIns="0" anchor="ctr">
             <a:spAutoFit/>
           </a:bodyPr>
+          <a:lstStyle/>
           <a:p>
             <a:pPr>
               <a:lnSpc>
@@ -7288,16 +10062,16 @@
               </a:lnSpc>
             </a:pPr>
             <a:r>
-              <a:rPr b="0" lang="en-US" sz="4400" spc="-1" strike="noStrike">
-                <a:solidFill>
-                  <a:srgbClr val="c7243a"/>
+              <a:rPr lang="en-US" sz="4400" b="0" strike="noStrike" spc="-1">
+                <a:solidFill>
+                  <a:srgbClr val="C7243A"/>
                 </a:solidFill>
                 <a:latin typeface="Arial"/>
                 <a:ea typeface="DejaVu Sans"/>
               </a:rPr>
               <a:t>ĐÁNH GIÁ THỊ TRƯỜNG</a:t>
             </a:r>
-            <a:endParaRPr b="0" lang="en-US" sz="4400" spc="-1" strike="noStrike">
+            <a:endParaRPr lang="en-US" sz="4400" b="0" strike="noStrike" spc="-1">
               <a:latin typeface="Arial"/>
             </a:endParaRPr>
           </a:p>
@@ -7323,15 +10097,22 @@
           </a:ln>
         </p:spPr>
         <p:style>
-          <a:lnRef idx="0"/>
-          <a:fillRef idx="0"/>
-          <a:effectRef idx="0"/>
+          <a:lnRef idx="0">
+            <a:scrgbClr r="0" g="0" b="0"/>
+          </a:lnRef>
+          <a:fillRef idx="0">
+            <a:scrgbClr r="0" g="0" b="0"/>
+          </a:fillRef>
+          <a:effectRef idx="0">
+            <a:scrgbClr r="0" g="0" b="0"/>
+          </a:effectRef>
           <a:fontRef idx="minor"/>
         </p:style>
         <p:txBody>
-          <a:bodyPr lIns="0" rIns="0" tIns="0" bIns="0">
-            <a:normAutofit fontScale="81000"/>
-          </a:bodyPr>
+          <a:bodyPr lIns="0" tIns="0" rIns="0" bIns="0">
+            <a:normAutofit fontScale="88500" lnSpcReduction="10000"/>
+          </a:bodyPr>
+          <a:lstStyle/>
           <a:p>
             <a:pPr marL="432000" indent="-323280">
               <a:lnSpc>
@@ -7348,7 +10129,7 @@
               <a:buChar char=""/>
             </a:pPr>
             <a:r>
-              <a:rPr b="0" lang="en-US" sz="3200" spc="-1" strike="noStrike">
+              <a:rPr lang="en-US" sz="3200" b="0" strike="noStrike" spc="-1">
                 <a:solidFill>
                   <a:srgbClr val="000000"/>
                 </a:solidFill>
@@ -7357,7 +10138,7 @@
               </a:rPr>
               <a:t>Thị trường thế giới, có nhiều sản phẩm so sánh giá tầm cỡ như Google shopping, Yahoo shopping, BizRate,…</a:t>
             </a:r>
-            <a:endParaRPr b="0" lang="en-US" sz="3200" spc="-1" strike="noStrike">
+            <a:endParaRPr lang="en-US" sz="3200" b="0" strike="noStrike" spc="-1">
               <a:latin typeface="Arial"/>
             </a:endParaRPr>
           </a:p>
@@ -7377,7 +10158,7 @@
               <a:buChar char=""/>
             </a:pPr>
             <a:r>
-              <a:rPr b="0" lang="en-US" sz="3200" spc="-1" strike="noStrike">
+              <a:rPr lang="en-US" sz="3200" b="0" strike="noStrike" spc="-1">
                 <a:solidFill>
                   <a:srgbClr val="000000"/>
                 </a:solidFill>
@@ -7386,7 +10167,7 @@
               </a:rPr>
               <a:t>Ở Việt Nam, so sánh giá tập trung chủ yếu vào mảng thiết bị công nghệ, gia dụng, sách. Một lượng nhỏ về dịch vụ đi lại, đặt phòng. Chưa có các dịch vụ so sánh về giáo dục, y tế</a:t>
             </a:r>
-            <a:endParaRPr b="0" lang="en-US" sz="3200" spc="-1" strike="noStrike">
+            <a:endParaRPr lang="en-US" sz="3200" b="0" strike="noStrike" spc="-1">
               <a:latin typeface="Arial"/>
             </a:endParaRPr>
           </a:p>
@@ -7394,30 +10175,25 @@
       </p:sp>
     </p:spTree>
   </p:cSld>
-  <mc:AlternateContent>
-    <mc:Choice Requires="p14">
-      <p:transition spd="slow" p14:dur="2000"/>
-    </mc:Choice>
-    <mc:Fallback>
-      <p:transition spd="slow"/>
-    </mc:Fallback>
-  </mc:AlternateContent>
+  <p:clrMapOvr>
+    <a:masterClrMapping/>
+  </p:clrMapOvr>
   <p:timing>
     <p:tnLst>
       <p:par>
-        <p:cTn id="9" dur="indefinite" restart="never" nodeType="tmRoot">
+        <p:cTn id="1" dur="indefinite" restart="never" nodeType="tmRoot">
           <p:childTnLst>
             <p:seq>
-              <p:cTn id="10" dur="indefinite" nodeType="mainSeq"/>
+              <p:cTn id="2" dur="indefinite" nodeType="mainSeq"/>
               <p:prevCondLst>
-                <p:cond delay="0" evt="onPrev">
+                <p:cond evt="onPrev" delay="0">
                   <p:tgtEl>
                     <p:sldTgt/>
                   </p:tgtEl>
                 </p:cond>
               </p:prevCondLst>
               <p:nextCondLst>
-                <p:cond delay="0" evt="onNext">
+                <p:cond evt="onNext" delay="0">
                   <p:tgtEl>
                     <p:sldTgt/>
                   </p:tgtEl>
@@ -7433,7 +10209,7 @@
 </file>
 
 <file path=ppt/slides/slide6.xml><?xml version="1.0" encoding="utf-8"?>
-<p:sld xmlns:a="http://schemas.openxmlformats.org/drawingml/2006/main" xmlns:p="http://schemas.openxmlformats.org/presentationml/2006/main" xmlns:r="http://schemas.openxmlformats.org/officeDocument/2006/relationships" xmlns:p14="http://schemas.microsoft.com/office/powerpoint/2010/main" xmlns:p15="http://schemas.microsoft.com/office/powerpoint/2012/main" xmlns:mc="http://schemas.openxmlformats.org/markup-compatibility/2006">
+<p:sld xmlns:a="http://schemas.openxmlformats.org/drawingml/2006/main" xmlns:r="http://schemas.openxmlformats.org/officeDocument/2006/relationships" xmlns:p="http://schemas.openxmlformats.org/presentationml/2006/main">
   <p:cSld>
     <p:spTree>
       <p:nvGrpSpPr>
@@ -7469,15 +10245,22 @@
           </a:ln>
         </p:spPr>
         <p:style>
-          <a:lnRef idx="0"/>
-          <a:fillRef idx="0"/>
-          <a:effectRef idx="0"/>
+          <a:lnRef idx="0">
+            <a:scrgbClr r="0" g="0" b="0"/>
+          </a:lnRef>
+          <a:fillRef idx="0">
+            <a:scrgbClr r="0" g="0" b="0"/>
+          </a:fillRef>
+          <a:effectRef idx="0">
+            <a:scrgbClr r="0" g="0" b="0"/>
+          </a:effectRef>
           <a:fontRef idx="minor"/>
         </p:style>
         <p:txBody>
-          <a:bodyPr lIns="0" rIns="0" tIns="0" bIns="0" anchor="ctr">
+          <a:bodyPr lIns="0" tIns="0" rIns="0" bIns="0" anchor="ctr">
             <a:spAutoFit/>
           </a:bodyPr>
+          <a:lstStyle/>
           <a:p>
             <a:pPr>
               <a:lnSpc>
@@ -7485,16 +10268,16 @@
               </a:lnSpc>
             </a:pPr>
             <a:r>
-              <a:rPr b="0" lang="en-US" sz="4400" spc="-1" strike="noStrike">
-                <a:solidFill>
-                  <a:srgbClr val="c7243a"/>
+              <a:rPr lang="en-US" sz="4400" b="0" strike="noStrike" spc="-1">
+                <a:solidFill>
+                  <a:srgbClr val="C7243A"/>
                 </a:solidFill>
                 <a:latin typeface="Arial"/>
                 <a:ea typeface="DejaVu Sans"/>
               </a:rPr>
               <a:t>SẢN PHẨM HIỆN CÓ Ở VIỆT NAM</a:t>
             </a:r>
-            <a:endParaRPr b="0" lang="en-US" sz="4400" spc="-1" strike="noStrike">
+            <a:endParaRPr lang="en-US" sz="4400" b="0" strike="noStrike" spc="-1">
               <a:latin typeface="Arial"/>
             </a:endParaRPr>
           </a:p>
@@ -7515,6 +10298,7 @@
             <a:avLst/>
             <a:gdLst/>
             <a:ahLst/>
+            <a:cxnLst/>
             <a:rect l="l" t="t" r="r" b="b"/>
             <a:pathLst>
               <a:path w="3050" h="4066">
@@ -7543,7 +10327,7 @@
             </a:pathLst>
           </a:custGeom>
           <a:solidFill>
-            <a:srgbClr val="c7243a"/>
+            <a:srgbClr val="C7243A"/>
           </a:solidFill>
           <a:ln>
             <a:solidFill>
@@ -7552,15 +10336,22 @@
           </a:ln>
         </p:spPr>
         <p:style>
-          <a:lnRef idx="0"/>
-          <a:fillRef idx="0"/>
-          <a:effectRef idx="0"/>
+          <a:lnRef idx="0">
+            <a:scrgbClr r="0" g="0" b="0"/>
+          </a:lnRef>
+          <a:fillRef idx="0">
+            <a:scrgbClr r="0" g="0" b="0"/>
+          </a:fillRef>
+          <a:effectRef idx="0">
+            <a:scrgbClr r="0" g="0" b="0"/>
+          </a:effectRef>
           <a:fontRef idx="minor"/>
         </p:style>
         <p:txBody>
-          <a:bodyPr wrap="none" lIns="90000" rIns="90000" tIns="45000" bIns="45000" anchor="ctr">
+          <a:bodyPr wrap="none" lIns="90000" tIns="45000" rIns="90000" bIns="45000" anchor="ctr">
             <a:noAutofit/>
           </a:bodyPr>
+          <a:lstStyle/>
           <a:p>
             <a:pPr algn="ctr">
               <a:lnSpc>
@@ -7568,16 +10359,16 @@
               </a:lnSpc>
             </a:pPr>
             <a:r>
-              <a:rPr b="0" lang="en-US" sz="1800" spc="-1" strike="noStrike">
-                <a:solidFill>
-                  <a:srgbClr val="ffffff"/>
+              <a:rPr lang="en-US" sz="1800" b="0" strike="noStrike" spc="-1">
+                <a:solidFill>
+                  <a:srgbClr val="FFFFFF"/>
                 </a:solidFill>
                 <a:latin typeface="Arial"/>
                 <a:ea typeface="DejaVu Sans"/>
               </a:rPr>
               <a:t>Điểm </a:t>
             </a:r>
-            <a:endParaRPr b="0" lang="en-US" sz="1800" spc="-1" strike="noStrike">
+            <a:endParaRPr lang="en-US" sz="1800" b="0" strike="noStrike" spc="-1">
               <a:latin typeface="Arial"/>
             </a:endParaRPr>
           </a:p>
@@ -7588,16 +10379,16 @@
               </a:lnSpc>
             </a:pPr>
             <a:r>
-              <a:rPr b="0" lang="en-US" sz="1800" spc="-1" strike="noStrike">
-                <a:solidFill>
-                  <a:srgbClr val="ffffff"/>
+              <a:rPr lang="en-US" sz="1800" b="0" strike="noStrike" spc="-1">
+                <a:solidFill>
+                  <a:srgbClr val="FFFFFF"/>
                 </a:solidFill>
                 <a:latin typeface="Arial"/>
                 <a:ea typeface="DejaVu Sans"/>
               </a:rPr>
               <a:t>mạnh</a:t>
             </a:r>
-            <a:endParaRPr b="0" lang="en-US" sz="1800" spc="-1" strike="noStrike">
+            <a:endParaRPr lang="en-US" sz="1800" b="0" strike="noStrike" spc="-1">
               <a:latin typeface="Arial"/>
             </a:endParaRPr>
           </a:p>
@@ -7619,14 +10410,20 @@
           </a:prstGeom>
           <a:ln>
             <a:solidFill>
-              <a:srgbClr val="c9211e"/>
+              <a:srgbClr val="C9211E"/>
             </a:solidFill>
           </a:ln>
         </p:spPr>
         <p:style>
-          <a:lnRef idx="0"/>
-          <a:fillRef idx="0"/>
-          <a:effectRef idx="0"/>
+          <a:lnRef idx="0">
+            <a:scrgbClr r="0" g="0" b="0"/>
+          </a:lnRef>
+          <a:fillRef idx="0">
+            <a:scrgbClr r="0" g="0" b="0"/>
+          </a:fillRef>
+          <a:effectRef idx="0">
+            <a:scrgbClr r="0" g="0" b="0"/>
+          </a:effectRef>
           <a:fontRef idx="minor"/>
         </p:style>
       </p:sp>
@@ -7646,14 +10443,20 @@
           </a:prstGeom>
           <a:ln>
             <a:solidFill>
-              <a:srgbClr val="c9211e"/>
+              <a:srgbClr val="C9211E"/>
             </a:solidFill>
           </a:ln>
         </p:spPr>
         <p:style>
-          <a:lnRef idx="0"/>
-          <a:fillRef idx="0"/>
-          <a:effectRef idx="0"/>
+          <a:lnRef idx="0">
+            <a:scrgbClr r="0" g="0" b="0"/>
+          </a:lnRef>
+          <a:fillRef idx="0">
+            <a:scrgbClr r="0" g="0" b="0"/>
+          </a:fillRef>
+          <a:effectRef idx="0">
+            <a:scrgbClr r="0" g="0" b="0"/>
+          </a:effectRef>
           <a:fontRef idx="minor"/>
         </p:style>
       </p:sp>
@@ -7666,7 +10469,7 @@
         <p:spPr>
           <a:xfrm>
             <a:off x="2011680" y="1828800"/>
-            <a:ext cx="5028480" cy="363960"/>
+            <a:ext cx="5028480" cy="367878"/>
           </a:xfrm>
           <a:prstGeom prst="rect">
             <a:avLst/>
@@ -7677,15 +10480,22 @@
           </a:ln>
         </p:spPr>
         <p:style>
-          <a:lnRef idx="0"/>
-          <a:fillRef idx="0"/>
-          <a:effectRef idx="0"/>
+          <a:lnRef idx="0">
+            <a:scrgbClr r="0" g="0" b="0"/>
+          </a:lnRef>
+          <a:fillRef idx="0">
+            <a:scrgbClr r="0" g="0" b="0"/>
+          </a:fillRef>
+          <a:effectRef idx="0">
+            <a:scrgbClr r="0" g="0" b="0"/>
+          </a:effectRef>
           <a:fontRef idx="minor"/>
         </p:style>
         <p:txBody>
-          <a:bodyPr lIns="90000" rIns="90000" tIns="45000" bIns="45000">
+          <a:bodyPr lIns="90000" tIns="45000" rIns="90000" bIns="45000">
             <a:spAutoFit/>
           </a:bodyPr>
+          <a:lstStyle/>
           <a:p>
             <a:pPr>
               <a:lnSpc>
@@ -7693,16 +10503,176 @@
               </a:lnSpc>
             </a:pPr>
             <a:r>
-              <a:rPr b="0" lang="en-US" sz="1800" spc="-1" strike="noStrike">
+              <a:rPr lang="en-US" sz="1800" b="0" strike="noStrike" spc="-1" dirty="0" err="1">
                 <a:solidFill>
                   <a:srgbClr val="000000"/>
                 </a:solidFill>
                 <a:latin typeface="Arial"/>
                 <a:ea typeface="DejaVu Sans"/>
               </a:rPr>
-              <a:t>Giao diện người dùng thân thiện dễ sử dụng</a:t>
-            </a:r>
-            <a:endParaRPr b="0" lang="en-US" sz="1800" spc="-1" strike="noStrike">
+              <a:t>Giao</a:t>
+            </a:r>
+            <a:r>
+              <a:rPr lang="en-US" sz="1800" b="0" strike="noStrike" spc="-1" dirty="0">
+                <a:solidFill>
+                  <a:srgbClr val="000000"/>
+                </a:solidFill>
+                <a:latin typeface="Arial"/>
+                <a:ea typeface="DejaVu Sans"/>
+              </a:rPr>
+              <a:t> </a:t>
+            </a:r>
+            <a:r>
+              <a:rPr lang="en-US" sz="1800" b="0" strike="noStrike" spc="-1" dirty="0" err="1">
+                <a:solidFill>
+                  <a:srgbClr val="000000"/>
+                </a:solidFill>
+                <a:latin typeface="Arial"/>
+                <a:ea typeface="DejaVu Sans"/>
+              </a:rPr>
+              <a:t>diện</a:t>
+            </a:r>
+            <a:r>
+              <a:rPr lang="en-US" sz="1800" b="0" strike="noStrike" spc="-1" dirty="0">
+                <a:solidFill>
+                  <a:srgbClr val="000000"/>
+                </a:solidFill>
+                <a:latin typeface="Arial"/>
+                <a:ea typeface="DejaVu Sans"/>
+              </a:rPr>
+              <a:t> </a:t>
+            </a:r>
+            <a:r>
+              <a:rPr lang="en-US" sz="1800" b="0" strike="noStrike" spc="-1" dirty="0" err="1">
+                <a:solidFill>
+                  <a:srgbClr val="000000"/>
+                </a:solidFill>
+                <a:latin typeface="Arial"/>
+                <a:ea typeface="DejaVu Sans"/>
+              </a:rPr>
+              <a:t>người</a:t>
+            </a:r>
+            <a:r>
+              <a:rPr lang="en-US" sz="1800" b="0" strike="noStrike" spc="-1" dirty="0">
+                <a:solidFill>
+                  <a:srgbClr val="000000"/>
+                </a:solidFill>
+                <a:latin typeface="Arial"/>
+                <a:ea typeface="DejaVu Sans"/>
+              </a:rPr>
+              <a:t> </a:t>
+            </a:r>
+            <a:r>
+              <a:rPr lang="en-US" sz="1800" b="0" strike="noStrike" spc="-1" dirty="0" err="1">
+                <a:solidFill>
+                  <a:srgbClr val="000000"/>
+                </a:solidFill>
+                <a:latin typeface="Arial"/>
+                <a:ea typeface="DejaVu Sans"/>
+              </a:rPr>
+              <a:t>dùng</a:t>
+            </a:r>
+            <a:r>
+              <a:rPr lang="en-US" sz="1800" b="0" strike="noStrike" spc="-1" dirty="0">
+                <a:solidFill>
+                  <a:srgbClr val="000000"/>
+                </a:solidFill>
+                <a:latin typeface="Arial"/>
+                <a:ea typeface="DejaVu Sans"/>
+              </a:rPr>
+              <a:t> </a:t>
+            </a:r>
+            <a:r>
+              <a:rPr lang="en-US" sz="1800" b="0" strike="noStrike" spc="-1" dirty="0" err="1">
+                <a:solidFill>
+                  <a:srgbClr val="000000"/>
+                </a:solidFill>
+                <a:latin typeface="Arial"/>
+                <a:ea typeface="DejaVu Sans"/>
+              </a:rPr>
+              <a:t>thân</a:t>
+            </a:r>
+            <a:r>
+              <a:rPr lang="en-US" sz="1800" b="0" strike="noStrike" spc="-1" dirty="0">
+                <a:solidFill>
+                  <a:srgbClr val="000000"/>
+                </a:solidFill>
+                <a:latin typeface="Arial"/>
+                <a:ea typeface="DejaVu Sans"/>
+              </a:rPr>
+              <a:t> </a:t>
+            </a:r>
+            <a:r>
+              <a:rPr lang="en-US" sz="1800" b="0" strike="noStrike" spc="-1" dirty="0" err="1">
+                <a:solidFill>
+                  <a:srgbClr val="000000"/>
+                </a:solidFill>
+                <a:latin typeface="Arial"/>
+                <a:ea typeface="DejaVu Sans"/>
+              </a:rPr>
+              <a:t>thiện</a:t>
+            </a:r>
+            <a:r>
+              <a:rPr lang="en-US" sz="1800" b="0" strike="noStrike" spc="-1" dirty="0">
+                <a:solidFill>
+                  <a:srgbClr val="000000"/>
+                </a:solidFill>
+                <a:latin typeface="Arial"/>
+                <a:ea typeface="DejaVu Sans"/>
+              </a:rPr>
+              <a:t>, </a:t>
+            </a:r>
+            <a:r>
+              <a:rPr lang="en-US" sz="1800" b="0" strike="noStrike" spc="-1" dirty="0" err="1">
+                <a:solidFill>
+                  <a:srgbClr val="000000"/>
+                </a:solidFill>
+                <a:latin typeface="Arial"/>
+                <a:ea typeface="DejaVu Sans"/>
+              </a:rPr>
+              <a:t>dễ</a:t>
+            </a:r>
+            <a:r>
+              <a:rPr lang="en-US" sz="1800" b="0" strike="noStrike" spc="-1" dirty="0">
+                <a:solidFill>
+                  <a:srgbClr val="000000"/>
+                </a:solidFill>
+                <a:latin typeface="Arial"/>
+                <a:ea typeface="DejaVu Sans"/>
+              </a:rPr>
+              <a:t> </a:t>
+            </a:r>
+            <a:r>
+              <a:rPr lang="en-US" sz="1800" b="0" strike="noStrike" spc="-1" dirty="0" err="1">
+                <a:solidFill>
+                  <a:srgbClr val="000000"/>
+                </a:solidFill>
+                <a:latin typeface="Arial"/>
+                <a:ea typeface="DejaVu Sans"/>
+              </a:rPr>
+              <a:t>sử</a:t>
+            </a:r>
+            <a:r>
+              <a:rPr lang="en-US" sz="1800" b="0" strike="noStrike" spc="-1" dirty="0">
+                <a:solidFill>
+                  <a:srgbClr val="000000"/>
+                </a:solidFill>
+                <a:latin typeface="Arial"/>
+                <a:ea typeface="DejaVu Sans"/>
+              </a:rPr>
+              <a:t> </a:t>
+            </a:r>
+            <a:r>
+              <a:rPr lang="en-US" sz="1800" b="0" strike="noStrike" spc="-1" dirty="0" err="1">
+                <a:solidFill>
+                  <a:srgbClr val="000000"/>
+                </a:solidFill>
+                <a:latin typeface="Arial"/>
+                <a:ea typeface="DejaVu Sans"/>
+              </a:rPr>
+              <a:t>dụng</a:t>
+            </a:r>
+            <a:endParaRPr lang="en-US" sz="1800" b="0" strike="noStrike" spc="-1" dirty="0">
               <a:latin typeface="Arial"/>
             </a:endParaRPr>
           </a:p>
@@ -7728,15 +10698,22 @@
           </a:ln>
         </p:spPr>
         <p:style>
-          <a:lnRef idx="0"/>
-          <a:fillRef idx="0"/>
-          <a:effectRef idx="0"/>
+          <a:lnRef idx="0">
+            <a:scrgbClr r="0" g="0" b="0"/>
+          </a:lnRef>
+          <a:fillRef idx="0">
+            <a:scrgbClr r="0" g="0" b="0"/>
+          </a:fillRef>
+          <a:effectRef idx="0">
+            <a:scrgbClr r="0" g="0" b="0"/>
+          </a:effectRef>
           <a:fontRef idx="minor"/>
         </p:style>
         <p:txBody>
-          <a:bodyPr lIns="90000" rIns="90000" tIns="45000" bIns="45000">
+          <a:bodyPr lIns="90000" tIns="45000" rIns="90000" bIns="45000">
             <a:spAutoFit/>
           </a:bodyPr>
+          <a:lstStyle/>
           <a:p>
             <a:pPr>
               <a:lnSpc>
@@ -7744,7 +10721,7 @@
               </a:lnSpc>
             </a:pPr>
             <a:r>
-              <a:rPr b="0" lang="en-US" sz="1800" spc="-1" strike="noStrike">
+              <a:rPr lang="en-US" sz="1800" b="0" strike="noStrike" spc="-1">
                 <a:solidFill>
                   <a:srgbClr val="000000"/>
                 </a:solidFill>
@@ -7753,7 +10730,7 @@
               </a:rPr>
               <a:t>Cập nhật giá sản phẩm ở nhiều nguồn</a:t>
             </a:r>
-            <a:endParaRPr b="0" lang="en-US" sz="1800" spc="-1" strike="noStrike">
+            <a:endParaRPr lang="en-US" sz="1800" b="0" strike="noStrike" spc="-1">
               <a:latin typeface="Arial"/>
             </a:endParaRPr>
           </a:p>
@@ -7774,6 +10751,7 @@
             <a:avLst/>
             <a:gdLst/>
             <a:ahLst/>
+            <a:cxnLst/>
             <a:rect l="l" t="t" r="r" b="b"/>
             <a:pathLst>
               <a:path w="3050" h="4066">
@@ -7811,15 +10789,22 @@
           </a:ln>
         </p:spPr>
         <p:style>
-          <a:lnRef idx="0"/>
-          <a:fillRef idx="0"/>
-          <a:effectRef idx="0"/>
+          <a:lnRef idx="0">
+            <a:scrgbClr r="0" g="0" b="0"/>
+          </a:lnRef>
+          <a:fillRef idx="0">
+            <a:scrgbClr r="0" g="0" b="0"/>
+          </a:fillRef>
+          <a:effectRef idx="0">
+            <a:scrgbClr r="0" g="0" b="0"/>
+          </a:effectRef>
           <a:fontRef idx="minor"/>
         </p:style>
         <p:txBody>
-          <a:bodyPr wrap="none" lIns="90000" rIns="90000" tIns="45000" bIns="45000" anchor="ctr">
+          <a:bodyPr wrap="none" lIns="90000" tIns="45000" rIns="90000" bIns="45000" anchor="ctr">
             <a:noAutofit/>
           </a:bodyPr>
+          <a:lstStyle/>
           <a:p>
             <a:pPr algn="ctr">
               <a:lnSpc>
@@ -7827,16 +10812,16 @@
               </a:lnSpc>
             </a:pPr>
             <a:r>
-              <a:rPr b="0" lang="en-US" sz="1800" spc="-1" strike="noStrike">
-                <a:solidFill>
-                  <a:srgbClr val="ffffff"/>
+              <a:rPr lang="en-US" sz="1800" b="0" strike="noStrike" spc="-1">
+                <a:solidFill>
+                  <a:srgbClr val="FFFFFF"/>
                 </a:solidFill>
                 <a:latin typeface="Arial"/>
                 <a:ea typeface="DejaVu Sans"/>
               </a:rPr>
               <a:t>Hạn</a:t>
             </a:r>
-            <a:endParaRPr b="0" lang="en-US" sz="1800" spc="-1" strike="noStrike">
+            <a:endParaRPr lang="en-US" sz="1800" b="0" strike="noStrike" spc="-1">
               <a:latin typeface="Arial"/>
             </a:endParaRPr>
           </a:p>
@@ -7847,16 +10832,16 @@
               </a:lnSpc>
             </a:pPr>
             <a:r>
-              <a:rPr b="0" lang="en-US" sz="1800" spc="-1" strike="noStrike">
-                <a:solidFill>
-                  <a:srgbClr val="ffffff"/>
+              <a:rPr lang="en-US" sz="1800" b="0" strike="noStrike" spc="-1">
+                <a:solidFill>
+                  <a:srgbClr val="FFFFFF"/>
                 </a:solidFill>
                 <a:latin typeface="Arial"/>
                 <a:ea typeface="DejaVu Sans"/>
               </a:rPr>
               <a:t>chế</a:t>
             </a:r>
-            <a:endParaRPr b="0" lang="en-US" sz="1800" spc="-1" strike="noStrike">
+            <a:endParaRPr lang="en-US" sz="1800" b="0" strike="noStrike" spc="-1">
               <a:latin typeface="Arial"/>
             </a:endParaRPr>
           </a:p>
@@ -7883,9 +10868,15 @@
           </a:ln>
         </p:spPr>
         <p:style>
-          <a:lnRef idx="0"/>
-          <a:fillRef idx="0"/>
-          <a:effectRef idx="0"/>
+          <a:lnRef idx="0">
+            <a:scrgbClr r="0" g="0" b="0"/>
+          </a:lnRef>
+          <a:fillRef idx="0">
+            <a:scrgbClr r="0" g="0" b="0"/>
+          </a:fillRef>
+          <a:effectRef idx="0">
+            <a:scrgbClr r="0" g="0" b="0"/>
+          </a:effectRef>
           <a:fontRef idx="minor"/>
         </p:style>
       </p:sp>
@@ -7909,15 +10900,22 @@
           </a:ln>
         </p:spPr>
         <p:style>
-          <a:lnRef idx="0"/>
-          <a:fillRef idx="0"/>
-          <a:effectRef idx="0"/>
+          <a:lnRef idx="0">
+            <a:scrgbClr r="0" g="0" b="0"/>
+          </a:lnRef>
+          <a:fillRef idx="0">
+            <a:scrgbClr r="0" g="0" b="0"/>
+          </a:fillRef>
+          <a:effectRef idx="0">
+            <a:scrgbClr r="0" g="0" b="0"/>
+          </a:effectRef>
           <a:fontRef idx="minor"/>
         </p:style>
         <p:txBody>
-          <a:bodyPr lIns="90000" rIns="90000" tIns="45000" bIns="45000">
+          <a:bodyPr lIns="90000" tIns="45000" rIns="90000" bIns="45000">
             <a:spAutoFit/>
           </a:bodyPr>
+          <a:lstStyle/>
           <a:p>
             <a:pPr>
               <a:lnSpc>
@@ -7925,14 +10923,11 @@
               </a:lnSpc>
             </a:pPr>
             <a:r>
-              <a:rPr b="0" lang="en-US" sz="1800" spc="-1" strike="noStrike">
+              <a:rPr lang="en-US" sz="1800" b="0" strike="noStrike" spc="-1">
                 <a:latin typeface="Arial"/>
               </a:rPr>
               <a:t>Phân chia ra các nhóm ngành hàng</a:t>
             </a:r>
-            <a:endParaRPr b="0" lang="en-US" sz="1800" spc="-1" strike="noStrike">
-              <a:latin typeface="Arial"/>
-            </a:endParaRPr>
           </a:p>
         </p:txBody>
       </p:sp>
@@ -7957,9 +10952,15 @@
           </a:ln>
         </p:spPr>
         <p:style>
-          <a:lnRef idx="0"/>
-          <a:fillRef idx="0"/>
-          <a:effectRef idx="0"/>
+          <a:lnRef idx="0">
+            <a:scrgbClr r="0" g="0" b="0"/>
+          </a:lnRef>
+          <a:fillRef idx="0">
+            <a:scrgbClr r="0" g="0" b="0"/>
+          </a:fillRef>
+          <a:effectRef idx="0">
+            <a:scrgbClr r="0" g="0" b="0"/>
+          </a:effectRef>
           <a:fontRef idx="minor"/>
         </p:style>
       </p:sp>
@@ -7983,15 +10984,22 @@
           </a:ln>
         </p:spPr>
         <p:style>
-          <a:lnRef idx="0"/>
-          <a:fillRef idx="0"/>
-          <a:effectRef idx="0"/>
+          <a:lnRef idx="0">
+            <a:scrgbClr r="0" g="0" b="0"/>
+          </a:lnRef>
+          <a:fillRef idx="0">
+            <a:scrgbClr r="0" g="0" b="0"/>
+          </a:fillRef>
+          <a:effectRef idx="0">
+            <a:scrgbClr r="0" g="0" b="0"/>
+          </a:effectRef>
           <a:fontRef idx="minor"/>
         </p:style>
         <p:txBody>
-          <a:bodyPr lIns="90000" rIns="90000" tIns="45000" bIns="45000">
+          <a:bodyPr lIns="90000" tIns="45000" rIns="90000" bIns="45000">
             <a:spAutoFit/>
           </a:bodyPr>
+          <a:lstStyle/>
           <a:p>
             <a:pPr>
               <a:lnSpc>
@@ -7999,14 +11007,11 @@
               </a:lnSpc>
             </a:pPr>
             <a:r>
-              <a:rPr b="0" lang="en-US" sz="1800" spc="-1" strike="noStrike">
+              <a:rPr lang="en-US" sz="1800" b="0" strike="noStrike" spc="-1">
                 <a:latin typeface="Arial"/>
               </a:rPr>
               <a:t>Cập nhật giá theo cung cấp của bên bán hàng</a:t>
             </a:r>
-            <a:endParaRPr b="0" lang="en-US" sz="1800" spc="-1" strike="noStrike">
-              <a:latin typeface="Arial"/>
-            </a:endParaRPr>
           </a:p>
         </p:txBody>
       </p:sp>
@@ -8031,9 +11036,15 @@
           </a:ln>
         </p:spPr>
         <p:style>
-          <a:lnRef idx="0"/>
-          <a:fillRef idx="0"/>
-          <a:effectRef idx="0"/>
+          <a:lnRef idx="0">
+            <a:scrgbClr r="0" g="0" b="0"/>
+          </a:lnRef>
+          <a:fillRef idx="0">
+            <a:scrgbClr r="0" g="0" b="0"/>
+          </a:fillRef>
+          <a:effectRef idx="0">
+            <a:scrgbClr r="0" g="0" b="0"/>
+          </a:effectRef>
           <a:fontRef idx="minor"/>
         </p:style>
       </p:sp>
@@ -8057,15 +11068,22 @@
           </a:ln>
         </p:spPr>
         <p:style>
-          <a:lnRef idx="0"/>
-          <a:fillRef idx="0"/>
-          <a:effectRef idx="0"/>
+          <a:lnRef idx="0">
+            <a:scrgbClr r="0" g="0" b="0"/>
+          </a:lnRef>
+          <a:fillRef idx="0">
+            <a:scrgbClr r="0" g="0" b="0"/>
+          </a:fillRef>
+          <a:effectRef idx="0">
+            <a:scrgbClr r="0" g="0" b="0"/>
+          </a:effectRef>
           <a:fontRef idx="minor"/>
         </p:style>
         <p:txBody>
-          <a:bodyPr lIns="90000" rIns="90000" tIns="45000" bIns="45000">
+          <a:bodyPr lIns="90000" tIns="45000" rIns="90000" bIns="45000">
             <a:spAutoFit/>
           </a:bodyPr>
+          <a:lstStyle/>
           <a:p>
             <a:pPr>
               <a:lnSpc>
@@ -8073,43 +11091,35 @@
               </a:lnSpc>
             </a:pPr>
             <a:r>
-              <a:rPr b="0" lang="en-US" sz="1800" spc="-1" strike="noStrike">
+              <a:rPr lang="en-US" sz="1800" b="0" strike="noStrike" spc="-1">
                 <a:latin typeface="Arial"/>
               </a:rPr>
               <a:t>Không đảm bảo gợi ý dựa trên chất lượng và uy tín</a:t>
             </a:r>
-            <a:endParaRPr b="0" lang="en-US" sz="1800" spc="-1" strike="noStrike">
-              <a:latin typeface="Arial"/>
-            </a:endParaRPr>
           </a:p>
         </p:txBody>
       </p:sp>
     </p:spTree>
   </p:cSld>
-  <mc:AlternateContent>
-    <mc:Choice Requires="p14">
-      <p:transition spd="slow" p14:dur="2000"/>
-    </mc:Choice>
-    <mc:Fallback>
-      <p:transition spd="slow"/>
-    </mc:Fallback>
-  </mc:AlternateContent>
+  <p:clrMapOvr>
+    <a:masterClrMapping/>
+  </p:clrMapOvr>
   <p:timing>
     <p:tnLst>
       <p:par>
-        <p:cTn id="11" dur="indefinite" restart="never" nodeType="tmRoot">
+        <p:cTn id="1" dur="indefinite" restart="never" nodeType="tmRoot">
           <p:childTnLst>
             <p:seq>
-              <p:cTn id="12" dur="indefinite" nodeType="mainSeq"/>
+              <p:cTn id="2" dur="indefinite" nodeType="mainSeq"/>
               <p:prevCondLst>
-                <p:cond delay="0" evt="onPrev">
+                <p:cond evt="onPrev" delay="0">
                   <p:tgtEl>
                     <p:sldTgt/>
                   </p:tgtEl>
                 </p:cond>
               </p:prevCondLst>
               <p:nextCondLst>
-                <p:cond delay="0" evt="onNext">
+                <p:cond evt="onNext" delay="0">
                   <p:tgtEl>
                     <p:sldTgt/>
                   </p:tgtEl>
@@ -8125,7 +11135,7 @@
 </file>
 
 <file path=ppt/slides/slide7.xml><?xml version="1.0" encoding="utf-8"?>
-<p:sld xmlns:a="http://schemas.openxmlformats.org/drawingml/2006/main" xmlns:p="http://schemas.openxmlformats.org/presentationml/2006/main" xmlns:r="http://schemas.openxmlformats.org/officeDocument/2006/relationships" xmlns:p14="http://schemas.microsoft.com/office/powerpoint/2010/main" xmlns:p15="http://schemas.microsoft.com/office/powerpoint/2012/main" xmlns:mc="http://schemas.openxmlformats.org/markup-compatibility/2006">
+<p:sld xmlns:a="http://schemas.openxmlformats.org/drawingml/2006/main" xmlns:r="http://schemas.openxmlformats.org/officeDocument/2006/relationships" xmlns:p="http://schemas.openxmlformats.org/presentationml/2006/main">
   <p:cSld>
     <p:spTree>
       <p:nvGrpSpPr>
@@ -8161,15 +11171,22 @@
           </a:ln>
         </p:spPr>
         <p:style>
-          <a:lnRef idx="0"/>
-          <a:fillRef idx="0"/>
-          <a:effectRef idx="0"/>
+          <a:lnRef idx="0">
+            <a:scrgbClr r="0" g="0" b="0"/>
+          </a:lnRef>
+          <a:fillRef idx="0">
+            <a:scrgbClr r="0" g="0" b="0"/>
+          </a:fillRef>
+          <a:effectRef idx="0">
+            <a:scrgbClr r="0" g="0" b="0"/>
+          </a:effectRef>
           <a:fontRef idx="minor"/>
         </p:style>
         <p:txBody>
-          <a:bodyPr lIns="0" rIns="0" tIns="0" bIns="0" anchor="ctr">
+          <a:bodyPr lIns="0" tIns="0" rIns="0" bIns="0" anchor="ctr">
             <a:spAutoFit/>
           </a:bodyPr>
+          <a:lstStyle/>
           <a:p>
             <a:pPr>
               <a:lnSpc>
@@ -8177,16 +11194,16 @@
               </a:lnSpc>
             </a:pPr>
             <a:r>
-              <a:rPr b="0" lang="en-US" sz="4400" spc="-1" strike="noStrike">
-                <a:solidFill>
-                  <a:srgbClr val="c7243a"/>
+              <a:rPr lang="en-US" sz="4400" b="0" strike="noStrike" spc="-1">
+                <a:solidFill>
+                  <a:srgbClr val="C7243A"/>
                 </a:solidFill>
                 <a:latin typeface="Arial"/>
                 <a:ea typeface="DejaVu Sans"/>
               </a:rPr>
               <a:t>SẢN PHẨM THỰC HIỆN</a:t>
             </a:r>
-            <a:endParaRPr b="0" lang="en-US" sz="4400" spc="-1" strike="noStrike">
+            <a:endParaRPr lang="en-US" sz="4400" b="0" strike="noStrike" spc="-1">
               <a:latin typeface="Arial"/>
             </a:endParaRPr>
           </a:p>
@@ -8207,6 +11224,7 @@
             <a:avLst/>
             <a:gdLst/>
             <a:ahLst/>
+            <a:cxnLst/>
             <a:rect l="l" t="t" r="r" b="b"/>
             <a:pathLst>
               <a:path w="3304" h="8130">
@@ -8232,24 +11250,31 @@
             </a:pathLst>
           </a:custGeom>
           <a:solidFill>
-            <a:srgbClr val="729fcf"/>
+            <a:srgbClr val="729FCF"/>
           </a:solidFill>
           <a:ln>
             <a:solidFill>
-              <a:srgbClr val="3465a4"/>
+              <a:srgbClr val="3465A4"/>
             </a:solidFill>
           </a:ln>
         </p:spPr>
         <p:style>
-          <a:lnRef idx="0"/>
-          <a:fillRef idx="0"/>
-          <a:effectRef idx="0"/>
+          <a:lnRef idx="0">
+            <a:scrgbClr r="0" g="0" b="0"/>
+          </a:lnRef>
+          <a:fillRef idx="0">
+            <a:scrgbClr r="0" g="0" b="0"/>
+          </a:fillRef>
+          <a:effectRef idx="0">
+            <a:scrgbClr r="0" g="0" b="0"/>
+          </a:effectRef>
           <a:fontRef idx="minor"/>
         </p:style>
         <p:txBody>
-          <a:bodyPr wrap="none" lIns="90000" rIns="90000" tIns="45000" bIns="45000" anchor="ctr">
+          <a:bodyPr wrap="none" lIns="90000" tIns="45000" rIns="90000" bIns="45000" anchor="ctr">
             <a:noAutofit/>
           </a:bodyPr>
+          <a:lstStyle/>
           <a:p>
             <a:pPr algn="ctr">
               <a:lnSpc>
@@ -8257,7 +11282,7 @@
               </a:lnSpc>
             </a:pPr>
             <a:r>
-              <a:rPr b="0" lang="en-US" sz="1800" spc="-1" strike="noStrike">
+              <a:rPr lang="en-US" sz="1800" b="0" strike="noStrike" spc="-1">
                 <a:solidFill>
                   <a:srgbClr val="000000"/>
                 </a:solidFill>
@@ -8266,7 +11291,7 @@
               </a:rPr>
               <a:t>TÍNH </a:t>
             </a:r>
-            <a:endParaRPr b="0" lang="en-US" sz="1800" spc="-1" strike="noStrike">
+            <a:endParaRPr lang="en-US" sz="1800" b="0" strike="noStrike" spc="-1">
               <a:latin typeface="Arial"/>
             </a:endParaRPr>
           </a:p>
@@ -8277,7 +11302,7 @@
               </a:lnSpc>
             </a:pPr>
             <a:r>
-              <a:rPr b="0" lang="en-US" sz="1800" spc="-1" strike="noStrike">
+              <a:rPr lang="en-US" sz="1800" b="0" strike="noStrike" spc="-1">
                 <a:solidFill>
                   <a:srgbClr val="000000"/>
                 </a:solidFill>
@@ -8286,7 +11311,7 @@
               </a:rPr>
               <a:t>NĂNG</a:t>
             </a:r>
-            <a:endParaRPr b="0" lang="en-US" sz="1800" spc="-1" strike="noStrike">
+            <a:endParaRPr lang="en-US" sz="1800" b="0" strike="noStrike" spc="-1">
               <a:latin typeface="Arial"/>
             </a:endParaRPr>
           </a:p>
@@ -8307,24 +11332,31 @@
             <a:avLst/>
           </a:prstGeom>
           <a:solidFill>
-            <a:srgbClr val="81aca6"/>
+            <a:srgbClr val="81ACA6"/>
           </a:solidFill>
           <a:ln>
             <a:solidFill>
-              <a:srgbClr val="3465a4"/>
+              <a:srgbClr val="3465A4"/>
             </a:solidFill>
           </a:ln>
         </p:spPr>
         <p:style>
-          <a:lnRef idx="0"/>
-          <a:fillRef idx="0"/>
-          <a:effectRef idx="0"/>
+          <a:lnRef idx="0">
+            <a:scrgbClr r="0" g="0" b="0"/>
+          </a:lnRef>
+          <a:fillRef idx="0">
+            <a:scrgbClr r="0" g="0" b="0"/>
+          </a:fillRef>
+          <a:effectRef idx="0">
+            <a:scrgbClr r="0" g="0" b="0"/>
+          </a:effectRef>
           <a:fontRef idx="minor"/>
         </p:style>
         <p:txBody>
-          <a:bodyPr wrap="none" lIns="90000" rIns="90000" tIns="45000" bIns="45000" anchor="ctr">
+          <a:bodyPr wrap="none" lIns="90000" tIns="45000" rIns="90000" bIns="45000" anchor="ctr">
             <a:noAutofit/>
           </a:bodyPr>
+          <a:lstStyle/>
           <a:p>
             <a:pPr algn="ctr">
               <a:lnSpc>
@@ -8332,16 +11364,176 @@
               </a:lnSpc>
             </a:pPr>
             <a:r>
-              <a:rPr b="0" lang="en-US" sz="1800" spc="-1" strike="noStrike">
+              <a:rPr lang="en-US" sz="1800" b="0" strike="noStrike" spc="-1" dirty="0" err="1">
                 <a:solidFill>
                   <a:srgbClr val="000000"/>
                 </a:solidFill>
                 <a:latin typeface="Arial"/>
                 <a:ea typeface="DejaVu Sans"/>
               </a:rPr>
-              <a:t>Tìm kiếm danh sách sản phẩm theo từ khóa</a:t>
-            </a:r>
-            <a:endParaRPr b="0" lang="en-US" sz="1800" spc="-1" strike="noStrike">
+              <a:t>Tìm</a:t>
+            </a:r>
+            <a:r>
+              <a:rPr lang="en-US" sz="1800" b="0" strike="noStrike" spc="-1" dirty="0">
+                <a:solidFill>
+                  <a:srgbClr val="000000"/>
+                </a:solidFill>
+                <a:latin typeface="Arial"/>
+                <a:ea typeface="DejaVu Sans"/>
+              </a:rPr>
+              <a:t> </a:t>
+            </a:r>
+            <a:r>
+              <a:rPr lang="en-US" sz="1800" b="0" strike="noStrike" spc="-1" dirty="0" err="1">
+                <a:solidFill>
+                  <a:srgbClr val="000000"/>
+                </a:solidFill>
+                <a:latin typeface="Arial"/>
+                <a:ea typeface="DejaVu Sans"/>
+              </a:rPr>
+              <a:t>kiếm</a:t>
+            </a:r>
+            <a:r>
+              <a:rPr lang="en-US" sz="1800" b="0" strike="noStrike" spc="-1" dirty="0">
+                <a:solidFill>
+                  <a:srgbClr val="000000"/>
+                </a:solidFill>
+                <a:latin typeface="Arial"/>
+                <a:ea typeface="DejaVu Sans"/>
+              </a:rPr>
+              <a:t> </a:t>
+            </a:r>
+            <a:r>
+              <a:rPr lang="en-US" sz="1800" b="0" strike="noStrike" spc="-1" dirty="0" err="1">
+                <a:solidFill>
+                  <a:srgbClr val="000000"/>
+                </a:solidFill>
+                <a:latin typeface="Arial"/>
+                <a:ea typeface="DejaVu Sans"/>
+              </a:rPr>
+              <a:t>danh</a:t>
+            </a:r>
+            <a:r>
+              <a:rPr lang="en-US" sz="1800" b="0" strike="noStrike" spc="-1" dirty="0">
+                <a:solidFill>
+                  <a:srgbClr val="000000"/>
+                </a:solidFill>
+                <a:latin typeface="Arial"/>
+                <a:ea typeface="DejaVu Sans"/>
+              </a:rPr>
+              <a:t> </a:t>
+            </a:r>
+            <a:r>
+              <a:rPr lang="en-US" sz="1800" b="0" strike="noStrike" spc="-1" dirty="0" err="1">
+                <a:solidFill>
+                  <a:srgbClr val="000000"/>
+                </a:solidFill>
+                <a:latin typeface="Arial"/>
+                <a:ea typeface="DejaVu Sans"/>
+              </a:rPr>
+              <a:t>sách</a:t>
+            </a:r>
+            <a:r>
+              <a:rPr lang="en-US" sz="1800" b="0" strike="noStrike" spc="-1" dirty="0">
+                <a:solidFill>
+                  <a:srgbClr val="000000"/>
+                </a:solidFill>
+                <a:latin typeface="Arial"/>
+                <a:ea typeface="DejaVu Sans"/>
+              </a:rPr>
+              <a:t> </a:t>
+            </a:r>
+            <a:r>
+              <a:rPr lang="en-US" sz="1800" b="0" strike="noStrike" spc="-1" dirty="0" err="1">
+                <a:solidFill>
+                  <a:srgbClr val="000000"/>
+                </a:solidFill>
+                <a:latin typeface="Arial"/>
+                <a:ea typeface="DejaVu Sans"/>
+              </a:rPr>
+              <a:t>sản</a:t>
+            </a:r>
+            <a:r>
+              <a:rPr lang="en-US" sz="1800" b="0" strike="noStrike" spc="-1" dirty="0">
+                <a:solidFill>
+                  <a:srgbClr val="000000"/>
+                </a:solidFill>
+                <a:latin typeface="Arial"/>
+                <a:ea typeface="DejaVu Sans"/>
+              </a:rPr>
+              <a:t> </a:t>
+            </a:r>
+            <a:r>
+              <a:rPr lang="en-US" sz="1800" b="0" strike="noStrike" spc="-1" dirty="0" err="1">
+                <a:solidFill>
+                  <a:srgbClr val="000000"/>
+                </a:solidFill>
+                <a:latin typeface="Arial"/>
+                <a:ea typeface="DejaVu Sans"/>
+              </a:rPr>
+              <a:t>phẩm</a:t>
+            </a:r>
+            <a:r>
+              <a:rPr lang="en-US" sz="1800" b="0" strike="noStrike" spc="-1" dirty="0">
+                <a:solidFill>
+                  <a:srgbClr val="000000"/>
+                </a:solidFill>
+                <a:latin typeface="Arial"/>
+                <a:ea typeface="DejaVu Sans"/>
+              </a:rPr>
+              <a:t> </a:t>
+            </a:r>
+            <a:r>
+              <a:rPr lang="en-US" sz="1800" b="0" strike="noStrike" spc="-1" dirty="0" err="1">
+                <a:solidFill>
+                  <a:srgbClr val="000000"/>
+                </a:solidFill>
+                <a:latin typeface="Arial"/>
+                <a:ea typeface="DejaVu Sans"/>
+              </a:rPr>
+              <a:t>theo</a:t>
+            </a:r>
+            <a:r>
+              <a:rPr lang="en-US" sz="1800" b="0" strike="noStrike" spc="-1" dirty="0">
+                <a:solidFill>
+                  <a:srgbClr val="000000"/>
+                </a:solidFill>
+                <a:latin typeface="Arial"/>
+                <a:ea typeface="DejaVu Sans"/>
+              </a:rPr>
+              <a:t> </a:t>
+            </a:r>
+            <a:r>
+              <a:rPr lang="en-US" sz="1800" b="0" strike="noStrike" spc="-1" dirty="0" err="1">
+                <a:solidFill>
+                  <a:srgbClr val="000000"/>
+                </a:solidFill>
+                <a:latin typeface="Arial"/>
+                <a:ea typeface="DejaVu Sans"/>
+              </a:rPr>
+              <a:t>từ</a:t>
+            </a:r>
+            <a:r>
+              <a:rPr lang="en-US" sz="1800" b="0" strike="noStrike" spc="-1" dirty="0">
+                <a:solidFill>
+                  <a:srgbClr val="000000"/>
+                </a:solidFill>
+                <a:latin typeface="Arial"/>
+                <a:ea typeface="DejaVu Sans"/>
+              </a:rPr>
+              <a:t> </a:t>
+            </a:r>
+            <a:r>
+              <a:rPr lang="en-US" sz="1800" b="0" strike="noStrike" spc="-1" dirty="0" err="1">
+                <a:solidFill>
+                  <a:srgbClr val="000000"/>
+                </a:solidFill>
+                <a:latin typeface="Arial"/>
+                <a:ea typeface="DejaVu Sans"/>
+              </a:rPr>
+              <a:t>khóa</a:t>
+            </a:r>
+            <a:endParaRPr lang="en-US" sz="1800" b="0" strike="noStrike" spc="-1" dirty="0">
               <a:latin typeface="Arial"/>
             </a:endParaRPr>
           </a:p>
@@ -8366,20 +11558,27 @@
           </a:solidFill>
           <a:ln>
             <a:solidFill>
-              <a:srgbClr val="3465a4"/>
+              <a:srgbClr val="3465A4"/>
             </a:solidFill>
           </a:ln>
         </p:spPr>
         <p:style>
-          <a:lnRef idx="0"/>
-          <a:fillRef idx="0"/>
-          <a:effectRef idx="0"/>
+          <a:lnRef idx="0">
+            <a:scrgbClr r="0" g="0" b="0"/>
+          </a:lnRef>
+          <a:fillRef idx="0">
+            <a:scrgbClr r="0" g="0" b="0"/>
+          </a:fillRef>
+          <a:effectRef idx="0">
+            <a:scrgbClr r="0" g="0" b="0"/>
+          </a:effectRef>
           <a:fontRef idx="minor"/>
         </p:style>
         <p:txBody>
-          <a:bodyPr wrap="none" lIns="90000" rIns="90000" tIns="45000" bIns="45000" anchor="ctr">
+          <a:bodyPr wrap="none" lIns="90000" tIns="45000" rIns="90000" bIns="45000" anchor="ctr">
             <a:noAutofit/>
           </a:bodyPr>
+          <a:lstStyle/>
           <a:p>
             <a:pPr algn="ctr">
               <a:lnSpc>
@@ -8387,16 +11586,229 @@
               </a:lnSpc>
             </a:pPr>
             <a:r>
-              <a:rPr b="0" lang="en-US" sz="1800" spc="-1" strike="noStrike">
-                <a:solidFill>
-                  <a:srgbClr val="000000"/>
-                </a:solidFill>
-                <a:latin typeface="Arial"/>
-                <a:ea typeface="DejaVu Sans"/>
-              </a:rPr>
-              <a:t>So sánh giá các nơi bán và đưa ra gợi ý giá tốt</a:t>
-            </a:r>
-            <a:endParaRPr b="0" lang="en-US" sz="1800" spc="-1" strike="noStrike">
+              <a:rPr lang="en-US" sz="1800" b="0" strike="noStrike" spc="-1" dirty="0">
+                <a:solidFill>
+                  <a:schemeClr val="bg1"/>
+                </a:solidFill>
+                <a:latin typeface="Arial"/>
+                <a:ea typeface="DejaVu Sans"/>
+              </a:rPr>
+              <a:t>So </a:t>
+            </a:r>
+            <a:r>
+              <a:rPr lang="en-US" sz="1800" b="0" strike="noStrike" spc="-1" dirty="0" err="1">
+                <a:solidFill>
+                  <a:schemeClr val="bg1"/>
+                </a:solidFill>
+                <a:latin typeface="Arial"/>
+                <a:ea typeface="DejaVu Sans"/>
+              </a:rPr>
+              <a:t>sánh</a:t>
+            </a:r>
+            <a:r>
+              <a:rPr lang="en-US" sz="1800" b="0" strike="noStrike" spc="-1" dirty="0">
+                <a:solidFill>
+                  <a:schemeClr val="bg1"/>
+                </a:solidFill>
+                <a:latin typeface="Arial"/>
+                <a:ea typeface="DejaVu Sans"/>
+              </a:rPr>
+              <a:t> </a:t>
+            </a:r>
+            <a:r>
+              <a:rPr lang="en-US" sz="1800" b="0" strike="noStrike" spc="-1" dirty="0" err="1">
+                <a:solidFill>
+                  <a:schemeClr val="bg1"/>
+                </a:solidFill>
+                <a:latin typeface="Arial"/>
+                <a:ea typeface="DejaVu Sans"/>
+              </a:rPr>
+              <a:t>giá</a:t>
+            </a:r>
+            <a:r>
+              <a:rPr lang="en-US" sz="1800" b="0" strike="noStrike" spc="-1" dirty="0">
+                <a:solidFill>
+                  <a:schemeClr val="bg1"/>
+                </a:solidFill>
+                <a:latin typeface="Arial"/>
+                <a:ea typeface="DejaVu Sans"/>
+              </a:rPr>
+              <a:t> </a:t>
+            </a:r>
+            <a:r>
+              <a:rPr lang="en-US" sz="1800" b="0" strike="noStrike" spc="-1" dirty="0" err="1">
+                <a:solidFill>
+                  <a:schemeClr val="bg1"/>
+                </a:solidFill>
+                <a:latin typeface="Arial"/>
+                <a:ea typeface="DejaVu Sans"/>
+              </a:rPr>
+              <a:t>các</a:t>
+            </a:r>
+            <a:r>
+              <a:rPr lang="en-US" sz="1800" b="0" strike="noStrike" spc="-1" dirty="0">
+                <a:solidFill>
+                  <a:schemeClr val="bg1"/>
+                </a:solidFill>
+                <a:latin typeface="Arial"/>
+                <a:ea typeface="DejaVu Sans"/>
+              </a:rPr>
+              <a:t> </a:t>
+            </a:r>
+            <a:r>
+              <a:rPr lang="en-US" sz="1800" b="0" strike="noStrike" spc="-1" dirty="0" err="1">
+                <a:solidFill>
+                  <a:schemeClr val="bg1"/>
+                </a:solidFill>
+                <a:latin typeface="Arial"/>
+                <a:ea typeface="DejaVu Sans"/>
+              </a:rPr>
+              <a:t>nơi</a:t>
+            </a:r>
+            <a:r>
+              <a:rPr lang="en-US" sz="1800" b="0" strike="noStrike" spc="-1" dirty="0">
+                <a:solidFill>
+                  <a:schemeClr val="bg1"/>
+                </a:solidFill>
+                <a:latin typeface="Arial"/>
+                <a:ea typeface="DejaVu Sans"/>
+              </a:rPr>
+              <a:t> </a:t>
+            </a:r>
+            <a:r>
+              <a:rPr lang="en-US" sz="1800" b="0" strike="noStrike" spc="-1" dirty="0" err="1">
+                <a:solidFill>
+                  <a:schemeClr val="bg1"/>
+                </a:solidFill>
+                <a:latin typeface="Arial"/>
+                <a:ea typeface="DejaVu Sans"/>
+              </a:rPr>
+              <a:t>bán</a:t>
+            </a:r>
+            <a:r>
+              <a:rPr lang="en-US" sz="1800" b="0" strike="noStrike" spc="-1" dirty="0">
+                <a:solidFill>
+                  <a:schemeClr val="bg1"/>
+                </a:solidFill>
+                <a:latin typeface="Arial"/>
+                <a:ea typeface="DejaVu Sans"/>
+              </a:rPr>
+              <a:t> </a:t>
+            </a:r>
+            <a:r>
+              <a:rPr lang="en-US" sz="1800" b="0" strike="noStrike" spc="-1" dirty="0" err="1">
+                <a:solidFill>
+                  <a:schemeClr val="bg1"/>
+                </a:solidFill>
+                <a:latin typeface="Arial"/>
+                <a:ea typeface="DejaVu Sans"/>
+              </a:rPr>
+              <a:t>và</a:t>
+            </a:r>
+            <a:r>
+              <a:rPr lang="en-US" sz="1800" b="0" strike="noStrike" spc="-1" dirty="0">
+                <a:solidFill>
+                  <a:schemeClr val="bg1"/>
+                </a:solidFill>
+                <a:latin typeface="Arial"/>
+                <a:ea typeface="DejaVu Sans"/>
+              </a:rPr>
+              <a:t> </a:t>
+            </a:r>
+            <a:r>
+              <a:rPr lang="en-US" sz="1800" b="0" strike="noStrike" spc="-1" dirty="0" err="1">
+                <a:solidFill>
+                  <a:schemeClr val="bg1"/>
+                </a:solidFill>
+                <a:latin typeface="Arial"/>
+                <a:ea typeface="DejaVu Sans"/>
+              </a:rPr>
+              <a:t>đưa</a:t>
+            </a:r>
+            <a:r>
+              <a:rPr lang="en-US" sz="1800" b="0" strike="noStrike" spc="-1" dirty="0">
+                <a:solidFill>
+                  <a:schemeClr val="bg1"/>
+                </a:solidFill>
+                <a:latin typeface="Arial"/>
+                <a:ea typeface="DejaVu Sans"/>
+              </a:rPr>
+              <a:t> ra </a:t>
+            </a:r>
+            <a:r>
+              <a:rPr lang="en-US" sz="1800" b="0" strike="noStrike" spc="-1" dirty="0" err="1">
+                <a:solidFill>
+                  <a:schemeClr val="bg1"/>
+                </a:solidFill>
+                <a:latin typeface="Arial"/>
+                <a:ea typeface="DejaVu Sans"/>
+              </a:rPr>
+              <a:t>gợi</a:t>
+            </a:r>
+            <a:r>
+              <a:rPr lang="en-US" sz="1800" b="0" strike="noStrike" spc="-1" dirty="0">
+                <a:solidFill>
+                  <a:schemeClr val="bg1"/>
+                </a:solidFill>
+                <a:latin typeface="Arial"/>
+                <a:ea typeface="DejaVu Sans"/>
+              </a:rPr>
+              <a:t> ý </a:t>
+            </a:r>
+            <a:r>
+              <a:rPr lang="en-US" sz="1800" b="0" strike="noStrike" spc="-1" dirty="0" err="1">
+                <a:solidFill>
+                  <a:schemeClr val="bg1"/>
+                </a:solidFill>
+                <a:latin typeface="Arial"/>
+                <a:ea typeface="DejaVu Sans"/>
+              </a:rPr>
+              <a:t>giá</a:t>
+            </a:r>
+            <a:r>
+              <a:rPr lang="en-US" sz="1800" b="0" strike="noStrike" spc="-1" dirty="0">
+                <a:solidFill>
+                  <a:schemeClr val="bg1"/>
+                </a:solidFill>
+                <a:latin typeface="Arial"/>
+                <a:ea typeface="DejaVu Sans"/>
+              </a:rPr>
+              <a:t> </a:t>
+            </a:r>
+            <a:r>
+              <a:rPr lang="en-US" sz="1800" b="0" strike="noStrike" spc="-1" dirty="0" err="1">
+                <a:solidFill>
+                  <a:schemeClr val="bg1"/>
+                </a:solidFill>
+                <a:latin typeface="Arial"/>
+                <a:ea typeface="DejaVu Sans"/>
+              </a:rPr>
+              <a:t>tốt</a:t>
+            </a:r>
+            <a:r>
+              <a:rPr lang="en-US" sz="1800" b="0" strike="noStrike" spc="-1" dirty="0">
+                <a:solidFill>
+                  <a:schemeClr val="bg1"/>
+                </a:solidFill>
+                <a:latin typeface="Arial"/>
+                <a:ea typeface="DejaVu Sans"/>
+              </a:rPr>
+              <a:t> </a:t>
+            </a:r>
+            <a:r>
+              <a:rPr lang="en-US" sz="1800" b="0" strike="noStrike" spc="-1" dirty="0" err="1">
+                <a:solidFill>
+                  <a:schemeClr val="bg1"/>
+                </a:solidFill>
+                <a:latin typeface="Arial"/>
+                <a:ea typeface="DejaVu Sans"/>
+              </a:rPr>
+              <a:t>nhất</a:t>
+            </a:r>
+            <a:endParaRPr lang="en-US" sz="1800" b="0" strike="noStrike" spc="-1" dirty="0">
+              <a:solidFill>
+                <a:schemeClr val="bg1"/>
+              </a:solidFill>
               <a:latin typeface="Arial"/>
             </a:endParaRPr>
           </a:p>
@@ -8404,30 +11816,25 @@
       </p:sp>
     </p:spTree>
   </p:cSld>
-  <mc:AlternateContent>
-    <mc:Choice Requires="p14">
-      <p:transition spd="slow" p14:dur="2000"/>
-    </mc:Choice>
-    <mc:Fallback>
-      <p:transition spd="slow"/>
-    </mc:Fallback>
-  </mc:AlternateContent>
+  <p:clrMapOvr>
+    <a:masterClrMapping/>
+  </p:clrMapOvr>
   <p:timing>
     <p:tnLst>
       <p:par>
-        <p:cTn id="13" dur="indefinite" restart="never" nodeType="tmRoot">
+        <p:cTn id="1" dur="indefinite" restart="never" nodeType="tmRoot">
           <p:childTnLst>
             <p:seq>
-              <p:cTn id="14" dur="indefinite" nodeType="mainSeq"/>
+              <p:cTn id="2" dur="indefinite" nodeType="mainSeq"/>
               <p:prevCondLst>
-                <p:cond delay="0" evt="onPrev">
+                <p:cond evt="onPrev" delay="0">
                   <p:tgtEl>
                     <p:sldTgt/>
                   </p:tgtEl>
                 </p:cond>
               </p:prevCondLst>
               <p:nextCondLst>
-                <p:cond delay="0" evt="onNext">
+                <p:cond evt="onNext" delay="0">
                   <p:tgtEl>
                     <p:sldTgt/>
                   </p:tgtEl>
@@ -8443,7 +11850,7 @@
 </file>
 
 <file path=ppt/slides/slide8.xml><?xml version="1.0" encoding="utf-8"?>
-<p:sld xmlns:a="http://schemas.openxmlformats.org/drawingml/2006/main" xmlns:p="http://schemas.openxmlformats.org/presentationml/2006/main" xmlns:r="http://schemas.openxmlformats.org/officeDocument/2006/relationships" xmlns:p14="http://schemas.microsoft.com/office/powerpoint/2010/main" xmlns:p15="http://schemas.microsoft.com/office/powerpoint/2012/main" xmlns:mc="http://schemas.openxmlformats.org/markup-compatibility/2006">
+<p:sld xmlns:a="http://schemas.openxmlformats.org/drawingml/2006/main" xmlns:r="http://schemas.openxmlformats.org/officeDocument/2006/relationships" xmlns:p="http://schemas.openxmlformats.org/presentationml/2006/main">
   <p:cSld>
     <p:spTree>
       <p:nvGrpSpPr>
@@ -8467,7 +11874,7 @@
         </p:nvSpPr>
         <p:spPr>
           <a:xfrm>
-            <a:off x="504000" y="703080"/>
+            <a:off x="204660" y="445173"/>
             <a:ext cx="9070920" cy="670680"/>
           </a:xfrm>
           <a:prstGeom prst="rect">
@@ -8479,15 +11886,22 @@
           </a:ln>
         </p:spPr>
         <p:style>
-          <a:lnRef idx="0"/>
-          <a:fillRef idx="0"/>
-          <a:effectRef idx="0"/>
+          <a:lnRef idx="0">
+            <a:scrgbClr r="0" g="0" b="0"/>
+          </a:lnRef>
+          <a:fillRef idx="0">
+            <a:scrgbClr r="0" g="0" b="0"/>
+          </a:fillRef>
+          <a:effectRef idx="0">
+            <a:scrgbClr r="0" g="0" b="0"/>
+          </a:effectRef>
           <a:fontRef idx="minor"/>
         </p:style>
         <p:txBody>
-          <a:bodyPr lIns="0" rIns="0" tIns="0" bIns="0" anchor="ctr">
+          <a:bodyPr lIns="0" tIns="0" rIns="0" bIns="0" anchor="ctr">
             <a:spAutoFit/>
           </a:bodyPr>
+          <a:lstStyle/>
           <a:p>
             <a:pPr>
               <a:lnSpc>
@@ -8495,16 +11909,16 @@
               </a:lnSpc>
             </a:pPr>
             <a:r>
-              <a:rPr b="0" lang="en-US" sz="4400" spc="-1" strike="noStrike">
-                <a:solidFill>
-                  <a:srgbClr val="c7243a"/>
+              <a:rPr lang="en-US" sz="4400" b="0" strike="noStrike" spc="-1" dirty="0">
+                <a:solidFill>
+                  <a:srgbClr val="C7243A"/>
                 </a:solidFill>
                 <a:latin typeface="Arial"/>
                 <a:ea typeface="DejaVu Sans"/>
               </a:rPr>
               <a:t>GIAO DIỆN CHÍNH</a:t>
             </a:r>
-            <a:endParaRPr b="0" lang="en-US" sz="4400" spc="-1" strike="noStrike">
+            <a:endParaRPr lang="en-US" sz="4400" b="0" strike="noStrike" spc="-1" dirty="0">
               <a:latin typeface="Arial"/>
             </a:endParaRPr>
           </a:p>
@@ -8512,53 +11926,100 @@
       </p:sp>
       <p:pic>
         <p:nvPicPr>
-          <p:cNvPr id="156" name="" descr=""/>
+          <p:cNvPr id="156" name="Picture 155"/>
           <p:cNvPicPr/>
           <p:nvPr/>
         </p:nvPicPr>
         <p:blipFill>
-          <a:blip r:embed="rId1"/>
+          <a:blip r:embed="rId2"/>
           <a:stretch/>
         </p:blipFill>
         <p:spPr>
           <a:xfrm>
-            <a:off x="1737360" y="1737360"/>
+            <a:off x="2037552" y="1779221"/>
             <a:ext cx="6005520" cy="3262680"/>
           </a:xfrm>
           <a:prstGeom prst="rect">
             <a:avLst/>
           </a:prstGeom>
-          <a:ln>
-            <a:noFill/>
-          </a:ln>
-        </p:spPr>
+          <a:ln/>
+        </p:spPr>
+        <p:style>
+          <a:lnRef idx="1">
+            <a:schemeClr val="accent1"/>
+          </a:lnRef>
+          <a:fillRef idx="2">
+            <a:schemeClr val="accent1"/>
+          </a:fillRef>
+          <a:effectRef idx="1">
+            <a:schemeClr val="accent1"/>
+          </a:effectRef>
+          <a:fontRef idx="minor">
+            <a:schemeClr val="dk1"/>
+          </a:fontRef>
+        </p:style>
       </p:pic>
+      <p:sp>
+        <p:nvSpPr>
+          <p:cNvPr id="2" name="TextBox 1">
+            <a:extLst>
+              <a:ext uri="{FF2B5EF4-FFF2-40B4-BE49-F238E27FC236}">
+                <a16:creationId xmlns:a16="http://schemas.microsoft.com/office/drawing/2014/main" id="{617656DB-70B6-4A19-BB52-FFE55FE16941}"/>
+              </a:ext>
+            </a:extLst>
+          </p:cNvPr>
+          <p:cNvSpPr txBox="1"/>
+          <p:nvPr/>
+        </p:nvSpPr>
+        <p:spPr>
+          <a:xfrm>
+            <a:off x="506437" y="1108541"/>
+            <a:ext cx="2461846" cy="523220"/>
+          </a:xfrm>
+          <a:prstGeom prst="rect">
+            <a:avLst/>
+          </a:prstGeom>
+          <a:noFill/>
+        </p:spPr>
+        <p:txBody>
+          <a:bodyPr wrap="square" rtlCol="0">
+            <a:spAutoFit/>
+          </a:bodyPr>
+          <a:lstStyle/>
+          <a:p>
+            <a:r>
+              <a:rPr lang="en-US" sz="2800" dirty="0"/>
+              <a:t>Trang </a:t>
+            </a:r>
+            <a:r>
+              <a:rPr lang="en-US" sz="2800" dirty="0" err="1"/>
+              <a:t>chủ</a:t>
+            </a:r>
+            <a:endParaRPr lang="en-US" sz="2800" dirty="0"/>
+          </a:p>
+        </p:txBody>
+      </p:sp>
     </p:spTree>
   </p:cSld>
-  <mc:AlternateContent>
-    <mc:Choice Requires="p14">
-      <p:transition spd="slow" p14:dur="2000"/>
-    </mc:Choice>
-    <mc:Fallback>
-      <p:transition spd="slow"/>
-    </mc:Fallback>
-  </mc:AlternateContent>
+  <p:clrMapOvr>
+    <a:masterClrMapping/>
+  </p:clrMapOvr>
   <p:timing>
     <p:tnLst>
       <p:par>
-        <p:cTn id="15" dur="indefinite" restart="never" nodeType="tmRoot">
+        <p:cTn id="1" dur="indefinite" restart="never" nodeType="tmRoot">
           <p:childTnLst>
             <p:seq>
-              <p:cTn id="16" dur="indefinite" nodeType="mainSeq"/>
+              <p:cTn id="2" dur="indefinite" nodeType="mainSeq"/>
               <p:prevCondLst>
-                <p:cond delay="0" evt="onPrev">
+                <p:cond evt="onPrev" delay="0">
                   <p:tgtEl>
                     <p:sldTgt/>
                   </p:tgtEl>
                 </p:cond>
               </p:prevCondLst>
               <p:nextCondLst>
-                <p:cond delay="0" evt="onNext">
+                <p:cond evt="onNext" delay="0">
                   <p:tgtEl>
                     <p:sldTgt/>
                   </p:tgtEl>
@@ -8574,7 +12035,7 @@
 </file>
 
 <file path=ppt/slides/slide9.xml><?xml version="1.0" encoding="utf-8"?>
-<p:sld xmlns:a="http://schemas.openxmlformats.org/drawingml/2006/main" xmlns:p="http://schemas.openxmlformats.org/presentationml/2006/main" xmlns:r="http://schemas.openxmlformats.org/officeDocument/2006/relationships" xmlns:p14="http://schemas.microsoft.com/office/powerpoint/2010/main" xmlns:p15="http://schemas.microsoft.com/office/powerpoint/2012/main" xmlns:mc="http://schemas.openxmlformats.org/markup-compatibility/2006">
+<p:sld xmlns:a="http://schemas.openxmlformats.org/drawingml/2006/main" xmlns:r="http://schemas.openxmlformats.org/officeDocument/2006/relationships" xmlns:p="http://schemas.openxmlformats.org/presentationml/2006/main">
   <p:cSld>
     <p:spTree>
       <p:nvGrpSpPr>
@@ -8598,7 +12059,7 @@
         </p:nvSpPr>
         <p:spPr>
           <a:xfrm>
-            <a:off x="504000" y="703080"/>
+            <a:off x="246093" y="397450"/>
             <a:ext cx="9070920" cy="670680"/>
           </a:xfrm>
           <a:prstGeom prst="rect">
@@ -8610,15 +12071,22 @@
           </a:ln>
         </p:spPr>
         <p:style>
-          <a:lnRef idx="0"/>
-          <a:fillRef idx="0"/>
-          <a:effectRef idx="0"/>
+          <a:lnRef idx="0">
+            <a:scrgbClr r="0" g="0" b="0"/>
+          </a:lnRef>
+          <a:fillRef idx="0">
+            <a:scrgbClr r="0" g="0" b="0"/>
+          </a:fillRef>
+          <a:effectRef idx="0">
+            <a:scrgbClr r="0" g="0" b="0"/>
+          </a:effectRef>
           <a:fontRef idx="minor"/>
         </p:style>
         <p:txBody>
-          <a:bodyPr lIns="0" rIns="0" tIns="0" bIns="0" anchor="ctr">
+          <a:bodyPr lIns="0" tIns="0" rIns="0" bIns="0" anchor="ctr">
             <a:spAutoFit/>
           </a:bodyPr>
+          <a:lstStyle/>
           <a:p>
             <a:pPr>
               <a:lnSpc>
@@ -8626,16 +12094,16 @@
               </a:lnSpc>
             </a:pPr>
             <a:r>
-              <a:rPr b="0" lang="en-US" sz="4400" spc="-1" strike="noStrike">
-                <a:solidFill>
-                  <a:srgbClr val="c7243a"/>
+              <a:rPr lang="en-US" sz="4400" b="0" strike="noStrike" spc="-1" dirty="0">
+                <a:solidFill>
+                  <a:srgbClr val="C7243A"/>
                 </a:solidFill>
                 <a:latin typeface="Arial"/>
                 <a:ea typeface="DejaVu Sans"/>
               </a:rPr>
               <a:t>GIAO DIỆN CHÍNH</a:t>
             </a:r>
-            <a:endParaRPr b="0" lang="en-US" sz="4400" spc="-1" strike="noStrike">
+            <a:endParaRPr lang="en-US" sz="4400" b="0" strike="noStrike" spc="-1" dirty="0">
               <a:latin typeface="Arial"/>
             </a:endParaRPr>
           </a:p>
@@ -8643,53 +12111,123 @@
       </p:sp>
       <p:pic>
         <p:nvPicPr>
-          <p:cNvPr id="158" name="" descr=""/>
+          <p:cNvPr id="158" name="Picture 157"/>
           <p:cNvPicPr/>
           <p:nvPr/>
         </p:nvPicPr>
         <p:blipFill>
-          <a:blip r:embed="rId1"/>
+          <a:blip r:embed="rId2"/>
           <a:stretch/>
         </p:blipFill>
         <p:spPr>
           <a:xfrm>
-            <a:off x="2011680" y="1645920"/>
+            <a:off x="2012892" y="1738810"/>
             <a:ext cx="6054840" cy="3291840"/>
           </a:xfrm>
           <a:prstGeom prst="rect">
             <a:avLst/>
           </a:prstGeom>
-          <a:ln>
-            <a:noFill/>
-          </a:ln>
-        </p:spPr>
+          <a:ln/>
+        </p:spPr>
+        <p:style>
+          <a:lnRef idx="1">
+            <a:schemeClr val="accent1"/>
+          </a:lnRef>
+          <a:fillRef idx="2">
+            <a:schemeClr val="accent1"/>
+          </a:fillRef>
+          <a:effectRef idx="1">
+            <a:schemeClr val="accent1"/>
+          </a:effectRef>
+          <a:fontRef idx="minor">
+            <a:schemeClr val="dk1"/>
+          </a:fontRef>
+        </p:style>
       </p:pic>
+      <p:sp>
+        <p:nvSpPr>
+          <p:cNvPr id="2" name="TextBox 1">
+            <a:extLst>
+              <a:ext uri="{FF2B5EF4-FFF2-40B4-BE49-F238E27FC236}">
+                <a16:creationId xmlns:a16="http://schemas.microsoft.com/office/drawing/2014/main" id="{66EB4F40-A418-4095-8E08-4A507B4017D0}"/>
+              </a:ext>
+            </a:extLst>
+          </p:cNvPr>
+          <p:cNvSpPr txBox="1"/>
+          <p:nvPr/>
+        </p:nvSpPr>
+        <p:spPr>
+          <a:xfrm>
+            <a:off x="644768" y="1068130"/>
+            <a:ext cx="4032739" cy="523220"/>
+          </a:xfrm>
+          <a:prstGeom prst="rect">
+            <a:avLst/>
+          </a:prstGeom>
+          <a:noFill/>
+        </p:spPr>
+        <p:txBody>
+          <a:bodyPr wrap="square" rtlCol="0">
+            <a:spAutoFit/>
+          </a:bodyPr>
+          <a:lstStyle/>
+          <a:p>
+            <a:r>
+              <a:rPr lang="en-US" sz="2800" dirty="0" err="1"/>
+              <a:t>Danh</a:t>
+            </a:r>
+            <a:r>
+              <a:rPr lang="en-US" sz="2800" dirty="0"/>
+              <a:t> </a:t>
+            </a:r>
+            <a:r>
+              <a:rPr lang="en-US" sz="2800" dirty="0" err="1"/>
+              <a:t>sách</a:t>
+            </a:r>
+            <a:r>
+              <a:rPr lang="en-US" sz="2800" dirty="0"/>
+              <a:t> </a:t>
+            </a:r>
+            <a:r>
+              <a:rPr lang="en-US" sz="2800" dirty="0" err="1"/>
+              <a:t>sản</a:t>
+            </a:r>
+            <a:r>
+              <a:rPr lang="en-US" sz="2800" dirty="0"/>
+              <a:t> </a:t>
+            </a:r>
+            <a:r>
+              <a:rPr lang="en-US" sz="2800" dirty="0" err="1"/>
+              <a:t>phẩm</a:t>
+            </a:r>
+            <a:r>
+              <a:rPr lang="en-US" sz="2800" dirty="0"/>
+              <a:t> </a:t>
+            </a:r>
+          </a:p>
+        </p:txBody>
+      </p:sp>
     </p:spTree>
   </p:cSld>
-  <mc:AlternateContent>
-    <mc:Choice Requires="p14">
-      <p:transition spd="slow" p14:dur="2000"/>
-    </mc:Choice>
-    <mc:Fallback>
-      <p:transition spd="slow"/>
-    </mc:Fallback>
-  </mc:AlternateContent>
+  <p:clrMapOvr>
+    <a:masterClrMapping/>
+  </p:clrMapOvr>
   <p:timing>
     <p:tnLst>
       <p:par>
-        <p:cTn id="17" dur="indefinite" restart="never" nodeType="tmRoot">
+        <p:cTn id="1" dur="indefinite" restart="never" nodeType="tmRoot">
           <p:childTnLst>
             <p:seq>
-              <p:cTn id="18" dur="indefinite" nodeType="mainSeq"/>
+              <p:cTn id="2" dur="indefinite" nodeType="mainSeq"/>
               <p:prevCondLst>
-                <p:cond delay="0" evt="onPrev">
+                <p:cond evt="onPrev" delay="0">
                   <p:tgtEl>
                     <p:sldTgt/>
                   </p:tgtEl>
                 </p:cond>
               </p:prevCondLst>
               <p:nextCondLst>
-                <p:cond delay="0" evt="onNext">
+                <p:cond evt="onNext" delay="0">
                   <p:tgtEl>
                     <p:sldTgt/>
                   </p:tgtEl>
@@ -8715,31 +12253,31 @@
         <a:sysClr val="window" lastClr="FFFFFF"/>
       </a:lt1>
       <a:dk2>
-        <a:srgbClr val="1f497d"/>
+        <a:srgbClr val="1F497D"/>
       </a:dk2>
       <a:lt2>
-        <a:srgbClr val="eeece1"/>
+        <a:srgbClr val="EEECE1"/>
       </a:lt2>
       <a:accent1>
-        <a:srgbClr val="4f81bd"/>
+        <a:srgbClr val="4F81BD"/>
       </a:accent1>
       <a:accent2>
-        <a:srgbClr val="c0504d"/>
+        <a:srgbClr val="C0504D"/>
       </a:accent2>
       <a:accent3>
-        <a:srgbClr val="9bbb59"/>
+        <a:srgbClr val="9BBB59"/>
       </a:accent3>
       <a:accent4>
-        <a:srgbClr val="8064a2"/>
+        <a:srgbClr val="8064A2"/>
       </a:accent4>
       <a:accent5>
-        <a:srgbClr val="4bacc6"/>
+        <a:srgbClr val="4BACC6"/>
       </a:accent5>
       <a:accent6>
-        <a:srgbClr val="f79646"/>
+        <a:srgbClr val="F79646"/>
       </a:accent6>
       <a:hlink>
-        <a:srgbClr val="0000ff"/>
+        <a:srgbClr val="0000FF"/>
       </a:hlink>
       <a:folHlink>
         <a:srgbClr val="800080"/>
@@ -8924,6 +12462,8 @@
       </a:bgFillStyleLst>
     </a:fmtScheme>
   </a:themeElements>
+  <a:objectDefaults/>
+  <a:extraClrSchemeLst/>
 </a:theme>
 </file>
 
@@ -8938,31 +12478,31 @@
         <a:sysClr val="window" lastClr="FFFFFF"/>
       </a:lt1>
       <a:dk2>
-        <a:srgbClr val="1f497d"/>
+        <a:srgbClr val="1F497D"/>
       </a:dk2>
       <a:lt2>
-        <a:srgbClr val="eeece1"/>
+        <a:srgbClr val="EEECE1"/>
       </a:lt2>
       <a:accent1>
-        <a:srgbClr val="4f81bd"/>
+        <a:srgbClr val="4F81BD"/>
       </a:accent1>
       <a:accent2>
-        <a:srgbClr val="c0504d"/>
+        <a:srgbClr val="C0504D"/>
       </a:accent2>
       <a:accent3>
-        <a:srgbClr val="9bbb59"/>
+        <a:srgbClr val="9BBB59"/>
       </a:accent3>
       <a:accent4>
-        <a:srgbClr val="8064a2"/>
+        <a:srgbClr val="8064A2"/>
       </a:accent4>
       <a:accent5>
-        <a:srgbClr val="4bacc6"/>
+        <a:srgbClr val="4BACC6"/>
       </a:accent5>
       <a:accent6>
-        <a:srgbClr val="f79646"/>
+        <a:srgbClr val="F79646"/>
       </a:accent6>
       <a:hlink>
-        <a:srgbClr val="0000ff"/>
+        <a:srgbClr val="0000FF"/>
       </a:hlink>
       <a:folHlink>
         <a:srgbClr val="800080"/>
@@ -9147,6 +12687,8 @@
       </a:bgFillStyleLst>
     </a:fmtScheme>
   </a:themeElements>
+  <a:objectDefaults/>
+  <a:extraClrSchemeLst/>
 </a:theme>
 </file>
 
@@ -9161,31 +12703,31 @@
         <a:sysClr val="window" lastClr="FFFFFF"/>
       </a:lt1>
       <a:dk2>
-        <a:srgbClr val="1f497d"/>
+        <a:srgbClr val="1F497D"/>
       </a:dk2>
       <a:lt2>
-        <a:srgbClr val="eeece1"/>
+        <a:srgbClr val="EEECE1"/>
       </a:lt2>
       <a:accent1>
-        <a:srgbClr val="4f81bd"/>
+        <a:srgbClr val="4F81BD"/>
       </a:accent1>
       <a:accent2>
-        <a:srgbClr val="c0504d"/>
+        <a:srgbClr val="C0504D"/>
       </a:accent2>
       <a:accent3>
-        <a:srgbClr val="9bbb59"/>
+        <a:srgbClr val="9BBB59"/>
       </a:accent3>
       <a:accent4>
-        <a:srgbClr val="8064a2"/>
+        <a:srgbClr val="8064A2"/>
       </a:accent4>
       <a:accent5>
-        <a:srgbClr val="4bacc6"/>
+        <a:srgbClr val="4BACC6"/>
       </a:accent5>
       <a:accent6>
-        <a:srgbClr val="f79646"/>
+        <a:srgbClr val="F79646"/>
       </a:accent6>
       <a:hlink>
-        <a:srgbClr val="0000ff"/>
+        <a:srgbClr val="0000FF"/>
       </a:hlink>
       <a:folHlink>
         <a:srgbClr val="800080"/>
@@ -9370,5 +12912,7 @@
       </a:bgFillStyleLst>
     </a:fmtScheme>
   </a:themeElements>
+  <a:objectDefaults/>
+  <a:extraClrSchemeLst/>
 </a:theme>
 </file>